--- a/New York Education System capstone.pptx
+++ b/New York Education System capstone.pptx
@@ -12,17 +12,28 @@
     <p:sldId id="257" r:id="rId6"/>
     <p:sldId id="272" r:id="rId7"/>
     <p:sldId id="273" r:id="rId8"/>
-    <p:sldId id="262" r:id="rId9"/>
-    <p:sldId id="261" r:id="rId10"/>
-    <p:sldId id="263" r:id="rId11"/>
-    <p:sldId id="264" r:id="rId12"/>
-    <p:sldId id="265" r:id="rId13"/>
-    <p:sldId id="266" r:id="rId14"/>
-    <p:sldId id="267" r:id="rId15"/>
-    <p:sldId id="269" r:id="rId16"/>
-    <p:sldId id="268" r:id="rId17"/>
-    <p:sldId id="270" r:id="rId18"/>
-    <p:sldId id="271" r:id="rId19"/>
+    <p:sldId id="275" r:id="rId9"/>
+    <p:sldId id="276" r:id="rId10"/>
+    <p:sldId id="277" r:id="rId11"/>
+    <p:sldId id="262" r:id="rId12"/>
+    <p:sldId id="261" r:id="rId13"/>
+    <p:sldId id="278" r:id="rId14"/>
+    <p:sldId id="263" r:id="rId15"/>
+    <p:sldId id="274" r:id="rId16"/>
+    <p:sldId id="264" r:id="rId17"/>
+    <p:sldId id="279" r:id="rId18"/>
+    <p:sldId id="265" r:id="rId19"/>
+    <p:sldId id="280" r:id="rId20"/>
+    <p:sldId id="266" r:id="rId21"/>
+    <p:sldId id="281" r:id="rId22"/>
+    <p:sldId id="267" r:id="rId23"/>
+    <p:sldId id="282" r:id="rId24"/>
+    <p:sldId id="269" r:id="rId25"/>
+    <p:sldId id="283" r:id="rId26"/>
+    <p:sldId id="268" r:id="rId27"/>
+    <p:sldId id="284" r:id="rId28"/>
+    <p:sldId id="270" r:id="rId29"/>
+    <p:sldId id="271" r:id="rId30"/>
   </p:sldIdLst>
   <p:sldSz cx="12192000" cy="6858000"/>
   <p:notesSz cx="6858000" cy="9144000"/>
@@ -5424,7 +5435,7 @@
           <p:cNvPr id="2" name="Title 1">
             <a:extLst>
               <a:ext uri="{FF2B5EF4-FFF2-40B4-BE49-F238E27FC236}">
-                <a16:creationId xmlns:a16="http://schemas.microsoft.com/office/drawing/2014/main" id="{D0997A4F-BA2A-4DD6-B85C-D3632274C9DE}"/>
+                <a16:creationId xmlns:a16="http://schemas.microsoft.com/office/drawing/2014/main" id="{AB6E4E46-BD37-4C3A-A63C-437BD47EF050}"/>
               </a:ext>
             </a:extLst>
           </p:cNvPr>
@@ -5437,8 +5448,8 @@
         </p:nvSpPr>
         <p:spPr>
           <a:xfrm>
-            <a:off x="5529943" y="664029"/>
-            <a:ext cx="1132114" cy="1055914"/>
+            <a:off x="1647092" y="521677"/>
+            <a:ext cx="8897815" cy="627185"/>
           </a:xfrm>
         </p:spPr>
         <p:txBody>
@@ -5447,45 +5458,45 @@
           <a:p>
             <a:r>
               <a:rPr lang="en-US" dirty="0"/>
-              <a:t>KNN</a:t>
-            </a:r>
-          </a:p>
-        </p:txBody>
-      </p:sp>
-      <p:sp>
-        <p:nvSpPr>
-          <p:cNvPr id="3" name="Text Placeholder 2">
+              <a:t>Features Ranked in Importance for ELA</a:t>
+            </a:r>
+          </a:p>
+        </p:txBody>
+      </p:sp>
+      <p:pic>
+        <p:nvPicPr>
+          <p:cNvPr id="4" name="Picture 3">
             <a:extLst>
               <a:ext uri="{FF2B5EF4-FFF2-40B4-BE49-F238E27FC236}">
-                <a16:creationId xmlns:a16="http://schemas.microsoft.com/office/drawing/2014/main" id="{08300E2A-FB43-489A-95D9-01F90405E9D9}"/>
+                <a16:creationId xmlns:a16="http://schemas.microsoft.com/office/drawing/2014/main" id="{E6520DFD-503C-48F0-B43B-717E42696A5E}"/>
               </a:ext>
             </a:extLst>
           </p:cNvPr>
-          <p:cNvSpPr>
-            <a:spLocks noGrp="1"/>
-          </p:cNvSpPr>
-          <p:nvPr>
-            <p:ph type="body" idx="1"/>
-          </p:nvPr>
-        </p:nvSpPr>
+          <p:cNvPicPr>
+            <a:picLocks noChangeAspect="1"/>
+          </p:cNvPicPr>
+          <p:nvPr/>
+        </p:nvPicPr>
+        <p:blipFill>
+          <a:blip r:embed="rId2"/>
+          <a:stretch>
+            <a:fillRect/>
+          </a:stretch>
+        </p:blipFill>
         <p:spPr>
           <a:xfrm>
-            <a:off x="684211" y="2852057"/>
-            <a:ext cx="10615159" cy="3142343"/>
+            <a:off x="1805354" y="1641231"/>
+            <a:ext cx="8581292" cy="5039458"/>
           </a:xfrm>
+          <a:prstGeom prst="rect">
+            <a:avLst/>
+          </a:prstGeom>
         </p:spPr>
-        <p:txBody>
-          <a:bodyPr/>
-          <a:lstStyle/>
-          <a:p>
-            <a:endParaRPr lang="en-US" dirty="0"/>
-          </a:p>
-        </p:txBody>
-      </p:sp>
+      </p:pic>
     </p:spTree>
     <p:extLst>
       <p:ext uri="{BB962C8B-B14F-4D97-AF65-F5344CB8AC3E}">
-        <p14:creationId xmlns:p14="http://schemas.microsoft.com/office/powerpoint/2010/main" val="2080883712"/>
+        <p14:creationId xmlns:p14="http://schemas.microsoft.com/office/powerpoint/2010/main" val="4118198544"/>
       </p:ext>
     </p:extLst>
   </p:cSld>
@@ -5514,10 +5525,10 @@
       </p:grpSpPr>
       <p:sp>
         <p:nvSpPr>
-          <p:cNvPr id="2" name="Title 1">
+          <p:cNvPr id="4" name="Title 3">
             <a:extLst>
               <a:ext uri="{FF2B5EF4-FFF2-40B4-BE49-F238E27FC236}">
-                <a16:creationId xmlns:a16="http://schemas.microsoft.com/office/drawing/2014/main" id="{92FEC159-0050-4C81-8FF3-F432A8F09E97}"/>
+                <a16:creationId xmlns:a16="http://schemas.microsoft.com/office/drawing/2014/main" id="{E01A0B87-B673-4920-BCE3-D4290D0AC8F5}"/>
               </a:ext>
             </a:extLst>
           </p:cNvPr>
@@ -5530,27 +5541,37 @@
         </p:nvSpPr>
         <p:spPr>
           <a:xfrm>
-            <a:off x="3590698" y="685800"/>
-            <a:ext cx="4617130" cy="762000"/>
+            <a:off x="1615440" y="641233"/>
+            <a:ext cx="8961120" cy="1176251"/>
           </a:xfrm>
         </p:spPr>
         <p:txBody>
-          <a:bodyPr/>
-          <a:lstStyle/>
-          <a:p>
-            <a:r>
-              <a:rPr lang="en-US" dirty="0"/>
-              <a:t>Logistic Regression</a:t>
-            </a:r>
-          </a:p>
-        </p:txBody>
-      </p:sp>
-      <p:sp>
-        <p:nvSpPr>
-          <p:cNvPr id="3" name="Text Placeholder 2">
+          <a:bodyPr>
+            <a:normAutofit fontScale="90000"/>
+          </a:bodyPr>
+          <a:lstStyle/>
+          <a:p>
+            <a:pPr algn="ctr"/>
+            <a:r>
+              <a:rPr lang="en-US" dirty="0"/>
+              <a:t>PCA</a:t>
+            </a:r>
+            <a:br>
+              <a:rPr lang="en-US" dirty="0"/>
+            </a:br>
+            <a:r>
+              <a:rPr lang="en-US" dirty="0"/>
+              <a:t>Principal Component Analysis</a:t>
+            </a:r>
+          </a:p>
+        </p:txBody>
+      </p:sp>
+      <p:sp>
+        <p:nvSpPr>
+          <p:cNvPr id="5" name="Text Placeholder 4">
             <a:extLst>
               <a:ext uri="{FF2B5EF4-FFF2-40B4-BE49-F238E27FC236}">
-                <a16:creationId xmlns:a16="http://schemas.microsoft.com/office/drawing/2014/main" id="{C216CAAD-B106-45E8-86A2-EB6023A41507}"/>
+                <a16:creationId xmlns:a16="http://schemas.microsoft.com/office/drawing/2014/main" id="{5A7A1864-FD90-496F-ABB5-66F682828F46}"/>
               </a:ext>
             </a:extLst>
           </p:cNvPr>
@@ -5563,22 +5584,72 @@
         </p:nvSpPr>
         <p:spPr>
           <a:xfrm>
-            <a:off x="684212" y="2188029"/>
-            <a:ext cx="10832874" cy="3806371"/>
+            <a:off x="684212" y="2443941"/>
+            <a:ext cx="10787352" cy="3550459"/>
           </a:xfrm>
         </p:spPr>
         <p:txBody>
           <a:bodyPr/>
           <a:lstStyle/>
           <a:p>
-            <a:endParaRPr lang="en-US" dirty="0"/>
+            <a:pPr marL="285750" indent="-285750">
+              <a:buFont typeface="Arial" panose="020B0604020202020204" pitchFamily="34" charset="0"/>
+              <a:buChar char="•"/>
+            </a:pPr>
+            <a:endParaRPr lang="en-US" dirty="0"/>
+          </a:p>
+          <a:p>
+            <a:r>
+              <a:rPr lang="en-US" dirty="0"/>
+              <a:t>Reduces the complexity by reducing the number of variables to a smaller set of components</a:t>
+            </a:r>
+          </a:p>
+          <a:p>
+            <a:pPr marL="285750" indent="-285750">
+              <a:buFont typeface="Arial" panose="020B0604020202020204" pitchFamily="34" charset="0"/>
+              <a:buChar char="•"/>
+            </a:pPr>
+            <a:r>
+              <a:rPr lang="en-US" dirty="0"/>
+              <a:t>Reduces the dimensionality</a:t>
+            </a:r>
+          </a:p>
+          <a:p>
+            <a:pPr marL="285750" indent="-285750">
+              <a:buFont typeface="Arial" panose="020B0604020202020204" pitchFamily="34" charset="0"/>
+              <a:buChar char="•"/>
+            </a:pPr>
+            <a:r>
+              <a:rPr lang="en-US" dirty="0"/>
+              <a:t>Extracts information while removing the noise</a:t>
+            </a:r>
+          </a:p>
+          <a:p>
+            <a:pPr marL="285750" indent="-285750">
+              <a:buFont typeface="Arial" panose="020B0604020202020204" pitchFamily="34" charset="0"/>
+              <a:buChar char="•"/>
+            </a:pPr>
+            <a:r>
+              <a:rPr lang="en-US" dirty="0"/>
+              <a:t>Simplifies the dataset</a:t>
+            </a:r>
+          </a:p>
+          <a:p>
+            <a:pPr marL="285750" indent="-285750">
+              <a:buFont typeface="Arial" panose="020B0604020202020204" pitchFamily="34" charset="0"/>
+              <a:buChar char="•"/>
+            </a:pPr>
+            <a:r>
+              <a:rPr lang="en-US" dirty="0"/>
+              <a:t>PCA uses Euclidean distance </a:t>
+            </a:r>
           </a:p>
         </p:txBody>
       </p:sp>
     </p:spTree>
     <p:extLst>
       <p:ext uri="{BB962C8B-B14F-4D97-AF65-F5344CB8AC3E}">
-        <p14:creationId xmlns:p14="http://schemas.microsoft.com/office/powerpoint/2010/main" val="796023930"/>
+        <p14:creationId xmlns:p14="http://schemas.microsoft.com/office/powerpoint/2010/main" val="1250360556"/>
       </p:ext>
     </p:extLst>
   </p:cSld>
@@ -5610,7 +5681,7 @@
           <p:cNvPr id="2" name="Title 1">
             <a:extLst>
               <a:ext uri="{FF2B5EF4-FFF2-40B4-BE49-F238E27FC236}">
-                <a16:creationId xmlns:a16="http://schemas.microsoft.com/office/drawing/2014/main" id="{6D7A8FBB-2038-4521-9B52-BD1CE59880CF}"/>
+                <a16:creationId xmlns:a16="http://schemas.microsoft.com/office/drawing/2014/main" id="{DFF9F7C6-914E-4F83-9712-54044C75673A}"/>
               </a:ext>
             </a:extLst>
           </p:cNvPr>
@@ -5623,8 +5694,8 @@
         </p:nvSpPr>
         <p:spPr>
           <a:xfrm>
-            <a:off x="4086792" y="620485"/>
-            <a:ext cx="4018416" cy="827314"/>
+            <a:off x="3580605" y="587829"/>
+            <a:ext cx="5030787" cy="1404257"/>
           </a:xfrm>
         </p:spPr>
         <p:txBody>
@@ -5633,45 +5704,45 @@
           <a:p>
             <a:r>
               <a:rPr lang="en-US" dirty="0"/>
-              <a:t>Ridge regression</a:t>
-            </a:r>
-          </a:p>
-        </p:txBody>
-      </p:sp>
-      <p:sp>
-        <p:nvSpPr>
-          <p:cNvPr id="3" name="Text Placeholder 2">
+              <a:t>PCA Feature selection </a:t>
+            </a:r>
+          </a:p>
+        </p:txBody>
+      </p:sp>
+      <p:pic>
+        <p:nvPicPr>
+          <p:cNvPr id="6" name="Picture 5">
             <a:extLst>
               <a:ext uri="{FF2B5EF4-FFF2-40B4-BE49-F238E27FC236}">
-                <a16:creationId xmlns:a16="http://schemas.microsoft.com/office/drawing/2014/main" id="{002E51F3-8000-46E0-B624-CE588D928F7C}"/>
+                <a16:creationId xmlns:a16="http://schemas.microsoft.com/office/drawing/2014/main" id="{1D1B2CF9-2B2D-4876-9399-049534B3EF96}"/>
               </a:ext>
             </a:extLst>
           </p:cNvPr>
-          <p:cNvSpPr>
-            <a:spLocks noGrp="1"/>
-          </p:cNvSpPr>
-          <p:nvPr>
-            <p:ph type="body" idx="1"/>
-          </p:nvPr>
-        </p:nvSpPr>
+          <p:cNvPicPr>
+            <a:picLocks noChangeAspect="1"/>
+          </p:cNvPicPr>
+          <p:nvPr/>
+        </p:nvPicPr>
+        <p:blipFill>
+          <a:blip r:embed="rId2"/>
+          <a:stretch>
+            <a:fillRect/>
+          </a:stretch>
+        </p:blipFill>
         <p:spPr>
           <a:xfrm>
-            <a:off x="684212" y="2264229"/>
-            <a:ext cx="10821988" cy="3730171"/>
+            <a:off x="1843087" y="2383971"/>
+            <a:ext cx="8505825" cy="3669166"/>
           </a:xfrm>
+          <a:prstGeom prst="rect">
+            <a:avLst/>
+          </a:prstGeom>
         </p:spPr>
-        <p:txBody>
-          <a:bodyPr/>
-          <a:lstStyle/>
-          <a:p>
-            <a:endParaRPr lang="en-US" dirty="0"/>
-          </a:p>
-        </p:txBody>
-      </p:sp>
+      </p:pic>
     </p:spTree>
     <p:extLst>
       <p:ext uri="{BB962C8B-B14F-4D97-AF65-F5344CB8AC3E}">
-        <p14:creationId xmlns:p14="http://schemas.microsoft.com/office/powerpoint/2010/main" val="3660606252"/>
+        <p14:creationId xmlns:p14="http://schemas.microsoft.com/office/powerpoint/2010/main" val="599153735"/>
       </p:ext>
     </p:extLst>
   </p:cSld>
@@ -5703,7 +5774,7 @@
           <p:cNvPr id="2" name="Title 1">
             <a:extLst>
               <a:ext uri="{FF2B5EF4-FFF2-40B4-BE49-F238E27FC236}">
-                <a16:creationId xmlns:a16="http://schemas.microsoft.com/office/drawing/2014/main" id="{47FF1805-DFF8-4784-B538-C4A5AD30A20E}"/>
+                <a16:creationId xmlns:a16="http://schemas.microsoft.com/office/drawing/2014/main" id="{E7BE9B53-BDE6-440D-81A6-FBB8395159F4}"/>
               </a:ext>
             </a:extLst>
           </p:cNvPr>
@@ -5716,8 +5787,8 @@
         </p:nvSpPr>
         <p:spPr>
           <a:xfrm>
-            <a:off x="3777343" y="685800"/>
-            <a:ext cx="4005943" cy="783771"/>
+            <a:off x="4479471" y="664028"/>
+            <a:ext cx="3233058" cy="718457"/>
           </a:xfrm>
         </p:spPr>
         <p:txBody>
@@ -5726,7 +5797,7 @@
           <a:p>
             <a:r>
               <a:rPr lang="en-US" dirty="0"/>
-              <a:t>Lasso Regression</a:t>
+              <a:t>Model Tuning</a:t>
             </a:r>
           </a:p>
         </p:txBody>
@@ -5736,7 +5807,7 @@
           <p:cNvPr id="3" name="Text Placeholder 2">
             <a:extLst>
               <a:ext uri="{FF2B5EF4-FFF2-40B4-BE49-F238E27FC236}">
-                <a16:creationId xmlns:a16="http://schemas.microsoft.com/office/drawing/2014/main" id="{6C36E44F-AC9F-4781-B695-F6E20593EC2D}"/>
+                <a16:creationId xmlns:a16="http://schemas.microsoft.com/office/drawing/2014/main" id="{F543783E-4B56-4239-A88F-2DA57D9DC199}"/>
               </a:ext>
             </a:extLst>
           </p:cNvPr>
@@ -5749,22 +5820,72 @@
         </p:nvSpPr>
         <p:spPr>
           <a:xfrm>
-            <a:off x="684212" y="2405743"/>
-            <a:ext cx="10528074" cy="3588657"/>
+            <a:off x="668677" y="1937656"/>
+            <a:ext cx="10854645" cy="3516087"/>
           </a:xfrm>
         </p:spPr>
         <p:txBody>
           <a:bodyPr/>
           <a:lstStyle/>
           <a:p>
-            <a:endParaRPr lang="en-US" dirty="0"/>
+            <a:pPr marL="342900" indent="-342900">
+              <a:buFont typeface="Arial" panose="020B0604020202020204" pitchFamily="34" charset="0"/>
+              <a:buChar char="•"/>
+            </a:pPr>
+            <a:r>
+              <a:rPr lang="en-US" dirty="0"/>
+              <a:t>All models were tuned using </a:t>
+            </a:r>
+            <a:r>
+              <a:rPr lang="en-US" dirty="0" err="1"/>
+              <a:t>gridsearchCV</a:t>
+            </a:r>
+            <a:endParaRPr lang="en-US" dirty="0"/>
+          </a:p>
+          <a:p>
+            <a:pPr marL="342900" indent="-342900">
+              <a:buFont typeface="Arial" panose="020B0604020202020204" pitchFamily="34" charset="0"/>
+              <a:buChar char="•"/>
+            </a:pPr>
+            <a:r>
+              <a:rPr lang="en-US" dirty="0"/>
+              <a:t>I used both PCA and my manually adjusted feature set for each model</a:t>
+            </a:r>
+          </a:p>
+          <a:p>
+            <a:pPr marL="342900" indent="-342900">
+              <a:buFont typeface="Arial" panose="020B0604020202020204" pitchFamily="34" charset="0"/>
+              <a:buChar char="•"/>
+            </a:pPr>
+            <a:r>
+              <a:rPr lang="en-US" dirty="0"/>
+              <a:t>I tuned the models individually for feature set against ELA and math proficiency</a:t>
+            </a:r>
+          </a:p>
+          <a:p>
+            <a:pPr marL="342900" indent="-342900">
+              <a:buFont typeface="Arial" panose="020B0604020202020204" pitchFamily="34" charset="0"/>
+              <a:buChar char="•"/>
+            </a:pPr>
+            <a:r>
+              <a:rPr lang="en-US" dirty="0"/>
+              <a:t>I also used </a:t>
+            </a:r>
+            <a:r>
+              <a:rPr lang="en-US" dirty="0" err="1"/>
+              <a:t>cross_val_score</a:t>
+            </a:r>
+            <a:r>
+              <a:rPr lang="en-US" dirty="0"/>
+              <a:t> to split the data into 5 groups to test for overfitting</a:t>
+            </a:r>
           </a:p>
         </p:txBody>
       </p:sp>
     </p:spTree>
     <p:extLst>
       <p:ext uri="{BB962C8B-B14F-4D97-AF65-F5344CB8AC3E}">
-        <p14:creationId xmlns:p14="http://schemas.microsoft.com/office/powerpoint/2010/main" val="3884424611"/>
+        <p14:creationId xmlns:p14="http://schemas.microsoft.com/office/powerpoint/2010/main" val="1982314190"/>
       </p:ext>
     </p:extLst>
   </p:cSld>
@@ -5796,7 +5917,7 @@
           <p:cNvPr id="2" name="Title 1">
             <a:extLst>
               <a:ext uri="{FF2B5EF4-FFF2-40B4-BE49-F238E27FC236}">
-                <a16:creationId xmlns:a16="http://schemas.microsoft.com/office/drawing/2014/main" id="{5C70EBA0-7EA6-4C11-B843-5A5000FDB980}"/>
+                <a16:creationId xmlns:a16="http://schemas.microsoft.com/office/drawing/2014/main" id="{D0997A4F-BA2A-4DD6-B85C-D3632274C9DE}"/>
               </a:ext>
             </a:extLst>
           </p:cNvPr>
@@ -5809,17 +5930,19 @@
         </p:nvSpPr>
         <p:spPr>
           <a:xfrm>
-            <a:off x="5648890" y="587829"/>
-            <a:ext cx="947057" cy="762000"/>
+            <a:off x="5580611" y="647403"/>
+            <a:ext cx="1030778" cy="1055914"/>
           </a:xfrm>
         </p:spPr>
         <p:txBody>
-          <a:bodyPr/>
-          <a:lstStyle/>
-          <a:p>
-            <a:r>
-              <a:rPr lang="en-US" dirty="0"/>
-              <a:t>SVR</a:t>
+          <a:bodyPr>
+            <a:normAutofit/>
+          </a:bodyPr>
+          <a:lstStyle/>
+          <a:p>
+            <a:r>
+              <a:rPr lang="en-US" dirty="0"/>
+              <a:t>KNN</a:t>
             </a:r>
           </a:p>
         </p:txBody>
@@ -5829,7 +5952,7 @@
           <p:cNvPr id="3" name="Text Placeholder 2">
             <a:extLst>
               <a:ext uri="{FF2B5EF4-FFF2-40B4-BE49-F238E27FC236}">
-                <a16:creationId xmlns:a16="http://schemas.microsoft.com/office/drawing/2014/main" id="{84DDB760-FF7D-48DA-9B06-3677551C0865}"/>
+                <a16:creationId xmlns:a16="http://schemas.microsoft.com/office/drawing/2014/main" id="{08300E2A-FB43-489A-95D9-01F90405E9D9}"/>
               </a:ext>
             </a:extLst>
           </p:cNvPr>
@@ -5842,22 +5965,69 @@
         </p:nvSpPr>
         <p:spPr>
           <a:xfrm>
-            <a:off x="684211" y="2688771"/>
-            <a:ext cx="10876417" cy="3305629"/>
+            <a:off x="629195" y="2120537"/>
+            <a:ext cx="10933610" cy="3142343"/>
           </a:xfrm>
         </p:spPr>
         <p:txBody>
           <a:bodyPr/>
           <a:lstStyle/>
           <a:p>
-            <a:endParaRPr lang="en-US" dirty="0"/>
+            <a:pPr marL="342900" indent="-342900">
+              <a:buFont typeface="Arial" panose="020B0604020202020204" pitchFamily="34" charset="0"/>
+              <a:buChar char="•"/>
+            </a:pPr>
+            <a:r>
+              <a:rPr lang="en-US" dirty="0"/>
+              <a:t>KNN is a simple algorithm that stores all datapoints and classifies the new datapoints based on the similarity to the previous points.</a:t>
+            </a:r>
+          </a:p>
+          <a:p>
+            <a:pPr marL="342900" indent="-342900">
+              <a:buFont typeface="Arial" panose="020B0604020202020204" pitchFamily="34" charset="0"/>
+              <a:buChar char="•"/>
+            </a:pPr>
+            <a:r>
+              <a:rPr lang="en-US" dirty="0"/>
+              <a:t>KNN has a relatively high accuracy while being extremely simple</a:t>
+            </a:r>
+          </a:p>
+          <a:p>
+            <a:pPr marL="342900" indent="-342900">
+              <a:buFont typeface="Arial" panose="020B0604020202020204" pitchFamily="34" charset="0"/>
+              <a:buChar char="•"/>
+            </a:pPr>
+            <a:r>
+              <a:rPr lang="en-US" dirty="0"/>
+              <a:t>KNN can be used for classification or regression</a:t>
+            </a:r>
+          </a:p>
+          <a:p>
+            <a:pPr marL="342900" indent="-342900">
+              <a:buFont typeface="Arial" panose="020B0604020202020204" pitchFamily="34" charset="0"/>
+              <a:buChar char="•"/>
+            </a:pPr>
+            <a:r>
+              <a:rPr lang="en-US" dirty="0"/>
+              <a:t>Using KNN can be computationally difficult due to storing the entire training data set</a:t>
+            </a:r>
+          </a:p>
+          <a:p>
+            <a:pPr marL="342900" indent="-342900">
+              <a:buFont typeface="Arial" panose="020B0604020202020204" pitchFamily="34" charset="0"/>
+              <a:buChar char="•"/>
+            </a:pPr>
+            <a:r>
+              <a:rPr lang="en-US" dirty="0"/>
+              <a:t>Sensitive to irrelevant features and the scale of data</a:t>
+            </a:r>
           </a:p>
         </p:txBody>
       </p:sp>
     </p:spTree>
     <p:extLst>
       <p:ext uri="{BB962C8B-B14F-4D97-AF65-F5344CB8AC3E}">
-        <p14:creationId xmlns:p14="http://schemas.microsoft.com/office/powerpoint/2010/main" val="1992817446"/>
+        <p14:creationId xmlns:p14="http://schemas.microsoft.com/office/powerpoint/2010/main" val="2080883712"/>
       </p:ext>
     </p:extLst>
   </p:cSld>
@@ -5889,7 +6059,7 @@
           <p:cNvPr id="2" name="Title 1">
             <a:extLst>
               <a:ext uri="{FF2B5EF4-FFF2-40B4-BE49-F238E27FC236}">
-                <a16:creationId xmlns:a16="http://schemas.microsoft.com/office/drawing/2014/main" id="{7E7D7F4F-6ECF-47F3-A7B1-4503C5EB3F06}"/>
+                <a16:creationId xmlns:a16="http://schemas.microsoft.com/office/drawing/2014/main" id="{45DC9A53-E436-4EE2-8FCE-AE7078AE71EE}"/>
               </a:ext>
             </a:extLst>
           </p:cNvPr>
@@ -5902,19 +6072,17 @@
         </p:nvSpPr>
         <p:spPr>
           <a:xfrm>
-            <a:off x="4191000" y="696685"/>
-            <a:ext cx="3396343" cy="533400"/>
+            <a:off x="5605446" y="466667"/>
+            <a:ext cx="1028008" cy="793865"/>
           </a:xfrm>
         </p:spPr>
         <p:txBody>
-          <a:bodyPr>
-            <a:normAutofit fontScale="90000"/>
-          </a:bodyPr>
-          <a:lstStyle/>
-          <a:p>
-            <a:r>
-              <a:rPr lang="en-US" dirty="0"/>
-              <a:t>Random Forest</a:t>
+          <a:bodyPr/>
+          <a:lstStyle/>
+          <a:p>
+            <a:r>
+              <a:rPr lang="en-US" dirty="0"/>
+              <a:t>KNN</a:t>
             </a:r>
           </a:p>
         </p:txBody>
@@ -5924,7 +6092,7 @@
           <p:cNvPr id="3" name="Text Placeholder 2">
             <a:extLst>
               <a:ext uri="{FF2B5EF4-FFF2-40B4-BE49-F238E27FC236}">
-                <a16:creationId xmlns:a16="http://schemas.microsoft.com/office/drawing/2014/main" id="{9A01C577-44FD-47AA-AC51-F5C8CC514489}"/>
+                <a16:creationId xmlns:a16="http://schemas.microsoft.com/office/drawing/2014/main" id="{9349E4A0-63E0-4482-863C-E9CCCB956E1D}"/>
               </a:ext>
             </a:extLst>
           </p:cNvPr>
@@ -5935,10 +6103,91 @@
             <p:ph type="body" idx="1"/>
           </p:nvPr>
         </p:nvSpPr>
-        <p:spPr/>
+        <p:spPr>
+          <a:xfrm>
+            <a:off x="660760" y="1705297"/>
+            <a:ext cx="10870479" cy="4368932"/>
+          </a:xfrm>
+        </p:spPr>
         <p:txBody>
           <a:bodyPr/>
           <a:lstStyle/>
+          <a:p>
+            <a:r>
+              <a:rPr lang="en-US" dirty="0"/>
+              <a:t>My best parameters for Math was </a:t>
+            </a:r>
+            <a:r>
+              <a:rPr lang="en-US" dirty="0" err="1"/>
+              <a:t>n_neighbors</a:t>
+            </a:r>
+            <a:r>
+              <a:rPr lang="en-US" dirty="0"/>
+              <a:t> = 212, weights ='distance’ using my manual feature set.</a:t>
+            </a:r>
+          </a:p>
+          <a:p>
+            <a:pPr marL="342900" indent="-342900">
+              <a:buFont typeface="Arial" panose="020B0604020202020204" pitchFamily="34" charset="0"/>
+              <a:buChar char="•"/>
+            </a:pPr>
+            <a:r>
+              <a:rPr lang="en-US" dirty="0"/>
+              <a:t>Average accuracy was 73% and overfitting was minimal at +/- .3%</a:t>
+            </a:r>
+          </a:p>
+          <a:p>
+            <a:pPr marL="342900" indent="-342900">
+              <a:buFont typeface="Arial" panose="020B0604020202020204" pitchFamily="34" charset="0"/>
+              <a:buChar char="•"/>
+            </a:pPr>
+            <a:r>
+              <a:rPr lang="en-US" dirty="0"/>
+              <a:t>PCA feature had just a slightly lower accuracy at 72.8</a:t>
+            </a:r>
+          </a:p>
+          <a:p>
+            <a:r>
+              <a:rPr lang="en-US" dirty="0"/>
+              <a:t>My best parameters for ELA was </a:t>
+            </a:r>
+            <a:r>
+              <a:rPr lang="en-US" dirty="0" err="1"/>
+              <a:t>n_neighbors</a:t>
+            </a:r>
+            <a:r>
+              <a:rPr lang="en-US" dirty="0"/>
+              <a:t> = </a:t>
+            </a:r>
+            <a:r>
+              <a:rPr lang="en-US" dirty="0" err="1"/>
+              <a:t>n_neighbors</a:t>
+            </a:r>
+            <a:r>
+              <a:rPr lang="en-US" dirty="0"/>
+              <a:t> = 30, weights ='distance' using my manual feature set.</a:t>
+            </a:r>
+          </a:p>
+          <a:p>
+            <a:pPr marL="342900" indent="-342900">
+              <a:buFont typeface="Arial" panose="020B0604020202020204" pitchFamily="34" charset="0"/>
+              <a:buChar char="•"/>
+            </a:pPr>
+            <a:r>
+              <a:rPr lang="en-US" dirty="0"/>
+              <a:t>I found ELA had much better accuracy 88.62% accuracy with overfitting  +/-2%</a:t>
+            </a:r>
+          </a:p>
+          <a:p>
+            <a:pPr marL="342900" indent="-342900">
+              <a:buFont typeface="Arial" panose="020B0604020202020204" pitchFamily="34" charset="0"/>
+              <a:buChar char="•"/>
+            </a:pPr>
+            <a:r>
+              <a:rPr lang="en-US" dirty="0"/>
+              <a:t>PCA feature set performed slightly lower at 87% with .1% overfitting</a:t>
+            </a:r>
+          </a:p>
           <a:p>
             <a:endParaRPr lang="en-US" dirty="0"/>
           </a:p>
@@ -5947,7 +6196,7 @@
     </p:spTree>
     <p:extLst>
       <p:ext uri="{BB962C8B-B14F-4D97-AF65-F5344CB8AC3E}">
-        <p14:creationId xmlns:p14="http://schemas.microsoft.com/office/powerpoint/2010/main" val="377013793"/>
+        <p14:creationId xmlns:p14="http://schemas.microsoft.com/office/powerpoint/2010/main" val="3817331252"/>
       </p:ext>
     </p:extLst>
   </p:cSld>
@@ -5979,7 +6228,7 @@
           <p:cNvPr id="2" name="Title 1">
             <a:extLst>
               <a:ext uri="{FF2B5EF4-FFF2-40B4-BE49-F238E27FC236}">
-                <a16:creationId xmlns:a16="http://schemas.microsoft.com/office/drawing/2014/main" id="{0C83E819-C723-4EB1-B6C9-0F08092B1429}"/>
+                <a16:creationId xmlns:a16="http://schemas.microsoft.com/office/drawing/2014/main" id="{92FEC159-0050-4C81-8FF3-F432A8F09E97}"/>
               </a:ext>
             </a:extLst>
           </p:cNvPr>
@@ -5992,8 +6241,8 @@
         </p:nvSpPr>
         <p:spPr>
           <a:xfrm>
-            <a:off x="3913414" y="620486"/>
-            <a:ext cx="4365171" cy="772885"/>
+            <a:off x="3590698" y="685800"/>
+            <a:ext cx="4617130" cy="762000"/>
           </a:xfrm>
         </p:spPr>
         <p:txBody>
@@ -6002,7 +6251,7 @@
           <a:p>
             <a:r>
               <a:rPr lang="en-US" dirty="0"/>
-              <a:t>Gradient Boosting</a:t>
+              <a:t>Logistic Regression</a:t>
             </a:r>
           </a:p>
         </p:txBody>
@@ -6012,7 +6261,7 @@
           <p:cNvPr id="3" name="Text Placeholder 2">
             <a:extLst>
               <a:ext uri="{FF2B5EF4-FFF2-40B4-BE49-F238E27FC236}">
-                <a16:creationId xmlns:a16="http://schemas.microsoft.com/office/drawing/2014/main" id="{CEB2EC7C-A80D-48EC-B96F-2E14E8CCEFEC}"/>
+                <a16:creationId xmlns:a16="http://schemas.microsoft.com/office/drawing/2014/main" id="{C216CAAD-B106-45E8-86A2-EB6023A41507}"/>
               </a:ext>
             </a:extLst>
           </p:cNvPr>
@@ -6023,19 +6272,60 @@
             <p:ph type="body" idx="1"/>
           </p:nvPr>
         </p:nvSpPr>
-        <p:spPr/>
+        <p:spPr>
+          <a:xfrm>
+            <a:off x="684212" y="2188029"/>
+            <a:ext cx="10832874" cy="3806371"/>
+          </a:xfrm>
+        </p:spPr>
         <p:txBody>
           <a:bodyPr/>
           <a:lstStyle/>
           <a:p>
-            <a:endParaRPr lang="en-US"/>
+            <a:r>
+              <a:rPr lang="en-US" dirty="0"/>
+              <a:t>Logistic Regression is a classification algorithm that is designed to find the relationship between features and probability of particular outcome</a:t>
+            </a:r>
+          </a:p>
+          <a:p>
+            <a:pPr marL="342900" indent="-342900">
+              <a:buFont typeface="Arial" panose="020B0604020202020204" pitchFamily="34" charset="0"/>
+              <a:buChar char="•"/>
+            </a:pPr>
+            <a:r>
+              <a:rPr lang="en-US" dirty="0"/>
+              <a:t>Simple and efficient</a:t>
+            </a:r>
+          </a:p>
+          <a:p>
+            <a:pPr marL="342900" indent="-342900">
+              <a:buFont typeface="Arial" panose="020B0604020202020204" pitchFamily="34" charset="0"/>
+              <a:buChar char="•"/>
+            </a:pPr>
+            <a:r>
+              <a:rPr lang="en-US" dirty="0"/>
+              <a:t>Low variance</a:t>
+            </a:r>
+          </a:p>
+          <a:p>
+            <a:pPr marL="342900" indent="-342900">
+              <a:buFont typeface="Arial" panose="020B0604020202020204" pitchFamily="34" charset="0"/>
+              <a:buChar char="•"/>
+            </a:pPr>
+            <a:r>
+              <a:rPr lang="en-US" dirty="0"/>
+              <a:t>Does not  work well with larger number s of categorical features</a:t>
+            </a:r>
+          </a:p>
+          <a:p>
+            <a:endParaRPr lang="en-US" dirty="0"/>
           </a:p>
         </p:txBody>
       </p:sp>
     </p:spTree>
     <p:extLst>
       <p:ext uri="{BB962C8B-B14F-4D97-AF65-F5344CB8AC3E}">
-        <p14:creationId xmlns:p14="http://schemas.microsoft.com/office/powerpoint/2010/main" val="1032198637"/>
+        <p14:creationId xmlns:p14="http://schemas.microsoft.com/office/powerpoint/2010/main" val="796023930"/>
       </p:ext>
     </p:extLst>
   </p:cSld>
@@ -6067,7 +6357,7 @@
           <p:cNvPr id="2" name="Title 1">
             <a:extLst>
               <a:ext uri="{FF2B5EF4-FFF2-40B4-BE49-F238E27FC236}">
-                <a16:creationId xmlns:a16="http://schemas.microsoft.com/office/drawing/2014/main" id="{9A07B1BE-0AEA-44CA-932C-1EDDBE45BF5B}"/>
+                <a16:creationId xmlns:a16="http://schemas.microsoft.com/office/drawing/2014/main" id="{EA680453-186E-4F65-8024-A6B5191B09BB}"/>
               </a:ext>
             </a:extLst>
           </p:cNvPr>
@@ -6080,8 +6370,8 @@
         </p:nvSpPr>
         <p:spPr>
           <a:xfrm>
-            <a:off x="4767942" y="631371"/>
-            <a:ext cx="2656115" cy="696686"/>
+            <a:off x="3825535" y="555171"/>
+            <a:ext cx="4540930" cy="1121229"/>
           </a:xfrm>
         </p:spPr>
         <p:txBody>
@@ -6090,7 +6380,7 @@
           <a:p>
             <a:r>
               <a:rPr lang="en-US" dirty="0"/>
-              <a:t>Best Results</a:t>
+              <a:t>Logistic Regression</a:t>
             </a:r>
           </a:p>
         </p:txBody>
@@ -6100,7 +6390,7 @@
           <p:cNvPr id="3" name="Text Placeholder 2">
             <a:extLst>
               <a:ext uri="{FF2B5EF4-FFF2-40B4-BE49-F238E27FC236}">
-                <a16:creationId xmlns:a16="http://schemas.microsoft.com/office/drawing/2014/main" id="{340135D9-9C6A-4796-AC8C-4A3EEA64A883}"/>
+                <a16:creationId xmlns:a16="http://schemas.microsoft.com/office/drawing/2014/main" id="{F7364304-4F6A-4683-AA56-3197FA651E57}"/>
               </a:ext>
             </a:extLst>
           </p:cNvPr>
@@ -6113,13 +6403,67 @@
         </p:nvSpPr>
         <p:spPr>
           <a:xfrm>
-            <a:off x="684211" y="2710543"/>
-            <a:ext cx="10691359" cy="3283857"/>
+            <a:off x="684212" y="2438400"/>
+            <a:ext cx="10517188" cy="3556000"/>
           </a:xfrm>
         </p:spPr>
         <p:txBody>
-          <a:bodyPr/>
-          <a:lstStyle/>
+          <a:bodyPr>
+            <a:normAutofit/>
+          </a:bodyPr>
+          <a:lstStyle/>
+          <a:p>
+            <a:r>
+              <a:rPr lang="en-US" dirty="0"/>
+              <a:t>My best parameters for Math was C= 1.7000000000000006 using my manual feature set.</a:t>
+            </a:r>
+          </a:p>
+          <a:p>
+            <a:pPr marL="342900" indent="-342900">
+              <a:buFont typeface="Arial" panose="020B0604020202020204" pitchFamily="34" charset="0"/>
+              <a:buChar char="•"/>
+            </a:pPr>
+            <a:r>
+              <a:rPr lang="en-US" dirty="0"/>
+              <a:t>Average accuracy was 84% and overfitting was much higher at +/- 8%</a:t>
+            </a:r>
+          </a:p>
+          <a:p>
+            <a:pPr marL="342900" indent="-342900">
+              <a:buFont typeface="Arial" panose="020B0604020202020204" pitchFamily="34" charset="0"/>
+              <a:buChar char="•"/>
+            </a:pPr>
+            <a:r>
+              <a:rPr lang="en-US" dirty="0"/>
+              <a:t>PCA feature had had a much lower accuracy at 72.8 but with only .5% overfit</a:t>
+            </a:r>
+          </a:p>
+          <a:p>
+            <a:r>
+              <a:rPr lang="en-US" dirty="0"/>
+              <a:t>My best parameters for ELA was C = 0.002 using my manual feature set.</a:t>
+            </a:r>
+          </a:p>
+          <a:p>
+            <a:pPr marL="342900" indent="-342900">
+              <a:buFont typeface="Arial" panose="020B0604020202020204" pitchFamily="34" charset="0"/>
+              <a:buChar char="•"/>
+            </a:pPr>
+            <a:r>
+              <a:rPr lang="en-US" dirty="0"/>
+              <a:t>I found ELA had much better accuracy 91.4% accuracy with overfitting  +/-3%</a:t>
+            </a:r>
+          </a:p>
+          <a:p>
+            <a:pPr marL="342900" indent="-342900">
+              <a:buFont typeface="Arial" panose="020B0604020202020204" pitchFamily="34" charset="0"/>
+              <a:buChar char="•"/>
+            </a:pPr>
+            <a:r>
+              <a:rPr lang="en-US" dirty="0"/>
+              <a:t>PCA feature set performed slightly lower at 72.8% with .4% overfitting</a:t>
+            </a:r>
+          </a:p>
           <a:p>
             <a:endParaRPr lang="en-US" dirty="0"/>
           </a:p>
@@ -6128,7 +6472,7 @@
     </p:spTree>
     <p:extLst>
       <p:ext uri="{BB962C8B-B14F-4D97-AF65-F5344CB8AC3E}">
-        <p14:creationId xmlns:p14="http://schemas.microsoft.com/office/powerpoint/2010/main" val="2807303910"/>
+        <p14:creationId xmlns:p14="http://schemas.microsoft.com/office/powerpoint/2010/main" val="1263587909"/>
       </p:ext>
     </p:extLst>
   </p:cSld>
@@ -6160,7 +6504,7 @@
           <p:cNvPr id="2" name="Title 1">
             <a:extLst>
               <a:ext uri="{FF2B5EF4-FFF2-40B4-BE49-F238E27FC236}">
-                <a16:creationId xmlns:a16="http://schemas.microsoft.com/office/drawing/2014/main" id="{125B0CF7-1E88-4D8F-A80A-15E8FCCE63B8}"/>
+                <a16:creationId xmlns:a16="http://schemas.microsoft.com/office/drawing/2014/main" id="{6D7A8FBB-2038-4521-9B52-BD1CE59880CF}"/>
               </a:ext>
             </a:extLst>
           </p:cNvPr>
@@ -6173,8 +6517,8 @@
         </p:nvSpPr>
         <p:spPr>
           <a:xfrm>
-            <a:off x="4582886" y="685800"/>
-            <a:ext cx="3004458" cy="685800"/>
+            <a:off x="4086792" y="620485"/>
+            <a:ext cx="4018416" cy="827314"/>
           </a:xfrm>
         </p:spPr>
         <p:txBody>
@@ -6183,7 +6527,7 @@
           <a:p>
             <a:r>
               <a:rPr lang="en-US" dirty="0"/>
-              <a:t>Conclusion</a:t>
+              <a:t>Ridge regression</a:t>
             </a:r>
           </a:p>
         </p:txBody>
@@ -6193,7 +6537,7 @@
           <p:cNvPr id="3" name="Text Placeholder 2">
             <a:extLst>
               <a:ext uri="{FF2B5EF4-FFF2-40B4-BE49-F238E27FC236}">
-                <a16:creationId xmlns:a16="http://schemas.microsoft.com/office/drawing/2014/main" id="{8B6963D9-3580-40DD-AD67-862CD1FA7F9F}"/>
+                <a16:creationId xmlns:a16="http://schemas.microsoft.com/office/drawing/2014/main" id="{002E51F3-8000-46E0-B624-CE588D928F7C}"/>
               </a:ext>
             </a:extLst>
           </p:cNvPr>
@@ -6206,14 +6550,70 @@
         </p:nvSpPr>
         <p:spPr>
           <a:xfrm>
-            <a:off x="684211" y="2667000"/>
-            <a:ext cx="10876417" cy="3327400"/>
+            <a:off x="684212" y="2264229"/>
+            <a:ext cx="10821988" cy="3730171"/>
           </a:xfrm>
         </p:spPr>
         <p:txBody>
           <a:bodyPr/>
           <a:lstStyle/>
           <a:p>
+            <a:endParaRPr lang="en-US" dirty="0"/>
+          </a:p>
+          <a:p>
+            <a:endParaRPr lang="en-US" dirty="0"/>
+          </a:p>
+          <a:p>
+            <a:r>
+              <a:rPr lang="en-US" dirty="0"/>
+              <a:t>Ridge regression shrinks the coefficients so the variables with minor contributions have coefficients close to zero</a:t>
+            </a:r>
+          </a:p>
+          <a:p>
+            <a:pPr marL="342900" indent="-342900">
+              <a:buFont typeface="Arial" panose="020B0604020202020204" pitchFamily="34" charset="0"/>
+              <a:buChar char="•"/>
+            </a:pPr>
+            <a:r>
+              <a:rPr lang="en-US" dirty="0"/>
+              <a:t>Reduces the model complexity by coefficient shrinkage called ridge estimator</a:t>
+            </a:r>
+          </a:p>
+          <a:p>
+            <a:pPr marL="342900" indent="-342900">
+              <a:buFont typeface="Arial" panose="020B0604020202020204" pitchFamily="34" charset="0"/>
+              <a:buChar char="•"/>
+            </a:pPr>
+            <a:r>
+              <a:rPr lang="en-US" dirty="0"/>
+              <a:t>Uses the L2 regularization technique</a:t>
+            </a:r>
+          </a:p>
+          <a:p>
+            <a:pPr marL="342900" indent="-342900">
+              <a:buFont typeface="Arial" panose="020B0604020202020204" pitchFamily="34" charset="0"/>
+              <a:buChar char="•"/>
+            </a:pPr>
+            <a:r>
+              <a:rPr lang="en-US" dirty="0"/>
+              <a:t>By reducing the coefficient of features with little relevance, it minimizes those feature’s impact on the trained model </a:t>
+            </a:r>
+          </a:p>
+          <a:p>
+            <a:endParaRPr lang="en-US" dirty="0"/>
+          </a:p>
+          <a:p>
+            <a:pPr marL="342900" indent="-342900">
+              <a:buFont typeface="Arial" panose="020B0604020202020204" pitchFamily="34" charset="0"/>
+              <a:buChar char="•"/>
+            </a:pPr>
+            <a:endParaRPr lang="en-US" dirty="0"/>
+          </a:p>
+          <a:p>
+            <a:pPr marL="342900" indent="-342900">
+              <a:buFont typeface="Arial" panose="020B0604020202020204" pitchFamily="34" charset="0"/>
+              <a:buChar char="•"/>
+            </a:pPr>
             <a:endParaRPr lang="en-US" dirty="0"/>
           </a:p>
         </p:txBody>
@@ -6221,7 +6621,155 @@
     </p:spTree>
     <p:extLst>
       <p:ext uri="{BB962C8B-B14F-4D97-AF65-F5344CB8AC3E}">
-        <p14:creationId xmlns:p14="http://schemas.microsoft.com/office/powerpoint/2010/main" val="2907348418"/>
+        <p14:creationId xmlns:p14="http://schemas.microsoft.com/office/powerpoint/2010/main" val="3660606252"/>
+      </p:ext>
+    </p:extLst>
+  </p:cSld>
+  <p:clrMapOvr>
+    <a:masterClrMapping/>
+  </p:clrMapOvr>
+</p:sld>
+</file>
+
+<file path=ppt/slides/slide19.xml><?xml version="1.0" encoding="utf-8"?>
+<p:sld xmlns:a="http://schemas.openxmlformats.org/drawingml/2006/main" xmlns:r="http://schemas.openxmlformats.org/officeDocument/2006/relationships" xmlns:p="http://schemas.openxmlformats.org/presentationml/2006/main">
+  <p:cSld>
+    <p:spTree>
+      <p:nvGrpSpPr>
+        <p:cNvPr id="1" name=""/>
+        <p:cNvGrpSpPr/>
+        <p:nvPr/>
+      </p:nvGrpSpPr>
+      <p:grpSpPr>
+        <a:xfrm>
+          <a:off x="0" y="0"/>
+          <a:ext cx="0" cy="0"/>
+          <a:chOff x="0" y="0"/>
+          <a:chExt cx="0" cy="0"/>
+        </a:xfrm>
+      </p:grpSpPr>
+      <p:sp>
+        <p:nvSpPr>
+          <p:cNvPr id="2" name="Title 1">
+            <a:extLst>
+              <a:ext uri="{FF2B5EF4-FFF2-40B4-BE49-F238E27FC236}">
+                <a16:creationId xmlns:a16="http://schemas.microsoft.com/office/drawing/2014/main" id="{7F6D47DF-BB96-49C6-B688-A7AB1521D645}"/>
+              </a:ext>
+            </a:extLst>
+          </p:cNvPr>
+          <p:cNvSpPr>
+            <a:spLocks noGrp="1"/>
+          </p:cNvSpPr>
+          <p:nvPr>
+            <p:ph type="title"/>
+          </p:nvPr>
+        </p:nvSpPr>
+        <p:spPr>
+          <a:xfrm>
+            <a:off x="3276600" y="620486"/>
+            <a:ext cx="5638800" cy="838200"/>
+          </a:xfrm>
+        </p:spPr>
+        <p:txBody>
+          <a:bodyPr/>
+          <a:lstStyle/>
+          <a:p>
+            <a:pPr algn="ctr"/>
+            <a:r>
+              <a:rPr lang="en-US" dirty="0"/>
+              <a:t>Ridge Regression scores</a:t>
+            </a:r>
+          </a:p>
+        </p:txBody>
+      </p:sp>
+      <p:sp>
+        <p:nvSpPr>
+          <p:cNvPr id="3" name="Text Placeholder 2">
+            <a:extLst>
+              <a:ext uri="{FF2B5EF4-FFF2-40B4-BE49-F238E27FC236}">
+                <a16:creationId xmlns:a16="http://schemas.microsoft.com/office/drawing/2014/main" id="{4E2C3D86-8925-4F2C-91F9-78623A14CE4B}"/>
+              </a:ext>
+            </a:extLst>
+          </p:cNvPr>
+          <p:cNvSpPr>
+            <a:spLocks noGrp="1"/>
+          </p:cNvSpPr>
+          <p:nvPr>
+            <p:ph type="body" idx="1"/>
+          </p:nvPr>
+        </p:nvSpPr>
+        <p:spPr>
+          <a:xfrm>
+            <a:off x="544287" y="2318657"/>
+            <a:ext cx="10940142" cy="3675743"/>
+          </a:xfrm>
+        </p:spPr>
+        <p:txBody>
+          <a:bodyPr>
+            <a:normAutofit/>
+          </a:bodyPr>
+          <a:lstStyle/>
+          <a:p>
+            <a:r>
+              <a:rPr lang="en-US" dirty="0"/>
+              <a:t>My best parameters for Math was C= 0.019000000000000003 using my manual features.</a:t>
+            </a:r>
+          </a:p>
+          <a:p>
+            <a:pPr marL="342900" indent="-342900">
+              <a:buFont typeface="Arial" panose="020B0604020202020204" pitchFamily="34" charset="0"/>
+              <a:buChar char="•"/>
+            </a:pPr>
+            <a:r>
+              <a:rPr lang="en-US" dirty="0"/>
+              <a:t>Average accuracy was 84.67% and overfitting was similar higher at +/- 8%</a:t>
+            </a:r>
+          </a:p>
+          <a:p>
+            <a:pPr marL="342900" indent="-342900">
+              <a:buFont typeface="Arial" panose="020B0604020202020204" pitchFamily="34" charset="0"/>
+              <a:buChar char="•"/>
+            </a:pPr>
+            <a:r>
+              <a:rPr lang="en-US" dirty="0"/>
+              <a:t>PCA feature had had a much lower accuracy at 72.8 but with only +/-.5% overfit</a:t>
+            </a:r>
+          </a:p>
+          <a:p>
+            <a:r>
+              <a:rPr lang="en-US" dirty="0"/>
+              <a:t>My best parameters for ELA was C= 0.089999999999999927 using my manual feature.</a:t>
+            </a:r>
+          </a:p>
+          <a:p>
+            <a:pPr marL="342900" indent="-342900">
+              <a:buFont typeface="Arial" panose="020B0604020202020204" pitchFamily="34" charset="0"/>
+              <a:buChar char="•"/>
+            </a:pPr>
+            <a:r>
+              <a:rPr lang="en-US" dirty="0"/>
+              <a:t>I found ELA had much better accuracy 90.76% accuracy with overfitting  +/-3%</a:t>
+            </a:r>
+          </a:p>
+          <a:p>
+            <a:pPr marL="342900" indent="-342900">
+              <a:buFont typeface="Arial" panose="020B0604020202020204" pitchFamily="34" charset="0"/>
+              <a:buChar char="•"/>
+            </a:pPr>
+            <a:r>
+              <a:rPr lang="en-US" dirty="0"/>
+              <a:t>PCA feature set performed slightly lower at 72.8% with +/-4% overfitting</a:t>
+            </a:r>
+          </a:p>
+          <a:p>
+            <a:endParaRPr lang="en-US" dirty="0"/>
+          </a:p>
+        </p:txBody>
+      </p:sp>
+    </p:spTree>
+    <p:extLst>
+      <p:ext uri="{BB962C8B-B14F-4D97-AF65-F5344CB8AC3E}">
+        <p14:creationId xmlns:p14="http://schemas.microsoft.com/office/powerpoint/2010/main" val="1375981454"/>
       </p:ext>
     </p:extLst>
   </p:cSld>
@@ -6310,13 +6858,13 @@
         </p:spPr>
         <p:txBody>
           <a:bodyPr>
-            <a:normAutofit fontScale="92500" lnSpcReduction="10000"/>
+            <a:normAutofit/>
           </a:bodyPr>
           <a:lstStyle/>
           <a:p>
             <a:r>
               <a:rPr lang="en-US" dirty="0"/>
-              <a:t>The dataset can be found on Kaggle </a:t>
+              <a:t>The dataset can be found on Kaggle </a:t>
             </a:r>
             <a:r>
               <a:rPr lang="en-US" u="sng" dirty="0">
@@ -6338,13 +6886,13 @@
           <a:p>
             <a:r>
               <a:rPr lang="en-US" dirty="0"/>
-              <a:t>The test scores are from a test called SHSAT, which is a high school admission examination given to students before acceptance into a specialized high school</a:t>
-            </a:r>
-          </a:p>
-          <a:p>
-            <a:r>
-              <a:rPr lang="en-US" dirty="0"/>
-              <a:t>I also one to mention that the definition used for rigorous instruction is a little different from how I would normally use it and I wanted to clarify their definition. The school dataset provider's definition for rigorous instruction is how well the students were engaged during the curriculum.</a:t>
+              <a:t>The test scores are from a test called SHSAT</a:t>
+            </a:r>
+          </a:p>
+          <a:p>
+            <a:r>
+              <a:rPr lang="en-US" dirty="0"/>
+              <a:t>The school dataset provider's definition for rigorous instruction is how well the students were engaged during the curriculum.</a:t>
             </a:r>
           </a:p>
         </p:txBody>
@@ -6353,6 +6901,2599 @@
     <p:extLst>
       <p:ext uri="{BB962C8B-B14F-4D97-AF65-F5344CB8AC3E}">
         <p14:creationId xmlns:p14="http://schemas.microsoft.com/office/powerpoint/2010/main" val="3825642750"/>
+      </p:ext>
+    </p:extLst>
+  </p:cSld>
+  <p:clrMapOvr>
+    <a:masterClrMapping/>
+  </p:clrMapOvr>
+</p:sld>
+</file>
+
+<file path=ppt/slides/slide20.xml><?xml version="1.0" encoding="utf-8"?>
+<p:sld xmlns:a="http://schemas.openxmlformats.org/drawingml/2006/main" xmlns:r="http://schemas.openxmlformats.org/officeDocument/2006/relationships" xmlns:p="http://schemas.openxmlformats.org/presentationml/2006/main">
+  <p:cSld>
+    <p:spTree>
+      <p:nvGrpSpPr>
+        <p:cNvPr id="1" name=""/>
+        <p:cNvGrpSpPr/>
+        <p:nvPr/>
+      </p:nvGrpSpPr>
+      <p:grpSpPr>
+        <a:xfrm>
+          <a:off x="0" y="0"/>
+          <a:ext cx="0" cy="0"/>
+          <a:chOff x="0" y="0"/>
+          <a:chExt cx="0" cy="0"/>
+        </a:xfrm>
+      </p:grpSpPr>
+      <p:sp>
+        <p:nvSpPr>
+          <p:cNvPr id="2" name="Title 1">
+            <a:extLst>
+              <a:ext uri="{FF2B5EF4-FFF2-40B4-BE49-F238E27FC236}">
+                <a16:creationId xmlns:a16="http://schemas.microsoft.com/office/drawing/2014/main" id="{47FF1805-DFF8-4784-B538-C4A5AD30A20E}"/>
+              </a:ext>
+            </a:extLst>
+          </p:cNvPr>
+          <p:cNvSpPr>
+            <a:spLocks noGrp="1"/>
+          </p:cNvSpPr>
+          <p:nvPr>
+            <p:ph type="title"/>
+          </p:nvPr>
+        </p:nvSpPr>
+        <p:spPr>
+          <a:xfrm>
+            <a:off x="684212" y="685800"/>
+            <a:ext cx="10528073" cy="783771"/>
+          </a:xfrm>
+        </p:spPr>
+        <p:txBody>
+          <a:bodyPr>
+            <a:normAutofit fontScale="90000"/>
+          </a:bodyPr>
+          <a:lstStyle/>
+          <a:p>
+            <a:pPr algn="ctr"/>
+            <a:r>
+              <a:rPr lang="en-US" dirty="0"/>
+              <a:t>Lasso Regression</a:t>
+            </a:r>
+            <a:br>
+              <a:rPr lang="en-US" dirty="0"/>
+            </a:br>
+            <a:r>
+              <a:rPr lang="en-US" dirty="0"/>
+              <a:t>(Least absolute shrinkage and selection operator)</a:t>
+            </a:r>
+          </a:p>
+        </p:txBody>
+      </p:sp>
+      <p:sp>
+        <p:nvSpPr>
+          <p:cNvPr id="3" name="Text Placeholder 2">
+            <a:extLst>
+              <a:ext uri="{FF2B5EF4-FFF2-40B4-BE49-F238E27FC236}">
+                <a16:creationId xmlns:a16="http://schemas.microsoft.com/office/drawing/2014/main" id="{6C36E44F-AC9F-4781-B695-F6E20593EC2D}"/>
+              </a:ext>
+            </a:extLst>
+          </p:cNvPr>
+          <p:cNvSpPr>
+            <a:spLocks noGrp="1"/>
+          </p:cNvSpPr>
+          <p:nvPr>
+            <p:ph type="body" idx="1"/>
+          </p:nvPr>
+        </p:nvSpPr>
+        <p:spPr>
+          <a:xfrm>
+            <a:off x="684212" y="2405743"/>
+            <a:ext cx="10528074" cy="3588657"/>
+          </a:xfrm>
+        </p:spPr>
+        <p:txBody>
+          <a:bodyPr/>
+          <a:lstStyle/>
+          <a:p>
+            <a:r>
+              <a:rPr lang="en-US" dirty="0"/>
+              <a:t>Lasso regression is similar to ridge regression, however it reduces the coefficient to 0</a:t>
+            </a:r>
+          </a:p>
+          <a:p>
+            <a:pPr marL="342900" indent="-342900">
+              <a:buFont typeface="Arial" panose="020B0604020202020204" pitchFamily="34" charset="0"/>
+              <a:buChar char="•"/>
+            </a:pPr>
+            <a:r>
+              <a:rPr lang="en-US" dirty="0"/>
+              <a:t>Setting the coefficients to 0 will  remove the unwanted features</a:t>
+            </a:r>
+          </a:p>
+          <a:p>
+            <a:pPr marL="342900" indent="-342900">
+              <a:buFont typeface="Arial" panose="020B0604020202020204" pitchFamily="34" charset="0"/>
+              <a:buChar char="•"/>
+            </a:pPr>
+            <a:r>
+              <a:rPr lang="en-US" dirty="0"/>
+              <a:t>Can be used to prevent overfitting</a:t>
+            </a:r>
+          </a:p>
+          <a:p>
+            <a:pPr marL="342900" indent="-342900">
+              <a:buFont typeface="Arial" panose="020B0604020202020204" pitchFamily="34" charset="0"/>
+              <a:buChar char="•"/>
+            </a:pPr>
+            <a:r>
+              <a:rPr lang="en-US" dirty="0"/>
+              <a:t>Lasso works by fitting a model while excluding one of the features if the fit is still good enough that feature gets excluded, it continues to cycle through all features</a:t>
+            </a:r>
+          </a:p>
+          <a:p>
+            <a:pPr marL="342900" indent="-342900">
+              <a:buFont typeface="Arial" panose="020B0604020202020204" pitchFamily="34" charset="0"/>
+              <a:buChar char="•"/>
+            </a:pPr>
+            <a:endParaRPr lang="en-US" dirty="0"/>
+          </a:p>
+        </p:txBody>
+      </p:sp>
+    </p:spTree>
+    <p:extLst>
+      <p:ext uri="{BB962C8B-B14F-4D97-AF65-F5344CB8AC3E}">
+        <p14:creationId xmlns:p14="http://schemas.microsoft.com/office/powerpoint/2010/main" val="3884424611"/>
+      </p:ext>
+    </p:extLst>
+  </p:cSld>
+  <p:clrMapOvr>
+    <a:masterClrMapping/>
+  </p:clrMapOvr>
+</p:sld>
+</file>
+
+<file path=ppt/slides/slide21.xml><?xml version="1.0" encoding="utf-8"?>
+<p:sld xmlns:a="http://schemas.openxmlformats.org/drawingml/2006/main" xmlns:r="http://schemas.openxmlformats.org/officeDocument/2006/relationships" xmlns:p="http://schemas.openxmlformats.org/presentationml/2006/main">
+  <p:cSld>
+    <p:spTree>
+      <p:nvGrpSpPr>
+        <p:cNvPr id="1" name=""/>
+        <p:cNvGrpSpPr/>
+        <p:nvPr/>
+      </p:nvGrpSpPr>
+      <p:grpSpPr>
+        <a:xfrm>
+          <a:off x="0" y="0"/>
+          <a:ext cx="0" cy="0"/>
+          <a:chOff x="0" y="0"/>
+          <a:chExt cx="0" cy="0"/>
+        </a:xfrm>
+      </p:grpSpPr>
+      <p:sp>
+        <p:nvSpPr>
+          <p:cNvPr id="2" name="Title 1">
+            <a:extLst>
+              <a:ext uri="{FF2B5EF4-FFF2-40B4-BE49-F238E27FC236}">
+                <a16:creationId xmlns:a16="http://schemas.microsoft.com/office/drawing/2014/main" id="{08B6295C-59D2-4C0F-AF10-06DB8E8CB486}"/>
+              </a:ext>
+            </a:extLst>
+          </p:cNvPr>
+          <p:cNvSpPr>
+            <a:spLocks noGrp="1"/>
+          </p:cNvSpPr>
+          <p:nvPr>
+            <p:ph type="title"/>
+          </p:nvPr>
+        </p:nvSpPr>
+        <p:spPr>
+          <a:xfrm>
+            <a:off x="3918857" y="685800"/>
+            <a:ext cx="3211286" cy="1393371"/>
+          </a:xfrm>
+        </p:spPr>
+        <p:txBody>
+          <a:bodyPr/>
+          <a:lstStyle/>
+          <a:p>
+            <a:r>
+              <a:rPr lang="en-US" dirty="0"/>
+              <a:t>LASSO Scores</a:t>
+            </a:r>
+          </a:p>
+        </p:txBody>
+      </p:sp>
+      <p:sp>
+        <p:nvSpPr>
+          <p:cNvPr id="3" name="Text Placeholder 2">
+            <a:extLst>
+              <a:ext uri="{FF2B5EF4-FFF2-40B4-BE49-F238E27FC236}">
+                <a16:creationId xmlns:a16="http://schemas.microsoft.com/office/drawing/2014/main" id="{2B2A4D70-1F6C-4C16-8A30-09D3325A4B88}"/>
+              </a:ext>
+            </a:extLst>
+          </p:cNvPr>
+          <p:cNvSpPr>
+            <a:spLocks noGrp="1"/>
+          </p:cNvSpPr>
+          <p:nvPr>
+            <p:ph type="body" idx="1"/>
+          </p:nvPr>
+        </p:nvSpPr>
+        <p:spPr>
+          <a:xfrm>
+            <a:off x="684212" y="1817914"/>
+            <a:ext cx="9983788" cy="4354285"/>
+          </a:xfrm>
+        </p:spPr>
+        <p:txBody>
+          <a:bodyPr/>
+          <a:lstStyle/>
+          <a:p>
+            <a:r>
+              <a:rPr lang="en-US" dirty="0"/>
+              <a:t>My best parameters for Math was C= 3.8700000000000028 using my manual features.</a:t>
+            </a:r>
+          </a:p>
+          <a:p>
+            <a:pPr marL="342900" indent="-342900">
+              <a:buFont typeface="Arial" panose="020B0604020202020204" pitchFamily="34" charset="0"/>
+              <a:buChar char="•"/>
+            </a:pPr>
+            <a:r>
+              <a:rPr lang="en-US" dirty="0"/>
+              <a:t>Average accuracy was 84.6% and overfitting was similar higher at +/- 7%</a:t>
+            </a:r>
+          </a:p>
+          <a:p>
+            <a:pPr marL="342900" indent="-342900">
+              <a:buFont typeface="Arial" panose="020B0604020202020204" pitchFamily="34" charset="0"/>
+              <a:buChar char="•"/>
+            </a:pPr>
+            <a:r>
+              <a:rPr lang="en-US" dirty="0"/>
+              <a:t>PCA feature had had a much lower accuracy at 72.8 but with only +/-.3% overfit</a:t>
+            </a:r>
+          </a:p>
+          <a:p>
+            <a:r>
+              <a:rPr lang="en-US" dirty="0"/>
+              <a:t>My best parameters for ELA was C= 6.3199999999999967 using my manual feature.</a:t>
+            </a:r>
+          </a:p>
+          <a:p>
+            <a:pPr marL="342900" indent="-342900">
+              <a:buFont typeface="Arial" panose="020B0604020202020204" pitchFamily="34" charset="0"/>
+              <a:buChar char="•"/>
+            </a:pPr>
+            <a:r>
+              <a:rPr lang="en-US" dirty="0"/>
+              <a:t>I found ELA had much better accuracy 90.6% accuracy with overfitting  +/-3%</a:t>
+            </a:r>
+          </a:p>
+          <a:p>
+            <a:pPr marL="342900" indent="-342900">
+              <a:buFont typeface="Arial" panose="020B0604020202020204" pitchFamily="34" charset="0"/>
+              <a:buChar char="•"/>
+            </a:pPr>
+            <a:r>
+              <a:rPr lang="en-US" dirty="0"/>
+              <a:t>PCA feature set performed slightly lower at 72.8% with +/-3% overfitting</a:t>
+            </a:r>
+          </a:p>
+          <a:p>
+            <a:endParaRPr lang="en-US" dirty="0"/>
+          </a:p>
+        </p:txBody>
+      </p:sp>
+    </p:spTree>
+    <p:extLst>
+      <p:ext uri="{BB962C8B-B14F-4D97-AF65-F5344CB8AC3E}">
+        <p14:creationId xmlns:p14="http://schemas.microsoft.com/office/powerpoint/2010/main" val="705367272"/>
+      </p:ext>
+    </p:extLst>
+  </p:cSld>
+  <p:clrMapOvr>
+    <a:masterClrMapping/>
+  </p:clrMapOvr>
+</p:sld>
+</file>
+
+<file path=ppt/slides/slide22.xml><?xml version="1.0" encoding="utf-8"?>
+<p:sld xmlns:a="http://schemas.openxmlformats.org/drawingml/2006/main" xmlns:r="http://schemas.openxmlformats.org/officeDocument/2006/relationships" xmlns:p="http://schemas.openxmlformats.org/presentationml/2006/main">
+  <p:cSld>
+    <p:spTree>
+      <p:nvGrpSpPr>
+        <p:cNvPr id="1" name=""/>
+        <p:cNvGrpSpPr/>
+        <p:nvPr/>
+      </p:nvGrpSpPr>
+      <p:grpSpPr>
+        <a:xfrm>
+          <a:off x="0" y="0"/>
+          <a:ext cx="0" cy="0"/>
+          <a:chOff x="0" y="0"/>
+          <a:chExt cx="0" cy="0"/>
+        </a:xfrm>
+      </p:grpSpPr>
+      <p:sp>
+        <p:nvSpPr>
+          <p:cNvPr id="2" name="Title 1">
+            <a:extLst>
+              <a:ext uri="{FF2B5EF4-FFF2-40B4-BE49-F238E27FC236}">
+                <a16:creationId xmlns:a16="http://schemas.microsoft.com/office/drawing/2014/main" id="{5C70EBA0-7EA6-4C11-B843-5A5000FDB980}"/>
+              </a:ext>
+            </a:extLst>
+          </p:cNvPr>
+          <p:cNvSpPr>
+            <a:spLocks noGrp="1"/>
+          </p:cNvSpPr>
+          <p:nvPr>
+            <p:ph type="title"/>
+          </p:nvPr>
+        </p:nvSpPr>
+        <p:spPr>
+          <a:xfrm>
+            <a:off x="3510742" y="604455"/>
+            <a:ext cx="5170516" cy="762000"/>
+          </a:xfrm>
+        </p:spPr>
+        <p:txBody>
+          <a:bodyPr>
+            <a:normAutofit fontScale="90000"/>
+          </a:bodyPr>
+          <a:lstStyle/>
+          <a:p>
+            <a:pPr algn="ctr"/>
+            <a:r>
+              <a:rPr lang="en-US" dirty="0"/>
+              <a:t>SVC</a:t>
+            </a:r>
+            <a:br>
+              <a:rPr lang="en-US" dirty="0"/>
+            </a:br>
+            <a:r>
+              <a:rPr lang="en-US" dirty="0"/>
+              <a:t>Support Vector Cluster</a:t>
+            </a:r>
+          </a:p>
+        </p:txBody>
+      </p:sp>
+      <p:sp>
+        <p:nvSpPr>
+          <p:cNvPr id="3" name="Text Placeholder 2">
+            <a:extLst>
+              <a:ext uri="{FF2B5EF4-FFF2-40B4-BE49-F238E27FC236}">
+                <a16:creationId xmlns:a16="http://schemas.microsoft.com/office/drawing/2014/main" id="{84DDB760-FF7D-48DA-9B06-3677551C0865}"/>
+              </a:ext>
+            </a:extLst>
+          </p:cNvPr>
+          <p:cNvSpPr>
+            <a:spLocks noGrp="1"/>
+          </p:cNvSpPr>
+          <p:nvPr>
+            <p:ph type="body" idx="1"/>
+          </p:nvPr>
+        </p:nvSpPr>
+        <p:spPr>
+          <a:xfrm>
+            <a:off x="684211" y="1978429"/>
+            <a:ext cx="10876417" cy="4015971"/>
+          </a:xfrm>
+        </p:spPr>
+        <p:txBody>
+          <a:bodyPr/>
+          <a:lstStyle/>
+          <a:p>
+            <a:endParaRPr lang="en-US" dirty="0"/>
+          </a:p>
+          <a:p>
+            <a:r>
+              <a:rPr lang="en-US" dirty="0"/>
+              <a:t>SVC is a supervised machine learning algorithm outputs an optimal hyperplane to categorizes new examples.</a:t>
+            </a:r>
+          </a:p>
+          <a:p>
+            <a:pPr marL="342900" indent="-342900">
+              <a:buFont typeface="Arial" panose="020B0604020202020204" pitchFamily="34" charset="0"/>
+              <a:buChar char="•"/>
+            </a:pPr>
+            <a:r>
+              <a:rPr lang="en-US" dirty="0"/>
+              <a:t>SVM uses the dot product to find the optimal hyperplane and then finds the best-fit boundaries with the hyperplane, this is called the kernel trick</a:t>
+            </a:r>
+          </a:p>
+          <a:p>
+            <a:pPr marL="342900" indent="-342900">
+              <a:buFont typeface="Arial" panose="020B0604020202020204" pitchFamily="34" charset="0"/>
+              <a:buChar char="•"/>
+            </a:pPr>
+            <a:r>
+              <a:rPr lang="en-US" dirty="0"/>
+              <a:t>SVM is resistant to over fitting</a:t>
+            </a:r>
+          </a:p>
+          <a:p>
+            <a:pPr marL="342900" indent="-342900">
+              <a:buFont typeface="Arial" panose="020B0604020202020204" pitchFamily="34" charset="0"/>
+              <a:buChar char="•"/>
+            </a:pPr>
+            <a:r>
+              <a:rPr lang="en-US" dirty="0"/>
+              <a:t>Can work with infinite-dimensional feature space</a:t>
+            </a:r>
+          </a:p>
+          <a:p>
+            <a:pPr marL="342900" indent="-342900">
+              <a:buFont typeface="Arial" panose="020B0604020202020204" pitchFamily="34" charset="0"/>
+              <a:buChar char="•"/>
+            </a:pPr>
+            <a:endParaRPr lang="en-US" dirty="0"/>
+          </a:p>
+          <a:p>
+            <a:pPr marL="342900" indent="-342900">
+              <a:buFont typeface="Arial" panose="020B0604020202020204" pitchFamily="34" charset="0"/>
+              <a:buChar char="•"/>
+            </a:pPr>
+            <a:endParaRPr lang="en-US" dirty="0"/>
+          </a:p>
+          <a:p>
+            <a:endParaRPr lang="en-US" dirty="0"/>
+          </a:p>
+        </p:txBody>
+      </p:sp>
+    </p:spTree>
+    <p:extLst>
+      <p:ext uri="{BB962C8B-B14F-4D97-AF65-F5344CB8AC3E}">
+        <p14:creationId xmlns:p14="http://schemas.microsoft.com/office/powerpoint/2010/main" val="1992817446"/>
+      </p:ext>
+    </p:extLst>
+  </p:cSld>
+  <p:clrMapOvr>
+    <a:masterClrMapping/>
+  </p:clrMapOvr>
+</p:sld>
+</file>
+
+<file path=ppt/slides/slide23.xml><?xml version="1.0" encoding="utf-8"?>
+<p:sld xmlns:a="http://schemas.openxmlformats.org/drawingml/2006/main" xmlns:r="http://schemas.openxmlformats.org/officeDocument/2006/relationships" xmlns:p="http://schemas.openxmlformats.org/presentationml/2006/main">
+  <p:cSld>
+    <p:spTree>
+      <p:nvGrpSpPr>
+        <p:cNvPr id="1" name=""/>
+        <p:cNvGrpSpPr/>
+        <p:nvPr/>
+      </p:nvGrpSpPr>
+      <p:grpSpPr>
+        <a:xfrm>
+          <a:off x="0" y="0"/>
+          <a:ext cx="0" cy="0"/>
+          <a:chOff x="0" y="0"/>
+          <a:chExt cx="0" cy="0"/>
+        </a:xfrm>
+      </p:grpSpPr>
+      <p:sp>
+        <p:nvSpPr>
+          <p:cNvPr id="2" name="Title 1">
+            <a:extLst>
+              <a:ext uri="{FF2B5EF4-FFF2-40B4-BE49-F238E27FC236}">
+                <a16:creationId xmlns:a16="http://schemas.microsoft.com/office/drawing/2014/main" id="{79BE3E3F-A723-43AE-BA79-B8D91A0502AF}"/>
+              </a:ext>
+            </a:extLst>
+          </p:cNvPr>
+          <p:cNvSpPr>
+            <a:spLocks noGrp="1"/>
+          </p:cNvSpPr>
+          <p:nvPr>
+            <p:ph type="title"/>
+          </p:nvPr>
+        </p:nvSpPr>
+        <p:spPr>
+          <a:xfrm>
+            <a:off x="1066800" y="631371"/>
+            <a:ext cx="10058400" cy="957943"/>
+          </a:xfrm>
+        </p:spPr>
+        <p:txBody>
+          <a:bodyPr/>
+          <a:lstStyle/>
+          <a:p>
+            <a:pPr algn="ctr"/>
+            <a:r>
+              <a:rPr lang="en-US" dirty="0"/>
+              <a:t>SVC Scores</a:t>
+            </a:r>
+          </a:p>
+        </p:txBody>
+      </p:sp>
+      <p:sp>
+        <p:nvSpPr>
+          <p:cNvPr id="3" name="Text Placeholder 2">
+            <a:extLst>
+              <a:ext uri="{FF2B5EF4-FFF2-40B4-BE49-F238E27FC236}">
+                <a16:creationId xmlns:a16="http://schemas.microsoft.com/office/drawing/2014/main" id="{DA36D63C-A215-46C4-AAB4-17C696DD6866}"/>
+              </a:ext>
+            </a:extLst>
+          </p:cNvPr>
+          <p:cNvSpPr>
+            <a:spLocks noGrp="1"/>
+          </p:cNvSpPr>
+          <p:nvPr>
+            <p:ph type="body" idx="1"/>
+          </p:nvPr>
+        </p:nvSpPr>
+        <p:spPr>
+          <a:xfrm>
+            <a:off x="684211" y="2024743"/>
+            <a:ext cx="10767559" cy="3969657"/>
+          </a:xfrm>
+        </p:spPr>
+        <p:txBody>
+          <a:bodyPr/>
+          <a:lstStyle/>
+          <a:p>
+            <a:r>
+              <a:rPr lang="en-US" dirty="0"/>
+              <a:t>My best parameters for Math was kernel= '</a:t>
+            </a:r>
+            <a:r>
+              <a:rPr lang="en-US" dirty="0" err="1"/>
+              <a:t>rbf</a:t>
+            </a:r>
+            <a:r>
+              <a:rPr lang="en-US" dirty="0"/>
+              <a:t>', </a:t>
+            </a:r>
+            <a:r>
+              <a:rPr lang="en-US" dirty="0" err="1"/>
+              <a:t>max_iter</a:t>
+            </a:r>
+            <a:r>
+              <a:rPr lang="en-US" dirty="0"/>
+              <a:t> =130 using my manual features.</a:t>
+            </a:r>
+          </a:p>
+          <a:p>
+            <a:pPr marL="342900" indent="-342900">
+              <a:buFont typeface="Arial" panose="020B0604020202020204" pitchFamily="34" charset="0"/>
+              <a:buChar char="•"/>
+            </a:pPr>
+            <a:r>
+              <a:rPr lang="en-US" dirty="0"/>
+              <a:t>Average accuracy was bad at 62.4% and overfitting was similar higher at +/- 15%</a:t>
+            </a:r>
+          </a:p>
+          <a:p>
+            <a:pPr marL="342900" indent="-342900">
+              <a:buFont typeface="Arial" panose="020B0604020202020204" pitchFamily="34" charset="0"/>
+              <a:buChar char="•"/>
+            </a:pPr>
+            <a:r>
+              <a:rPr lang="en-US" dirty="0"/>
+              <a:t>PCA feature had had a much lower accuracy at 72.8 but with only +/-.3% overfit</a:t>
+            </a:r>
+          </a:p>
+          <a:p>
+            <a:r>
+              <a:rPr lang="en-US" dirty="0"/>
+              <a:t>My best parameters for ELA was kernel= '</a:t>
+            </a:r>
+            <a:r>
+              <a:rPr lang="en-US" dirty="0" err="1"/>
+              <a:t>rbf</a:t>
+            </a:r>
+            <a:r>
+              <a:rPr lang="en-US" dirty="0"/>
+              <a:t>', </a:t>
+            </a:r>
+            <a:r>
+              <a:rPr lang="en-US" dirty="0" err="1"/>
+              <a:t>max_iter</a:t>
+            </a:r>
+            <a:r>
+              <a:rPr lang="en-US" dirty="0"/>
+              <a:t> =106 using my manual feature.</a:t>
+            </a:r>
+          </a:p>
+          <a:p>
+            <a:pPr marL="342900" indent="-342900">
+              <a:buFont typeface="Arial" panose="020B0604020202020204" pitchFamily="34" charset="0"/>
+              <a:buChar char="•"/>
+            </a:pPr>
+            <a:r>
+              <a:rPr lang="en-US" dirty="0"/>
+              <a:t>I found ELA  model performed better at 87.2% accuracy with overfitting  +/- 2.5 %</a:t>
+            </a:r>
+          </a:p>
+          <a:p>
+            <a:pPr marL="342900" indent="-342900">
+              <a:buFont typeface="Arial" panose="020B0604020202020204" pitchFamily="34" charset="0"/>
+              <a:buChar char="•"/>
+            </a:pPr>
+            <a:r>
+              <a:rPr lang="en-US" dirty="0"/>
+              <a:t>PCA feature set performed lower at 85.52% with +/- 3% overfitting</a:t>
+            </a:r>
+          </a:p>
+          <a:p>
+            <a:endParaRPr lang="en-US" dirty="0"/>
+          </a:p>
+        </p:txBody>
+      </p:sp>
+    </p:spTree>
+    <p:extLst>
+      <p:ext uri="{BB962C8B-B14F-4D97-AF65-F5344CB8AC3E}">
+        <p14:creationId xmlns:p14="http://schemas.microsoft.com/office/powerpoint/2010/main" val="3993497439"/>
+      </p:ext>
+    </p:extLst>
+  </p:cSld>
+  <p:clrMapOvr>
+    <a:masterClrMapping/>
+  </p:clrMapOvr>
+</p:sld>
+</file>
+
+<file path=ppt/slides/slide24.xml><?xml version="1.0" encoding="utf-8"?>
+<p:sld xmlns:a="http://schemas.openxmlformats.org/drawingml/2006/main" xmlns:r="http://schemas.openxmlformats.org/officeDocument/2006/relationships" xmlns:p="http://schemas.openxmlformats.org/presentationml/2006/main">
+  <p:cSld>
+    <p:spTree>
+      <p:nvGrpSpPr>
+        <p:cNvPr id="1" name=""/>
+        <p:cNvGrpSpPr/>
+        <p:nvPr/>
+      </p:nvGrpSpPr>
+      <p:grpSpPr>
+        <a:xfrm>
+          <a:off x="0" y="0"/>
+          <a:ext cx="0" cy="0"/>
+          <a:chOff x="0" y="0"/>
+          <a:chExt cx="0" cy="0"/>
+        </a:xfrm>
+      </p:grpSpPr>
+      <p:sp>
+        <p:nvSpPr>
+          <p:cNvPr id="2" name="Title 1">
+            <a:extLst>
+              <a:ext uri="{FF2B5EF4-FFF2-40B4-BE49-F238E27FC236}">
+                <a16:creationId xmlns:a16="http://schemas.microsoft.com/office/drawing/2014/main" id="{7E7D7F4F-6ECF-47F3-A7B1-4503C5EB3F06}"/>
+              </a:ext>
+            </a:extLst>
+          </p:cNvPr>
+          <p:cNvSpPr>
+            <a:spLocks noGrp="1"/>
+          </p:cNvSpPr>
+          <p:nvPr>
+            <p:ph type="title"/>
+          </p:nvPr>
+        </p:nvSpPr>
+        <p:spPr>
+          <a:xfrm>
+            <a:off x="4397828" y="713310"/>
+            <a:ext cx="3396343" cy="533400"/>
+          </a:xfrm>
+        </p:spPr>
+        <p:txBody>
+          <a:bodyPr>
+            <a:normAutofit fontScale="90000"/>
+          </a:bodyPr>
+          <a:lstStyle/>
+          <a:p>
+            <a:r>
+              <a:rPr lang="en-US" dirty="0"/>
+              <a:t>Random Forest</a:t>
+            </a:r>
+          </a:p>
+        </p:txBody>
+      </p:sp>
+      <p:sp>
+        <p:nvSpPr>
+          <p:cNvPr id="3" name="Text Placeholder 2">
+            <a:extLst>
+              <a:ext uri="{FF2B5EF4-FFF2-40B4-BE49-F238E27FC236}">
+                <a16:creationId xmlns:a16="http://schemas.microsoft.com/office/drawing/2014/main" id="{9A01C577-44FD-47AA-AC51-F5C8CC514489}"/>
+              </a:ext>
+            </a:extLst>
+          </p:cNvPr>
+          <p:cNvSpPr>
+            <a:spLocks noGrp="1"/>
+          </p:cNvSpPr>
+          <p:nvPr>
+            <p:ph type="body" idx="1"/>
+          </p:nvPr>
+        </p:nvSpPr>
+        <p:spPr>
+          <a:xfrm>
+            <a:off x="735574" y="1895302"/>
+            <a:ext cx="10720850" cy="4249388"/>
+          </a:xfrm>
+        </p:spPr>
+        <p:txBody>
+          <a:bodyPr>
+            <a:normAutofit/>
+          </a:bodyPr>
+          <a:lstStyle/>
+          <a:p>
+            <a:r>
+              <a:rPr lang="en-US" dirty="0"/>
+              <a:t>Random Forest is a supervised learning algorithm that is an ensemble of decision trees</a:t>
+            </a:r>
+          </a:p>
+          <a:p>
+            <a:pPr marL="342900" indent="-342900">
+              <a:buFont typeface="Arial" panose="020B0604020202020204" pitchFamily="34" charset="0"/>
+              <a:buChar char="•"/>
+            </a:pPr>
+            <a:r>
+              <a:rPr lang="en-US" dirty="0"/>
+              <a:t>Random forest often uses the “bagging” method </a:t>
+            </a:r>
+          </a:p>
+          <a:p>
+            <a:pPr marL="342900" indent="-342900">
+              <a:buFont typeface="Arial" panose="020B0604020202020204" pitchFamily="34" charset="0"/>
+              <a:buChar char="•"/>
+            </a:pPr>
+            <a:r>
+              <a:rPr lang="en-US" dirty="0"/>
+              <a:t>Random forest can also be used for classification and regression problems</a:t>
+            </a:r>
+          </a:p>
+          <a:p>
+            <a:pPr marL="342900" indent="-342900">
+              <a:buFont typeface="Arial" panose="020B0604020202020204" pitchFamily="34" charset="0"/>
+              <a:buChar char="•"/>
+            </a:pPr>
+            <a:r>
+              <a:rPr lang="en-US" dirty="0"/>
+              <a:t>Random forest can build from hundreds, even thousands of trees and merge them into an accurate and stable prediction</a:t>
+            </a:r>
+          </a:p>
+          <a:p>
+            <a:pPr marL="342900" indent="-342900">
+              <a:buFont typeface="Arial" panose="020B0604020202020204" pitchFamily="34" charset="0"/>
+              <a:buChar char="•"/>
+            </a:pPr>
+            <a:r>
+              <a:rPr lang="en-US" dirty="0"/>
+              <a:t>Runs in parallel and outputs are aggregated</a:t>
+            </a:r>
+          </a:p>
+          <a:p>
+            <a:pPr marL="342900" indent="-342900">
+              <a:buFont typeface="Arial" panose="020B0604020202020204" pitchFamily="34" charset="0"/>
+              <a:buChar char="•"/>
+            </a:pPr>
+            <a:r>
+              <a:rPr lang="en-US" dirty="0"/>
+              <a:t>Random forest can become slow and inefficient if the model has a large number  of trees</a:t>
+            </a:r>
+          </a:p>
+          <a:p>
+            <a:pPr marL="342900" indent="-342900">
+              <a:buFont typeface="Arial" panose="020B0604020202020204" pitchFamily="34" charset="0"/>
+              <a:buChar char="•"/>
+            </a:pPr>
+            <a:r>
+              <a:rPr lang="en-US" dirty="0"/>
+              <a:t>Random forest is referred to a “black box” model as the output gives little insight to how the model got its conclusion.</a:t>
+            </a:r>
+          </a:p>
+          <a:p>
+            <a:pPr marL="342900" indent="-342900">
+              <a:buFont typeface="Arial" panose="020B0604020202020204" pitchFamily="34" charset="0"/>
+              <a:buChar char="•"/>
+            </a:pPr>
+            <a:endParaRPr lang="en-US" dirty="0"/>
+          </a:p>
+        </p:txBody>
+      </p:sp>
+    </p:spTree>
+    <p:extLst>
+      <p:ext uri="{BB962C8B-B14F-4D97-AF65-F5344CB8AC3E}">
+        <p14:creationId xmlns:p14="http://schemas.microsoft.com/office/powerpoint/2010/main" val="377013793"/>
+      </p:ext>
+    </p:extLst>
+  </p:cSld>
+  <p:clrMapOvr>
+    <a:masterClrMapping/>
+  </p:clrMapOvr>
+</p:sld>
+</file>
+
+<file path=ppt/slides/slide25.xml><?xml version="1.0" encoding="utf-8"?>
+<p:sld xmlns:a="http://schemas.openxmlformats.org/drawingml/2006/main" xmlns:r="http://schemas.openxmlformats.org/officeDocument/2006/relationships" xmlns:p="http://schemas.openxmlformats.org/presentationml/2006/main">
+  <p:cSld>
+    <p:spTree>
+      <p:nvGrpSpPr>
+        <p:cNvPr id="1" name=""/>
+        <p:cNvGrpSpPr/>
+        <p:nvPr/>
+      </p:nvGrpSpPr>
+      <p:grpSpPr>
+        <a:xfrm>
+          <a:off x="0" y="0"/>
+          <a:ext cx="0" cy="0"/>
+          <a:chOff x="0" y="0"/>
+          <a:chExt cx="0" cy="0"/>
+        </a:xfrm>
+      </p:grpSpPr>
+      <p:sp>
+        <p:nvSpPr>
+          <p:cNvPr id="2" name="Title 1">
+            <a:extLst>
+              <a:ext uri="{FF2B5EF4-FFF2-40B4-BE49-F238E27FC236}">
+                <a16:creationId xmlns:a16="http://schemas.microsoft.com/office/drawing/2014/main" id="{56F99100-D3DC-483F-AF36-C712970E3661}"/>
+              </a:ext>
+            </a:extLst>
+          </p:cNvPr>
+          <p:cNvSpPr>
+            <a:spLocks noGrp="1"/>
+          </p:cNvSpPr>
+          <p:nvPr>
+            <p:ph type="title"/>
+          </p:nvPr>
+        </p:nvSpPr>
+        <p:spPr>
+          <a:xfrm>
+            <a:off x="684213" y="685800"/>
+            <a:ext cx="10058400" cy="762000"/>
+          </a:xfrm>
+        </p:spPr>
+        <p:txBody>
+          <a:bodyPr/>
+          <a:lstStyle/>
+          <a:p>
+            <a:pPr algn="ctr"/>
+            <a:r>
+              <a:rPr lang="en-US" dirty="0"/>
+              <a:t>Random forest scores</a:t>
+            </a:r>
+          </a:p>
+        </p:txBody>
+      </p:sp>
+      <p:sp>
+        <p:nvSpPr>
+          <p:cNvPr id="3" name="Text Placeholder 2">
+            <a:extLst>
+              <a:ext uri="{FF2B5EF4-FFF2-40B4-BE49-F238E27FC236}">
+                <a16:creationId xmlns:a16="http://schemas.microsoft.com/office/drawing/2014/main" id="{CDCE0368-C700-4F47-8927-FE66A3B91F4B}"/>
+              </a:ext>
+            </a:extLst>
+          </p:cNvPr>
+          <p:cNvSpPr>
+            <a:spLocks noGrp="1"/>
+          </p:cNvSpPr>
+          <p:nvPr>
+            <p:ph type="body" idx="1"/>
+          </p:nvPr>
+        </p:nvSpPr>
+        <p:spPr>
+          <a:xfrm>
+            <a:off x="684211" y="1992086"/>
+            <a:ext cx="10930845" cy="3265714"/>
+          </a:xfrm>
+        </p:spPr>
+        <p:txBody>
+          <a:bodyPr/>
+          <a:lstStyle/>
+          <a:p>
+            <a:r>
+              <a:rPr lang="en-US" dirty="0"/>
+              <a:t>My best parameters for Math criterion= 'entropy', </a:t>
+            </a:r>
+            <a:r>
+              <a:rPr lang="en-US" dirty="0" err="1"/>
+              <a:t>max_depth</a:t>
+            </a:r>
+            <a:r>
+              <a:rPr lang="en-US" dirty="0"/>
+              <a:t>= 38, </a:t>
+            </a:r>
+            <a:r>
+              <a:rPr lang="en-US" dirty="0" err="1"/>
+              <a:t>n_estimators</a:t>
+            </a:r>
+            <a:r>
+              <a:rPr lang="en-US" dirty="0"/>
+              <a:t>= 34, </a:t>
+            </a:r>
+            <a:r>
+              <a:rPr lang="en-US" dirty="0" err="1"/>
+              <a:t>max_features</a:t>
+            </a:r>
+            <a:r>
+              <a:rPr lang="en-US" dirty="0"/>
+              <a:t> = 'sqrt' using my manual features.</a:t>
+            </a:r>
+          </a:p>
+          <a:p>
+            <a:pPr marL="342900" indent="-342900">
+              <a:buFont typeface="Arial" panose="020B0604020202020204" pitchFamily="34" charset="0"/>
+              <a:buChar char="•"/>
+            </a:pPr>
+            <a:r>
+              <a:rPr lang="en-US" dirty="0"/>
+              <a:t>Average accuracy was 85.22% and overfitting was at +/- 6%</a:t>
+            </a:r>
+          </a:p>
+          <a:p>
+            <a:r>
+              <a:rPr lang="en-US" dirty="0"/>
+              <a:t>My best parameters for ELA was kernel= '</a:t>
+            </a:r>
+            <a:r>
+              <a:rPr lang="en-US" dirty="0" err="1"/>
+              <a:t>rbf</a:t>
+            </a:r>
+            <a:r>
+              <a:rPr lang="en-US" dirty="0"/>
+              <a:t>', </a:t>
+            </a:r>
+            <a:r>
+              <a:rPr lang="en-US" dirty="0" err="1"/>
+              <a:t>max_iter</a:t>
+            </a:r>
+            <a:r>
+              <a:rPr lang="en-US" dirty="0"/>
+              <a:t> =106 using my manual feature.</a:t>
+            </a:r>
+          </a:p>
+          <a:p>
+            <a:pPr marL="342900" indent="-342900">
+              <a:buFont typeface="Arial" panose="020B0604020202020204" pitchFamily="34" charset="0"/>
+              <a:buChar char="•"/>
+            </a:pPr>
+            <a:r>
+              <a:rPr lang="en-US" dirty="0"/>
+              <a:t>I found ELA  model performed better at 92% accuracy with overfitting  +/-3 %</a:t>
+            </a:r>
+          </a:p>
+          <a:p>
+            <a:endParaRPr lang="en-US" dirty="0"/>
+          </a:p>
+        </p:txBody>
+      </p:sp>
+    </p:spTree>
+    <p:extLst>
+      <p:ext uri="{BB962C8B-B14F-4D97-AF65-F5344CB8AC3E}">
+        <p14:creationId xmlns:p14="http://schemas.microsoft.com/office/powerpoint/2010/main" val="2830566829"/>
+      </p:ext>
+    </p:extLst>
+  </p:cSld>
+  <p:clrMapOvr>
+    <a:masterClrMapping/>
+  </p:clrMapOvr>
+</p:sld>
+</file>
+
+<file path=ppt/slides/slide26.xml><?xml version="1.0" encoding="utf-8"?>
+<p:sld xmlns:a="http://schemas.openxmlformats.org/drawingml/2006/main" xmlns:r="http://schemas.openxmlformats.org/officeDocument/2006/relationships" xmlns:p="http://schemas.openxmlformats.org/presentationml/2006/main">
+  <p:cSld>
+    <p:spTree>
+      <p:nvGrpSpPr>
+        <p:cNvPr id="1" name=""/>
+        <p:cNvGrpSpPr/>
+        <p:nvPr/>
+      </p:nvGrpSpPr>
+      <p:grpSpPr>
+        <a:xfrm>
+          <a:off x="0" y="0"/>
+          <a:ext cx="0" cy="0"/>
+          <a:chOff x="0" y="0"/>
+          <a:chExt cx="0" cy="0"/>
+        </a:xfrm>
+      </p:grpSpPr>
+      <p:sp>
+        <p:nvSpPr>
+          <p:cNvPr id="2" name="Title 1">
+            <a:extLst>
+              <a:ext uri="{FF2B5EF4-FFF2-40B4-BE49-F238E27FC236}">
+                <a16:creationId xmlns:a16="http://schemas.microsoft.com/office/drawing/2014/main" id="{0C83E819-C723-4EB1-B6C9-0F08092B1429}"/>
+              </a:ext>
+            </a:extLst>
+          </p:cNvPr>
+          <p:cNvSpPr>
+            <a:spLocks noGrp="1"/>
+          </p:cNvSpPr>
+          <p:nvPr>
+            <p:ph type="title"/>
+          </p:nvPr>
+        </p:nvSpPr>
+        <p:spPr>
+          <a:xfrm>
+            <a:off x="3913414" y="620486"/>
+            <a:ext cx="4365171" cy="772885"/>
+          </a:xfrm>
+        </p:spPr>
+        <p:txBody>
+          <a:bodyPr/>
+          <a:lstStyle/>
+          <a:p>
+            <a:r>
+              <a:rPr lang="en-US" dirty="0"/>
+              <a:t>Gradient Boosting</a:t>
+            </a:r>
+          </a:p>
+        </p:txBody>
+      </p:sp>
+      <p:sp>
+        <p:nvSpPr>
+          <p:cNvPr id="3" name="Text Placeholder 2">
+            <a:extLst>
+              <a:ext uri="{FF2B5EF4-FFF2-40B4-BE49-F238E27FC236}">
+                <a16:creationId xmlns:a16="http://schemas.microsoft.com/office/drawing/2014/main" id="{CEB2EC7C-A80D-48EC-B96F-2E14E8CCEFEC}"/>
+              </a:ext>
+            </a:extLst>
+          </p:cNvPr>
+          <p:cNvSpPr>
+            <a:spLocks noGrp="1"/>
+          </p:cNvSpPr>
+          <p:nvPr>
+            <p:ph type="body" idx="1"/>
+          </p:nvPr>
+        </p:nvSpPr>
+        <p:spPr>
+          <a:xfrm>
+            <a:off x="793764" y="2275112"/>
+            <a:ext cx="10604472" cy="3484792"/>
+          </a:xfrm>
+        </p:spPr>
+        <p:txBody>
+          <a:bodyPr>
+            <a:normAutofit/>
+          </a:bodyPr>
+          <a:lstStyle/>
+          <a:p>
+            <a:r>
+              <a:rPr lang="en-US" dirty="0"/>
+              <a:t>Gradient boosting is a supervised learning algorithm often uses decision trees and  will perform a multitude of times while adjusting the model based on what was </a:t>
+            </a:r>
+            <a:r>
+              <a:rPr lang="en-US"/>
+              <a:t>learned.</a:t>
+            </a:r>
+            <a:endParaRPr lang="en-US" dirty="0"/>
+          </a:p>
+          <a:p>
+            <a:pPr marL="342900" indent="-342900">
+              <a:buFont typeface="Arial" panose="020B0604020202020204" pitchFamily="34" charset="0"/>
+              <a:buChar char="•"/>
+            </a:pPr>
+            <a:r>
+              <a:rPr lang="en-US" dirty="0"/>
+              <a:t>Builds one tree at a tree rather than in parallel</a:t>
+            </a:r>
+          </a:p>
+          <a:p>
+            <a:pPr marL="342900" indent="-342900">
+              <a:buFont typeface="Arial" panose="020B0604020202020204" pitchFamily="34" charset="0"/>
+              <a:buChar char="•"/>
+            </a:pPr>
+            <a:r>
+              <a:rPr lang="en-US" dirty="0"/>
+              <a:t>Is commonly a great performer, even when compared with random forest</a:t>
+            </a:r>
+          </a:p>
+          <a:p>
+            <a:pPr marL="342900" indent="-342900">
+              <a:buFont typeface="Arial" panose="020B0604020202020204" pitchFamily="34" charset="0"/>
+              <a:buChar char="•"/>
+            </a:pPr>
+            <a:r>
+              <a:rPr lang="en-US" dirty="0"/>
+              <a:t>The training is slow compared to some of the other supervised models</a:t>
+            </a:r>
+          </a:p>
+          <a:p>
+            <a:pPr marL="342900" indent="-342900">
+              <a:buFont typeface="Arial" panose="020B0604020202020204" pitchFamily="34" charset="0"/>
+              <a:buChar char="•"/>
+            </a:pPr>
+            <a:r>
+              <a:rPr lang="en-US" dirty="0"/>
+              <a:t>Is prone to overfitting</a:t>
+            </a:r>
+          </a:p>
+          <a:p>
+            <a:pPr marL="342900" indent="-342900">
+              <a:buFont typeface="Arial" panose="020B0604020202020204" pitchFamily="34" charset="0"/>
+              <a:buChar char="•"/>
+            </a:pPr>
+            <a:endParaRPr lang="en-US" dirty="0"/>
+          </a:p>
+        </p:txBody>
+      </p:sp>
+    </p:spTree>
+    <p:extLst>
+      <p:ext uri="{BB962C8B-B14F-4D97-AF65-F5344CB8AC3E}">
+        <p14:creationId xmlns:p14="http://schemas.microsoft.com/office/powerpoint/2010/main" val="1032198637"/>
+      </p:ext>
+    </p:extLst>
+  </p:cSld>
+  <p:clrMapOvr>
+    <a:masterClrMapping/>
+  </p:clrMapOvr>
+</p:sld>
+</file>
+
+<file path=ppt/slides/slide27.xml><?xml version="1.0" encoding="utf-8"?>
+<p:sld xmlns:a="http://schemas.openxmlformats.org/drawingml/2006/main" xmlns:r="http://schemas.openxmlformats.org/officeDocument/2006/relationships" xmlns:p="http://schemas.openxmlformats.org/presentationml/2006/main">
+  <p:cSld>
+    <p:spTree>
+      <p:nvGrpSpPr>
+        <p:cNvPr id="1" name=""/>
+        <p:cNvGrpSpPr/>
+        <p:nvPr/>
+      </p:nvGrpSpPr>
+      <p:grpSpPr>
+        <a:xfrm>
+          <a:off x="0" y="0"/>
+          <a:ext cx="0" cy="0"/>
+          <a:chOff x="0" y="0"/>
+          <a:chExt cx="0" cy="0"/>
+        </a:xfrm>
+      </p:grpSpPr>
+      <p:sp>
+        <p:nvSpPr>
+          <p:cNvPr id="2" name="Title 1">
+            <a:extLst>
+              <a:ext uri="{FF2B5EF4-FFF2-40B4-BE49-F238E27FC236}">
+                <a16:creationId xmlns:a16="http://schemas.microsoft.com/office/drawing/2014/main" id="{8CB73BF8-6DC5-4B29-9232-9A927AA1EC56}"/>
+              </a:ext>
+            </a:extLst>
+          </p:cNvPr>
+          <p:cNvSpPr>
+            <a:spLocks noGrp="1"/>
+          </p:cNvSpPr>
+          <p:nvPr>
+            <p:ph type="title"/>
+          </p:nvPr>
+        </p:nvSpPr>
+        <p:spPr>
+          <a:xfrm>
+            <a:off x="684213" y="685800"/>
+            <a:ext cx="10058400" cy="805543"/>
+          </a:xfrm>
+        </p:spPr>
+        <p:txBody>
+          <a:bodyPr/>
+          <a:lstStyle/>
+          <a:p>
+            <a:pPr algn="ctr"/>
+            <a:r>
+              <a:rPr lang="en-US" dirty="0"/>
+              <a:t>Gradient boosting score</a:t>
+            </a:r>
+          </a:p>
+        </p:txBody>
+      </p:sp>
+      <p:sp>
+        <p:nvSpPr>
+          <p:cNvPr id="3" name="Text Placeholder 2">
+            <a:extLst>
+              <a:ext uri="{FF2B5EF4-FFF2-40B4-BE49-F238E27FC236}">
+                <a16:creationId xmlns:a16="http://schemas.microsoft.com/office/drawing/2014/main" id="{E648B84D-6BC6-4979-A398-3E265EA90C0B}"/>
+              </a:ext>
+            </a:extLst>
+          </p:cNvPr>
+          <p:cNvSpPr>
+            <a:spLocks noGrp="1"/>
+          </p:cNvSpPr>
+          <p:nvPr>
+            <p:ph type="body" idx="1"/>
+          </p:nvPr>
+        </p:nvSpPr>
+        <p:spPr>
+          <a:xfrm>
+            <a:off x="684211" y="1763486"/>
+            <a:ext cx="10724017" cy="4230914"/>
+          </a:xfrm>
+        </p:spPr>
+        <p:txBody>
+          <a:bodyPr/>
+          <a:lstStyle/>
+          <a:p>
+            <a:r>
+              <a:rPr lang="en-US" dirty="0"/>
+              <a:t>My best parameters for Math was </a:t>
+            </a:r>
+            <a:r>
+              <a:rPr lang="en-US" dirty="0" err="1"/>
+              <a:t>max_depth</a:t>
+            </a:r>
+            <a:r>
+              <a:rPr lang="en-US" dirty="0"/>
+              <a:t>= 3, </a:t>
+            </a:r>
+            <a:r>
+              <a:rPr lang="en-US" dirty="0" err="1"/>
+              <a:t>n_estimators</a:t>
+            </a:r>
+            <a:r>
+              <a:rPr lang="en-US" dirty="0"/>
+              <a:t>= 31, </a:t>
+            </a:r>
+            <a:r>
+              <a:rPr lang="en-US" dirty="0" err="1"/>
+              <a:t>max_features</a:t>
+            </a:r>
+            <a:r>
+              <a:rPr lang="en-US" dirty="0"/>
+              <a:t> = 'log2’ using my manual features.</a:t>
+            </a:r>
+          </a:p>
+          <a:p>
+            <a:pPr marL="342900" indent="-342900">
+              <a:buFont typeface="Arial" panose="020B0604020202020204" pitchFamily="34" charset="0"/>
+              <a:buChar char="•"/>
+            </a:pPr>
+            <a:r>
+              <a:rPr lang="en-US" dirty="0"/>
+              <a:t>Average accuracy was 85.03% and overfitting was at =/- 7%</a:t>
+            </a:r>
+          </a:p>
+          <a:p>
+            <a:pPr marL="342900" indent="-342900">
+              <a:buFont typeface="Arial" panose="020B0604020202020204" pitchFamily="34" charset="0"/>
+              <a:buChar char="•"/>
+            </a:pPr>
+            <a:r>
+              <a:rPr lang="en-US" dirty="0"/>
+              <a:t>PCA feature had had a much lower accuracy with +/- 4% overfitting</a:t>
+            </a:r>
+          </a:p>
+          <a:p>
+            <a:r>
+              <a:rPr lang="en-US" dirty="0"/>
+              <a:t>My best parameters for ELA was </a:t>
+            </a:r>
+            <a:r>
+              <a:rPr lang="en-US" dirty="0" err="1"/>
+              <a:t>max_depth</a:t>
+            </a:r>
+            <a:r>
+              <a:rPr lang="en-US" dirty="0"/>
+              <a:t>= 3, </a:t>
+            </a:r>
+            <a:r>
+              <a:rPr lang="en-US" dirty="0" err="1"/>
+              <a:t>n_estimators</a:t>
+            </a:r>
+            <a:r>
+              <a:rPr lang="en-US" dirty="0"/>
+              <a:t>=37, </a:t>
+            </a:r>
+            <a:r>
+              <a:rPr lang="en-US" dirty="0" err="1"/>
+              <a:t>max_features</a:t>
+            </a:r>
+            <a:r>
+              <a:rPr lang="en-US" dirty="0"/>
+              <a:t> = 'log2' using my manual feature.</a:t>
+            </a:r>
+          </a:p>
+          <a:p>
+            <a:pPr marL="342900" indent="-342900">
+              <a:buFont typeface="Arial" panose="020B0604020202020204" pitchFamily="34" charset="0"/>
+              <a:buChar char="•"/>
+            </a:pPr>
+            <a:r>
+              <a:rPr lang="en-US" dirty="0"/>
+              <a:t>I found ELA  model performed really well at 93.2% accuracy with overfitting +/-2.5%</a:t>
+            </a:r>
+          </a:p>
+          <a:p>
+            <a:pPr marL="342900" indent="-342900">
+              <a:buFont typeface="Arial" panose="020B0604020202020204" pitchFamily="34" charset="0"/>
+              <a:buChar char="•"/>
+            </a:pPr>
+            <a:r>
+              <a:rPr lang="en-US" dirty="0"/>
+              <a:t>PCA feature set performed lower at 75% with +/- 3% overfitting</a:t>
+            </a:r>
+          </a:p>
+          <a:p>
+            <a:endParaRPr lang="en-US" dirty="0"/>
+          </a:p>
+        </p:txBody>
+      </p:sp>
+    </p:spTree>
+    <p:extLst>
+      <p:ext uri="{BB962C8B-B14F-4D97-AF65-F5344CB8AC3E}">
+        <p14:creationId xmlns:p14="http://schemas.microsoft.com/office/powerpoint/2010/main" val="2787421100"/>
+      </p:ext>
+    </p:extLst>
+  </p:cSld>
+  <p:clrMapOvr>
+    <a:masterClrMapping/>
+  </p:clrMapOvr>
+</p:sld>
+</file>
+
+<file path=ppt/slides/slide28.xml><?xml version="1.0" encoding="utf-8"?>
+<p:sld xmlns:a="http://schemas.openxmlformats.org/drawingml/2006/main" xmlns:r="http://schemas.openxmlformats.org/officeDocument/2006/relationships" xmlns:p="http://schemas.openxmlformats.org/presentationml/2006/main">
+  <p:cSld>
+    <p:spTree>
+      <p:nvGrpSpPr>
+        <p:cNvPr id="1" name=""/>
+        <p:cNvGrpSpPr/>
+        <p:nvPr/>
+      </p:nvGrpSpPr>
+      <p:grpSpPr>
+        <a:xfrm>
+          <a:off x="0" y="0"/>
+          <a:ext cx="0" cy="0"/>
+          <a:chOff x="0" y="0"/>
+          <a:chExt cx="0" cy="0"/>
+        </a:xfrm>
+      </p:grpSpPr>
+      <p:sp>
+        <p:nvSpPr>
+          <p:cNvPr id="2" name="Title 1">
+            <a:extLst>
+              <a:ext uri="{FF2B5EF4-FFF2-40B4-BE49-F238E27FC236}">
+                <a16:creationId xmlns:a16="http://schemas.microsoft.com/office/drawing/2014/main" id="{9A07B1BE-0AEA-44CA-932C-1EDDBE45BF5B}"/>
+              </a:ext>
+            </a:extLst>
+          </p:cNvPr>
+          <p:cNvSpPr>
+            <a:spLocks noGrp="1"/>
+          </p:cNvSpPr>
+          <p:nvPr>
+            <p:ph type="title"/>
+          </p:nvPr>
+        </p:nvSpPr>
+        <p:spPr>
+          <a:xfrm>
+            <a:off x="4767942" y="631371"/>
+            <a:ext cx="2656115" cy="696686"/>
+          </a:xfrm>
+        </p:spPr>
+        <p:txBody>
+          <a:bodyPr/>
+          <a:lstStyle/>
+          <a:p>
+            <a:r>
+              <a:rPr lang="en-US" dirty="0"/>
+              <a:t>Best Results</a:t>
+            </a:r>
+          </a:p>
+        </p:txBody>
+      </p:sp>
+      <p:graphicFrame>
+        <p:nvGraphicFramePr>
+          <p:cNvPr id="4" name="Table 3">
+            <a:extLst>
+              <a:ext uri="{FF2B5EF4-FFF2-40B4-BE49-F238E27FC236}">
+                <a16:creationId xmlns:a16="http://schemas.microsoft.com/office/drawing/2014/main" id="{A9E58B88-3E38-4BDF-A656-105C7AB8F239}"/>
+              </a:ext>
+            </a:extLst>
+          </p:cNvPr>
+          <p:cNvGraphicFramePr>
+            <a:graphicFrameLocks noGrp="1"/>
+          </p:cNvGraphicFramePr>
+          <p:nvPr>
+            <p:extLst>
+              <p:ext uri="{D42A27DB-BD31-4B8C-83A1-F6EECF244321}">
+                <p14:modId xmlns:p14="http://schemas.microsoft.com/office/powerpoint/2010/main" val="299627853"/>
+              </p:ext>
+            </p:extLst>
+          </p:nvPr>
+        </p:nvGraphicFramePr>
+        <p:xfrm>
+          <a:off x="740226" y="1513114"/>
+          <a:ext cx="10711545" cy="5120640"/>
+        </p:xfrm>
+        <a:graphic>
+          <a:graphicData uri="http://schemas.openxmlformats.org/drawingml/2006/table">
+            <a:tbl>
+              <a:tblPr firstRow="1" bandRow="1">
+                <a:tableStyleId>{5C22544A-7EE6-4342-B048-85BDC9FD1C3A}</a:tableStyleId>
+              </a:tblPr>
+              <a:tblGrid>
+                <a:gridCol w="2481944">
+                  <a:extLst>
+                    <a:ext uri="{9D8B030D-6E8A-4147-A177-3AD203B41FA5}">
+                      <a16:colId xmlns:a16="http://schemas.microsoft.com/office/drawing/2014/main" val="3453530627"/>
+                    </a:ext>
+                  </a:extLst>
+                </a:gridCol>
+                <a:gridCol w="1802674">
+                  <a:extLst>
+                    <a:ext uri="{9D8B030D-6E8A-4147-A177-3AD203B41FA5}">
+                      <a16:colId xmlns:a16="http://schemas.microsoft.com/office/drawing/2014/main" val="2411194412"/>
+                    </a:ext>
+                  </a:extLst>
+                </a:gridCol>
+                <a:gridCol w="2142309">
+                  <a:extLst>
+                    <a:ext uri="{9D8B030D-6E8A-4147-A177-3AD203B41FA5}">
+                      <a16:colId xmlns:a16="http://schemas.microsoft.com/office/drawing/2014/main" val="484472474"/>
+                    </a:ext>
+                  </a:extLst>
+                </a:gridCol>
+                <a:gridCol w="2142309">
+                  <a:extLst>
+                    <a:ext uri="{9D8B030D-6E8A-4147-A177-3AD203B41FA5}">
+                      <a16:colId xmlns:a16="http://schemas.microsoft.com/office/drawing/2014/main" val="2244227330"/>
+                    </a:ext>
+                  </a:extLst>
+                </a:gridCol>
+                <a:gridCol w="2142309">
+                  <a:extLst>
+                    <a:ext uri="{9D8B030D-6E8A-4147-A177-3AD203B41FA5}">
+                      <a16:colId xmlns:a16="http://schemas.microsoft.com/office/drawing/2014/main" val="2490818196"/>
+                    </a:ext>
+                  </a:extLst>
+                </a:gridCol>
+              </a:tblGrid>
+              <a:tr h="575582">
+                <a:tc>
+                  <a:txBody>
+                    <a:bodyPr/>
+                    <a:lstStyle/>
+                    <a:p>
+                      <a:pPr algn="ctr"/>
+                      <a:r>
+                        <a:rPr lang="en-US" dirty="0"/>
+                        <a:t>MODEL</a:t>
+                      </a:r>
+                    </a:p>
+                  </a:txBody>
+                  <a:tcPr/>
+                </a:tc>
+                <a:tc>
+                  <a:txBody>
+                    <a:bodyPr/>
+                    <a:lstStyle/>
+                    <a:p>
+                      <a:pPr algn="ctr"/>
+                      <a:r>
+                        <a:rPr lang="en-US" dirty="0"/>
+                        <a:t>Math Accuracy</a:t>
+                      </a:r>
+                    </a:p>
+                  </a:txBody>
+                  <a:tcPr/>
+                </a:tc>
+                <a:tc>
+                  <a:txBody>
+                    <a:bodyPr/>
+                    <a:lstStyle/>
+                    <a:p>
+                      <a:pPr algn="ctr"/>
+                      <a:r>
+                        <a:rPr lang="en-US" dirty="0"/>
+                        <a:t>Math Overfit</a:t>
+                      </a:r>
+                    </a:p>
+                  </a:txBody>
+                  <a:tcPr/>
+                </a:tc>
+                <a:tc>
+                  <a:txBody>
+                    <a:bodyPr/>
+                    <a:lstStyle/>
+                    <a:p>
+                      <a:pPr algn="ctr"/>
+                      <a:r>
+                        <a:rPr lang="en-US" dirty="0"/>
+                        <a:t>ELA Accuracy</a:t>
+                      </a:r>
+                    </a:p>
+                  </a:txBody>
+                  <a:tcPr/>
+                </a:tc>
+                <a:tc>
+                  <a:txBody>
+                    <a:bodyPr/>
+                    <a:lstStyle/>
+                    <a:p>
+                      <a:pPr algn="ctr"/>
+                      <a:r>
+                        <a:rPr lang="en-US" dirty="0"/>
+                        <a:t>Math Overfit</a:t>
+                      </a:r>
+                    </a:p>
+                  </a:txBody>
+                  <a:tcPr/>
+                </a:tc>
+                <a:extLst>
+                  <a:ext uri="{0D108BD9-81ED-4DB2-BD59-A6C34878D82A}">
+                    <a16:rowId xmlns:a16="http://schemas.microsoft.com/office/drawing/2014/main" val="1706159607"/>
+                  </a:ext>
+                </a:extLst>
+              </a:tr>
+              <a:tr h="575582">
+                <a:tc>
+                  <a:txBody>
+                    <a:bodyPr/>
+                    <a:lstStyle/>
+                    <a:p>
+                      <a:r>
+                        <a:rPr lang="en-US" dirty="0"/>
+                        <a:t>Random Forest</a:t>
+                      </a:r>
+                    </a:p>
+                  </a:txBody>
+                  <a:tcPr/>
+                </a:tc>
+                <a:tc>
+                  <a:txBody>
+                    <a:bodyPr/>
+                    <a:lstStyle/>
+                    <a:p>
+                      <a:pPr marL="0" marR="0" lvl="0" indent="0" algn="ctr" defTabSz="457200" rtl="0" eaLnBrk="1" fontAlgn="auto" latinLnBrk="0" hangingPunct="1">
+                        <a:lnSpc>
+                          <a:spcPct val="100000"/>
+                        </a:lnSpc>
+                        <a:spcBef>
+                          <a:spcPts val="0"/>
+                        </a:spcBef>
+                        <a:spcAft>
+                          <a:spcPts val="0"/>
+                        </a:spcAft>
+                        <a:buClrTx/>
+                        <a:buSzTx/>
+                        <a:buFontTx/>
+                        <a:buNone/>
+                        <a:tabLst/>
+                        <a:defRPr/>
+                      </a:pPr>
+                      <a:r>
+                        <a:rPr lang="en-US" dirty="0"/>
+                        <a:t>85.22%</a:t>
+                      </a:r>
+                    </a:p>
+                  </a:txBody>
+                  <a:tcPr/>
+                </a:tc>
+                <a:tc>
+                  <a:txBody>
+                    <a:bodyPr/>
+                    <a:lstStyle/>
+                    <a:p>
+                      <a:pPr marL="0" marR="0" lvl="0" indent="0" algn="ctr" defTabSz="457200" rtl="0" eaLnBrk="1" fontAlgn="auto" latinLnBrk="0" hangingPunct="1">
+                        <a:lnSpc>
+                          <a:spcPct val="100000"/>
+                        </a:lnSpc>
+                        <a:spcBef>
+                          <a:spcPts val="0"/>
+                        </a:spcBef>
+                        <a:spcAft>
+                          <a:spcPts val="0"/>
+                        </a:spcAft>
+                        <a:buClrTx/>
+                        <a:buSzTx/>
+                        <a:buFontTx/>
+                        <a:buNone/>
+                        <a:tabLst/>
+                        <a:defRPr/>
+                      </a:pPr>
+                      <a:r>
+                        <a:rPr lang="en-US" dirty="0"/>
+                        <a:t>+/-6%</a:t>
+                      </a:r>
+                    </a:p>
+                    <a:p>
+                      <a:endParaRPr lang="en-US" dirty="0"/>
+                    </a:p>
+                  </a:txBody>
+                  <a:tcPr/>
+                </a:tc>
+                <a:tc>
+                  <a:txBody>
+                    <a:bodyPr/>
+                    <a:lstStyle/>
+                    <a:p>
+                      <a:pPr marL="0" marR="0" lvl="0" indent="0" algn="ctr" defTabSz="457200" rtl="0" eaLnBrk="1" fontAlgn="auto" latinLnBrk="0" hangingPunct="1">
+                        <a:lnSpc>
+                          <a:spcPct val="100000"/>
+                        </a:lnSpc>
+                        <a:spcBef>
+                          <a:spcPts val="0"/>
+                        </a:spcBef>
+                        <a:spcAft>
+                          <a:spcPts val="0"/>
+                        </a:spcAft>
+                        <a:buClrTx/>
+                        <a:buSzTx/>
+                        <a:buFontTx/>
+                        <a:buNone/>
+                        <a:tabLst/>
+                        <a:defRPr/>
+                      </a:pPr>
+                      <a:r>
+                        <a:rPr lang="en-US" dirty="0"/>
+                        <a:t>92%</a:t>
+                      </a:r>
+                    </a:p>
+                  </a:txBody>
+                  <a:tcPr/>
+                </a:tc>
+                <a:tc>
+                  <a:txBody>
+                    <a:bodyPr/>
+                    <a:lstStyle/>
+                    <a:p>
+                      <a:pPr marL="0" marR="0" lvl="0" indent="0" algn="ctr" defTabSz="457200" rtl="0" eaLnBrk="1" fontAlgn="auto" latinLnBrk="0" hangingPunct="1">
+                        <a:lnSpc>
+                          <a:spcPct val="100000"/>
+                        </a:lnSpc>
+                        <a:spcBef>
+                          <a:spcPts val="0"/>
+                        </a:spcBef>
+                        <a:spcAft>
+                          <a:spcPts val="0"/>
+                        </a:spcAft>
+                        <a:buClrTx/>
+                        <a:buSzTx/>
+                        <a:buFontTx/>
+                        <a:buNone/>
+                        <a:tabLst/>
+                        <a:defRPr/>
+                      </a:pPr>
+                      <a:r>
+                        <a:rPr lang="en-US" dirty="0"/>
+                        <a:t>+/-3 %</a:t>
+                      </a:r>
+                    </a:p>
+                    <a:p>
+                      <a:pPr algn="ctr"/>
+                      <a:endParaRPr lang="en-US" dirty="0"/>
+                    </a:p>
+                  </a:txBody>
+                  <a:tcPr/>
+                </a:tc>
+                <a:extLst>
+                  <a:ext uri="{0D108BD9-81ED-4DB2-BD59-A6C34878D82A}">
+                    <a16:rowId xmlns:a16="http://schemas.microsoft.com/office/drawing/2014/main" val="3300763916"/>
+                  </a:ext>
+                </a:extLst>
+              </a:tr>
+              <a:tr h="575582">
+                <a:tc>
+                  <a:txBody>
+                    <a:bodyPr/>
+                    <a:lstStyle/>
+                    <a:p>
+                      <a:r>
+                        <a:rPr lang="en-US" dirty="0"/>
+                        <a:t>logistic regression</a:t>
+                      </a:r>
+                    </a:p>
+                  </a:txBody>
+                  <a:tcPr/>
+                </a:tc>
+                <a:tc>
+                  <a:txBody>
+                    <a:bodyPr/>
+                    <a:lstStyle/>
+                    <a:p>
+                      <a:pPr marL="0" marR="0" lvl="0" indent="0" algn="ctr" defTabSz="457200" rtl="0" eaLnBrk="1" fontAlgn="auto" latinLnBrk="0" hangingPunct="1">
+                        <a:lnSpc>
+                          <a:spcPct val="100000"/>
+                        </a:lnSpc>
+                        <a:spcBef>
+                          <a:spcPts val="0"/>
+                        </a:spcBef>
+                        <a:spcAft>
+                          <a:spcPts val="0"/>
+                        </a:spcAft>
+                        <a:buClrTx/>
+                        <a:buSzTx/>
+                        <a:buFontTx/>
+                        <a:buNone/>
+                        <a:tabLst/>
+                        <a:defRPr/>
+                      </a:pPr>
+                      <a:r>
+                        <a:rPr lang="en-US" dirty="0"/>
+                        <a:t>84%</a:t>
+                      </a:r>
+                    </a:p>
+                    <a:p>
+                      <a:endParaRPr lang="en-US" dirty="0"/>
+                    </a:p>
+                  </a:txBody>
+                  <a:tcPr/>
+                </a:tc>
+                <a:tc>
+                  <a:txBody>
+                    <a:bodyPr/>
+                    <a:lstStyle/>
+                    <a:p>
+                      <a:pPr algn="ctr"/>
+                      <a:r>
+                        <a:rPr lang="en-US" dirty="0"/>
+                        <a:t>+/-8%</a:t>
+                      </a:r>
+                    </a:p>
+                  </a:txBody>
+                  <a:tcPr/>
+                </a:tc>
+                <a:tc>
+                  <a:txBody>
+                    <a:bodyPr/>
+                    <a:lstStyle/>
+                    <a:p>
+                      <a:pPr marL="0" marR="0" lvl="0" indent="0" algn="ctr" defTabSz="457200" rtl="0" eaLnBrk="1" fontAlgn="auto" latinLnBrk="0" hangingPunct="1">
+                        <a:lnSpc>
+                          <a:spcPct val="100000"/>
+                        </a:lnSpc>
+                        <a:spcBef>
+                          <a:spcPts val="0"/>
+                        </a:spcBef>
+                        <a:spcAft>
+                          <a:spcPts val="0"/>
+                        </a:spcAft>
+                        <a:buClrTx/>
+                        <a:buSzTx/>
+                        <a:buFontTx/>
+                        <a:buNone/>
+                        <a:tabLst/>
+                        <a:defRPr/>
+                      </a:pPr>
+                      <a:r>
+                        <a:rPr lang="en-US" dirty="0"/>
+                        <a:t>91.4%</a:t>
+                      </a:r>
+                    </a:p>
+                    <a:p>
+                      <a:endParaRPr lang="en-US" dirty="0"/>
+                    </a:p>
+                  </a:txBody>
+                  <a:tcPr/>
+                </a:tc>
+                <a:tc>
+                  <a:txBody>
+                    <a:bodyPr/>
+                    <a:lstStyle/>
+                    <a:p>
+                      <a:pPr algn="ctr"/>
+                      <a:r>
+                        <a:rPr lang="en-US" dirty="0"/>
+                        <a:t>+/-3%</a:t>
+                      </a:r>
+                    </a:p>
+                  </a:txBody>
+                  <a:tcPr/>
+                </a:tc>
+                <a:extLst>
+                  <a:ext uri="{0D108BD9-81ED-4DB2-BD59-A6C34878D82A}">
+                    <a16:rowId xmlns:a16="http://schemas.microsoft.com/office/drawing/2014/main" val="3762863161"/>
+                  </a:ext>
+                </a:extLst>
+              </a:tr>
+              <a:tr h="575582">
+                <a:tc>
+                  <a:txBody>
+                    <a:bodyPr/>
+                    <a:lstStyle/>
+                    <a:p>
+                      <a:r>
+                        <a:rPr lang="en-US" dirty="0"/>
+                        <a:t>Ridge regression</a:t>
+                      </a:r>
+                    </a:p>
+                  </a:txBody>
+                  <a:tcPr/>
+                </a:tc>
+                <a:tc>
+                  <a:txBody>
+                    <a:bodyPr/>
+                    <a:lstStyle/>
+                    <a:p>
+                      <a:pPr marL="0" marR="0" lvl="0" indent="0" algn="ctr" defTabSz="457200" rtl="0" eaLnBrk="1" fontAlgn="auto" latinLnBrk="0" hangingPunct="1">
+                        <a:lnSpc>
+                          <a:spcPct val="100000"/>
+                        </a:lnSpc>
+                        <a:spcBef>
+                          <a:spcPts val="0"/>
+                        </a:spcBef>
+                        <a:spcAft>
+                          <a:spcPts val="0"/>
+                        </a:spcAft>
+                        <a:buClrTx/>
+                        <a:buSzTx/>
+                        <a:buFontTx/>
+                        <a:buNone/>
+                        <a:tabLst/>
+                        <a:defRPr/>
+                      </a:pPr>
+                      <a:r>
+                        <a:rPr lang="en-US" dirty="0"/>
+                        <a:t>84.67%</a:t>
+                      </a:r>
+                    </a:p>
+                  </a:txBody>
+                  <a:tcPr/>
+                </a:tc>
+                <a:tc>
+                  <a:txBody>
+                    <a:bodyPr/>
+                    <a:lstStyle/>
+                    <a:p>
+                      <a:pPr marL="0" marR="0" lvl="0" indent="0" algn="ctr" defTabSz="457200" rtl="0" eaLnBrk="1" fontAlgn="auto" latinLnBrk="0" hangingPunct="1">
+                        <a:lnSpc>
+                          <a:spcPct val="100000"/>
+                        </a:lnSpc>
+                        <a:spcBef>
+                          <a:spcPts val="0"/>
+                        </a:spcBef>
+                        <a:spcAft>
+                          <a:spcPts val="0"/>
+                        </a:spcAft>
+                        <a:buClrTx/>
+                        <a:buSzTx/>
+                        <a:buFontTx/>
+                        <a:buNone/>
+                        <a:tabLst/>
+                        <a:defRPr/>
+                      </a:pPr>
+                      <a:r>
+                        <a:rPr lang="en-US" dirty="0"/>
+                        <a:t>+/- 8%</a:t>
+                      </a:r>
+                    </a:p>
+                    <a:p>
+                      <a:pPr algn="ctr"/>
+                      <a:endParaRPr lang="en-US" dirty="0"/>
+                    </a:p>
+                  </a:txBody>
+                  <a:tcPr/>
+                </a:tc>
+                <a:tc>
+                  <a:txBody>
+                    <a:bodyPr/>
+                    <a:lstStyle/>
+                    <a:p>
+                      <a:pPr marL="0" marR="0" lvl="0" indent="0" algn="ctr" defTabSz="457200" rtl="0" eaLnBrk="1" fontAlgn="auto" latinLnBrk="0" hangingPunct="1">
+                        <a:lnSpc>
+                          <a:spcPct val="100000"/>
+                        </a:lnSpc>
+                        <a:spcBef>
+                          <a:spcPts val="0"/>
+                        </a:spcBef>
+                        <a:spcAft>
+                          <a:spcPts val="0"/>
+                        </a:spcAft>
+                        <a:buClrTx/>
+                        <a:buSzTx/>
+                        <a:buFontTx/>
+                        <a:buNone/>
+                        <a:tabLst/>
+                        <a:defRPr/>
+                      </a:pPr>
+                      <a:r>
+                        <a:rPr lang="en-US" dirty="0"/>
+                        <a:t>90.76%</a:t>
+                      </a:r>
+                    </a:p>
+                    <a:p>
+                      <a:endParaRPr lang="en-US" dirty="0"/>
+                    </a:p>
+                  </a:txBody>
+                  <a:tcPr/>
+                </a:tc>
+                <a:tc>
+                  <a:txBody>
+                    <a:bodyPr/>
+                    <a:lstStyle/>
+                    <a:p>
+                      <a:pPr algn="ctr"/>
+                      <a:r>
+                        <a:rPr lang="en-US" dirty="0"/>
+                        <a:t>+/-3%</a:t>
+                      </a:r>
+                    </a:p>
+                  </a:txBody>
+                  <a:tcPr/>
+                </a:tc>
+                <a:extLst>
+                  <a:ext uri="{0D108BD9-81ED-4DB2-BD59-A6C34878D82A}">
+                    <a16:rowId xmlns:a16="http://schemas.microsoft.com/office/drawing/2014/main" val="265783359"/>
+                  </a:ext>
+                </a:extLst>
+              </a:tr>
+              <a:tr h="575582">
+                <a:tc>
+                  <a:txBody>
+                    <a:bodyPr/>
+                    <a:lstStyle/>
+                    <a:p>
+                      <a:r>
+                        <a:rPr lang="en-US" dirty="0"/>
+                        <a:t>Lasso regression</a:t>
+                      </a:r>
+                    </a:p>
+                  </a:txBody>
+                  <a:tcPr/>
+                </a:tc>
+                <a:tc>
+                  <a:txBody>
+                    <a:bodyPr/>
+                    <a:lstStyle/>
+                    <a:p>
+                      <a:pPr marL="0" marR="0" lvl="0" indent="0" algn="ctr" defTabSz="457200" rtl="0" eaLnBrk="1" fontAlgn="auto" latinLnBrk="0" hangingPunct="1">
+                        <a:lnSpc>
+                          <a:spcPct val="100000"/>
+                        </a:lnSpc>
+                        <a:spcBef>
+                          <a:spcPts val="0"/>
+                        </a:spcBef>
+                        <a:spcAft>
+                          <a:spcPts val="0"/>
+                        </a:spcAft>
+                        <a:buClrTx/>
+                        <a:buSzTx/>
+                        <a:buFontTx/>
+                        <a:buNone/>
+                        <a:tabLst/>
+                        <a:defRPr/>
+                      </a:pPr>
+                      <a:r>
+                        <a:rPr lang="en-US" dirty="0"/>
+                        <a:t>84.6%</a:t>
+                      </a:r>
+                    </a:p>
+                    <a:p>
+                      <a:endParaRPr lang="en-US" dirty="0"/>
+                    </a:p>
+                  </a:txBody>
+                  <a:tcPr/>
+                </a:tc>
+                <a:tc>
+                  <a:txBody>
+                    <a:bodyPr/>
+                    <a:lstStyle/>
+                    <a:p>
+                      <a:pPr algn="ctr"/>
+                      <a:r>
+                        <a:rPr lang="en-US" dirty="0"/>
+                        <a:t>+/- 7%</a:t>
+                      </a:r>
+                    </a:p>
+                  </a:txBody>
+                  <a:tcPr/>
+                </a:tc>
+                <a:tc>
+                  <a:txBody>
+                    <a:bodyPr/>
+                    <a:lstStyle/>
+                    <a:p>
+                      <a:pPr algn="ctr"/>
+                      <a:r>
+                        <a:rPr lang="en-US" dirty="0"/>
+                        <a:t>90.6%</a:t>
+                      </a:r>
+                    </a:p>
+                  </a:txBody>
+                  <a:tcPr/>
+                </a:tc>
+                <a:tc>
+                  <a:txBody>
+                    <a:bodyPr/>
+                    <a:lstStyle/>
+                    <a:p>
+                      <a:pPr algn="ctr"/>
+                      <a:r>
+                        <a:rPr lang="en-US" dirty="0"/>
+                        <a:t>+/-3</a:t>
+                      </a:r>
+                    </a:p>
+                  </a:txBody>
+                  <a:tcPr/>
+                </a:tc>
+                <a:extLst>
+                  <a:ext uri="{0D108BD9-81ED-4DB2-BD59-A6C34878D82A}">
+                    <a16:rowId xmlns:a16="http://schemas.microsoft.com/office/drawing/2014/main" val="4009327563"/>
+                  </a:ext>
+                </a:extLst>
+              </a:tr>
+              <a:tr h="575582">
+                <a:tc>
+                  <a:txBody>
+                    <a:bodyPr/>
+                    <a:lstStyle/>
+                    <a:p>
+                      <a:pPr marL="0" marR="0" lvl="0" indent="0" algn="l" defTabSz="457200" rtl="0" eaLnBrk="1" fontAlgn="auto" latinLnBrk="0" hangingPunct="1">
+                        <a:lnSpc>
+                          <a:spcPct val="100000"/>
+                        </a:lnSpc>
+                        <a:spcBef>
+                          <a:spcPts val="0"/>
+                        </a:spcBef>
+                        <a:spcAft>
+                          <a:spcPts val="0"/>
+                        </a:spcAft>
+                        <a:buClrTx/>
+                        <a:buSzTx/>
+                        <a:buFontTx/>
+                        <a:buNone/>
+                        <a:tabLst/>
+                        <a:defRPr/>
+                      </a:pPr>
+                      <a:r>
+                        <a:rPr lang="en-US" dirty="0"/>
+                        <a:t>SVC</a:t>
+                      </a:r>
+                    </a:p>
+                    <a:p>
+                      <a:endParaRPr lang="en-US" dirty="0"/>
+                    </a:p>
+                  </a:txBody>
+                  <a:tcPr/>
+                </a:tc>
+                <a:tc>
+                  <a:txBody>
+                    <a:bodyPr/>
+                    <a:lstStyle/>
+                    <a:p>
+                      <a:pPr marL="0" marR="0" lvl="0" indent="0" algn="ctr" defTabSz="457200" rtl="0" eaLnBrk="1" fontAlgn="auto" latinLnBrk="0" hangingPunct="1">
+                        <a:lnSpc>
+                          <a:spcPct val="100000"/>
+                        </a:lnSpc>
+                        <a:spcBef>
+                          <a:spcPts val="0"/>
+                        </a:spcBef>
+                        <a:spcAft>
+                          <a:spcPts val="0"/>
+                        </a:spcAft>
+                        <a:buClrTx/>
+                        <a:buSzTx/>
+                        <a:buFontTx/>
+                        <a:buNone/>
+                        <a:tabLst/>
+                        <a:defRPr/>
+                      </a:pPr>
+                      <a:r>
+                        <a:rPr lang="en-US" dirty="0"/>
+                        <a:t>62.4%</a:t>
+                      </a:r>
+                    </a:p>
+                  </a:txBody>
+                  <a:tcPr/>
+                </a:tc>
+                <a:tc>
+                  <a:txBody>
+                    <a:bodyPr/>
+                    <a:lstStyle/>
+                    <a:p>
+                      <a:pPr marL="0" marR="0" lvl="0" indent="0" algn="ctr" defTabSz="457200" rtl="0" eaLnBrk="1" fontAlgn="auto" latinLnBrk="0" hangingPunct="1">
+                        <a:lnSpc>
+                          <a:spcPct val="100000"/>
+                        </a:lnSpc>
+                        <a:spcBef>
+                          <a:spcPts val="0"/>
+                        </a:spcBef>
+                        <a:spcAft>
+                          <a:spcPts val="0"/>
+                        </a:spcAft>
+                        <a:buClrTx/>
+                        <a:buSzTx/>
+                        <a:buFontTx/>
+                        <a:buNone/>
+                        <a:tabLst/>
+                        <a:defRPr/>
+                      </a:pPr>
+                      <a:r>
+                        <a:rPr lang="en-US" dirty="0"/>
+                        <a:t>+/-15%</a:t>
+                      </a:r>
+                    </a:p>
+                    <a:p>
+                      <a:pPr algn="ctr"/>
+                      <a:endParaRPr lang="en-US" dirty="0"/>
+                    </a:p>
+                  </a:txBody>
+                  <a:tcPr/>
+                </a:tc>
+                <a:tc>
+                  <a:txBody>
+                    <a:bodyPr/>
+                    <a:lstStyle/>
+                    <a:p>
+                      <a:pPr marL="0" marR="0" lvl="0" indent="0" algn="ctr" defTabSz="457200" rtl="0" eaLnBrk="1" fontAlgn="auto" latinLnBrk="0" hangingPunct="1">
+                        <a:lnSpc>
+                          <a:spcPct val="100000"/>
+                        </a:lnSpc>
+                        <a:spcBef>
+                          <a:spcPts val="0"/>
+                        </a:spcBef>
+                        <a:spcAft>
+                          <a:spcPts val="0"/>
+                        </a:spcAft>
+                        <a:buClrTx/>
+                        <a:buSzTx/>
+                        <a:buFontTx/>
+                        <a:buNone/>
+                        <a:tabLst/>
+                        <a:defRPr/>
+                      </a:pPr>
+                      <a:r>
+                        <a:rPr lang="en-US" dirty="0"/>
+                        <a:t>87.2%</a:t>
+                      </a:r>
+                    </a:p>
+                    <a:p>
+                      <a:pPr algn="ctr"/>
+                      <a:endParaRPr lang="en-US" dirty="0"/>
+                    </a:p>
+                  </a:txBody>
+                  <a:tcPr/>
+                </a:tc>
+                <a:tc>
+                  <a:txBody>
+                    <a:bodyPr/>
+                    <a:lstStyle/>
+                    <a:p>
+                      <a:pPr algn="ctr"/>
+                      <a:r>
+                        <a:rPr lang="en-US" dirty="0"/>
+                        <a:t>+/- 2.5 %</a:t>
+                      </a:r>
+                    </a:p>
+                  </a:txBody>
+                  <a:tcPr/>
+                </a:tc>
+                <a:extLst>
+                  <a:ext uri="{0D108BD9-81ED-4DB2-BD59-A6C34878D82A}">
+                    <a16:rowId xmlns:a16="http://schemas.microsoft.com/office/drawing/2014/main" val="1669039186"/>
+                  </a:ext>
+                </a:extLst>
+              </a:tr>
+              <a:tr h="575582">
+                <a:tc>
+                  <a:txBody>
+                    <a:bodyPr/>
+                    <a:lstStyle/>
+                    <a:p>
+                      <a:pPr marL="0" marR="0" lvl="0" indent="0" algn="l" defTabSz="457200" rtl="0" eaLnBrk="1" fontAlgn="auto" latinLnBrk="0" hangingPunct="1">
+                        <a:lnSpc>
+                          <a:spcPct val="100000"/>
+                        </a:lnSpc>
+                        <a:spcBef>
+                          <a:spcPts val="0"/>
+                        </a:spcBef>
+                        <a:spcAft>
+                          <a:spcPts val="0"/>
+                        </a:spcAft>
+                        <a:buClrTx/>
+                        <a:buSzTx/>
+                        <a:buFontTx/>
+                        <a:buNone/>
+                        <a:tabLst/>
+                        <a:defRPr/>
+                      </a:pPr>
+                      <a:r>
+                        <a:rPr lang="en-US" dirty="0"/>
+                        <a:t>Gradient Boosting</a:t>
+                      </a:r>
+                    </a:p>
+                    <a:p>
+                      <a:endParaRPr lang="en-US" dirty="0"/>
+                    </a:p>
+                  </a:txBody>
+                  <a:tcPr/>
+                </a:tc>
+                <a:tc>
+                  <a:txBody>
+                    <a:bodyPr/>
+                    <a:lstStyle/>
+                    <a:p>
+                      <a:pPr marL="0" marR="0" lvl="0" indent="0" algn="ctr" defTabSz="457200" rtl="0" eaLnBrk="1" fontAlgn="auto" latinLnBrk="0" hangingPunct="1">
+                        <a:lnSpc>
+                          <a:spcPct val="100000"/>
+                        </a:lnSpc>
+                        <a:spcBef>
+                          <a:spcPts val="0"/>
+                        </a:spcBef>
+                        <a:spcAft>
+                          <a:spcPts val="0"/>
+                        </a:spcAft>
+                        <a:buClrTx/>
+                        <a:buSzTx/>
+                        <a:buFontTx/>
+                        <a:buNone/>
+                        <a:tabLst/>
+                        <a:defRPr/>
+                      </a:pPr>
+                      <a:r>
+                        <a:rPr lang="en-US" dirty="0"/>
+                        <a:t>85.03</a:t>
+                      </a:r>
+                    </a:p>
+                  </a:txBody>
+                  <a:tcPr/>
+                </a:tc>
+                <a:tc>
+                  <a:txBody>
+                    <a:bodyPr/>
+                    <a:lstStyle/>
+                    <a:p>
+                      <a:pPr marL="0" marR="0" lvl="0" indent="0" algn="ctr" defTabSz="457200" rtl="0" eaLnBrk="1" fontAlgn="auto" latinLnBrk="0" hangingPunct="1">
+                        <a:lnSpc>
+                          <a:spcPct val="100000"/>
+                        </a:lnSpc>
+                        <a:spcBef>
+                          <a:spcPts val="0"/>
+                        </a:spcBef>
+                        <a:spcAft>
+                          <a:spcPts val="0"/>
+                        </a:spcAft>
+                        <a:buClrTx/>
+                        <a:buSzTx/>
+                        <a:buFontTx/>
+                        <a:buNone/>
+                        <a:tabLst/>
+                        <a:defRPr/>
+                      </a:pPr>
+                      <a:r>
+                        <a:rPr lang="en-US" dirty="0"/>
+                        <a:t>+/- 7%</a:t>
+                      </a:r>
+                    </a:p>
+                  </a:txBody>
+                  <a:tcPr/>
+                </a:tc>
+                <a:tc>
+                  <a:txBody>
+                    <a:bodyPr/>
+                    <a:lstStyle/>
+                    <a:p>
+                      <a:pPr marL="0" marR="0" lvl="0" indent="0" algn="ctr" defTabSz="457200" rtl="0" eaLnBrk="1" fontAlgn="auto" latinLnBrk="0" hangingPunct="1">
+                        <a:lnSpc>
+                          <a:spcPct val="100000"/>
+                        </a:lnSpc>
+                        <a:spcBef>
+                          <a:spcPts val="0"/>
+                        </a:spcBef>
+                        <a:spcAft>
+                          <a:spcPts val="0"/>
+                        </a:spcAft>
+                        <a:buClrTx/>
+                        <a:buSzTx/>
+                        <a:buFontTx/>
+                        <a:buNone/>
+                        <a:tabLst/>
+                        <a:defRPr/>
+                      </a:pPr>
+                      <a:r>
+                        <a:rPr lang="en-US" dirty="0"/>
+                        <a:t>93.2%</a:t>
+                      </a:r>
+                    </a:p>
+                  </a:txBody>
+                  <a:tcPr/>
+                </a:tc>
+                <a:tc>
+                  <a:txBody>
+                    <a:bodyPr/>
+                    <a:lstStyle/>
+                    <a:p>
+                      <a:pPr marL="0" marR="0" lvl="0" indent="0" algn="ctr" defTabSz="457200" rtl="0" eaLnBrk="1" fontAlgn="auto" latinLnBrk="0" hangingPunct="1">
+                        <a:lnSpc>
+                          <a:spcPct val="100000"/>
+                        </a:lnSpc>
+                        <a:spcBef>
+                          <a:spcPts val="0"/>
+                        </a:spcBef>
+                        <a:spcAft>
+                          <a:spcPts val="0"/>
+                        </a:spcAft>
+                        <a:buClrTx/>
+                        <a:buSzTx/>
+                        <a:buFontTx/>
+                        <a:buNone/>
+                        <a:tabLst/>
+                        <a:defRPr/>
+                      </a:pPr>
+                      <a:r>
+                        <a:rPr lang="en-US" dirty="0"/>
+                        <a:t>+/-2.5%</a:t>
+                      </a:r>
+                    </a:p>
+                    <a:p>
+                      <a:pPr algn="ctr"/>
+                      <a:endParaRPr lang="en-US" dirty="0"/>
+                    </a:p>
+                  </a:txBody>
+                  <a:tcPr/>
+                </a:tc>
+                <a:extLst>
+                  <a:ext uri="{0D108BD9-81ED-4DB2-BD59-A6C34878D82A}">
+                    <a16:rowId xmlns:a16="http://schemas.microsoft.com/office/drawing/2014/main" val="3912347478"/>
+                  </a:ext>
+                </a:extLst>
+              </a:tr>
+              <a:tr h="575582">
+                <a:tc>
+                  <a:txBody>
+                    <a:bodyPr/>
+                    <a:lstStyle/>
+                    <a:p>
+                      <a:r>
+                        <a:rPr lang="en-US" dirty="0"/>
+                        <a:t>KNN</a:t>
+                      </a:r>
+                    </a:p>
+                  </a:txBody>
+                  <a:tcPr/>
+                </a:tc>
+                <a:tc>
+                  <a:txBody>
+                    <a:bodyPr/>
+                    <a:lstStyle/>
+                    <a:p>
+                      <a:pPr marL="0" marR="0" lvl="0" indent="0" algn="ctr" defTabSz="457200" rtl="0" eaLnBrk="1" fontAlgn="auto" latinLnBrk="0" hangingPunct="1">
+                        <a:lnSpc>
+                          <a:spcPct val="100000"/>
+                        </a:lnSpc>
+                        <a:spcBef>
+                          <a:spcPts val="0"/>
+                        </a:spcBef>
+                        <a:spcAft>
+                          <a:spcPts val="0"/>
+                        </a:spcAft>
+                        <a:buClrTx/>
+                        <a:buSzTx/>
+                        <a:buFontTx/>
+                        <a:buNone/>
+                        <a:tabLst/>
+                        <a:defRPr/>
+                      </a:pPr>
+                      <a:r>
+                        <a:rPr lang="en-US" dirty="0"/>
+                        <a:t>73%</a:t>
+                      </a:r>
+                    </a:p>
+                    <a:p>
+                      <a:endParaRPr lang="en-US" dirty="0"/>
+                    </a:p>
+                  </a:txBody>
+                  <a:tcPr/>
+                </a:tc>
+                <a:tc>
+                  <a:txBody>
+                    <a:bodyPr/>
+                    <a:lstStyle/>
+                    <a:p>
+                      <a:pPr algn="ctr"/>
+                      <a:r>
+                        <a:rPr lang="en-US" dirty="0"/>
+                        <a:t>+/-.3%</a:t>
+                      </a:r>
+                    </a:p>
+                  </a:txBody>
+                  <a:tcPr/>
+                </a:tc>
+                <a:tc>
+                  <a:txBody>
+                    <a:bodyPr/>
+                    <a:lstStyle/>
+                    <a:p>
+                      <a:pPr algn="ctr"/>
+                      <a:r>
+                        <a:rPr lang="en-US" dirty="0"/>
+                        <a:t>88.62%</a:t>
+                      </a:r>
+                    </a:p>
+                  </a:txBody>
+                  <a:tcPr/>
+                </a:tc>
+                <a:tc>
+                  <a:txBody>
+                    <a:bodyPr/>
+                    <a:lstStyle/>
+                    <a:p>
+                      <a:pPr algn="ctr"/>
+                      <a:r>
+                        <a:rPr lang="en-US" dirty="0"/>
+                        <a:t>+/-2%</a:t>
+                      </a:r>
+                    </a:p>
+                  </a:txBody>
+                  <a:tcPr/>
+                </a:tc>
+                <a:extLst>
+                  <a:ext uri="{0D108BD9-81ED-4DB2-BD59-A6C34878D82A}">
+                    <a16:rowId xmlns:a16="http://schemas.microsoft.com/office/drawing/2014/main" val="2418873478"/>
+                  </a:ext>
+                </a:extLst>
+              </a:tr>
+            </a:tbl>
+          </a:graphicData>
+        </a:graphic>
+      </p:graphicFrame>
+    </p:spTree>
+    <p:extLst>
+      <p:ext uri="{BB962C8B-B14F-4D97-AF65-F5344CB8AC3E}">
+        <p14:creationId xmlns:p14="http://schemas.microsoft.com/office/powerpoint/2010/main" val="2807303910"/>
+      </p:ext>
+    </p:extLst>
+  </p:cSld>
+  <p:clrMapOvr>
+    <a:masterClrMapping/>
+  </p:clrMapOvr>
+</p:sld>
+</file>
+
+<file path=ppt/slides/slide29.xml><?xml version="1.0" encoding="utf-8"?>
+<p:sld xmlns:a="http://schemas.openxmlformats.org/drawingml/2006/main" xmlns:r="http://schemas.openxmlformats.org/officeDocument/2006/relationships" xmlns:p="http://schemas.openxmlformats.org/presentationml/2006/main">
+  <p:cSld>
+    <p:spTree>
+      <p:nvGrpSpPr>
+        <p:cNvPr id="1" name=""/>
+        <p:cNvGrpSpPr/>
+        <p:nvPr/>
+      </p:nvGrpSpPr>
+      <p:grpSpPr>
+        <a:xfrm>
+          <a:off x="0" y="0"/>
+          <a:ext cx="0" cy="0"/>
+          <a:chOff x="0" y="0"/>
+          <a:chExt cx="0" cy="0"/>
+        </a:xfrm>
+      </p:grpSpPr>
+      <p:sp>
+        <p:nvSpPr>
+          <p:cNvPr id="2" name="Title 1">
+            <a:extLst>
+              <a:ext uri="{FF2B5EF4-FFF2-40B4-BE49-F238E27FC236}">
+                <a16:creationId xmlns:a16="http://schemas.microsoft.com/office/drawing/2014/main" id="{125B0CF7-1E88-4D8F-A80A-15E8FCCE63B8}"/>
+              </a:ext>
+            </a:extLst>
+          </p:cNvPr>
+          <p:cNvSpPr>
+            <a:spLocks noGrp="1"/>
+          </p:cNvSpPr>
+          <p:nvPr>
+            <p:ph type="title"/>
+          </p:nvPr>
+        </p:nvSpPr>
+        <p:spPr>
+          <a:xfrm>
+            <a:off x="4582886" y="685800"/>
+            <a:ext cx="3004458" cy="685800"/>
+          </a:xfrm>
+        </p:spPr>
+        <p:txBody>
+          <a:bodyPr/>
+          <a:lstStyle/>
+          <a:p>
+            <a:r>
+              <a:rPr lang="en-US" dirty="0"/>
+              <a:t>Conclusion</a:t>
+            </a:r>
+          </a:p>
+        </p:txBody>
+      </p:sp>
+      <p:sp>
+        <p:nvSpPr>
+          <p:cNvPr id="3" name="Text Placeholder 2">
+            <a:extLst>
+              <a:ext uri="{FF2B5EF4-FFF2-40B4-BE49-F238E27FC236}">
+                <a16:creationId xmlns:a16="http://schemas.microsoft.com/office/drawing/2014/main" id="{8B6963D9-3580-40DD-AD67-862CD1FA7F9F}"/>
+              </a:ext>
+            </a:extLst>
+          </p:cNvPr>
+          <p:cNvSpPr>
+            <a:spLocks noGrp="1"/>
+          </p:cNvSpPr>
+          <p:nvPr>
+            <p:ph type="body" idx="1"/>
+          </p:nvPr>
+        </p:nvSpPr>
+        <p:spPr>
+          <a:xfrm>
+            <a:off x="566057" y="1709058"/>
+            <a:ext cx="10994571" cy="3810000"/>
+          </a:xfrm>
+        </p:spPr>
+        <p:txBody>
+          <a:bodyPr>
+            <a:normAutofit fontScale="92500" lnSpcReduction="20000"/>
+          </a:bodyPr>
+          <a:lstStyle/>
+          <a:p>
+            <a:endParaRPr lang="en-US" dirty="0"/>
+          </a:p>
+          <a:p>
+            <a:endParaRPr lang="en-US" dirty="0"/>
+          </a:p>
+          <a:p>
+            <a:endParaRPr lang="en-US" dirty="0"/>
+          </a:p>
+          <a:p>
+            <a:r>
+              <a:rPr lang="en-US" dirty="0"/>
+              <a:t>I had several key takeaways from this project:</a:t>
+            </a:r>
+          </a:p>
+          <a:p>
+            <a:pPr marL="342900" indent="-342900">
+              <a:buFont typeface="Arial" panose="020B0604020202020204" pitchFamily="34" charset="0"/>
+              <a:buChar char="•"/>
+            </a:pPr>
+            <a:r>
+              <a:rPr lang="en-US" dirty="0"/>
+              <a:t>The only bad performer came from SVC, the rest of the models did pretty well</a:t>
+            </a:r>
+          </a:p>
+          <a:p>
+            <a:pPr marL="342900" indent="-342900">
+              <a:buFont typeface="Arial" panose="020B0604020202020204" pitchFamily="34" charset="0"/>
+              <a:buChar char="•"/>
+            </a:pPr>
+            <a:r>
+              <a:rPr lang="en-US" dirty="0"/>
+              <a:t>I was impressed by how close the simpler models came close the more complex models</a:t>
+            </a:r>
+          </a:p>
+          <a:p>
+            <a:pPr marL="342900" indent="-342900">
+              <a:buFont typeface="Arial" panose="020B0604020202020204" pitchFamily="34" charset="0"/>
+              <a:buChar char="•"/>
+            </a:pPr>
+            <a:r>
+              <a:rPr lang="en-US" dirty="0"/>
+              <a:t>PCA did not impress me this project, I left in my PCA results to remind me that I need to test alternatives also</a:t>
+            </a:r>
+          </a:p>
+          <a:p>
+            <a:pPr marL="342900" indent="-342900">
+              <a:buFont typeface="Arial" panose="020B0604020202020204" pitchFamily="34" charset="0"/>
+              <a:buChar char="•"/>
+            </a:pPr>
+            <a:r>
+              <a:rPr lang="en-US" dirty="0"/>
+              <a:t>Random Forest performed the best but not by a lot</a:t>
+            </a:r>
+          </a:p>
+          <a:p>
+            <a:pPr marL="342900" indent="-342900">
+              <a:buFont typeface="Arial" panose="020B0604020202020204" pitchFamily="34" charset="0"/>
+              <a:buChar char="•"/>
+            </a:pPr>
+            <a:r>
+              <a:rPr lang="en-US" dirty="0"/>
+              <a:t>The other simpler models could be used to reduce complexity if needed.</a:t>
+            </a:r>
+          </a:p>
+          <a:p>
+            <a:pPr marL="342900" indent="-342900">
+              <a:buFont typeface="Arial" panose="020B0604020202020204" pitchFamily="34" charset="0"/>
+              <a:buChar char="•"/>
+            </a:pPr>
+            <a:endParaRPr lang="en-US" dirty="0"/>
+          </a:p>
+          <a:p>
+            <a:pPr marL="342900" indent="-342900">
+              <a:buFont typeface="Arial" panose="020B0604020202020204" pitchFamily="34" charset="0"/>
+              <a:buChar char="•"/>
+            </a:pPr>
+            <a:endParaRPr lang="en-US" dirty="0"/>
+          </a:p>
+          <a:p>
+            <a:pPr marL="342900" indent="-342900">
+              <a:buFont typeface="Arial" panose="020B0604020202020204" pitchFamily="34" charset="0"/>
+              <a:buChar char="•"/>
+            </a:pPr>
+            <a:endParaRPr lang="en-US" dirty="0"/>
+          </a:p>
+          <a:p>
+            <a:pPr marL="342900" indent="-342900">
+              <a:buFont typeface="Arial" panose="020B0604020202020204" pitchFamily="34" charset="0"/>
+              <a:buChar char="•"/>
+            </a:pPr>
+            <a:endParaRPr lang="en-US" dirty="0"/>
+          </a:p>
+        </p:txBody>
+      </p:sp>
+    </p:spTree>
+    <p:extLst>
+      <p:ext uri="{BB962C8B-B14F-4D97-AF65-F5344CB8AC3E}">
+        <p14:creationId xmlns:p14="http://schemas.microsoft.com/office/powerpoint/2010/main" val="2907348418"/>
       </p:ext>
     </p:extLst>
   </p:cSld>
@@ -6430,8 +9571,8 @@
         </p:nvSpPr>
         <p:spPr>
           <a:xfrm>
-            <a:off x="1828800" y="2177143"/>
-            <a:ext cx="8534400" cy="3069771"/>
+            <a:off x="1828800" y="1931037"/>
+            <a:ext cx="8534400" cy="3617619"/>
           </a:xfrm>
         </p:spPr>
         <p:txBody>
@@ -6532,10 +9673,10 @@
       </p:grpSpPr>
       <p:sp>
         <p:nvSpPr>
-          <p:cNvPr id="2" name="Title 1">
+          <p:cNvPr id="4" name="Title 3">
             <a:extLst>
               <a:ext uri="{FF2B5EF4-FFF2-40B4-BE49-F238E27FC236}">
-                <a16:creationId xmlns:a16="http://schemas.microsoft.com/office/drawing/2014/main" id="{90F833F4-2879-4CE8-865F-B091D8036382}"/>
+                <a16:creationId xmlns:a16="http://schemas.microsoft.com/office/drawing/2014/main" id="{5872EE8B-C806-4990-89A2-AD7BEDA9FCE8}"/>
               </a:ext>
             </a:extLst>
           </p:cNvPr>
@@ -6546,21 +9687,44 @@
             <p:ph type="title"/>
           </p:nvPr>
         </p:nvSpPr>
-        <p:spPr/>
-        <p:txBody>
-          <a:bodyPr/>
-          <a:lstStyle/>
-          <a:p>
-            <a:endParaRPr lang="en-US" dirty="0"/>
-          </a:p>
-        </p:txBody>
-      </p:sp>
-      <p:sp>
-        <p:nvSpPr>
-          <p:cNvPr id="3" name="Content Placeholder 2">
+        <p:spPr>
+          <a:xfrm>
+            <a:off x="617912" y="465513"/>
+            <a:ext cx="10956175" cy="1047403"/>
+          </a:xfrm>
+        </p:spPr>
+        <p:txBody>
+          <a:bodyPr>
+            <a:normAutofit fontScale="90000"/>
+          </a:bodyPr>
+          <a:lstStyle/>
+          <a:p>
+            <a:r>
+              <a:rPr lang="en-US" dirty="0">
+                <a:latin typeface="Copperplate Gothic Bold" panose="020E0705020206020404" pitchFamily="34" charset="0"/>
+              </a:rPr>
+              <a:t>						What is the SHSAT?</a:t>
+            </a:r>
+            <a:br>
+              <a:rPr lang="en-US" dirty="0">
+                <a:latin typeface="Copperplate Gothic Bold" panose="020E0705020206020404" pitchFamily="34" charset="0"/>
+              </a:rPr>
+            </a:br>
+            <a:r>
+              <a:rPr lang="en-US" dirty="0">
+                <a:latin typeface="Copperplate Gothic Bold" panose="020E0705020206020404" pitchFamily="34" charset="0"/>
+              </a:rPr>
+              <a:t>Specialized high School Admissions Test</a:t>
+            </a:r>
+          </a:p>
+        </p:txBody>
+      </p:sp>
+      <p:sp>
+        <p:nvSpPr>
+          <p:cNvPr id="5" name="Text Placeholder 4">
             <a:extLst>
               <a:ext uri="{FF2B5EF4-FFF2-40B4-BE49-F238E27FC236}">
-                <a16:creationId xmlns:a16="http://schemas.microsoft.com/office/drawing/2014/main" id="{22618593-D1BF-456D-8F42-AD00F19851A5}"/>
+                <a16:creationId xmlns:a16="http://schemas.microsoft.com/office/drawing/2014/main" id="{AE30A09B-E337-4AAA-87BB-5D50BDC9CC7E}"/>
               </a:ext>
             </a:extLst>
           </p:cNvPr>
@@ -6568,15 +9732,66 @@
             <a:spLocks noGrp="1"/>
           </p:cNvSpPr>
           <p:nvPr>
-            <p:ph idx="1"/>
-          </p:nvPr>
-        </p:nvSpPr>
-        <p:spPr/>
-        <p:txBody>
-          <a:bodyPr/>
-          <a:lstStyle/>
-          <a:p>
-            <a:endParaRPr lang="en-US"/>
+            <p:ph type="body" idx="1"/>
+          </p:nvPr>
+        </p:nvSpPr>
+        <p:spPr>
+          <a:xfrm>
+            <a:off x="1465489" y="2535010"/>
+            <a:ext cx="8893629" cy="2963636"/>
+          </a:xfrm>
+        </p:spPr>
+        <p:txBody>
+          <a:bodyPr>
+            <a:normAutofit/>
+          </a:bodyPr>
+          <a:lstStyle/>
+          <a:p>
+            <a:pPr marL="285750" indent="-285750">
+              <a:buFont typeface="Arial" panose="020B0604020202020204" pitchFamily="34" charset="0"/>
+              <a:buChar char="•"/>
+            </a:pPr>
+            <a:r>
+              <a:rPr lang="en-US" sz="2000" dirty="0"/>
+              <a:t>8 New York specialized schools require this test for entrance</a:t>
+            </a:r>
+          </a:p>
+          <a:p>
+            <a:pPr marL="285750" indent="-285750">
+              <a:buFont typeface="Arial" panose="020B0604020202020204" pitchFamily="34" charset="0"/>
+              <a:buChar char="•"/>
+            </a:pPr>
+            <a:r>
+              <a:rPr lang="en-US" sz="2000" dirty="0"/>
+              <a:t>This test is given to students in the eighth and ninth grades</a:t>
+            </a:r>
+          </a:p>
+          <a:p>
+            <a:pPr marL="285750" indent="-285750">
+              <a:buFont typeface="Arial" panose="020B0604020202020204" pitchFamily="34" charset="0"/>
+              <a:buChar char="•"/>
+            </a:pPr>
+            <a:r>
+              <a:rPr lang="en-US" sz="2000" dirty="0"/>
+              <a:t>The test assesses English and math skills of the student</a:t>
+            </a:r>
+          </a:p>
+          <a:p>
+            <a:pPr marL="285750" indent="-285750">
+              <a:buFont typeface="Arial" panose="020B0604020202020204" pitchFamily="34" charset="0"/>
+              <a:buChar char="•"/>
+            </a:pPr>
+            <a:r>
+              <a:rPr lang="en-US" sz="2000" dirty="0"/>
+              <a:t>Students are ranked based on their test scores and assigned to a school based on ranking.</a:t>
+            </a:r>
+          </a:p>
+          <a:p>
+            <a:pPr marL="285750" indent="-285750">
+              <a:buFont typeface="Arial" panose="020B0604020202020204" pitchFamily="34" charset="0"/>
+              <a:buChar char="•"/>
+            </a:pPr>
+            <a:endParaRPr lang="en-US" dirty="0"/>
           </a:p>
         </p:txBody>
       </p:sp>
@@ -6628,8 +9843,8 @@
         </p:nvSpPr>
         <p:spPr>
           <a:xfrm>
-            <a:off x="2835727" y="220133"/>
-            <a:ext cx="6346371" cy="1507067"/>
+            <a:off x="2922813" y="220133"/>
+            <a:ext cx="6346371" cy="806287"/>
           </a:xfrm>
         </p:spPr>
         <p:txBody>
@@ -6645,10 +9860,10 @@
       </p:sp>
       <p:pic>
         <p:nvPicPr>
-          <p:cNvPr id="10" name="Picture 9">
+          <p:cNvPr id="13" name="Picture 12">
             <a:extLst>
               <a:ext uri="{FF2B5EF4-FFF2-40B4-BE49-F238E27FC236}">
-                <a16:creationId xmlns:a16="http://schemas.microsoft.com/office/drawing/2014/main" id="{91F069BB-8770-4704-A022-B0FFAE026E13}"/>
+                <a16:creationId xmlns:a16="http://schemas.microsoft.com/office/drawing/2014/main" id="{18CAAE01-36F5-40F4-BB21-FF64279EEE6D}"/>
               </a:ext>
             </a:extLst>
           </p:cNvPr>
@@ -6665,8 +9880,8 @@
         </p:blipFill>
         <p:spPr>
           <a:xfrm>
-            <a:off x="1284514" y="2112132"/>
-            <a:ext cx="9143999" cy="4525735"/>
+            <a:off x="2938462" y="1570892"/>
+            <a:ext cx="6315075" cy="4875253"/>
           </a:xfrm>
           <a:prstGeom prst="rect">
             <a:avLst/>
@@ -6719,40 +9934,53 @@
             <p:ph type="title"/>
           </p:nvPr>
         </p:nvSpPr>
-        <p:spPr/>
+        <p:spPr>
+          <a:xfrm>
+            <a:off x="1828800" y="0"/>
+            <a:ext cx="8534400" cy="999068"/>
+          </a:xfrm>
+        </p:spPr>
         <p:txBody>
           <a:bodyPr/>
           <a:lstStyle/>
           <a:p>
-            <a:endParaRPr lang="en-US"/>
-          </a:p>
-        </p:txBody>
-      </p:sp>
-      <p:sp>
-        <p:nvSpPr>
-          <p:cNvPr id="3" name="Content Placeholder 2">
+            <a:r>
+              <a:rPr lang="en-US" dirty="0"/>
+              <a:t>Full counts of both proficiencies</a:t>
+            </a:r>
+          </a:p>
+        </p:txBody>
+      </p:sp>
+      <p:pic>
+        <p:nvPicPr>
+          <p:cNvPr id="4" name="Picture 3">
             <a:extLst>
               <a:ext uri="{FF2B5EF4-FFF2-40B4-BE49-F238E27FC236}">
-                <a16:creationId xmlns:a16="http://schemas.microsoft.com/office/drawing/2014/main" id="{CC823956-DA14-46A3-8217-23F87D60AF10}"/>
+                <a16:creationId xmlns:a16="http://schemas.microsoft.com/office/drawing/2014/main" id="{4B3539CC-6811-4DCF-8D45-6098E53CBD67}"/>
               </a:ext>
             </a:extLst>
           </p:cNvPr>
-          <p:cNvSpPr>
-            <a:spLocks noGrp="1"/>
-          </p:cNvSpPr>
-          <p:nvPr>
-            <p:ph idx="1"/>
-          </p:nvPr>
-        </p:nvSpPr>
-        <p:spPr/>
-        <p:txBody>
-          <a:bodyPr/>
-          <a:lstStyle/>
-          <a:p>
-            <a:endParaRPr lang="en-US"/>
-          </a:p>
-        </p:txBody>
-      </p:sp>
+          <p:cNvPicPr>
+            <a:picLocks noChangeAspect="1"/>
+          </p:cNvPicPr>
+          <p:nvPr/>
+        </p:nvPicPr>
+        <p:blipFill>
+          <a:blip r:embed="rId2"/>
+          <a:stretch>
+            <a:fillRect/>
+          </a:stretch>
+        </p:blipFill>
+        <p:spPr>
+          <a:xfrm>
+            <a:off x="1881187" y="1291763"/>
+            <a:ext cx="8429625" cy="5238750"/>
+          </a:xfrm>
+          <a:prstGeom prst="rect">
+            <a:avLst/>
+          </a:prstGeom>
+        </p:spPr>
+      </p:pic>
     </p:spTree>
     <p:extLst>
       <p:ext uri="{BB962C8B-B14F-4D97-AF65-F5344CB8AC3E}">
@@ -6799,40 +10027,57 @@
             <p:ph type="title"/>
           </p:nvPr>
         </p:nvSpPr>
-        <p:spPr/>
+        <p:spPr>
+          <a:xfrm>
+            <a:off x="697522" y="442913"/>
+            <a:ext cx="10796953" cy="1166446"/>
+          </a:xfrm>
+        </p:spPr>
         <p:txBody>
           <a:bodyPr/>
           <a:lstStyle/>
           <a:p>
-            <a:endParaRPr lang="en-US" dirty="0"/>
-          </a:p>
-        </p:txBody>
-      </p:sp>
-      <p:sp>
-        <p:nvSpPr>
-          <p:cNvPr id="3" name="Text Placeholder 2">
+            <a:r>
+              <a:rPr lang="en-US" dirty="0" err="1"/>
+              <a:t>HeatMap</a:t>
+            </a:r>
+            <a:r>
+              <a:rPr lang="en-US" dirty="0"/>
+              <a:t> to show correlation between features</a:t>
+            </a:r>
+          </a:p>
+        </p:txBody>
+      </p:sp>
+      <p:pic>
+        <p:nvPicPr>
+          <p:cNvPr id="4" name="Picture 3">
             <a:extLst>
               <a:ext uri="{FF2B5EF4-FFF2-40B4-BE49-F238E27FC236}">
-                <a16:creationId xmlns:a16="http://schemas.microsoft.com/office/drawing/2014/main" id="{93F5CF19-B20E-423A-9C6B-780E69243325}"/>
+                <a16:creationId xmlns:a16="http://schemas.microsoft.com/office/drawing/2014/main" id="{8370EAE6-46A0-40F7-BBC3-98E2CC45F8A4}"/>
               </a:ext>
             </a:extLst>
           </p:cNvPr>
-          <p:cNvSpPr>
-            <a:spLocks noGrp="1"/>
-          </p:cNvSpPr>
-          <p:nvPr>
-            <p:ph type="body" idx="1"/>
-          </p:nvPr>
-        </p:nvSpPr>
-        <p:spPr/>
-        <p:txBody>
-          <a:bodyPr/>
-          <a:lstStyle/>
-          <a:p>
-            <a:endParaRPr lang="en-US"/>
-          </a:p>
-        </p:txBody>
-      </p:sp>
+          <p:cNvPicPr>
+            <a:picLocks noChangeAspect="1"/>
+          </p:cNvPicPr>
+          <p:nvPr/>
+        </p:nvPicPr>
+        <p:blipFill>
+          <a:blip r:embed="rId2"/>
+          <a:stretch>
+            <a:fillRect/>
+          </a:stretch>
+        </p:blipFill>
+        <p:spPr>
+          <a:xfrm>
+            <a:off x="2605087" y="1852246"/>
+            <a:ext cx="6981825" cy="4562841"/>
+          </a:xfrm>
+          <a:prstGeom prst="rect">
+            <a:avLst/>
+          </a:prstGeom>
+        </p:spPr>
+      </p:pic>
     </p:spTree>
     <p:extLst>
       <p:ext uri="{BB962C8B-B14F-4D97-AF65-F5344CB8AC3E}">
@@ -6865,10 +10110,10 @@
       </p:grpSpPr>
       <p:sp>
         <p:nvSpPr>
-          <p:cNvPr id="4" name="Title 3">
+          <p:cNvPr id="2" name="Title 1">
             <a:extLst>
               <a:ext uri="{FF2B5EF4-FFF2-40B4-BE49-F238E27FC236}">
-                <a16:creationId xmlns:a16="http://schemas.microsoft.com/office/drawing/2014/main" id="{E01A0B87-B673-4920-BCE3-D4290D0AC8F5}"/>
+                <a16:creationId xmlns:a16="http://schemas.microsoft.com/office/drawing/2014/main" id="{5C33E12A-F645-40E0-91B7-EA293FEFDA49}"/>
               </a:ext>
             </a:extLst>
           </p:cNvPr>
@@ -6881,8 +10126,8 @@
         </p:nvSpPr>
         <p:spPr>
           <a:xfrm>
-            <a:off x="5485605" y="685800"/>
-            <a:ext cx="1220789" cy="619714"/>
+            <a:off x="2907732" y="583746"/>
+            <a:ext cx="6090556" cy="702129"/>
           </a:xfrm>
         </p:spPr>
         <p:txBody>
@@ -6893,17 +10138,17 @@
           <a:p>
             <a:r>
               <a:rPr lang="en-US" dirty="0"/>
-              <a:t>PCA</a:t>
-            </a:r>
-          </a:p>
-        </p:txBody>
-      </p:sp>
-      <p:sp>
-        <p:nvSpPr>
-          <p:cNvPr id="5" name="Text Placeholder 4">
+              <a:t>My Feature selection Process</a:t>
+            </a:r>
+          </a:p>
+        </p:txBody>
+      </p:sp>
+      <p:sp>
+        <p:nvSpPr>
+          <p:cNvPr id="3" name="Text Placeholder 2">
             <a:extLst>
               <a:ext uri="{FF2B5EF4-FFF2-40B4-BE49-F238E27FC236}">
-                <a16:creationId xmlns:a16="http://schemas.microsoft.com/office/drawing/2014/main" id="{5A7A1864-FD90-496F-ABB5-66F682828F46}"/>
+                <a16:creationId xmlns:a16="http://schemas.microsoft.com/office/drawing/2014/main" id="{6AA6D524-413E-4C59-A2F0-DC2B67B25B41}"/>
               </a:ext>
             </a:extLst>
           </p:cNvPr>
@@ -6916,14 +10161,58 @@
         </p:nvSpPr>
         <p:spPr>
           <a:xfrm>
-            <a:off x="684212" y="1730829"/>
-            <a:ext cx="9918473" cy="4263571"/>
+            <a:off x="684211" y="1902279"/>
+            <a:ext cx="10537599" cy="4092121"/>
           </a:xfrm>
         </p:spPr>
         <p:txBody>
           <a:bodyPr/>
           <a:lstStyle/>
           <a:p>
+            <a:pPr marL="457200" indent="-457200">
+              <a:buFont typeface="+mj-lt"/>
+              <a:buAutoNum type="arabicPeriod"/>
+            </a:pPr>
+            <a:r>
+              <a:rPr lang="en-US" dirty="0"/>
+              <a:t>Dropped irrelevant features to lower the number of features to 56 from 161</a:t>
+            </a:r>
+          </a:p>
+          <a:p>
+            <a:pPr marL="457200" indent="-457200">
+              <a:buFont typeface="+mj-lt"/>
+              <a:buAutoNum type="arabicPeriod"/>
+            </a:pPr>
+            <a:r>
+              <a:rPr lang="en-US" dirty="0"/>
+              <a:t>Tried out two forms of feature selection: PCA and manually removal </a:t>
+            </a:r>
+          </a:p>
+          <a:p>
+            <a:pPr marL="457200" indent="-457200">
+              <a:buFont typeface="+mj-lt"/>
+              <a:buAutoNum type="arabicPeriod"/>
+            </a:pPr>
+            <a:r>
+              <a:rPr lang="en-US" dirty="0"/>
+              <a:t>Dropped poor performers based on Random Forest feature importance to 34</a:t>
+            </a:r>
+          </a:p>
+          <a:p>
+            <a:endParaRPr lang="en-US" dirty="0"/>
+          </a:p>
+          <a:p>
+            <a:pPr marL="457200" indent="-457200">
+              <a:buFont typeface="+mj-lt"/>
+              <a:buAutoNum type="arabicPeriod"/>
+            </a:pPr>
+            <a:endParaRPr lang="en-US" dirty="0"/>
+          </a:p>
+          <a:p>
+            <a:pPr marL="457200" indent="-457200">
+              <a:buFont typeface="+mj-lt"/>
+              <a:buAutoNum type="arabicPeriod"/>
+            </a:pPr>
             <a:endParaRPr lang="en-US" dirty="0"/>
           </a:p>
         </p:txBody>
@@ -6931,7 +10220,7 @@
     </p:spTree>
     <p:extLst>
       <p:ext uri="{BB962C8B-B14F-4D97-AF65-F5344CB8AC3E}">
-        <p14:creationId xmlns:p14="http://schemas.microsoft.com/office/powerpoint/2010/main" val="1250360556"/>
+        <p14:creationId xmlns:p14="http://schemas.microsoft.com/office/powerpoint/2010/main" val="1923865407"/>
       </p:ext>
     </p:extLst>
   </p:cSld>
@@ -6963,7 +10252,7 @@
           <p:cNvPr id="2" name="Title 1">
             <a:extLst>
               <a:ext uri="{FF2B5EF4-FFF2-40B4-BE49-F238E27FC236}">
-                <a16:creationId xmlns:a16="http://schemas.microsoft.com/office/drawing/2014/main" id="{DFF9F7C6-914E-4F83-9712-54044C75673A}"/>
+                <a16:creationId xmlns:a16="http://schemas.microsoft.com/office/drawing/2014/main" id="{C44099D0-0BBA-4DBE-9C99-301D86DC98B2}"/>
               </a:ext>
             </a:extLst>
           </p:cNvPr>
@@ -6976,8 +10265,8 @@
         </p:nvSpPr>
         <p:spPr>
           <a:xfrm>
-            <a:off x="3580605" y="587829"/>
-            <a:ext cx="5030787" cy="1404257"/>
+            <a:off x="1310745" y="685800"/>
+            <a:ext cx="9215831" cy="910244"/>
           </a:xfrm>
         </p:spPr>
         <p:txBody>
@@ -6986,17 +10275,17 @@
           <a:p>
             <a:r>
               <a:rPr lang="en-US" dirty="0"/>
-              <a:t>PCA Feature selection </a:t>
+              <a:t>Features Ranked in Importance for Math</a:t>
             </a:r>
           </a:p>
         </p:txBody>
       </p:sp>
       <p:pic>
         <p:nvPicPr>
-          <p:cNvPr id="6" name="Picture 5">
+          <p:cNvPr id="4" name="Picture 3">
             <a:extLst>
               <a:ext uri="{FF2B5EF4-FFF2-40B4-BE49-F238E27FC236}">
-                <a16:creationId xmlns:a16="http://schemas.microsoft.com/office/drawing/2014/main" id="{1D1B2CF9-2B2D-4876-9399-049534B3EF96}"/>
+                <a16:creationId xmlns:a16="http://schemas.microsoft.com/office/drawing/2014/main" id="{EB090376-21B3-4A65-BA3D-FB904FA9E587}"/>
               </a:ext>
             </a:extLst>
           </p:cNvPr>
@@ -7013,8 +10302,8 @@
         </p:blipFill>
         <p:spPr>
           <a:xfrm>
-            <a:off x="1843087" y="2383971"/>
-            <a:ext cx="8505825" cy="3669166"/>
+            <a:off x="2094807" y="2128058"/>
+            <a:ext cx="7647709" cy="4044142"/>
           </a:xfrm>
           <a:prstGeom prst="rect">
             <a:avLst/>
@@ -7024,7 +10313,7 @@
     </p:spTree>
     <p:extLst>
       <p:ext uri="{BB962C8B-B14F-4D97-AF65-F5344CB8AC3E}">
-        <p14:creationId xmlns:p14="http://schemas.microsoft.com/office/powerpoint/2010/main" val="599153735"/>
+        <p14:creationId xmlns:p14="http://schemas.microsoft.com/office/powerpoint/2010/main" val="4144658875"/>
       </p:ext>
     </p:extLst>
   </p:cSld>

--- a/New York Education System capstone.pptx
+++ b/New York Education System capstone.pptx
@@ -13,22 +13,22 @@
     <p:sldId id="272" r:id="rId7"/>
     <p:sldId id="273" r:id="rId8"/>
     <p:sldId id="275" r:id="rId9"/>
-    <p:sldId id="276" r:id="rId10"/>
-    <p:sldId id="277" r:id="rId11"/>
-    <p:sldId id="262" r:id="rId12"/>
-    <p:sldId id="261" r:id="rId13"/>
-    <p:sldId id="278" r:id="rId14"/>
-    <p:sldId id="263" r:id="rId15"/>
-    <p:sldId id="274" r:id="rId16"/>
-    <p:sldId id="264" r:id="rId17"/>
-    <p:sldId id="279" r:id="rId18"/>
-    <p:sldId id="265" r:id="rId19"/>
-    <p:sldId id="280" r:id="rId20"/>
-    <p:sldId id="266" r:id="rId21"/>
-    <p:sldId id="281" r:id="rId22"/>
-    <p:sldId id="267" r:id="rId23"/>
-    <p:sldId id="282" r:id="rId24"/>
-    <p:sldId id="269" r:id="rId25"/>
+    <p:sldId id="262" r:id="rId10"/>
+    <p:sldId id="261" r:id="rId11"/>
+    <p:sldId id="278" r:id="rId12"/>
+    <p:sldId id="263" r:id="rId13"/>
+    <p:sldId id="274" r:id="rId14"/>
+    <p:sldId id="264" r:id="rId15"/>
+    <p:sldId id="279" r:id="rId16"/>
+    <p:sldId id="265" r:id="rId17"/>
+    <p:sldId id="280" r:id="rId18"/>
+    <p:sldId id="266" r:id="rId19"/>
+    <p:sldId id="281" r:id="rId20"/>
+    <p:sldId id="267" r:id="rId21"/>
+    <p:sldId id="282" r:id="rId22"/>
+    <p:sldId id="269" r:id="rId23"/>
+    <p:sldId id="276" r:id="rId24"/>
+    <p:sldId id="277" r:id="rId25"/>
     <p:sldId id="283" r:id="rId26"/>
     <p:sldId id="268" r:id="rId27"/>
     <p:sldId id="284" r:id="rId28"/>
@@ -5360,8 +5360,21 @@
           <a:p>
             <a:r>
               <a:rPr lang="en-US" dirty="0"/>
-              <a:t>New York Education System</a:t>
-            </a:r>
+              <a:t>New York Education </a:t>
+            </a:r>
+            <a:r>
+              <a:rPr lang="en-US" dirty="0" err="1"/>
+              <a:t>System’S</a:t>
+            </a:r>
+            <a:r>
+              <a:rPr lang="en-US" dirty="0"/>
+              <a:t> SHSAT </a:t>
+            </a:r>
+            <a:r>
+              <a:rPr lang="en-US" dirty="0" err="1"/>
+              <a:t>TEst</a:t>
+            </a:r>
+            <a:endParaRPr lang="en-US" dirty="0"/>
           </a:p>
         </p:txBody>
       </p:sp>
@@ -5414,252 +5427,6 @@
 </file>
 
 <file path=ppt/slides/slide10.xml><?xml version="1.0" encoding="utf-8"?>
-<p:sld xmlns:a="http://schemas.openxmlformats.org/drawingml/2006/main" xmlns:r="http://schemas.openxmlformats.org/officeDocument/2006/relationships" xmlns:p="http://schemas.openxmlformats.org/presentationml/2006/main">
-  <p:cSld>
-    <p:spTree>
-      <p:nvGrpSpPr>
-        <p:cNvPr id="1" name=""/>
-        <p:cNvGrpSpPr/>
-        <p:nvPr/>
-      </p:nvGrpSpPr>
-      <p:grpSpPr>
-        <a:xfrm>
-          <a:off x="0" y="0"/>
-          <a:ext cx="0" cy="0"/>
-          <a:chOff x="0" y="0"/>
-          <a:chExt cx="0" cy="0"/>
-        </a:xfrm>
-      </p:grpSpPr>
-      <p:sp>
-        <p:nvSpPr>
-          <p:cNvPr id="2" name="Title 1">
-            <a:extLst>
-              <a:ext uri="{FF2B5EF4-FFF2-40B4-BE49-F238E27FC236}">
-                <a16:creationId xmlns:a16="http://schemas.microsoft.com/office/drawing/2014/main" id="{AB6E4E46-BD37-4C3A-A63C-437BD47EF050}"/>
-              </a:ext>
-            </a:extLst>
-          </p:cNvPr>
-          <p:cNvSpPr>
-            <a:spLocks noGrp="1"/>
-          </p:cNvSpPr>
-          <p:nvPr>
-            <p:ph type="title"/>
-          </p:nvPr>
-        </p:nvSpPr>
-        <p:spPr>
-          <a:xfrm>
-            <a:off x="1647092" y="521677"/>
-            <a:ext cx="8897815" cy="627185"/>
-          </a:xfrm>
-        </p:spPr>
-        <p:txBody>
-          <a:bodyPr/>
-          <a:lstStyle/>
-          <a:p>
-            <a:r>
-              <a:rPr lang="en-US" dirty="0"/>
-              <a:t>Features Ranked in Importance for ELA</a:t>
-            </a:r>
-          </a:p>
-        </p:txBody>
-      </p:sp>
-      <p:pic>
-        <p:nvPicPr>
-          <p:cNvPr id="4" name="Picture 3">
-            <a:extLst>
-              <a:ext uri="{FF2B5EF4-FFF2-40B4-BE49-F238E27FC236}">
-                <a16:creationId xmlns:a16="http://schemas.microsoft.com/office/drawing/2014/main" id="{E6520DFD-503C-48F0-B43B-717E42696A5E}"/>
-              </a:ext>
-            </a:extLst>
-          </p:cNvPr>
-          <p:cNvPicPr>
-            <a:picLocks noChangeAspect="1"/>
-          </p:cNvPicPr>
-          <p:nvPr/>
-        </p:nvPicPr>
-        <p:blipFill>
-          <a:blip r:embed="rId2"/>
-          <a:stretch>
-            <a:fillRect/>
-          </a:stretch>
-        </p:blipFill>
-        <p:spPr>
-          <a:xfrm>
-            <a:off x="1805354" y="1641231"/>
-            <a:ext cx="8581292" cy="5039458"/>
-          </a:xfrm>
-          <a:prstGeom prst="rect">
-            <a:avLst/>
-          </a:prstGeom>
-        </p:spPr>
-      </p:pic>
-    </p:spTree>
-    <p:extLst>
-      <p:ext uri="{BB962C8B-B14F-4D97-AF65-F5344CB8AC3E}">
-        <p14:creationId xmlns:p14="http://schemas.microsoft.com/office/powerpoint/2010/main" val="4118198544"/>
-      </p:ext>
-    </p:extLst>
-  </p:cSld>
-  <p:clrMapOvr>
-    <a:masterClrMapping/>
-  </p:clrMapOvr>
-</p:sld>
-</file>
-
-<file path=ppt/slides/slide11.xml><?xml version="1.0" encoding="utf-8"?>
-<p:sld xmlns:a="http://schemas.openxmlformats.org/drawingml/2006/main" xmlns:r="http://schemas.openxmlformats.org/officeDocument/2006/relationships" xmlns:p="http://schemas.openxmlformats.org/presentationml/2006/main">
-  <p:cSld>
-    <p:spTree>
-      <p:nvGrpSpPr>
-        <p:cNvPr id="1" name=""/>
-        <p:cNvGrpSpPr/>
-        <p:nvPr/>
-      </p:nvGrpSpPr>
-      <p:grpSpPr>
-        <a:xfrm>
-          <a:off x="0" y="0"/>
-          <a:ext cx="0" cy="0"/>
-          <a:chOff x="0" y="0"/>
-          <a:chExt cx="0" cy="0"/>
-        </a:xfrm>
-      </p:grpSpPr>
-      <p:sp>
-        <p:nvSpPr>
-          <p:cNvPr id="4" name="Title 3">
-            <a:extLst>
-              <a:ext uri="{FF2B5EF4-FFF2-40B4-BE49-F238E27FC236}">
-                <a16:creationId xmlns:a16="http://schemas.microsoft.com/office/drawing/2014/main" id="{E01A0B87-B673-4920-BCE3-D4290D0AC8F5}"/>
-              </a:ext>
-            </a:extLst>
-          </p:cNvPr>
-          <p:cNvSpPr>
-            <a:spLocks noGrp="1"/>
-          </p:cNvSpPr>
-          <p:nvPr>
-            <p:ph type="title"/>
-          </p:nvPr>
-        </p:nvSpPr>
-        <p:spPr>
-          <a:xfrm>
-            <a:off x="1615440" y="641233"/>
-            <a:ext cx="8961120" cy="1176251"/>
-          </a:xfrm>
-        </p:spPr>
-        <p:txBody>
-          <a:bodyPr>
-            <a:normAutofit fontScale="90000"/>
-          </a:bodyPr>
-          <a:lstStyle/>
-          <a:p>
-            <a:pPr algn="ctr"/>
-            <a:r>
-              <a:rPr lang="en-US" dirty="0"/>
-              <a:t>PCA</a:t>
-            </a:r>
-            <a:br>
-              <a:rPr lang="en-US" dirty="0"/>
-            </a:br>
-            <a:r>
-              <a:rPr lang="en-US" dirty="0"/>
-              <a:t>Principal Component Analysis</a:t>
-            </a:r>
-          </a:p>
-        </p:txBody>
-      </p:sp>
-      <p:sp>
-        <p:nvSpPr>
-          <p:cNvPr id="5" name="Text Placeholder 4">
-            <a:extLst>
-              <a:ext uri="{FF2B5EF4-FFF2-40B4-BE49-F238E27FC236}">
-                <a16:creationId xmlns:a16="http://schemas.microsoft.com/office/drawing/2014/main" id="{5A7A1864-FD90-496F-ABB5-66F682828F46}"/>
-              </a:ext>
-            </a:extLst>
-          </p:cNvPr>
-          <p:cNvSpPr>
-            <a:spLocks noGrp="1"/>
-          </p:cNvSpPr>
-          <p:nvPr>
-            <p:ph type="body" idx="1"/>
-          </p:nvPr>
-        </p:nvSpPr>
-        <p:spPr>
-          <a:xfrm>
-            <a:off x="684212" y="2443941"/>
-            <a:ext cx="10787352" cy="3550459"/>
-          </a:xfrm>
-        </p:spPr>
-        <p:txBody>
-          <a:bodyPr/>
-          <a:lstStyle/>
-          <a:p>
-            <a:pPr marL="285750" indent="-285750">
-              <a:buFont typeface="Arial" panose="020B0604020202020204" pitchFamily="34" charset="0"/>
-              <a:buChar char="•"/>
-            </a:pPr>
-            <a:endParaRPr lang="en-US" dirty="0"/>
-          </a:p>
-          <a:p>
-            <a:r>
-              <a:rPr lang="en-US" dirty="0"/>
-              <a:t>Reduces the complexity by reducing the number of variables to a smaller set of components</a:t>
-            </a:r>
-          </a:p>
-          <a:p>
-            <a:pPr marL="285750" indent="-285750">
-              <a:buFont typeface="Arial" panose="020B0604020202020204" pitchFamily="34" charset="0"/>
-              <a:buChar char="•"/>
-            </a:pPr>
-            <a:r>
-              <a:rPr lang="en-US" dirty="0"/>
-              <a:t>Reduces the dimensionality</a:t>
-            </a:r>
-          </a:p>
-          <a:p>
-            <a:pPr marL="285750" indent="-285750">
-              <a:buFont typeface="Arial" panose="020B0604020202020204" pitchFamily="34" charset="0"/>
-              <a:buChar char="•"/>
-            </a:pPr>
-            <a:r>
-              <a:rPr lang="en-US" dirty="0"/>
-              <a:t>Extracts information while removing the noise</a:t>
-            </a:r>
-          </a:p>
-          <a:p>
-            <a:pPr marL="285750" indent="-285750">
-              <a:buFont typeface="Arial" panose="020B0604020202020204" pitchFamily="34" charset="0"/>
-              <a:buChar char="•"/>
-            </a:pPr>
-            <a:r>
-              <a:rPr lang="en-US" dirty="0"/>
-              <a:t>Simplifies the dataset</a:t>
-            </a:r>
-          </a:p>
-          <a:p>
-            <a:pPr marL="285750" indent="-285750">
-              <a:buFont typeface="Arial" panose="020B0604020202020204" pitchFamily="34" charset="0"/>
-              <a:buChar char="•"/>
-            </a:pPr>
-            <a:r>
-              <a:rPr lang="en-US" dirty="0"/>
-              <a:t>PCA uses Euclidean distance </a:t>
-            </a:r>
-          </a:p>
-        </p:txBody>
-      </p:sp>
-    </p:spTree>
-    <p:extLst>
-      <p:ext uri="{BB962C8B-B14F-4D97-AF65-F5344CB8AC3E}">
-        <p14:creationId xmlns:p14="http://schemas.microsoft.com/office/powerpoint/2010/main" val="1250360556"/>
-      </p:ext>
-    </p:extLst>
-  </p:cSld>
-  <p:clrMapOvr>
-    <a:masterClrMapping/>
-  </p:clrMapOvr>
-</p:sld>
-</file>
-
-<file path=ppt/slides/slide12.xml><?xml version="1.0" encoding="utf-8"?>
 <p:sld xmlns:a="http://schemas.openxmlformats.org/drawingml/2006/main" xmlns:r="http://schemas.openxmlformats.org/officeDocument/2006/relationships" xmlns:p="http://schemas.openxmlformats.org/presentationml/2006/main">
   <p:cSld>
     <p:spTree>
@@ -5752,6 +5519,345 @@
 </p:sld>
 </file>
 
+<file path=ppt/slides/slide11.xml><?xml version="1.0" encoding="utf-8"?>
+<p:sld xmlns:a="http://schemas.openxmlformats.org/drawingml/2006/main" xmlns:r="http://schemas.openxmlformats.org/officeDocument/2006/relationships" xmlns:p="http://schemas.openxmlformats.org/presentationml/2006/main">
+  <p:cSld>
+    <p:spTree>
+      <p:nvGrpSpPr>
+        <p:cNvPr id="1" name=""/>
+        <p:cNvGrpSpPr/>
+        <p:nvPr/>
+      </p:nvGrpSpPr>
+      <p:grpSpPr>
+        <a:xfrm>
+          <a:off x="0" y="0"/>
+          <a:ext cx="0" cy="0"/>
+          <a:chOff x="0" y="0"/>
+          <a:chExt cx="0" cy="0"/>
+        </a:xfrm>
+      </p:grpSpPr>
+      <p:sp>
+        <p:nvSpPr>
+          <p:cNvPr id="2" name="Title 1">
+            <a:extLst>
+              <a:ext uri="{FF2B5EF4-FFF2-40B4-BE49-F238E27FC236}">
+                <a16:creationId xmlns:a16="http://schemas.microsoft.com/office/drawing/2014/main" id="{E7BE9B53-BDE6-440D-81A6-FBB8395159F4}"/>
+              </a:ext>
+            </a:extLst>
+          </p:cNvPr>
+          <p:cNvSpPr>
+            <a:spLocks noGrp="1"/>
+          </p:cNvSpPr>
+          <p:nvPr>
+            <p:ph type="title"/>
+          </p:nvPr>
+        </p:nvSpPr>
+        <p:spPr>
+          <a:xfrm>
+            <a:off x="4479471" y="664028"/>
+            <a:ext cx="3233058" cy="718457"/>
+          </a:xfrm>
+        </p:spPr>
+        <p:txBody>
+          <a:bodyPr/>
+          <a:lstStyle/>
+          <a:p>
+            <a:r>
+              <a:rPr lang="en-US" dirty="0"/>
+              <a:t>Model Tuning</a:t>
+            </a:r>
+          </a:p>
+        </p:txBody>
+      </p:sp>
+      <p:sp>
+        <p:nvSpPr>
+          <p:cNvPr id="3" name="Text Placeholder 2">
+            <a:extLst>
+              <a:ext uri="{FF2B5EF4-FFF2-40B4-BE49-F238E27FC236}">
+                <a16:creationId xmlns:a16="http://schemas.microsoft.com/office/drawing/2014/main" id="{F543783E-4B56-4239-A88F-2DA57D9DC199}"/>
+              </a:ext>
+            </a:extLst>
+          </p:cNvPr>
+          <p:cNvSpPr>
+            <a:spLocks noGrp="1"/>
+          </p:cNvSpPr>
+          <p:nvPr>
+            <p:ph type="body" idx="1"/>
+          </p:nvPr>
+        </p:nvSpPr>
+        <p:spPr>
+          <a:xfrm>
+            <a:off x="668677" y="1937656"/>
+            <a:ext cx="10854645" cy="3516087"/>
+          </a:xfrm>
+        </p:spPr>
+        <p:txBody>
+          <a:bodyPr/>
+          <a:lstStyle/>
+          <a:p>
+            <a:pPr marL="342900" indent="-342900">
+              <a:buFont typeface="Arial" panose="020B0604020202020204" pitchFamily="34" charset="0"/>
+              <a:buChar char="•"/>
+            </a:pPr>
+            <a:r>
+              <a:rPr lang="en-US" dirty="0">
+                <a:solidFill>
+                  <a:srgbClr val="002060"/>
+                </a:solidFill>
+              </a:rPr>
+              <a:t>All models were tuned using </a:t>
+            </a:r>
+            <a:r>
+              <a:rPr lang="en-US" dirty="0" err="1">
+                <a:solidFill>
+                  <a:srgbClr val="002060"/>
+                </a:solidFill>
+              </a:rPr>
+              <a:t>gridsearchCV</a:t>
+            </a:r>
+            <a:endParaRPr lang="en-US" dirty="0">
+              <a:solidFill>
+                <a:srgbClr val="002060"/>
+              </a:solidFill>
+            </a:endParaRPr>
+          </a:p>
+          <a:p>
+            <a:pPr marL="800100" lvl="1" indent="-342900">
+              <a:buFont typeface="Wingdings" panose="05000000000000000000" pitchFamily="2" charset="2"/>
+              <a:buChar char="Ø"/>
+            </a:pPr>
+            <a:r>
+              <a:rPr lang="en-US" dirty="0" err="1">
+                <a:solidFill>
+                  <a:srgbClr val="002060"/>
+                </a:solidFill>
+              </a:rPr>
+              <a:t>gridsearchCV</a:t>
+            </a:r>
+            <a:r>
+              <a:rPr lang="en-US" dirty="0">
+                <a:solidFill>
+                  <a:srgbClr val="002060"/>
+                </a:solidFill>
+              </a:rPr>
+              <a:t> attempts all the parameters given on a given model finds the best parameters </a:t>
+            </a:r>
+          </a:p>
+          <a:p>
+            <a:pPr marL="342900" indent="-342900">
+              <a:buFont typeface="Arial" panose="020B0604020202020204" pitchFamily="34" charset="0"/>
+              <a:buChar char="•"/>
+            </a:pPr>
+            <a:r>
+              <a:rPr lang="en-US" dirty="0">
+                <a:solidFill>
+                  <a:srgbClr val="002060"/>
+                </a:solidFill>
+              </a:rPr>
+              <a:t>I used both PCA and my manually adjusted feature set for each model</a:t>
+            </a:r>
+          </a:p>
+          <a:p>
+            <a:pPr marL="342900" indent="-342900">
+              <a:buFont typeface="Arial" panose="020B0604020202020204" pitchFamily="34" charset="0"/>
+              <a:buChar char="•"/>
+            </a:pPr>
+            <a:r>
+              <a:rPr lang="en-US" dirty="0">
+                <a:solidFill>
+                  <a:srgbClr val="002060"/>
+                </a:solidFill>
+              </a:rPr>
+              <a:t>I tuned the models individually for feature set against ELA and math proficiency</a:t>
+            </a:r>
+          </a:p>
+          <a:p>
+            <a:pPr marL="342900" indent="-342900">
+              <a:buFont typeface="Arial" panose="020B0604020202020204" pitchFamily="34" charset="0"/>
+              <a:buChar char="•"/>
+            </a:pPr>
+            <a:r>
+              <a:rPr lang="en-US" dirty="0">
+                <a:solidFill>
+                  <a:srgbClr val="002060"/>
+                </a:solidFill>
+              </a:rPr>
+              <a:t>I also used </a:t>
+            </a:r>
+            <a:r>
+              <a:rPr lang="en-US" dirty="0" err="1">
+                <a:solidFill>
+                  <a:srgbClr val="002060"/>
+                </a:solidFill>
+              </a:rPr>
+              <a:t>cross_val_score</a:t>
+            </a:r>
+            <a:r>
+              <a:rPr lang="en-US" dirty="0">
+                <a:solidFill>
+                  <a:srgbClr val="002060"/>
+                </a:solidFill>
+              </a:rPr>
+              <a:t> to split the data into 5 groups to test for overfitting</a:t>
+            </a:r>
+          </a:p>
+        </p:txBody>
+      </p:sp>
+    </p:spTree>
+    <p:extLst>
+      <p:ext uri="{BB962C8B-B14F-4D97-AF65-F5344CB8AC3E}">
+        <p14:creationId xmlns:p14="http://schemas.microsoft.com/office/powerpoint/2010/main" val="1982314190"/>
+      </p:ext>
+    </p:extLst>
+  </p:cSld>
+  <p:clrMapOvr>
+    <a:masterClrMapping/>
+  </p:clrMapOvr>
+</p:sld>
+</file>
+
+<file path=ppt/slides/slide12.xml><?xml version="1.0" encoding="utf-8"?>
+<p:sld xmlns:a="http://schemas.openxmlformats.org/drawingml/2006/main" xmlns:r="http://schemas.openxmlformats.org/officeDocument/2006/relationships" xmlns:p="http://schemas.openxmlformats.org/presentationml/2006/main">
+  <p:cSld>
+    <p:spTree>
+      <p:nvGrpSpPr>
+        <p:cNvPr id="1" name=""/>
+        <p:cNvGrpSpPr/>
+        <p:nvPr/>
+      </p:nvGrpSpPr>
+      <p:grpSpPr>
+        <a:xfrm>
+          <a:off x="0" y="0"/>
+          <a:ext cx="0" cy="0"/>
+          <a:chOff x="0" y="0"/>
+          <a:chExt cx="0" cy="0"/>
+        </a:xfrm>
+      </p:grpSpPr>
+      <p:sp>
+        <p:nvSpPr>
+          <p:cNvPr id="2" name="Title 1">
+            <a:extLst>
+              <a:ext uri="{FF2B5EF4-FFF2-40B4-BE49-F238E27FC236}">
+                <a16:creationId xmlns:a16="http://schemas.microsoft.com/office/drawing/2014/main" id="{D0997A4F-BA2A-4DD6-B85C-D3632274C9DE}"/>
+              </a:ext>
+            </a:extLst>
+          </p:cNvPr>
+          <p:cNvSpPr>
+            <a:spLocks noGrp="1"/>
+          </p:cNvSpPr>
+          <p:nvPr>
+            <p:ph type="title"/>
+          </p:nvPr>
+        </p:nvSpPr>
+        <p:spPr>
+          <a:xfrm>
+            <a:off x="5580611" y="647403"/>
+            <a:ext cx="1030778" cy="1055914"/>
+          </a:xfrm>
+        </p:spPr>
+        <p:txBody>
+          <a:bodyPr>
+            <a:normAutofit/>
+          </a:bodyPr>
+          <a:lstStyle/>
+          <a:p>
+            <a:r>
+              <a:rPr lang="en-US" dirty="0"/>
+              <a:t>KNN</a:t>
+            </a:r>
+          </a:p>
+        </p:txBody>
+      </p:sp>
+      <p:sp>
+        <p:nvSpPr>
+          <p:cNvPr id="3" name="Text Placeholder 2">
+            <a:extLst>
+              <a:ext uri="{FF2B5EF4-FFF2-40B4-BE49-F238E27FC236}">
+                <a16:creationId xmlns:a16="http://schemas.microsoft.com/office/drawing/2014/main" id="{08300E2A-FB43-489A-95D9-01F90405E9D9}"/>
+              </a:ext>
+            </a:extLst>
+          </p:cNvPr>
+          <p:cNvSpPr>
+            <a:spLocks noGrp="1"/>
+          </p:cNvSpPr>
+          <p:nvPr>
+            <p:ph type="body" idx="1"/>
+          </p:nvPr>
+        </p:nvSpPr>
+        <p:spPr>
+          <a:xfrm>
+            <a:off x="629195" y="2120537"/>
+            <a:ext cx="10933610" cy="3142343"/>
+          </a:xfrm>
+        </p:spPr>
+        <p:txBody>
+          <a:bodyPr/>
+          <a:lstStyle/>
+          <a:p>
+            <a:pPr marL="342900" indent="-342900">
+              <a:buFont typeface="Arial" panose="020B0604020202020204" pitchFamily="34" charset="0"/>
+              <a:buChar char="•"/>
+            </a:pPr>
+            <a:r>
+              <a:rPr lang="en-US" dirty="0"/>
+              <a:t>KNN is a simple algorithm that stores all datapoints and classifies the new datapoints based on the similarity to the previous points.</a:t>
+            </a:r>
+          </a:p>
+          <a:p>
+            <a:pPr marL="342900" indent="-342900">
+              <a:buFont typeface="Arial" panose="020B0604020202020204" pitchFamily="34" charset="0"/>
+              <a:buChar char="•"/>
+            </a:pPr>
+            <a:r>
+              <a:rPr lang="en-US" dirty="0"/>
+              <a:t>has a relatively high accuracy while being extremely simple</a:t>
+            </a:r>
+          </a:p>
+          <a:p>
+            <a:pPr marL="342900" indent="-342900">
+              <a:buFont typeface="Arial" panose="020B0604020202020204" pitchFamily="34" charset="0"/>
+              <a:buChar char="•"/>
+            </a:pPr>
+            <a:r>
+              <a:rPr lang="en-US" dirty="0"/>
+              <a:t>can be used for classification or regression</a:t>
+            </a:r>
+          </a:p>
+          <a:p>
+            <a:pPr marL="342900" indent="-342900">
+              <a:buFont typeface="Arial" panose="020B0604020202020204" pitchFamily="34" charset="0"/>
+              <a:buChar char="•"/>
+            </a:pPr>
+            <a:r>
+              <a:rPr lang="en-US" dirty="0"/>
+              <a:t>can be computationally difficult due to storing the entire training data set</a:t>
+            </a:r>
+          </a:p>
+          <a:p>
+            <a:pPr marL="342900" indent="-342900">
+              <a:buFont typeface="Arial" panose="020B0604020202020204" pitchFamily="34" charset="0"/>
+              <a:buChar char="•"/>
+            </a:pPr>
+            <a:r>
+              <a:rPr lang="en-US" dirty="0"/>
+              <a:t>Sensitive to irrelevant features and the scale of data</a:t>
+            </a:r>
+          </a:p>
+        </p:txBody>
+      </p:sp>
+    </p:spTree>
+    <p:extLst>
+      <p:ext uri="{BB962C8B-B14F-4D97-AF65-F5344CB8AC3E}">
+        <p14:creationId xmlns:p14="http://schemas.microsoft.com/office/powerpoint/2010/main" val="2080883712"/>
+      </p:ext>
+    </p:extLst>
+  </p:cSld>
+  <p:clrMapOvr>
+    <a:masterClrMapping/>
+  </p:clrMapOvr>
+</p:sld>
+</file>
+
 <file path=ppt/slides/slide13.xml><?xml version="1.0" encoding="utf-8"?>
 <p:sld xmlns:a="http://schemas.openxmlformats.org/drawingml/2006/main" xmlns:r="http://schemas.openxmlformats.org/officeDocument/2006/relationships" xmlns:p="http://schemas.openxmlformats.org/presentationml/2006/main">
   <p:cSld>
@@ -5774,7 +5880,7 @@
           <p:cNvPr id="2" name="Title 1">
             <a:extLst>
               <a:ext uri="{FF2B5EF4-FFF2-40B4-BE49-F238E27FC236}">
-                <a16:creationId xmlns:a16="http://schemas.microsoft.com/office/drawing/2014/main" id="{E7BE9B53-BDE6-440D-81A6-FBB8395159F4}"/>
+                <a16:creationId xmlns:a16="http://schemas.microsoft.com/office/drawing/2014/main" id="{45DC9A53-E436-4EE2-8FCE-AE7078AE71EE}"/>
               </a:ext>
             </a:extLst>
           </p:cNvPr>
@@ -5787,8 +5893,8 @@
         </p:nvSpPr>
         <p:spPr>
           <a:xfrm>
-            <a:off x="4479471" y="664028"/>
-            <a:ext cx="3233058" cy="718457"/>
+            <a:off x="5605446" y="466667"/>
+            <a:ext cx="1028008" cy="793865"/>
           </a:xfrm>
         </p:spPr>
         <p:txBody>
@@ -5797,7 +5903,7 @@
           <a:p>
             <a:r>
               <a:rPr lang="en-US" dirty="0"/>
-              <a:t>Model Tuning</a:t>
+              <a:t>KNN</a:t>
             </a:r>
           </a:p>
         </p:txBody>
@@ -5807,7 +5913,7 @@
           <p:cNvPr id="3" name="Text Placeholder 2">
             <a:extLst>
               <a:ext uri="{FF2B5EF4-FFF2-40B4-BE49-F238E27FC236}">
-                <a16:creationId xmlns:a16="http://schemas.microsoft.com/office/drawing/2014/main" id="{F543783E-4B56-4239-A88F-2DA57D9DC199}"/>
+                <a16:creationId xmlns:a16="http://schemas.microsoft.com/office/drawing/2014/main" id="{9349E4A0-63E0-4482-863C-E9CCCB956E1D}"/>
               </a:ext>
             </a:extLst>
           </p:cNvPr>
@@ -5820,13 +5926,27 @@
         </p:nvSpPr>
         <p:spPr>
           <a:xfrm>
-            <a:off x="668677" y="1937656"/>
-            <a:ext cx="10854645" cy="3516087"/>
+            <a:off x="660760" y="1705297"/>
+            <a:ext cx="10870479" cy="4368932"/>
           </a:xfrm>
         </p:spPr>
         <p:txBody>
           <a:bodyPr/>
           <a:lstStyle/>
+          <a:p>
+            <a:r>
+              <a:rPr lang="en-US" dirty="0"/>
+              <a:t>My best parameters for Math was </a:t>
+            </a:r>
+            <a:r>
+              <a:rPr lang="en-US" dirty="0" err="1"/>
+              <a:t>n_neighbors</a:t>
+            </a:r>
+            <a:r>
+              <a:rPr lang="en-US" dirty="0"/>
+              <a:t> = 212, weights ='distance’ using my manual feature set.</a:t>
+            </a:r>
+          </a:p>
           <a:p>
             <a:pPr marL="342900" indent="-342900">
               <a:buFont typeface="Arial" panose="020B0604020202020204" pitchFamily="34" charset="0"/>
@@ -5834,13 +5954,8 @@
             </a:pPr>
             <a:r>
               <a:rPr lang="en-US" dirty="0"/>
-              <a:t>All models were tuned using </a:t>
-            </a:r>
-            <a:r>
-              <a:rPr lang="en-US" dirty="0" err="1"/>
-              <a:t>gridsearchCV</a:t>
-            </a:r>
-            <a:endParaRPr lang="en-US" dirty="0"/>
+              <a:t>Average accuracy was 73% and overfitting was minimal at +/- .3%</a:t>
+            </a:r>
           </a:p>
           <a:p>
             <a:pPr marL="342900" indent="-342900">
@@ -5849,7 +5964,29 @@
             </a:pPr>
             <a:r>
               <a:rPr lang="en-US" dirty="0"/>
-              <a:t>I used both PCA and my manually adjusted feature set for each model</a:t>
+              <a:t>PCA feature had just a slightly lower accuracy at 72.8</a:t>
+            </a:r>
+          </a:p>
+          <a:p>
+            <a:r>
+              <a:rPr lang="en-US" dirty="0"/>
+              <a:t>My best parameters for ELA was </a:t>
+            </a:r>
+            <a:r>
+              <a:rPr lang="en-US" dirty="0" err="1"/>
+              <a:t>n_neighbors</a:t>
+            </a:r>
+            <a:r>
+              <a:rPr lang="en-US" dirty="0"/>
+              <a:t> = </a:t>
+            </a:r>
+            <a:r>
+              <a:rPr lang="en-US" dirty="0" err="1"/>
+              <a:t>n_neighbors</a:t>
+            </a:r>
+            <a:r>
+              <a:rPr lang="en-US" dirty="0"/>
+              <a:t> = 30, weights ='distance' using my manual feature set.</a:t>
             </a:r>
           </a:p>
           <a:p>
@@ -5859,7 +5996,7 @@
             </a:pPr>
             <a:r>
               <a:rPr lang="en-US" dirty="0"/>
-              <a:t>I tuned the models individually for feature set against ELA and math proficiency</a:t>
+              <a:t>I found ELA had much better accuracy 88.62% accuracy with overfitting  +/-2%</a:t>
             </a:r>
           </a:p>
           <a:p>
@@ -5869,23 +6006,18 @@
             </a:pPr>
             <a:r>
               <a:rPr lang="en-US" dirty="0"/>
-              <a:t>I also used </a:t>
-            </a:r>
-            <a:r>
-              <a:rPr lang="en-US" dirty="0" err="1"/>
-              <a:t>cross_val_score</a:t>
-            </a:r>
-            <a:r>
-              <a:rPr lang="en-US" dirty="0"/>
-              <a:t> to split the data into 5 groups to test for overfitting</a:t>
-            </a:r>
+              <a:t>PCA feature set performed slightly lower at 87% with .1% overfitting</a:t>
+            </a:r>
+          </a:p>
+          <a:p>
+            <a:endParaRPr lang="en-US" dirty="0"/>
           </a:p>
         </p:txBody>
       </p:sp>
     </p:spTree>
     <p:extLst>
       <p:ext uri="{BB962C8B-B14F-4D97-AF65-F5344CB8AC3E}">
-        <p14:creationId xmlns:p14="http://schemas.microsoft.com/office/powerpoint/2010/main" val="1982314190"/>
+        <p14:creationId xmlns:p14="http://schemas.microsoft.com/office/powerpoint/2010/main" val="3817331252"/>
       </p:ext>
     </p:extLst>
   </p:cSld>
@@ -5917,7 +6049,7 @@
           <p:cNvPr id="2" name="Title 1">
             <a:extLst>
               <a:ext uri="{FF2B5EF4-FFF2-40B4-BE49-F238E27FC236}">
-                <a16:creationId xmlns:a16="http://schemas.microsoft.com/office/drawing/2014/main" id="{D0997A4F-BA2A-4DD6-B85C-D3632274C9DE}"/>
+                <a16:creationId xmlns:a16="http://schemas.microsoft.com/office/drawing/2014/main" id="{92FEC159-0050-4C81-8FF3-F432A8F09E97}"/>
               </a:ext>
             </a:extLst>
           </p:cNvPr>
@@ -5930,19 +6062,17 @@
         </p:nvSpPr>
         <p:spPr>
           <a:xfrm>
-            <a:off x="5580611" y="647403"/>
-            <a:ext cx="1030778" cy="1055914"/>
+            <a:off x="3590698" y="685800"/>
+            <a:ext cx="4617130" cy="762000"/>
           </a:xfrm>
         </p:spPr>
         <p:txBody>
-          <a:bodyPr>
-            <a:normAutofit/>
-          </a:bodyPr>
-          <a:lstStyle/>
-          <a:p>
-            <a:r>
-              <a:rPr lang="en-US" dirty="0"/>
-              <a:t>KNN</a:t>
+          <a:bodyPr/>
+          <a:lstStyle/>
+          <a:p>
+            <a:r>
+              <a:rPr lang="en-US" dirty="0"/>
+              <a:t>Logistic Regression</a:t>
             </a:r>
           </a:p>
         </p:txBody>
@@ -5952,7 +6082,7 @@
           <p:cNvPr id="3" name="Text Placeholder 2">
             <a:extLst>
               <a:ext uri="{FF2B5EF4-FFF2-40B4-BE49-F238E27FC236}">
-                <a16:creationId xmlns:a16="http://schemas.microsoft.com/office/drawing/2014/main" id="{08300E2A-FB43-489A-95D9-01F90405E9D9}"/>
+                <a16:creationId xmlns:a16="http://schemas.microsoft.com/office/drawing/2014/main" id="{C216CAAD-B106-45E8-86A2-EB6023A41507}"/>
               </a:ext>
             </a:extLst>
           </p:cNvPr>
@@ -5965,13 +6095,19 @@
         </p:nvSpPr>
         <p:spPr>
           <a:xfrm>
-            <a:off x="629195" y="2120537"/>
-            <a:ext cx="10933610" cy="3142343"/>
+            <a:off x="684212" y="2188029"/>
+            <a:ext cx="10832874" cy="3806371"/>
           </a:xfrm>
         </p:spPr>
         <p:txBody>
           <a:bodyPr/>
           <a:lstStyle/>
+          <a:p>
+            <a:r>
+              <a:rPr lang="en-US" dirty="0"/>
+              <a:t>Logistic Regression is a classification algorithm that is designed to find the relationship between features and probability of particular outcome</a:t>
+            </a:r>
+          </a:p>
           <a:p>
             <a:pPr marL="342900" indent="-342900">
               <a:buFont typeface="Arial" panose="020B0604020202020204" pitchFamily="34" charset="0"/>
@@ -5979,7 +6115,7 @@
             </a:pPr>
             <a:r>
               <a:rPr lang="en-US" dirty="0"/>
-              <a:t>KNN is a simple algorithm that stores all datapoints and classifies the new datapoints based on the similarity to the previous points.</a:t>
+              <a:t>Simple and efficient</a:t>
             </a:r>
           </a:p>
           <a:p>
@@ -5989,7 +6125,7 @@
             </a:pPr>
             <a:r>
               <a:rPr lang="en-US" dirty="0"/>
-              <a:t>KNN has a relatively high accuracy while being extremely simple</a:t>
+              <a:t>Low variance</a:t>
             </a:r>
           </a:p>
           <a:p>
@@ -5999,35 +6135,18 @@
             </a:pPr>
             <a:r>
               <a:rPr lang="en-US" dirty="0"/>
-              <a:t>KNN can be used for classification or regression</a:t>
-            </a:r>
-          </a:p>
-          <a:p>
-            <a:pPr marL="342900" indent="-342900">
-              <a:buFont typeface="Arial" panose="020B0604020202020204" pitchFamily="34" charset="0"/>
-              <a:buChar char="•"/>
-            </a:pPr>
-            <a:r>
-              <a:rPr lang="en-US" dirty="0"/>
-              <a:t>Using KNN can be computationally difficult due to storing the entire training data set</a:t>
-            </a:r>
-          </a:p>
-          <a:p>
-            <a:pPr marL="342900" indent="-342900">
-              <a:buFont typeface="Arial" panose="020B0604020202020204" pitchFamily="34" charset="0"/>
-              <a:buChar char="•"/>
-            </a:pPr>
-            <a:r>
-              <a:rPr lang="en-US" dirty="0"/>
-              <a:t>Sensitive to irrelevant features and the scale of data</a:t>
-            </a:r>
+              <a:t>Does not  work well with larger number s of categorical features</a:t>
+            </a:r>
+          </a:p>
+          <a:p>
+            <a:endParaRPr lang="en-US" dirty="0"/>
           </a:p>
         </p:txBody>
       </p:sp>
     </p:spTree>
     <p:extLst>
       <p:ext uri="{BB962C8B-B14F-4D97-AF65-F5344CB8AC3E}">
-        <p14:creationId xmlns:p14="http://schemas.microsoft.com/office/powerpoint/2010/main" val="2080883712"/>
+        <p14:creationId xmlns:p14="http://schemas.microsoft.com/office/powerpoint/2010/main" val="796023930"/>
       </p:ext>
     </p:extLst>
   </p:cSld>
@@ -6059,7 +6178,7 @@
           <p:cNvPr id="2" name="Title 1">
             <a:extLst>
               <a:ext uri="{FF2B5EF4-FFF2-40B4-BE49-F238E27FC236}">
-                <a16:creationId xmlns:a16="http://schemas.microsoft.com/office/drawing/2014/main" id="{45DC9A53-E436-4EE2-8FCE-AE7078AE71EE}"/>
+                <a16:creationId xmlns:a16="http://schemas.microsoft.com/office/drawing/2014/main" id="{EA680453-186E-4F65-8024-A6B5191B09BB}"/>
               </a:ext>
             </a:extLst>
           </p:cNvPr>
@@ -6072,8 +6191,8 @@
         </p:nvSpPr>
         <p:spPr>
           <a:xfrm>
-            <a:off x="5605446" y="466667"/>
-            <a:ext cx="1028008" cy="793865"/>
+            <a:off x="3825535" y="555171"/>
+            <a:ext cx="4540930" cy="1121229"/>
           </a:xfrm>
         </p:spPr>
         <p:txBody>
@@ -6082,7 +6201,7 @@
           <a:p>
             <a:r>
               <a:rPr lang="en-US" dirty="0"/>
-              <a:t>KNN</a:t>
+              <a:t>Logistic Regression</a:t>
             </a:r>
           </a:p>
         </p:txBody>
@@ -6092,7 +6211,7 @@
           <p:cNvPr id="3" name="Text Placeholder 2">
             <a:extLst>
               <a:ext uri="{FF2B5EF4-FFF2-40B4-BE49-F238E27FC236}">
-                <a16:creationId xmlns:a16="http://schemas.microsoft.com/office/drawing/2014/main" id="{9349E4A0-63E0-4482-863C-E9CCCB956E1D}"/>
+                <a16:creationId xmlns:a16="http://schemas.microsoft.com/office/drawing/2014/main" id="{F7364304-4F6A-4683-AA56-3197FA651E57}"/>
               </a:ext>
             </a:extLst>
           </p:cNvPr>
@@ -6105,25 +6224,19 @@
         </p:nvSpPr>
         <p:spPr>
           <a:xfrm>
-            <a:off x="660760" y="1705297"/>
-            <a:ext cx="10870479" cy="4368932"/>
+            <a:off x="684212" y="2438400"/>
+            <a:ext cx="10517188" cy="3556000"/>
           </a:xfrm>
         </p:spPr>
         <p:txBody>
-          <a:bodyPr/>
-          <a:lstStyle/>
-          <a:p>
-            <a:r>
-              <a:rPr lang="en-US" dirty="0"/>
-              <a:t>My best parameters for Math was </a:t>
-            </a:r>
-            <a:r>
-              <a:rPr lang="en-US" dirty="0" err="1"/>
-              <a:t>n_neighbors</a:t>
-            </a:r>
-            <a:r>
-              <a:rPr lang="en-US" dirty="0"/>
-              <a:t> = 212, weights ='distance’ using my manual feature set.</a:t>
+          <a:bodyPr>
+            <a:normAutofit/>
+          </a:bodyPr>
+          <a:lstStyle/>
+          <a:p>
+            <a:r>
+              <a:rPr lang="en-US" dirty="0"/>
+              <a:t>My best parameters for Math was C= 1.7000000000000006 using my manual feature set.</a:t>
             </a:r>
           </a:p>
           <a:p>
@@ -6133,7 +6246,7 @@
             </a:pPr>
             <a:r>
               <a:rPr lang="en-US" dirty="0"/>
-              <a:t>Average accuracy was 73% and overfitting was minimal at +/- .3%</a:t>
+              <a:t>Average accuracy was 84% and overfitting was much higher at +/- 8%</a:t>
             </a:r>
           </a:p>
           <a:p>
@@ -6143,29 +6256,13 @@
             </a:pPr>
             <a:r>
               <a:rPr lang="en-US" dirty="0"/>
-              <a:t>PCA feature had just a slightly lower accuracy at 72.8</a:t>
-            </a:r>
-          </a:p>
-          <a:p>
-            <a:r>
-              <a:rPr lang="en-US" dirty="0"/>
-              <a:t>My best parameters for ELA was </a:t>
-            </a:r>
-            <a:r>
-              <a:rPr lang="en-US" dirty="0" err="1"/>
-              <a:t>n_neighbors</a:t>
-            </a:r>
-            <a:r>
-              <a:rPr lang="en-US" dirty="0"/>
-              <a:t> = </a:t>
-            </a:r>
-            <a:r>
-              <a:rPr lang="en-US" dirty="0" err="1"/>
-              <a:t>n_neighbors</a:t>
-            </a:r>
-            <a:r>
-              <a:rPr lang="en-US" dirty="0"/>
-              <a:t> = 30, weights ='distance' using my manual feature set.</a:t>
+              <a:t>PCA feature had had a much lower accuracy at 72.8 but with only .5% overfit</a:t>
+            </a:r>
+          </a:p>
+          <a:p>
+            <a:r>
+              <a:rPr lang="en-US" dirty="0"/>
+              <a:t>My best parameters for ELA was C = 0.002 using my manual feature set.</a:t>
             </a:r>
           </a:p>
           <a:p>
@@ -6175,7 +6272,7 @@
             </a:pPr>
             <a:r>
               <a:rPr lang="en-US" dirty="0"/>
-              <a:t>I found ELA had much better accuracy 88.62% accuracy with overfitting  +/-2%</a:t>
+              <a:t>I found ELA had much better accuracy 91.4% accuracy with overfitting  +/-3%</a:t>
             </a:r>
           </a:p>
           <a:p>
@@ -6185,7 +6282,7 @@
             </a:pPr>
             <a:r>
               <a:rPr lang="en-US" dirty="0"/>
-              <a:t>PCA feature set performed slightly lower at 87% with .1% overfitting</a:t>
+              <a:t>PCA feature set performed slightly lower at 72.8% with .4% overfitting</a:t>
             </a:r>
           </a:p>
           <a:p>
@@ -6196,7 +6293,7 @@
     </p:spTree>
     <p:extLst>
       <p:ext uri="{BB962C8B-B14F-4D97-AF65-F5344CB8AC3E}">
-        <p14:creationId xmlns:p14="http://schemas.microsoft.com/office/powerpoint/2010/main" val="3817331252"/>
+        <p14:creationId xmlns:p14="http://schemas.microsoft.com/office/powerpoint/2010/main" val="1263587909"/>
       </p:ext>
     </p:extLst>
   </p:cSld>
@@ -6228,7 +6325,7 @@
           <p:cNvPr id="2" name="Title 1">
             <a:extLst>
               <a:ext uri="{FF2B5EF4-FFF2-40B4-BE49-F238E27FC236}">
-                <a16:creationId xmlns:a16="http://schemas.microsoft.com/office/drawing/2014/main" id="{92FEC159-0050-4C81-8FF3-F432A8F09E97}"/>
+                <a16:creationId xmlns:a16="http://schemas.microsoft.com/office/drawing/2014/main" id="{6D7A8FBB-2038-4521-9B52-BD1CE59880CF}"/>
               </a:ext>
             </a:extLst>
           </p:cNvPr>
@@ -6241,8 +6338,8 @@
         </p:nvSpPr>
         <p:spPr>
           <a:xfrm>
-            <a:off x="3590698" y="685800"/>
-            <a:ext cx="4617130" cy="762000"/>
+            <a:off x="4086792" y="620485"/>
+            <a:ext cx="4018416" cy="827314"/>
           </a:xfrm>
         </p:spPr>
         <p:txBody>
@@ -6251,7 +6348,7 @@
           <a:p>
             <a:r>
               <a:rPr lang="en-US" dirty="0"/>
-              <a:t>Logistic Regression</a:t>
+              <a:t>Ridge regression</a:t>
             </a:r>
           </a:p>
         </p:txBody>
@@ -6261,7 +6358,7 @@
           <p:cNvPr id="3" name="Text Placeholder 2">
             <a:extLst>
               <a:ext uri="{FF2B5EF4-FFF2-40B4-BE49-F238E27FC236}">
-                <a16:creationId xmlns:a16="http://schemas.microsoft.com/office/drawing/2014/main" id="{C216CAAD-B106-45E8-86A2-EB6023A41507}"/>
+                <a16:creationId xmlns:a16="http://schemas.microsoft.com/office/drawing/2014/main" id="{002E51F3-8000-46E0-B624-CE588D928F7C}"/>
               </a:ext>
             </a:extLst>
           </p:cNvPr>
@@ -6274,17 +6371,23 @@
         </p:nvSpPr>
         <p:spPr>
           <a:xfrm>
-            <a:off x="684212" y="2188029"/>
-            <a:ext cx="10832874" cy="3806371"/>
+            <a:off x="684212" y="2264229"/>
+            <a:ext cx="10821988" cy="3730171"/>
           </a:xfrm>
         </p:spPr>
         <p:txBody>
           <a:bodyPr/>
           <a:lstStyle/>
           <a:p>
-            <a:r>
-              <a:rPr lang="en-US" dirty="0"/>
-              <a:t>Logistic Regression is a classification algorithm that is designed to find the relationship between features and probability of particular outcome</a:t>
+            <a:endParaRPr lang="en-US" dirty="0"/>
+          </a:p>
+          <a:p>
+            <a:endParaRPr lang="en-US" dirty="0"/>
+          </a:p>
+          <a:p>
+            <a:r>
+              <a:rPr lang="en-US" dirty="0"/>
+              <a:t>Ridge regression shrinks the coefficients so the variables with minor contributions have coefficients close to zero</a:t>
             </a:r>
           </a:p>
           <a:p>
@@ -6294,7 +6397,7 @@
             </a:pPr>
             <a:r>
               <a:rPr lang="en-US" dirty="0"/>
-              <a:t>Simple and efficient</a:t>
+              <a:t>Can be used to prevent overfitting</a:t>
             </a:r>
           </a:p>
           <a:p>
@@ -6304,20 +6407,24 @@
             </a:pPr>
             <a:r>
               <a:rPr lang="en-US" dirty="0"/>
-              <a:t>Low variance</a:t>
-            </a:r>
+              <a:t>By reducing the coefficient of features with little relevance, it minimizes those feature’s impact on the trained model </a:t>
+            </a:r>
+          </a:p>
+          <a:p>
+            <a:endParaRPr lang="en-US" dirty="0"/>
           </a:p>
           <a:p>
             <a:pPr marL="342900" indent="-342900">
               <a:buFont typeface="Arial" panose="020B0604020202020204" pitchFamily="34" charset="0"/>
               <a:buChar char="•"/>
             </a:pPr>
-            <a:r>
-              <a:rPr lang="en-US" dirty="0"/>
-              <a:t>Does not  work well with larger number s of categorical features</a:t>
-            </a:r>
-          </a:p>
-          <a:p>
+            <a:endParaRPr lang="en-US" dirty="0"/>
+          </a:p>
+          <a:p>
+            <a:pPr marL="342900" indent="-342900">
+              <a:buFont typeface="Arial" panose="020B0604020202020204" pitchFamily="34" charset="0"/>
+              <a:buChar char="•"/>
+            </a:pPr>
             <a:endParaRPr lang="en-US" dirty="0"/>
           </a:p>
         </p:txBody>
@@ -6325,7 +6432,7 @@
     </p:spTree>
     <p:extLst>
       <p:ext uri="{BB962C8B-B14F-4D97-AF65-F5344CB8AC3E}">
-        <p14:creationId xmlns:p14="http://schemas.microsoft.com/office/powerpoint/2010/main" val="796023930"/>
+        <p14:creationId xmlns:p14="http://schemas.microsoft.com/office/powerpoint/2010/main" val="3660606252"/>
       </p:ext>
     </p:extLst>
   </p:cSld>
@@ -6357,7 +6464,7 @@
           <p:cNvPr id="2" name="Title 1">
             <a:extLst>
               <a:ext uri="{FF2B5EF4-FFF2-40B4-BE49-F238E27FC236}">
-                <a16:creationId xmlns:a16="http://schemas.microsoft.com/office/drawing/2014/main" id="{EA680453-186E-4F65-8024-A6B5191B09BB}"/>
+                <a16:creationId xmlns:a16="http://schemas.microsoft.com/office/drawing/2014/main" id="{7F6D47DF-BB96-49C6-B688-A7AB1521D645}"/>
               </a:ext>
             </a:extLst>
           </p:cNvPr>
@@ -6370,17 +6477,18 @@
         </p:nvSpPr>
         <p:spPr>
           <a:xfrm>
-            <a:off x="3825535" y="555171"/>
-            <a:ext cx="4540930" cy="1121229"/>
+            <a:off x="3276600" y="620486"/>
+            <a:ext cx="5638800" cy="838200"/>
           </a:xfrm>
         </p:spPr>
         <p:txBody>
           <a:bodyPr/>
           <a:lstStyle/>
           <a:p>
-            <a:r>
-              <a:rPr lang="en-US" dirty="0"/>
-              <a:t>Logistic Regression</a:t>
+            <a:pPr algn="ctr"/>
+            <a:r>
+              <a:rPr lang="en-US" dirty="0"/>
+              <a:t>Ridge Regression scores</a:t>
             </a:r>
           </a:p>
         </p:txBody>
@@ -6390,7 +6498,7 @@
           <p:cNvPr id="3" name="Text Placeholder 2">
             <a:extLst>
               <a:ext uri="{FF2B5EF4-FFF2-40B4-BE49-F238E27FC236}">
-                <a16:creationId xmlns:a16="http://schemas.microsoft.com/office/drawing/2014/main" id="{F7364304-4F6A-4683-AA56-3197FA651E57}"/>
+                <a16:creationId xmlns:a16="http://schemas.microsoft.com/office/drawing/2014/main" id="{4E2C3D86-8925-4F2C-91F9-78623A14CE4B}"/>
               </a:ext>
             </a:extLst>
           </p:cNvPr>
@@ -6403,8 +6511,8 @@
         </p:nvSpPr>
         <p:spPr>
           <a:xfrm>
-            <a:off x="684212" y="2438400"/>
-            <a:ext cx="10517188" cy="3556000"/>
+            <a:off x="625929" y="2033432"/>
+            <a:ext cx="10940142" cy="3675743"/>
           </a:xfrm>
         </p:spPr>
         <p:txBody>
@@ -6415,7 +6523,7 @@
           <a:p>
             <a:r>
               <a:rPr lang="en-US" dirty="0"/>
-              <a:t>My best parameters for Math was C= 1.7000000000000006 using my manual feature set.</a:t>
+              <a:t>My best parameters for Math was C= 0.019000000000000003 using my manual features.</a:t>
             </a:r>
           </a:p>
           <a:p>
@@ -6425,7 +6533,7 @@
             </a:pPr>
             <a:r>
               <a:rPr lang="en-US" dirty="0"/>
-              <a:t>Average accuracy was 84% and overfitting was much higher at +/- 8%</a:t>
+              <a:t>Average accuracy was 84.67% and overfitting was similar higher at +/- 8%</a:t>
             </a:r>
           </a:p>
           <a:p>
@@ -6435,13 +6543,13 @@
             </a:pPr>
             <a:r>
               <a:rPr lang="en-US" dirty="0"/>
-              <a:t>PCA feature had had a much lower accuracy at 72.8 but with only .5% overfit</a:t>
-            </a:r>
-          </a:p>
-          <a:p>
-            <a:r>
-              <a:rPr lang="en-US" dirty="0"/>
-              <a:t>My best parameters for ELA was C = 0.002 using my manual feature set.</a:t>
+              <a:t>PCA feature had had a much lower accuracy at 72.8 but with only +/-.5% overfit</a:t>
+            </a:r>
+          </a:p>
+          <a:p>
+            <a:r>
+              <a:rPr lang="en-US" dirty="0"/>
+              <a:t>My best parameters for ELA was C= 0.089999999999999927 using my manual feature.</a:t>
             </a:r>
           </a:p>
           <a:p>
@@ -6451,7 +6559,7 @@
             </a:pPr>
             <a:r>
               <a:rPr lang="en-US" dirty="0"/>
-              <a:t>I found ELA had much better accuracy 91.4% accuracy with overfitting  +/-3%</a:t>
+              <a:t>I found ELA had much better accuracy 90.76% accuracy with overfitting  +/-3%</a:t>
             </a:r>
           </a:p>
           <a:p>
@@ -6461,7 +6569,7 @@
             </a:pPr>
             <a:r>
               <a:rPr lang="en-US" dirty="0"/>
-              <a:t>PCA feature set performed slightly lower at 72.8% with .4% overfitting</a:t>
+              <a:t>PCA feature set performed slightly lower at 72.8% with +/-4% overfitting</a:t>
             </a:r>
           </a:p>
           <a:p>
@@ -6472,7 +6580,7 @@
     </p:spTree>
     <p:extLst>
       <p:ext uri="{BB962C8B-B14F-4D97-AF65-F5344CB8AC3E}">
-        <p14:creationId xmlns:p14="http://schemas.microsoft.com/office/powerpoint/2010/main" val="1263587909"/>
+        <p14:creationId xmlns:p14="http://schemas.microsoft.com/office/powerpoint/2010/main" val="1375981454"/>
       </p:ext>
     </p:extLst>
   </p:cSld>
@@ -6504,7 +6612,7 @@
           <p:cNvPr id="2" name="Title 1">
             <a:extLst>
               <a:ext uri="{FF2B5EF4-FFF2-40B4-BE49-F238E27FC236}">
-                <a16:creationId xmlns:a16="http://schemas.microsoft.com/office/drawing/2014/main" id="{6D7A8FBB-2038-4521-9B52-BD1CE59880CF}"/>
+                <a16:creationId xmlns:a16="http://schemas.microsoft.com/office/drawing/2014/main" id="{47FF1805-DFF8-4784-B538-C4A5AD30A20E}"/>
               </a:ext>
             </a:extLst>
           </p:cNvPr>
@@ -6517,17 +6625,27 @@
         </p:nvSpPr>
         <p:spPr>
           <a:xfrm>
-            <a:off x="4086792" y="620485"/>
-            <a:ext cx="4018416" cy="827314"/>
+            <a:off x="684212" y="685800"/>
+            <a:ext cx="10528073" cy="783771"/>
           </a:xfrm>
         </p:spPr>
         <p:txBody>
-          <a:bodyPr/>
-          <a:lstStyle/>
-          <a:p>
-            <a:r>
-              <a:rPr lang="en-US" dirty="0"/>
-              <a:t>Ridge regression</a:t>
+          <a:bodyPr>
+            <a:normAutofit fontScale="90000"/>
+          </a:bodyPr>
+          <a:lstStyle/>
+          <a:p>
+            <a:pPr algn="ctr"/>
+            <a:r>
+              <a:rPr lang="en-US" dirty="0"/>
+              <a:t>Lasso Regression</a:t>
+            </a:r>
+            <a:br>
+              <a:rPr lang="en-US" dirty="0"/>
+            </a:br>
+            <a:r>
+              <a:rPr lang="en-US" dirty="0"/>
+              <a:t>(Least absolute shrinkage and selection operator)</a:t>
             </a:r>
           </a:p>
         </p:txBody>
@@ -6537,7 +6655,7 @@
           <p:cNvPr id="3" name="Text Placeholder 2">
             <a:extLst>
               <a:ext uri="{FF2B5EF4-FFF2-40B4-BE49-F238E27FC236}">
-                <a16:creationId xmlns:a16="http://schemas.microsoft.com/office/drawing/2014/main" id="{002E51F3-8000-46E0-B624-CE588D928F7C}"/>
+                <a16:creationId xmlns:a16="http://schemas.microsoft.com/office/drawing/2014/main" id="{6C36E44F-AC9F-4781-B695-F6E20593EC2D}"/>
               </a:ext>
             </a:extLst>
           </p:cNvPr>
@@ -6550,23 +6668,17 @@
         </p:nvSpPr>
         <p:spPr>
           <a:xfrm>
-            <a:off x="684212" y="2264229"/>
-            <a:ext cx="10821988" cy="3730171"/>
+            <a:off x="684212" y="2405743"/>
+            <a:ext cx="10528074" cy="3588657"/>
           </a:xfrm>
         </p:spPr>
         <p:txBody>
           <a:bodyPr/>
           <a:lstStyle/>
           <a:p>
-            <a:endParaRPr lang="en-US" dirty="0"/>
-          </a:p>
-          <a:p>
-            <a:endParaRPr lang="en-US" dirty="0"/>
-          </a:p>
-          <a:p>
-            <a:r>
-              <a:rPr lang="en-US" dirty="0"/>
-              <a:t>Ridge regression shrinks the coefficients so the variables with minor contributions have coefficients close to zero</a:t>
+            <a:r>
+              <a:rPr lang="en-US" dirty="0"/>
+              <a:t>Lasso regression is similar to ridge regression, however it reduces the coefficient to 0</a:t>
             </a:r>
           </a:p>
           <a:p>
@@ -6576,7 +6688,7 @@
             </a:pPr>
             <a:r>
               <a:rPr lang="en-US" dirty="0"/>
-              <a:t>Reduces the model complexity by coefficient shrinkage called ridge estimator</a:t>
+              <a:t>Setting the coefficients to 0 will remove the unwanted features</a:t>
             </a:r>
           </a:p>
           <a:p>
@@ -6586,7 +6698,7 @@
             </a:pPr>
             <a:r>
               <a:rPr lang="en-US" dirty="0"/>
-              <a:t>Uses the L2 regularization technique</a:t>
+              <a:t>Can be used to prevent overfitting</a:t>
             </a:r>
           </a:p>
           <a:p>
@@ -6596,11 +6708,8 @@
             </a:pPr>
             <a:r>
               <a:rPr lang="en-US" dirty="0"/>
-              <a:t>By reducing the coefficient of features with little relevance, it minimizes those feature’s impact on the trained model </a:t>
-            </a:r>
-          </a:p>
-          <a:p>
-            <a:endParaRPr lang="en-US" dirty="0"/>
+              <a:t>Lasso works by fitting a model while excluding one of the features if the fit is still good enough that feature gets excluded, it continues to cycle through all features</a:t>
+            </a:r>
           </a:p>
           <a:p>
             <a:pPr marL="342900" indent="-342900">
@@ -6609,19 +6718,12 @@
             </a:pPr>
             <a:endParaRPr lang="en-US" dirty="0"/>
           </a:p>
-          <a:p>
-            <a:pPr marL="342900" indent="-342900">
-              <a:buFont typeface="Arial" panose="020B0604020202020204" pitchFamily="34" charset="0"/>
-              <a:buChar char="•"/>
-            </a:pPr>
-            <a:endParaRPr lang="en-US" dirty="0"/>
-          </a:p>
         </p:txBody>
       </p:sp>
     </p:spTree>
     <p:extLst>
       <p:ext uri="{BB962C8B-B14F-4D97-AF65-F5344CB8AC3E}">
-        <p14:creationId xmlns:p14="http://schemas.microsoft.com/office/powerpoint/2010/main" val="3660606252"/>
+        <p14:creationId xmlns:p14="http://schemas.microsoft.com/office/powerpoint/2010/main" val="3884424611"/>
       </p:ext>
     </p:extLst>
   </p:cSld>
@@ -6653,7 +6755,7 @@
           <p:cNvPr id="2" name="Title 1">
             <a:extLst>
               <a:ext uri="{FF2B5EF4-FFF2-40B4-BE49-F238E27FC236}">
-                <a16:creationId xmlns:a16="http://schemas.microsoft.com/office/drawing/2014/main" id="{7F6D47DF-BB96-49C6-B688-A7AB1521D645}"/>
+                <a16:creationId xmlns:a16="http://schemas.microsoft.com/office/drawing/2014/main" id="{08B6295C-59D2-4C0F-AF10-06DB8E8CB486}"/>
               </a:ext>
             </a:extLst>
           </p:cNvPr>
@@ -6666,18 +6768,17 @@
         </p:nvSpPr>
         <p:spPr>
           <a:xfrm>
-            <a:off x="3276600" y="620486"/>
-            <a:ext cx="5638800" cy="838200"/>
+            <a:off x="3918857" y="685800"/>
+            <a:ext cx="3211286" cy="1393371"/>
           </a:xfrm>
         </p:spPr>
         <p:txBody>
           <a:bodyPr/>
           <a:lstStyle/>
           <a:p>
-            <a:pPr algn="ctr"/>
-            <a:r>
-              <a:rPr lang="en-US" dirty="0"/>
-              <a:t>Ridge Regression scores</a:t>
+            <a:r>
+              <a:rPr lang="en-US" dirty="0"/>
+              <a:t>LASSO Scores</a:t>
             </a:r>
           </a:p>
         </p:txBody>
@@ -6687,7 +6788,7 @@
           <p:cNvPr id="3" name="Text Placeholder 2">
             <a:extLst>
               <a:ext uri="{FF2B5EF4-FFF2-40B4-BE49-F238E27FC236}">
-                <a16:creationId xmlns:a16="http://schemas.microsoft.com/office/drawing/2014/main" id="{4E2C3D86-8925-4F2C-91F9-78623A14CE4B}"/>
+                <a16:creationId xmlns:a16="http://schemas.microsoft.com/office/drawing/2014/main" id="{2B2A4D70-1F6C-4C16-8A30-09D3325A4B88}"/>
               </a:ext>
             </a:extLst>
           </p:cNvPr>
@@ -6700,19 +6801,17 @@
         </p:nvSpPr>
         <p:spPr>
           <a:xfrm>
-            <a:off x="544287" y="2318657"/>
-            <a:ext cx="10940142" cy="3675743"/>
+            <a:off x="684212" y="1817914"/>
+            <a:ext cx="9983788" cy="4354285"/>
           </a:xfrm>
         </p:spPr>
         <p:txBody>
-          <a:bodyPr>
-            <a:normAutofit/>
-          </a:bodyPr>
-          <a:lstStyle/>
-          <a:p>
-            <a:r>
-              <a:rPr lang="en-US" dirty="0"/>
-              <a:t>My best parameters for Math was C= 0.019000000000000003 using my manual features.</a:t>
+          <a:bodyPr/>
+          <a:lstStyle/>
+          <a:p>
+            <a:r>
+              <a:rPr lang="en-US" dirty="0"/>
+              <a:t>My best parameters for Math was C= 3.8700000000000028 using my manual features.</a:t>
             </a:r>
           </a:p>
           <a:p>
@@ -6722,7 +6821,7 @@
             </a:pPr>
             <a:r>
               <a:rPr lang="en-US" dirty="0"/>
-              <a:t>Average accuracy was 84.67% and overfitting was similar higher at +/- 8%</a:t>
+              <a:t>Average accuracy was 84.6% and overfitting was similar higher at +/- 7%</a:t>
             </a:r>
           </a:p>
           <a:p>
@@ -6732,13 +6831,13 @@
             </a:pPr>
             <a:r>
               <a:rPr lang="en-US" dirty="0"/>
-              <a:t>PCA feature had had a much lower accuracy at 72.8 but with only +/-.5% overfit</a:t>
-            </a:r>
-          </a:p>
-          <a:p>
-            <a:r>
-              <a:rPr lang="en-US" dirty="0"/>
-              <a:t>My best parameters for ELA was C= 0.089999999999999927 using my manual feature.</a:t>
+              <a:t>PCA feature had had a much lower accuracy at 72.8 but with only +/-.3% overfit</a:t>
+            </a:r>
+          </a:p>
+          <a:p>
+            <a:r>
+              <a:rPr lang="en-US" dirty="0"/>
+              <a:t>My best parameters for ELA was C= 6.3199999999999967 using my manual feature.</a:t>
             </a:r>
           </a:p>
           <a:p>
@@ -6748,7 +6847,7 @@
             </a:pPr>
             <a:r>
               <a:rPr lang="en-US" dirty="0"/>
-              <a:t>I found ELA had much better accuracy 90.76% accuracy with overfitting  +/-3%</a:t>
+              <a:t>I found ELA had much better accuracy 90.6% accuracy with overfitting  +/-3%</a:t>
             </a:r>
           </a:p>
           <a:p>
@@ -6758,7 +6857,7 @@
             </a:pPr>
             <a:r>
               <a:rPr lang="en-US" dirty="0"/>
-              <a:t>PCA feature set performed slightly lower at 72.8% with +/-4% overfitting</a:t>
+              <a:t>PCA feature set performed slightly lower at 72.8% with +/-3% overfitting</a:t>
             </a:r>
           </a:p>
           <a:p>
@@ -6769,7 +6868,7 @@
     </p:spTree>
     <p:extLst>
       <p:ext uri="{BB962C8B-B14F-4D97-AF65-F5344CB8AC3E}">
-        <p14:creationId xmlns:p14="http://schemas.microsoft.com/office/powerpoint/2010/main" val="1375981454"/>
+        <p14:creationId xmlns:p14="http://schemas.microsoft.com/office/powerpoint/2010/main" val="705367272"/>
       </p:ext>
     </p:extLst>
   </p:cSld>
@@ -6932,7 +7031,7 @@
           <p:cNvPr id="2" name="Title 1">
             <a:extLst>
               <a:ext uri="{FF2B5EF4-FFF2-40B4-BE49-F238E27FC236}">
-                <a16:creationId xmlns:a16="http://schemas.microsoft.com/office/drawing/2014/main" id="{47FF1805-DFF8-4784-B538-C4A5AD30A20E}"/>
+                <a16:creationId xmlns:a16="http://schemas.microsoft.com/office/drawing/2014/main" id="{5C70EBA0-7EA6-4C11-B843-5A5000FDB980}"/>
               </a:ext>
             </a:extLst>
           </p:cNvPr>
@@ -6945,8 +7044,8 @@
         </p:nvSpPr>
         <p:spPr>
           <a:xfrm>
-            <a:off x="684212" y="685800"/>
-            <a:ext cx="10528073" cy="783771"/>
+            <a:off x="3510742" y="604455"/>
+            <a:ext cx="5170516" cy="762000"/>
           </a:xfrm>
         </p:spPr>
         <p:txBody>
@@ -6958,14 +7057,14 @@
             <a:pPr algn="ctr"/>
             <a:r>
               <a:rPr lang="en-US" dirty="0"/>
-              <a:t>Lasso Regression</a:t>
+              <a:t>SVC</a:t>
             </a:r>
             <a:br>
               <a:rPr lang="en-US" dirty="0"/>
             </a:br>
             <a:r>
               <a:rPr lang="en-US" dirty="0"/>
-              <a:t>(Least absolute shrinkage and selection operator)</a:t>
+              <a:t>Support Vector Cluster</a:t>
             </a:r>
           </a:p>
         </p:txBody>
@@ -6975,7 +7074,7 @@
           <p:cNvPr id="3" name="Text Placeholder 2">
             <a:extLst>
               <a:ext uri="{FF2B5EF4-FFF2-40B4-BE49-F238E27FC236}">
-                <a16:creationId xmlns:a16="http://schemas.microsoft.com/office/drawing/2014/main" id="{6C36E44F-AC9F-4781-B695-F6E20593EC2D}"/>
+                <a16:creationId xmlns:a16="http://schemas.microsoft.com/office/drawing/2014/main" id="{84DDB760-FF7D-48DA-9B06-3677551C0865}"/>
               </a:ext>
             </a:extLst>
           </p:cNvPr>
@@ -6988,17 +7087,20 @@
         </p:nvSpPr>
         <p:spPr>
           <a:xfrm>
-            <a:off x="684212" y="2405743"/>
-            <a:ext cx="10528074" cy="3588657"/>
+            <a:off x="684211" y="1978429"/>
+            <a:ext cx="10876417" cy="4015971"/>
           </a:xfrm>
         </p:spPr>
         <p:txBody>
           <a:bodyPr/>
           <a:lstStyle/>
           <a:p>
-            <a:r>
-              <a:rPr lang="en-US" dirty="0"/>
-              <a:t>Lasso regression is similar to ridge regression, however it reduces the coefficient to 0</a:t>
+            <a:endParaRPr lang="en-US" dirty="0"/>
+          </a:p>
+          <a:p>
+            <a:r>
+              <a:rPr lang="en-US" dirty="0"/>
+              <a:t>SVC is a supervised machine learning algorithm outputs an optimal hyperplane to categorizes new examples.</a:t>
             </a:r>
           </a:p>
           <a:p>
@@ -7008,7 +7110,7 @@
             </a:pPr>
             <a:r>
               <a:rPr lang="en-US" dirty="0"/>
-              <a:t>Setting the coefficients to 0 will  remove the unwanted features</a:t>
+              <a:t>SVM uses the dot product to find the optimal hyperplane and then finds the best-fit boundaries with the hyperplane, this is called the kernel trick</a:t>
             </a:r>
           </a:p>
           <a:p>
@@ -7018,7 +7120,7 @@
             </a:pPr>
             <a:r>
               <a:rPr lang="en-US" dirty="0"/>
-              <a:t>Can be used to prevent overfitting</a:t>
+              <a:t>SVM is resistant to over fitting</a:t>
             </a:r>
           </a:p>
           <a:p>
@@ -7028,7 +7130,7 @@
             </a:pPr>
             <a:r>
               <a:rPr lang="en-US" dirty="0"/>
-              <a:t>Lasso works by fitting a model while excluding one of the features if the fit is still good enough that feature gets excluded, it continues to cycle through all features</a:t>
+              <a:t>Can work with infinite-dimensional feature space</a:t>
             </a:r>
           </a:p>
           <a:p>
@@ -7038,12 +7140,22 @@
             </a:pPr>
             <a:endParaRPr lang="en-US" dirty="0"/>
           </a:p>
+          <a:p>
+            <a:pPr marL="342900" indent="-342900">
+              <a:buFont typeface="Arial" panose="020B0604020202020204" pitchFamily="34" charset="0"/>
+              <a:buChar char="•"/>
+            </a:pPr>
+            <a:endParaRPr lang="en-US" dirty="0"/>
+          </a:p>
+          <a:p>
+            <a:endParaRPr lang="en-US" dirty="0"/>
+          </a:p>
         </p:txBody>
       </p:sp>
     </p:spTree>
     <p:extLst>
       <p:ext uri="{BB962C8B-B14F-4D97-AF65-F5344CB8AC3E}">
-        <p14:creationId xmlns:p14="http://schemas.microsoft.com/office/powerpoint/2010/main" val="3884424611"/>
+        <p14:creationId xmlns:p14="http://schemas.microsoft.com/office/powerpoint/2010/main" val="1992817446"/>
       </p:ext>
     </p:extLst>
   </p:cSld>
@@ -7075,7 +7187,7 @@
           <p:cNvPr id="2" name="Title 1">
             <a:extLst>
               <a:ext uri="{FF2B5EF4-FFF2-40B4-BE49-F238E27FC236}">
-                <a16:creationId xmlns:a16="http://schemas.microsoft.com/office/drawing/2014/main" id="{08B6295C-59D2-4C0F-AF10-06DB8E8CB486}"/>
+                <a16:creationId xmlns:a16="http://schemas.microsoft.com/office/drawing/2014/main" id="{79BE3E3F-A723-43AE-BA79-B8D91A0502AF}"/>
               </a:ext>
             </a:extLst>
           </p:cNvPr>
@@ -7088,17 +7200,18 @@
         </p:nvSpPr>
         <p:spPr>
           <a:xfrm>
-            <a:off x="3918857" y="685800"/>
-            <a:ext cx="3211286" cy="1393371"/>
+            <a:off x="1066800" y="631371"/>
+            <a:ext cx="10058400" cy="957943"/>
           </a:xfrm>
         </p:spPr>
         <p:txBody>
           <a:bodyPr/>
           <a:lstStyle/>
           <a:p>
-            <a:r>
-              <a:rPr lang="en-US" dirty="0"/>
-              <a:t>LASSO Scores</a:t>
+            <a:pPr algn="ctr"/>
+            <a:r>
+              <a:rPr lang="en-US" dirty="0"/>
+              <a:t>SVC Scores</a:t>
             </a:r>
           </a:p>
         </p:txBody>
@@ -7108,7 +7221,7 @@
           <p:cNvPr id="3" name="Text Placeholder 2">
             <a:extLst>
               <a:ext uri="{FF2B5EF4-FFF2-40B4-BE49-F238E27FC236}">
-                <a16:creationId xmlns:a16="http://schemas.microsoft.com/office/drawing/2014/main" id="{2B2A4D70-1F6C-4C16-8A30-09D3325A4B88}"/>
+                <a16:creationId xmlns:a16="http://schemas.microsoft.com/office/drawing/2014/main" id="{DA36D63C-A215-46C4-AAB4-17C696DD6866}"/>
               </a:ext>
             </a:extLst>
           </p:cNvPr>
@@ -7121,8 +7234,8 @@
         </p:nvSpPr>
         <p:spPr>
           <a:xfrm>
-            <a:off x="684212" y="1817914"/>
-            <a:ext cx="9983788" cy="4354285"/>
+            <a:off x="684211" y="2024743"/>
+            <a:ext cx="10767559" cy="3969657"/>
           </a:xfrm>
         </p:spPr>
         <p:txBody>
@@ -7131,7 +7244,23 @@
           <a:p>
             <a:r>
               <a:rPr lang="en-US" dirty="0"/>
-              <a:t>My best parameters for Math was C= 3.8700000000000028 using my manual features.</a:t>
+              <a:t>My best parameters for Math was kernel= '</a:t>
+            </a:r>
+            <a:r>
+              <a:rPr lang="en-US" dirty="0" err="1"/>
+              <a:t>rbf</a:t>
+            </a:r>
+            <a:r>
+              <a:rPr lang="en-US" dirty="0"/>
+              <a:t>', </a:t>
+            </a:r>
+            <a:r>
+              <a:rPr lang="en-US" dirty="0" err="1"/>
+              <a:t>max_iter</a:t>
+            </a:r>
+            <a:r>
+              <a:rPr lang="en-US" dirty="0"/>
+              <a:t> =130 using my manual features.</a:t>
             </a:r>
           </a:p>
           <a:p>
@@ -7141,7 +7270,7 @@
             </a:pPr>
             <a:r>
               <a:rPr lang="en-US" dirty="0"/>
-              <a:t>Average accuracy was 84.6% and overfitting was similar higher at +/- 7%</a:t>
+              <a:t>Average accuracy was bad at 62.4% and overfitting was similar higher at +/- 15%</a:t>
             </a:r>
           </a:p>
           <a:p>
@@ -7157,7 +7286,23 @@
           <a:p>
             <a:r>
               <a:rPr lang="en-US" dirty="0"/>
-              <a:t>My best parameters for ELA was C= 6.3199999999999967 using my manual feature.</a:t>
+              <a:t>My best parameters for ELA was kernel= '</a:t>
+            </a:r>
+            <a:r>
+              <a:rPr lang="en-US" dirty="0" err="1"/>
+              <a:t>rbf</a:t>
+            </a:r>
+            <a:r>
+              <a:rPr lang="en-US" dirty="0"/>
+              <a:t>', </a:t>
+            </a:r>
+            <a:r>
+              <a:rPr lang="en-US" dirty="0" err="1"/>
+              <a:t>max_iter</a:t>
+            </a:r>
+            <a:r>
+              <a:rPr lang="en-US" dirty="0"/>
+              <a:t> =106 using my manual feature.</a:t>
             </a:r>
           </a:p>
           <a:p>
@@ -7167,7 +7312,7 @@
             </a:pPr>
             <a:r>
               <a:rPr lang="en-US" dirty="0"/>
-              <a:t>I found ELA had much better accuracy 90.6% accuracy with overfitting  +/-3%</a:t>
+              <a:t>I found ELA  model performed better at 87.2% accuracy with overfitting  +/- 2.5 %</a:t>
             </a:r>
           </a:p>
           <a:p>
@@ -7177,7 +7322,7 @@
             </a:pPr>
             <a:r>
               <a:rPr lang="en-US" dirty="0"/>
-              <a:t>PCA feature set performed slightly lower at 72.8% with +/-3% overfitting</a:t>
+              <a:t>PCA feature set performed lower at 85.52% with +/- 3% overfitting</a:t>
             </a:r>
           </a:p>
           <a:p>
@@ -7188,7 +7333,7 @@
     </p:spTree>
     <p:extLst>
       <p:ext uri="{BB962C8B-B14F-4D97-AF65-F5344CB8AC3E}">
-        <p14:creationId xmlns:p14="http://schemas.microsoft.com/office/powerpoint/2010/main" val="705367272"/>
+        <p14:creationId xmlns:p14="http://schemas.microsoft.com/office/powerpoint/2010/main" val="3993497439"/>
       </p:ext>
     </p:extLst>
   </p:cSld>
@@ -7220,7 +7365,7 @@
           <p:cNvPr id="2" name="Title 1">
             <a:extLst>
               <a:ext uri="{FF2B5EF4-FFF2-40B4-BE49-F238E27FC236}">
-                <a16:creationId xmlns:a16="http://schemas.microsoft.com/office/drawing/2014/main" id="{5C70EBA0-7EA6-4C11-B843-5A5000FDB980}"/>
+                <a16:creationId xmlns:a16="http://schemas.microsoft.com/office/drawing/2014/main" id="{7E7D7F4F-6ECF-47F3-A7B1-4503C5EB3F06}"/>
               </a:ext>
             </a:extLst>
           </p:cNvPr>
@@ -7233,8 +7378,8 @@
         </p:nvSpPr>
         <p:spPr>
           <a:xfrm>
-            <a:off x="3510742" y="604455"/>
-            <a:ext cx="5170516" cy="762000"/>
+            <a:off x="4397828" y="713310"/>
+            <a:ext cx="3396343" cy="533400"/>
           </a:xfrm>
         </p:spPr>
         <p:txBody>
@@ -7243,17 +7388,9 @@
           </a:bodyPr>
           <a:lstStyle/>
           <a:p>
-            <a:pPr algn="ctr"/>
-            <a:r>
-              <a:rPr lang="en-US" dirty="0"/>
-              <a:t>SVC</a:t>
-            </a:r>
-            <a:br>
-              <a:rPr lang="en-US" dirty="0"/>
-            </a:br>
-            <a:r>
-              <a:rPr lang="en-US" dirty="0"/>
-              <a:t>Support Vector Cluster</a:t>
+            <a:r>
+              <a:rPr lang="en-US" dirty="0"/>
+              <a:t>Random Forest</a:t>
             </a:r>
           </a:p>
         </p:txBody>
@@ -7263,7 +7400,7 @@
           <p:cNvPr id="3" name="Text Placeholder 2">
             <a:extLst>
               <a:ext uri="{FF2B5EF4-FFF2-40B4-BE49-F238E27FC236}">
-                <a16:creationId xmlns:a16="http://schemas.microsoft.com/office/drawing/2014/main" id="{84DDB760-FF7D-48DA-9B06-3677551C0865}"/>
+                <a16:creationId xmlns:a16="http://schemas.microsoft.com/office/drawing/2014/main" id="{9A01C577-44FD-47AA-AC51-F5C8CC514489}"/>
               </a:ext>
             </a:extLst>
           </p:cNvPr>
@@ -7276,20 +7413,19 @@
         </p:nvSpPr>
         <p:spPr>
           <a:xfrm>
-            <a:off x="684211" y="1978429"/>
-            <a:ext cx="10876417" cy="4015971"/>
+            <a:off x="735574" y="1895302"/>
+            <a:ext cx="10720850" cy="4249388"/>
           </a:xfrm>
         </p:spPr>
         <p:txBody>
-          <a:bodyPr/>
-          <a:lstStyle/>
-          <a:p>
-            <a:endParaRPr lang="en-US" dirty="0"/>
-          </a:p>
-          <a:p>
-            <a:r>
-              <a:rPr lang="en-US" dirty="0"/>
-              <a:t>SVC is a supervised machine learning algorithm outputs an optimal hyperplane to categorizes new examples.</a:t>
+          <a:bodyPr>
+            <a:normAutofit/>
+          </a:bodyPr>
+          <a:lstStyle/>
+          <a:p>
+            <a:r>
+              <a:rPr lang="en-US" dirty="0"/>
+              <a:t>Random Forest is a supervised learning algorithm that is an ensemble of decision trees</a:t>
             </a:r>
           </a:p>
           <a:p>
@@ -7299,7 +7435,7 @@
             </a:pPr>
             <a:r>
               <a:rPr lang="en-US" dirty="0"/>
-              <a:t>SVM uses the dot product to find the optimal hyperplane and then finds the best-fit boundaries with the hyperplane, this is called the kernel trick</a:t>
+              <a:t>often uses the “bagging” method </a:t>
             </a:r>
           </a:p>
           <a:p>
@@ -7309,7 +7445,7 @@
             </a:pPr>
             <a:r>
               <a:rPr lang="en-US" dirty="0"/>
-              <a:t>SVM is resistant to over fitting</a:t>
+              <a:t>can also be used for classification and regression problems</a:t>
             </a:r>
           </a:p>
           <a:p>
@@ -7319,7 +7455,7 @@
             </a:pPr>
             <a:r>
               <a:rPr lang="en-US" dirty="0"/>
-              <a:t>Can work with infinite-dimensional feature space</a:t>
+              <a:t>can build from hundreds, even thousands of trees and merge them into an accurate and stable prediction</a:t>
             </a:r>
           </a:p>
           <a:p>
@@ -7327,16 +7463,36 @@
               <a:buFont typeface="Arial" panose="020B0604020202020204" pitchFamily="34" charset="0"/>
               <a:buChar char="•"/>
             </a:pPr>
-            <a:endParaRPr lang="en-US" dirty="0"/>
+            <a:r>
+              <a:rPr lang="en-US" dirty="0"/>
+              <a:t>Runs in parallel and outputs are aggregated</a:t>
+            </a:r>
           </a:p>
           <a:p>
             <a:pPr marL="342900" indent="-342900">
               <a:buFont typeface="Arial" panose="020B0604020202020204" pitchFamily="34" charset="0"/>
               <a:buChar char="•"/>
             </a:pPr>
-            <a:endParaRPr lang="en-US" dirty="0"/>
-          </a:p>
-          <a:p>
+            <a:r>
+              <a:rPr lang="en-US" dirty="0"/>
+              <a:t>can become slow and inefficient if the model has a large number  of trees</a:t>
+            </a:r>
+          </a:p>
+          <a:p>
+            <a:pPr marL="342900" indent="-342900">
+              <a:buFont typeface="Arial" panose="020B0604020202020204" pitchFamily="34" charset="0"/>
+              <a:buChar char="•"/>
+            </a:pPr>
+            <a:r>
+              <a:rPr lang="en-US" dirty="0"/>
+              <a:t>is referred to a “black box” model as the output gives little insight to how the model got its conclusion.</a:t>
+            </a:r>
+          </a:p>
+          <a:p>
+            <a:pPr marL="342900" indent="-342900">
+              <a:buFont typeface="Arial" panose="020B0604020202020204" pitchFamily="34" charset="0"/>
+              <a:buChar char="•"/>
+            </a:pPr>
             <a:endParaRPr lang="en-US" dirty="0"/>
           </a:p>
         </p:txBody>
@@ -7344,7 +7500,7 @@
     </p:spTree>
     <p:extLst>
       <p:ext uri="{BB962C8B-B14F-4D97-AF65-F5344CB8AC3E}">
-        <p14:creationId xmlns:p14="http://schemas.microsoft.com/office/powerpoint/2010/main" val="1992817446"/>
+        <p14:creationId xmlns:p14="http://schemas.microsoft.com/office/powerpoint/2010/main" val="377013793"/>
       </p:ext>
     </p:extLst>
   </p:cSld>
@@ -7376,7 +7532,7 @@
           <p:cNvPr id="2" name="Title 1">
             <a:extLst>
               <a:ext uri="{FF2B5EF4-FFF2-40B4-BE49-F238E27FC236}">
-                <a16:creationId xmlns:a16="http://schemas.microsoft.com/office/drawing/2014/main" id="{79BE3E3F-A723-43AE-BA79-B8D91A0502AF}"/>
+                <a16:creationId xmlns:a16="http://schemas.microsoft.com/office/drawing/2014/main" id="{C44099D0-0BBA-4DBE-9C99-301D86DC98B2}"/>
               </a:ext>
             </a:extLst>
           </p:cNvPr>
@@ -7389,140 +7545,58 @@
         </p:nvSpPr>
         <p:spPr>
           <a:xfrm>
-            <a:off x="1066800" y="631371"/>
-            <a:ext cx="10058400" cy="957943"/>
+            <a:off x="1310745" y="685800"/>
+            <a:ext cx="9215831" cy="910244"/>
           </a:xfrm>
         </p:spPr>
         <p:txBody>
-          <a:bodyPr/>
+          <a:bodyPr>
+            <a:normAutofit fontScale="90000"/>
+          </a:bodyPr>
           <a:lstStyle/>
           <a:p>
             <a:pPr algn="ctr"/>
             <a:r>
               <a:rPr lang="en-US" dirty="0"/>
-              <a:t>SVC Scores</a:t>
-            </a:r>
-          </a:p>
-        </p:txBody>
-      </p:sp>
-      <p:sp>
-        <p:nvSpPr>
-          <p:cNvPr id="3" name="Text Placeholder 2">
+              <a:t>Features Ranked in Importance for Predicting Math Scores</a:t>
+            </a:r>
+          </a:p>
+        </p:txBody>
+      </p:sp>
+      <p:pic>
+        <p:nvPicPr>
+          <p:cNvPr id="7" name="Picture 6">
             <a:extLst>
               <a:ext uri="{FF2B5EF4-FFF2-40B4-BE49-F238E27FC236}">
-                <a16:creationId xmlns:a16="http://schemas.microsoft.com/office/drawing/2014/main" id="{DA36D63C-A215-46C4-AAB4-17C696DD6866}"/>
+                <a16:creationId xmlns:a16="http://schemas.microsoft.com/office/drawing/2014/main" id="{C3D76B64-F127-4720-94F1-3C22ED0C08FD}"/>
               </a:ext>
             </a:extLst>
           </p:cNvPr>
-          <p:cNvSpPr>
-            <a:spLocks noGrp="1"/>
-          </p:cNvSpPr>
-          <p:nvPr>
-            <p:ph type="body" idx="1"/>
-          </p:nvPr>
-        </p:nvSpPr>
+          <p:cNvPicPr>
+            <a:picLocks noChangeAspect="1"/>
+          </p:cNvPicPr>
+          <p:nvPr/>
+        </p:nvPicPr>
+        <p:blipFill>
+          <a:blip r:embed="rId2"/>
+          <a:stretch>
+            <a:fillRect/>
+          </a:stretch>
+        </p:blipFill>
         <p:spPr>
           <a:xfrm>
-            <a:off x="684211" y="2024743"/>
-            <a:ext cx="10767559" cy="3969657"/>
+            <a:off x="2899235" y="1677108"/>
+            <a:ext cx="6038850" cy="4943475"/>
           </a:xfrm>
+          <a:prstGeom prst="rect">
+            <a:avLst/>
+          </a:prstGeom>
         </p:spPr>
-        <p:txBody>
-          <a:bodyPr/>
-          <a:lstStyle/>
-          <a:p>
-            <a:r>
-              <a:rPr lang="en-US" dirty="0"/>
-              <a:t>My best parameters for Math was kernel= '</a:t>
-            </a:r>
-            <a:r>
-              <a:rPr lang="en-US" dirty="0" err="1"/>
-              <a:t>rbf</a:t>
-            </a:r>
-            <a:r>
-              <a:rPr lang="en-US" dirty="0"/>
-              <a:t>', </a:t>
-            </a:r>
-            <a:r>
-              <a:rPr lang="en-US" dirty="0" err="1"/>
-              <a:t>max_iter</a:t>
-            </a:r>
-            <a:r>
-              <a:rPr lang="en-US" dirty="0"/>
-              <a:t> =130 using my manual features.</a:t>
-            </a:r>
-          </a:p>
-          <a:p>
-            <a:pPr marL="342900" indent="-342900">
-              <a:buFont typeface="Arial" panose="020B0604020202020204" pitchFamily="34" charset="0"/>
-              <a:buChar char="•"/>
-            </a:pPr>
-            <a:r>
-              <a:rPr lang="en-US" dirty="0"/>
-              <a:t>Average accuracy was bad at 62.4% and overfitting was similar higher at +/- 15%</a:t>
-            </a:r>
-          </a:p>
-          <a:p>
-            <a:pPr marL="342900" indent="-342900">
-              <a:buFont typeface="Arial" panose="020B0604020202020204" pitchFamily="34" charset="0"/>
-              <a:buChar char="•"/>
-            </a:pPr>
-            <a:r>
-              <a:rPr lang="en-US" dirty="0"/>
-              <a:t>PCA feature had had a much lower accuracy at 72.8 but with only +/-.3% overfit</a:t>
-            </a:r>
-          </a:p>
-          <a:p>
-            <a:r>
-              <a:rPr lang="en-US" dirty="0"/>
-              <a:t>My best parameters for ELA was kernel= '</a:t>
-            </a:r>
-            <a:r>
-              <a:rPr lang="en-US" dirty="0" err="1"/>
-              <a:t>rbf</a:t>
-            </a:r>
-            <a:r>
-              <a:rPr lang="en-US" dirty="0"/>
-              <a:t>', </a:t>
-            </a:r>
-            <a:r>
-              <a:rPr lang="en-US" dirty="0" err="1"/>
-              <a:t>max_iter</a:t>
-            </a:r>
-            <a:r>
-              <a:rPr lang="en-US" dirty="0"/>
-              <a:t> =106 using my manual feature.</a:t>
-            </a:r>
-          </a:p>
-          <a:p>
-            <a:pPr marL="342900" indent="-342900">
-              <a:buFont typeface="Arial" panose="020B0604020202020204" pitchFamily="34" charset="0"/>
-              <a:buChar char="•"/>
-            </a:pPr>
-            <a:r>
-              <a:rPr lang="en-US" dirty="0"/>
-              <a:t>I found ELA  model performed better at 87.2% accuracy with overfitting  +/- 2.5 %</a:t>
-            </a:r>
-          </a:p>
-          <a:p>
-            <a:pPr marL="342900" indent="-342900">
-              <a:buFont typeface="Arial" panose="020B0604020202020204" pitchFamily="34" charset="0"/>
-              <a:buChar char="•"/>
-            </a:pPr>
-            <a:r>
-              <a:rPr lang="en-US" dirty="0"/>
-              <a:t>PCA feature set performed lower at 85.52% with +/- 3% overfitting</a:t>
-            </a:r>
-          </a:p>
-          <a:p>
-            <a:endParaRPr lang="en-US" dirty="0"/>
-          </a:p>
-        </p:txBody>
-      </p:sp>
+      </p:pic>
     </p:spTree>
     <p:extLst>
       <p:ext uri="{BB962C8B-B14F-4D97-AF65-F5344CB8AC3E}">
-        <p14:creationId xmlns:p14="http://schemas.microsoft.com/office/powerpoint/2010/main" val="3993497439"/>
+        <p14:creationId xmlns:p14="http://schemas.microsoft.com/office/powerpoint/2010/main" val="4144658875"/>
       </p:ext>
     </p:extLst>
   </p:cSld>
@@ -7554,7 +7628,7 @@
           <p:cNvPr id="2" name="Title 1">
             <a:extLst>
               <a:ext uri="{FF2B5EF4-FFF2-40B4-BE49-F238E27FC236}">
-                <a16:creationId xmlns:a16="http://schemas.microsoft.com/office/drawing/2014/main" id="{7E7D7F4F-6ECF-47F3-A7B1-4503C5EB3F06}"/>
+                <a16:creationId xmlns:a16="http://schemas.microsoft.com/office/drawing/2014/main" id="{AB6E4E46-BD37-4C3A-A63C-437BD47EF050}"/>
               </a:ext>
             </a:extLst>
           </p:cNvPr>
@@ -7567,129 +7641,55 @@
         </p:nvSpPr>
         <p:spPr>
           <a:xfrm>
-            <a:off x="4397828" y="713310"/>
-            <a:ext cx="3396343" cy="533400"/>
+            <a:off x="1647091" y="521677"/>
+            <a:ext cx="8897815" cy="627185"/>
           </a:xfrm>
         </p:spPr>
         <p:txBody>
-          <a:bodyPr>
-            <a:normAutofit fontScale="90000"/>
-          </a:bodyPr>
-          <a:lstStyle/>
-          <a:p>
-            <a:r>
-              <a:rPr lang="en-US" dirty="0"/>
-              <a:t>Random Forest</a:t>
-            </a:r>
-          </a:p>
-        </p:txBody>
-      </p:sp>
-      <p:sp>
-        <p:nvSpPr>
-          <p:cNvPr id="3" name="Text Placeholder 2">
+          <a:bodyPr/>
+          <a:lstStyle/>
+          <a:p>
+            <a:r>
+              <a:rPr lang="en-US" dirty="0"/>
+              <a:t>Features Ranked in Importance for ELA</a:t>
+            </a:r>
+          </a:p>
+        </p:txBody>
+      </p:sp>
+      <p:pic>
+        <p:nvPicPr>
+          <p:cNvPr id="5" name="Picture 4">
             <a:extLst>
               <a:ext uri="{FF2B5EF4-FFF2-40B4-BE49-F238E27FC236}">
-                <a16:creationId xmlns:a16="http://schemas.microsoft.com/office/drawing/2014/main" id="{9A01C577-44FD-47AA-AC51-F5C8CC514489}"/>
+                <a16:creationId xmlns:a16="http://schemas.microsoft.com/office/drawing/2014/main" id="{32D03442-8786-4944-BD1D-F3BE513D7877}"/>
               </a:ext>
             </a:extLst>
           </p:cNvPr>
-          <p:cNvSpPr>
-            <a:spLocks noGrp="1"/>
-          </p:cNvSpPr>
-          <p:nvPr>
-            <p:ph type="body" idx="1"/>
-          </p:nvPr>
-        </p:nvSpPr>
+          <p:cNvPicPr>
+            <a:picLocks noChangeAspect="1"/>
+          </p:cNvPicPr>
+          <p:nvPr/>
+        </p:nvPicPr>
+        <p:blipFill>
+          <a:blip r:embed="rId2"/>
+          <a:stretch>
+            <a:fillRect/>
+          </a:stretch>
+        </p:blipFill>
         <p:spPr>
           <a:xfrm>
-            <a:off x="735574" y="1895302"/>
-            <a:ext cx="10720850" cy="4249388"/>
+            <a:off x="2990849" y="1345223"/>
+            <a:ext cx="6210300" cy="4991100"/>
           </a:xfrm>
+          <a:prstGeom prst="rect">
+            <a:avLst/>
+          </a:prstGeom>
         </p:spPr>
-        <p:txBody>
-          <a:bodyPr>
-            <a:normAutofit/>
-          </a:bodyPr>
-          <a:lstStyle/>
-          <a:p>
-            <a:r>
-              <a:rPr lang="en-US" dirty="0"/>
-              <a:t>Random Forest is a supervised learning algorithm that is an ensemble of decision trees</a:t>
-            </a:r>
-          </a:p>
-          <a:p>
-            <a:pPr marL="342900" indent="-342900">
-              <a:buFont typeface="Arial" panose="020B0604020202020204" pitchFamily="34" charset="0"/>
-              <a:buChar char="•"/>
-            </a:pPr>
-            <a:r>
-              <a:rPr lang="en-US" dirty="0"/>
-              <a:t>Random forest often uses the “bagging” method </a:t>
-            </a:r>
-          </a:p>
-          <a:p>
-            <a:pPr marL="342900" indent="-342900">
-              <a:buFont typeface="Arial" panose="020B0604020202020204" pitchFamily="34" charset="0"/>
-              <a:buChar char="•"/>
-            </a:pPr>
-            <a:r>
-              <a:rPr lang="en-US" dirty="0"/>
-              <a:t>Random forest can also be used for classification and regression problems</a:t>
-            </a:r>
-          </a:p>
-          <a:p>
-            <a:pPr marL="342900" indent="-342900">
-              <a:buFont typeface="Arial" panose="020B0604020202020204" pitchFamily="34" charset="0"/>
-              <a:buChar char="•"/>
-            </a:pPr>
-            <a:r>
-              <a:rPr lang="en-US" dirty="0"/>
-              <a:t>Random forest can build from hundreds, even thousands of trees and merge them into an accurate and stable prediction</a:t>
-            </a:r>
-          </a:p>
-          <a:p>
-            <a:pPr marL="342900" indent="-342900">
-              <a:buFont typeface="Arial" panose="020B0604020202020204" pitchFamily="34" charset="0"/>
-              <a:buChar char="•"/>
-            </a:pPr>
-            <a:r>
-              <a:rPr lang="en-US" dirty="0"/>
-              <a:t>Runs in parallel and outputs are aggregated</a:t>
-            </a:r>
-          </a:p>
-          <a:p>
-            <a:pPr marL="342900" indent="-342900">
-              <a:buFont typeface="Arial" panose="020B0604020202020204" pitchFamily="34" charset="0"/>
-              <a:buChar char="•"/>
-            </a:pPr>
-            <a:r>
-              <a:rPr lang="en-US" dirty="0"/>
-              <a:t>Random forest can become slow and inefficient if the model has a large number  of trees</a:t>
-            </a:r>
-          </a:p>
-          <a:p>
-            <a:pPr marL="342900" indent="-342900">
-              <a:buFont typeface="Arial" panose="020B0604020202020204" pitchFamily="34" charset="0"/>
-              <a:buChar char="•"/>
-            </a:pPr>
-            <a:r>
-              <a:rPr lang="en-US" dirty="0"/>
-              <a:t>Random forest is referred to a “black box” model as the output gives little insight to how the model got its conclusion.</a:t>
-            </a:r>
-          </a:p>
-          <a:p>
-            <a:pPr marL="342900" indent="-342900">
-              <a:buFont typeface="Arial" panose="020B0604020202020204" pitchFamily="34" charset="0"/>
-              <a:buChar char="•"/>
-            </a:pPr>
-            <a:endParaRPr lang="en-US" dirty="0"/>
-          </a:p>
-        </p:txBody>
-      </p:sp>
+      </p:pic>
     </p:spTree>
     <p:extLst>
       <p:ext uri="{BB962C8B-B14F-4D97-AF65-F5344CB8AC3E}">
-        <p14:creationId xmlns:p14="http://schemas.microsoft.com/office/powerpoint/2010/main" val="377013793"/>
+        <p14:creationId xmlns:p14="http://schemas.microsoft.com/office/powerpoint/2010/main" val="4118198544"/>
       </p:ext>
     </p:extLst>
   </p:cSld>
@@ -7945,13 +7945,8 @@
           <a:p>
             <a:r>
               <a:rPr lang="en-US" dirty="0"/>
-              <a:t>Gradient boosting is a supervised learning algorithm often uses decision trees and  will perform a multitude of times while adjusting the model based on what was </a:t>
-            </a:r>
-            <a:r>
-              <a:rPr lang="en-US"/>
-              <a:t>learned.</a:t>
-            </a:r>
-            <a:endParaRPr lang="en-US" dirty="0"/>
+              <a:t>Gradient boosting is a supervised learning algorithm uses decision trees and  will perform a multitude of times while adjusting the model based on what was learned.</a:t>
+            </a:r>
           </a:p>
           <a:p>
             <a:pPr marL="342900" indent="-342900">
@@ -8274,7 +8269,7 @@
           <p:nvPr>
             <p:extLst>
               <p:ext uri="{D42A27DB-BD31-4B8C-83A1-F6EECF244321}">
-                <p14:modId xmlns:p14="http://schemas.microsoft.com/office/powerpoint/2010/main" val="299627853"/>
+                <p14:modId xmlns:p14="http://schemas.microsoft.com/office/powerpoint/2010/main" val="1724470811"/>
               </p:ext>
             </p:extLst>
           </p:nvPr>
@@ -8349,7 +8344,14 @@
                       <a:pPr algn="ctr"/>
                       <a:r>
                         <a:rPr lang="en-US" dirty="0"/>
-                        <a:t>Math Accuracy</a:t>
+                        <a:t>Accuracy</a:t>
+                      </a:r>
+                    </a:p>
+                    <a:p>
+                      <a:pPr algn="ctr"/>
+                      <a:r>
+                        <a:rPr lang="en-US" dirty="0"/>
+                        <a:t>(Math Scores)</a:t>
                       </a:r>
                     </a:p>
                   </a:txBody>
@@ -8364,6 +8366,29 @@
                       <a:r>
                         <a:rPr lang="en-US" dirty="0"/>
                         <a:t>Math Overfit</a:t>
+                      </a:r>
+                    </a:p>
+                    <a:p>
+                      <a:pPr marL="0" marR="0" lvl="0" indent="0" algn="ctr" defTabSz="457200" rtl="0" eaLnBrk="1" fontAlgn="auto" latinLnBrk="0" hangingPunct="1">
+                        <a:lnSpc>
+                          <a:spcPct val="100000"/>
+                        </a:lnSpc>
+                        <a:spcBef>
+                          <a:spcPts val="0"/>
+                        </a:spcBef>
+                        <a:spcAft>
+                          <a:spcPts val="0"/>
+                        </a:spcAft>
+                        <a:buClrTx/>
+                        <a:buSzTx/>
+                        <a:buFontTx/>
+                        <a:buNone/>
+                        <a:tabLst/>
+                        <a:defRPr/>
+                      </a:pPr>
+                      <a:r>
+                        <a:rPr lang="en-US" dirty="0"/>
+                        <a:t>(Math)</a:t>
                       </a:r>
                     </a:p>
                   </a:txBody>
@@ -8391,7 +8416,7 @@
                       <a:pPr algn="ctr"/>
                       <a:r>
                         <a:rPr lang="en-US" dirty="0"/>
-                        <a:t>Math Overfit</a:t>
+                        <a:t>ELA Overfit</a:t>
                       </a:r>
                     </a:p>
                   </a:txBody>
@@ -9437,7 +9462,7 @@
             </a:pPr>
             <a:r>
               <a:rPr lang="en-US" dirty="0"/>
-              <a:t>PCA did not impress me this project, I left in my PCA results to remind me that I need to test alternatives also</a:t>
+              <a:t>PCA did not improve performance, I left in my PCA results to remind me that I need to test alternatives also</a:t>
             </a:r>
           </a:p>
           <a:p>
@@ -9461,10 +9486,6 @@
             </a:r>
           </a:p>
           <a:p>
-            <a:pPr marL="342900" indent="-342900">
-              <a:buFont typeface="Arial" panose="020B0604020202020204" pitchFamily="34" charset="0"/>
-              <a:buChar char="•"/>
-            </a:pPr>
             <a:endParaRPr lang="en-US" dirty="0"/>
           </a:p>
           <a:p>
@@ -9860,10 +9881,10 @@
       </p:sp>
       <p:pic>
         <p:nvPicPr>
-          <p:cNvPr id="13" name="Picture 12">
+          <p:cNvPr id="14" name="Picture 13">
             <a:extLst>
               <a:ext uri="{FF2B5EF4-FFF2-40B4-BE49-F238E27FC236}">
-                <a16:creationId xmlns:a16="http://schemas.microsoft.com/office/drawing/2014/main" id="{18CAAE01-36F5-40F4-BB21-FF64279EEE6D}"/>
+                <a16:creationId xmlns:a16="http://schemas.microsoft.com/office/drawing/2014/main" id="{4D70D7F5-DCC3-4D9E-9511-F996BB2FC53C}"/>
               </a:ext>
             </a:extLst>
           </p:cNvPr>
@@ -9880,8 +9901,8 @@
         </p:blipFill>
         <p:spPr>
           <a:xfrm>
-            <a:off x="2938462" y="1570892"/>
-            <a:ext cx="6315075" cy="4875253"/>
+            <a:off x="2905123" y="1026420"/>
+            <a:ext cx="6381750" cy="5353050"/>
           </a:xfrm>
           <a:prstGeom prst="rect">
             <a:avLst/>
@@ -9953,10 +9974,10 @@
       </p:sp>
       <p:pic>
         <p:nvPicPr>
-          <p:cNvPr id="4" name="Picture 3">
+          <p:cNvPr id="5" name="Picture 4">
             <a:extLst>
               <a:ext uri="{FF2B5EF4-FFF2-40B4-BE49-F238E27FC236}">
-                <a16:creationId xmlns:a16="http://schemas.microsoft.com/office/drawing/2014/main" id="{4B3539CC-6811-4DCF-8D45-6098E53CBD67}"/>
+                <a16:creationId xmlns:a16="http://schemas.microsoft.com/office/drawing/2014/main" id="{DC673440-1A18-4822-BF0B-8A0D0784CE46}"/>
               </a:ext>
             </a:extLst>
           </p:cNvPr>
@@ -9973,8 +9994,8 @@
         </p:blipFill>
         <p:spPr>
           <a:xfrm>
-            <a:off x="1881187" y="1291763"/>
-            <a:ext cx="8429625" cy="5238750"/>
+            <a:off x="2381250" y="1255780"/>
+            <a:ext cx="7429500" cy="4657725"/>
           </a:xfrm>
           <a:prstGeom prst="rect">
             <a:avLst/>
@@ -10050,10 +10071,10 @@
       </p:sp>
       <p:pic>
         <p:nvPicPr>
-          <p:cNvPr id="4" name="Picture 3">
+          <p:cNvPr id="6" name="Picture 5">
             <a:extLst>
               <a:ext uri="{FF2B5EF4-FFF2-40B4-BE49-F238E27FC236}">
-                <a16:creationId xmlns:a16="http://schemas.microsoft.com/office/drawing/2014/main" id="{8370EAE6-46A0-40F7-BBC3-98E2CC45F8A4}"/>
+                <a16:creationId xmlns:a16="http://schemas.microsoft.com/office/drawing/2014/main" id="{E5765476-A06A-472D-AA14-CADD225F8A7E}"/>
               </a:ext>
             </a:extLst>
           </p:cNvPr>
@@ -10070,8 +10091,8 @@
         </p:blipFill>
         <p:spPr>
           <a:xfrm>
-            <a:off x="2605087" y="1852246"/>
-            <a:ext cx="6981825" cy="4562841"/>
+            <a:off x="3389251" y="1609359"/>
+            <a:ext cx="5413497" cy="4652856"/>
           </a:xfrm>
           <a:prstGeom prst="rect">
             <a:avLst/>
@@ -10249,10 +10270,10 @@
       </p:grpSpPr>
       <p:sp>
         <p:nvSpPr>
-          <p:cNvPr id="2" name="Title 1">
+          <p:cNvPr id="4" name="Title 3">
             <a:extLst>
               <a:ext uri="{FF2B5EF4-FFF2-40B4-BE49-F238E27FC236}">
-                <a16:creationId xmlns:a16="http://schemas.microsoft.com/office/drawing/2014/main" id="{C44099D0-0BBA-4DBE-9C99-301D86DC98B2}"/>
+                <a16:creationId xmlns:a16="http://schemas.microsoft.com/office/drawing/2014/main" id="{E01A0B87-B673-4920-BCE3-D4290D0AC8F5}"/>
               </a:ext>
             </a:extLst>
           </p:cNvPr>
@@ -10265,55 +10286,105 @@
         </p:nvSpPr>
         <p:spPr>
           <a:xfrm>
-            <a:off x="1310745" y="685800"/>
-            <a:ext cx="9215831" cy="910244"/>
+            <a:off x="1615440" y="641233"/>
+            <a:ext cx="8961120" cy="1176251"/>
           </a:xfrm>
         </p:spPr>
         <p:txBody>
-          <a:bodyPr/>
-          <a:lstStyle/>
-          <a:p>
-            <a:r>
-              <a:rPr lang="en-US" dirty="0"/>
-              <a:t>Features Ranked in Importance for Math</a:t>
-            </a:r>
-          </a:p>
-        </p:txBody>
-      </p:sp>
-      <p:pic>
-        <p:nvPicPr>
-          <p:cNvPr id="4" name="Picture 3">
+          <a:bodyPr>
+            <a:normAutofit fontScale="90000"/>
+          </a:bodyPr>
+          <a:lstStyle/>
+          <a:p>
+            <a:pPr algn="ctr"/>
+            <a:r>
+              <a:rPr lang="en-US" dirty="0"/>
+              <a:t>PCA</a:t>
+            </a:r>
+            <a:br>
+              <a:rPr lang="en-US" dirty="0"/>
+            </a:br>
+            <a:r>
+              <a:rPr lang="en-US" dirty="0"/>
+              <a:t>Principal Component Analysis</a:t>
+            </a:r>
+          </a:p>
+        </p:txBody>
+      </p:sp>
+      <p:sp>
+        <p:nvSpPr>
+          <p:cNvPr id="5" name="Text Placeholder 4">
             <a:extLst>
               <a:ext uri="{FF2B5EF4-FFF2-40B4-BE49-F238E27FC236}">
-                <a16:creationId xmlns:a16="http://schemas.microsoft.com/office/drawing/2014/main" id="{EB090376-21B3-4A65-BA3D-FB904FA9E587}"/>
+                <a16:creationId xmlns:a16="http://schemas.microsoft.com/office/drawing/2014/main" id="{5A7A1864-FD90-496F-ABB5-66F682828F46}"/>
               </a:ext>
             </a:extLst>
           </p:cNvPr>
-          <p:cNvPicPr>
-            <a:picLocks noChangeAspect="1"/>
-          </p:cNvPicPr>
-          <p:nvPr/>
-        </p:nvPicPr>
-        <p:blipFill>
-          <a:blip r:embed="rId2"/>
-          <a:stretch>
-            <a:fillRect/>
-          </a:stretch>
-        </p:blipFill>
+          <p:cNvSpPr>
+            <a:spLocks noGrp="1"/>
+          </p:cNvSpPr>
+          <p:nvPr>
+            <p:ph type="body" idx="1"/>
+          </p:nvPr>
+        </p:nvSpPr>
         <p:spPr>
           <a:xfrm>
-            <a:off x="2094807" y="2128058"/>
-            <a:ext cx="7647709" cy="4044142"/>
+            <a:off x="684212" y="2443941"/>
+            <a:ext cx="10787352" cy="3550459"/>
           </a:xfrm>
-          <a:prstGeom prst="rect">
-            <a:avLst/>
-          </a:prstGeom>
         </p:spPr>
-      </p:pic>
+        <p:txBody>
+          <a:bodyPr/>
+          <a:lstStyle/>
+          <a:p>
+            <a:pPr marL="285750" indent="-285750">
+              <a:buFont typeface="Arial" panose="020B0604020202020204" pitchFamily="34" charset="0"/>
+              <a:buChar char="•"/>
+            </a:pPr>
+            <a:endParaRPr lang="en-US" dirty="0"/>
+          </a:p>
+          <a:p>
+            <a:r>
+              <a:rPr lang="en-US" dirty="0"/>
+              <a:t>Reduces the complexity by reducing the number of variables to a smaller set of components</a:t>
+            </a:r>
+          </a:p>
+          <a:p>
+            <a:pPr marL="285750" indent="-285750">
+              <a:buFont typeface="Arial" panose="020B0604020202020204" pitchFamily="34" charset="0"/>
+              <a:buChar char="•"/>
+            </a:pPr>
+            <a:r>
+              <a:rPr lang="en-US" dirty="0"/>
+              <a:t>Reduces the dimensionality</a:t>
+            </a:r>
+          </a:p>
+          <a:p>
+            <a:pPr marL="285750" indent="-285750">
+              <a:buFont typeface="Arial" panose="020B0604020202020204" pitchFamily="34" charset="0"/>
+              <a:buChar char="•"/>
+            </a:pPr>
+            <a:r>
+              <a:rPr lang="en-US" dirty="0"/>
+              <a:t>Extracts information while removing the noise</a:t>
+            </a:r>
+          </a:p>
+          <a:p>
+            <a:pPr marL="285750" indent="-285750">
+              <a:buFont typeface="Arial" panose="020B0604020202020204" pitchFamily="34" charset="0"/>
+              <a:buChar char="•"/>
+            </a:pPr>
+            <a:r>
+              <a:rPr lang="en-US" dirty="0"/>
+              <a:t>Simplifies the dataset</a:t>
+            </a:r>
+          </a:p>
+        </p:txBody>
+      </p:sp>
     </p:spTree>
     <p:extLst>
       <p:ext uri="{BB962C8B-B14F-4D97-AF65-F5344CB8AC3E}">
-        <p14:creationId xmlns:p14="http://schemas.microsoft.com/office/powerpoint/2010/main" val="4144658875"/>
+        <p14:creationId xmlns:p14="http://schemas.microsoft.com/office/powerpoint/2010/main" val="1250360556"/>
       </p:ext>
     </p:extLst>
   </p:cSld>

--- a/New York Education System capstone.pptx
+++ b/New York Education System capstone.pptx
@@ -17,23 +17,24 @@
     <p:sldId id="261" r:id="rId11"/>
     <p:sldId id="278" r:id="rId12"/>
     <p:sldId id="263" r:id="rId13"/>
-    <p:sldId id="274" r:id="rId14"/>
-    <p:sldId id="264" r:id="rId15"/>
-    <p:sldId id="279" r:id="rId16"/>
-    <p:sldId id="265" r:id="rId17"/>
-    <p:sldId id="280" r:id="rId18"/>
-    <p:sldId id="266" r:id="rId19"/>
-    <p:sldId id="281" r:id="rId20"/>
-    <p:sldId id="267" r:id="rId21"/>
-    <p:sldId id="282" r:id="rId22"/>
-    <p:sldId id="269" r:id="rId23"/>
-    <p:sldId id="276" r:id="rId24"/>
-    <p:sldId id="277" r:id="rId25"/>
-    <p:sldId id="283" r:id="rId26"/>
-    <p:sldId id="268" r:id="rId27"/>
-    <p:sldId id="284" r:id="rId28"/>
-    <p:sldId id="270" r:id="rId29"/>
-    <p:sldId id="271" r:id="rId30"/>
+    <p:sldId id="285" r:id="rId14"/>
+    <p:sldId id="274" r:id="rId15"/>
+    <p:sldId id="264" r:id="rId16"/>
+    <p:sldId id="279" r:id="rId17"/>
+    <p:sldId id="265" r:id="rId18"/>
+    <p:sldId id="280" r:id="rId19"/>
+    <p:sldId id="266" r:id="rId20"/>
+    <p:sldId id="281" r:id="rId21"/>
+    <p:sldId id="267" r:id="rId22"/>
+    <p:sldId id="282" r:id="rId23"/>
+    <p:sldId id="269" r:id="rId24"/>
+    <p:sldId id="276" r:id="rId25"/>
+    <p:sldId id="277" r:id="rId26"/>
+    <p:sldId id="283" r:id="rId27"/>
+    <p:sldId id="268" r:id="rId28"/>
+    <p:sldId id="284" r:id="rId29"/>
+    <p:sldId id="270" r:id="rId30"/>
+    <p:sldId id="271" r:id="rId31"/>
   </p:sldIdLst>
   <p:sldSz cx="12192000" cy="6858000"/>
   <p:notesSz cx="6858000" cy="9144000"/>
@@ -5592,7 +5593,9 @@
           </a:xfrm>
         </p:spPr>
         <p:txBody>
-          <a:bodyPr/>
+          <a:bodyPr>
+            <a:normAutofit/>
+          </a:bodyPr>
           <a:lstStyle/>
           <a:p>
             <a:pPr marL="342900" indent="-342900">
@@ -5608,14 +5611,14 @@
               <a:t>All models were tuned using </a:t>
             </a:r>
             <a:r>
-              <a:rPr lang="en-US" dirty="0" err="1">
+              <a:rPr lang="en-US" b="1" dirty="0" err="1">
                 <a:solidFill>
                   <a:srgbClr val="002060"/>
                 </a:solidFill>
               </a:rPr>
               <a:t>gridsearchCV</a:t>
             </a:r>
-            <a:endParaRPr lang="en-US" dirty="0">
+            <a:endParaRPr lang="en-US" b="1" dirty="0">
               <a:solidFill>
                 <a:srgbClr val="002060"/>
               </a:solidFill>
@@ -5627,7 +5630,7 @@
               <a:buChar char="Ø"/>
             </a:pPr>
             <a:r>
-              <a:rPr lang="en-US" dirty="0" err="1">
+              <a:rPr lang="en-US" sz="2000" dirty="0" err="1">
                 <a:solidFill>
                   <a:srgbClr val="002060"/>
                 </a:solidFill>
@@ -5635,12 +5638,12 @@
               <a:t>gridsearchCV</a:t>
             </a:r>
             <a:r>
-              <a:rPr lang="en-US" dirty="0">
+              <a:rPr lang="en-US" sz="2000" dirty="0">
                 <a:solidFill>
                   <a:srgbClr val="002060"/>
                 </a:solidFill>
               </a:rPr>
-              <a:t> attempts all the parameters given on a given model finds the best parameters </a:t>
+              <a:t> attempts the parameters given model to find the best parameters </a:t>
             </a:r>
           </a:p>
           <a:p>
@@ -5654,7 +5657,7 @@
                   <a:srgbClr val="002060"/>
                 </a:solidFill>
               </a:rPr>
-              <a:t>I used both PCA and my manually adjusted feature set for each model</a:t>
+              <a:t>used both PCA and my manually adjusted feature set for each model</a:t>
             </a:r>
           </a:p>
           <a:p>
@@ -5668,7 +5671,7 @@
                   <a:srgbClr val="002060"/>
                 </a:solidFill>
               </a:rPr>
-              <a:t>I tuned the models individually for feature set against ELA and math proficiency</a:t>
+              <a:t>tuned the models individually for feature set against ELA and math proficiency</a:t>
             </a:r>
           </a:p>
           <a:p>
@@ -5682,7 +5685,7 @@
                   <a:srgbClr val="002060"/>
                 </a:solidFill>
               </a:rPr>
-              <a:t>I also used </a:t>
+              <a:t>used </a:t>
             </a:r>
             <a:r>
               <a:rPr lang="en-US" dirty="0" err="1">
@@ -5799,8 +5802,12 @@
               <a:buChar char="•"/>
             </a:pPr>
             <a:r>
-              <a:rPr lang="en-US" dirty="0"/>
-              <a:t>KNN is a simple algorithm that stores all datapoints and classifies the new datapoints based on the similarity to the previous points.</a:t>
+              <a:rPr lang="en-US" dirty="0">
+                <a:solidFill>
+                  <a:srgbClr val="002060"/>
+                </a:solidFill>
+              </a:rPr>
+              <a:t>KNN classifies new datapoints based on similarity of previous points.</a:t>
             </a:r>
           </a:p>
           <a:p>
@@ -5809,7 +5816,11 @@
               <a:buChar char="•"/>
             </a:pPr>
             <a:r>
-              <a:rPr lang="en-US" dirty="0"/>
+              <a:rPr lang="en-US" dirty="0">
+                <a:solidFill>
+                  <a:srgbClr val="002060"/>
+                </a:solidFill>
+              </a:rPr>
               <a:t>has a relatively high accuracy while being extremely simple</a:t>
             </a:r>
           </a:p>
@@ -5819,7 +5830,11 @@
               <a:buChar char="•"/>
             </a:pPr>
             <a:r>
-              <a:rPr lang="en-US" dirty="0"/>
+              <a:rPr lang="en-US" dirty="0">
+                <a:solidFill>
+                  <a:srgbClr val="002060"/>
+                </a:solidFill>
+              </a:rPr>
               <a:t>can be used for classification or regression</a:t>
             </a:r>
           </a:p>
@@ -5829,8 +5844,12 @@
               <a:buChar char="•"/>
             </a:pPr>
             <a:r>
-              <a:rPr lang="en-US" dirty="0"/>
-              <a:t>can be computationally difficult due to storing the entire training data set</a:t>
+              <a:rPr lang="en-US" dirty="0">
+                <a:solidFill>
+                  <a:srgbClr val="002060"/>
+                </a:solidFill>
+              </a:rPr>
+              <a:t>Stores the entire training data set</a:t>
             </a:r>
           </a:p>
           <a:p>
@@ -5839,7 +5858,11 @@
               <a:buChar char="•"/>
             </a:pPr>
             <a:r>
-              <a:rPr lang="en-US" dirty="0"/>
+              <a:rPr lang="en-US" dirty="0">
+                <a:solidFill>
+                  <a:srgbClr val="002060"/>
+                </a:solidFill>
+              </a:rPr>
               <a:t>Sensitive to irrelevant features and the scale of data</a:t>
             </a:r>
           </a:p>
@@ -5880,7 +5903,7 @@
           <p:cNvPr id="2" name="Title 1">
             <a:extLst>
               <a:ext uri="{FF2B5EF4-FFF2-40B4-BE49-F238E27FC236}">
-                <a16:creationId xmlns:a16="http://schemas.microsoft.com/office/drawing/2014/main" id="{45DC9A53-E436-4EE2-8FCE-AE7078AE71EE}"/>
+                <a16:creationId xmlns:a16="http://schemas.microsoft.com/office/drawing/2014/main" id="{4213B1C6-7E68-4539-B891-156599609BC0}"/>
               </a:ext>
             </a:extLst>
           </p:cNvPr>
@@ -5893,131 +5916,56 @@
         </p:nvSpPr>
         <p:spPr>
           <a:xfrm>
-            <a:off x="5605446" y="466667"/>
-            <a:ext cx="1028008" cy="793865"/>
+            <a:off x="1066800" y="693290"/>
+            <a:ext cx="10058400" cy="1119554"/>
           </a:xfrm>
         </p:spPr>
         <p:txBody>
           <a:bodyPr/>
           <a:lstStyle/>
           <a:p>
+            <a:pPr algn="ctr"/>
             <a:r>
               <a:rPr lang="en-US" dirty="0"/>
-              <a:t>KNN</a:t>
-            </a:r>
-          </a:p>
-        </p:txBody>
-      </p:sp>
-      <p:sp>
-        <p:nvSpPr>
-          <p:cNvPr id="3" name="Text Placeholder 2">
+              <a:t>KNN Tuning graph</a:t>
+            </a:r>
+          </a:p>
+        </p:txBody>
+      </p:sp>
+      <p:pic>
+        <p:nvPicPr>
+          <p:cNvPr id="5" name="Picture 4">
             <a:extLst>
               <a:ext uri="{FF2B5EF4-FFF2-40B4-BE49-F238E27FC236}">
-                <a16:creationId xmlns:a16="http://schemas.microsoft.com/office/drawing/2014/main" id="{9349E4A0-63E0-4482-863C-E9CCCB956E1D}"/>
+                <a16:creationId xmlns:a16="http://schemas.microsoft.com/office/drawing/2014/main" id="{EA9125B4-FC92-474B-A163-83835FC3C929}"/>
               </a:ext>
             </a:extLst>
           </p:cNvPr>
-          <p:cNvSpPr>
-            <a:spLocks noGrp="1"/>
-          </p:cNvSpPr>
-          <p:nvPr>
-            <p:ph type="body" idx="1"/>
-          </p:nvPr>
-        </p:nvSpPr>
+          <p:cNvPicPr>
+            <a:picLocks noChangeAspect="1"/>
+          </p:cNvPicPr>
+          <p:nvPr/>
+        </p:nvPicPr>
+        <p:blipFill>
+          <a:blip r:embed="rId2"/>
+          <a:stretch>
+            <a:fillRect/>
+          </a:stretch>
+        </p:blipFill>
         <p:spPr>
           <a:xfrm>
-            <a:off x="660760" y="1705297"/>
-            <a:ext cx="10870479" cy="4368932"/>
+            <a:off x="3657600" y="1970779"/>
+            <a:ext cx="4876800" cy="4741333"/>
           </a:xfrm>
+          <a:prstGeom prst="rect">
+            <a:avLst/>
+          </a:prstGeom>
         </p:spPr>
-        <p:txBody>
-          <a:bodyPr/>
-          <a:lstStyle/>
-          <a:p>
-            <a:r>
-              <a:rPr lang="en-US" dirty="0"/>
-              <a:t>My best parameters for Math was </a:t>
-            </a:r>
-            <a:r>
-              <a:rPr lang="en-US" dirty="0" err="1"/>
-              <a:t>n_neighbors</a:t>
-            </a:r>
-            <a:r>
-              <a:rPr lang="en-US" dirty="0"/>
-              <a:t> = 212, weights ='distance’ using my manual feature set.</a:t>
-            </a:r>
-          </a:p>
-          <a:p>
-            <a:pPr marL="342900" indent="-342900">
-              <a:buFont typeface="Arial" panose="020B0604020202020204" pitchFamily="34" charset="0"/>
-              <a:buChar char="•"/>
-            </a:pPr>
-            <a:r>
-              <a:rPr lang="en-US" dirty="0"/>
-              <a:t>Average accuracy was 73% and overfitting was minimal at +/- .3%</a:t>
-            </a:r>
-          </a:p>
-          <a:p>
-            <a:pPr marL="342900" indent="-342900">
-              <a:buFont typeface="Arial" panose="020B0604020202020204" pitchFamily="34" charset="0"/>
-              <a:buChar char="•"/>
-            </a:pPr>
-            <a:r>
-              <a:rPr lang="en-US" dirty="0"/>
-              <a:t>PCA feature had just a slightly lower accuracy at 72.8</a:t>
-            </a:r>
-          </a:p>
-          <a:p>
-            <a:r>
-              <a:rPr lang="en-US" dirty="0"/>
-              <a:t>My best parameters for ELA was </a:t>
-            </a:r>
-            <a:r>
-              <a:rPr lang="en-US" dirty="0" err="1"/>
-              <a:t>n_neighbors</a:t>
-            </a:r>
-            <a:r>
-              <a:rPr lang="en-US" dirty="0"/>
-              <a:t> = </a:t>
-            </a:r>
-            <a:r>
-              <a:rPr lang="en-US" dirty="0" err="1"/>
-              <a:t>n_neighbors</a:t>
-            </a:r>
-            <a:r>
-              <a:rPr lang="en-US" dirty="0"/>
-              <a:t> = 30, weights ='distance' using my manual feature set.</a:t>
-            </a:r>
-          </a:p>
-          <a:p>
-            <a:pPr marL="342900" indent="-342900">
-              <a:buFont typeface="Arial" panose="020B0604020202020204" pitchFamily="34" charset="0"/>
-              <a:buChar char="•"/>
-            </a:pPr>
-            <a:r>
-              <a:rPr lang="en-US" dirty="0"/>
-              <a:t>I found ELA had much better accuracy 88.62% accuracy with overfitting  +/-2%</a:t>
-            </a:r>
-          </a:p>
-          <a:p>
-            <a:pPr marL="342900" indent="-342900">
-              <a:buFont typeface="Arial" panose="020B0604020202020204" pitchFamily="34" charset="0"/>
-              <a:buChar char="•"/>
-            </a:pPr>
-            <a:r>
-              <a:rPr lang="en-US" dirty="0"/>
-              <a:t>PCA feature set performed slightly lower at 87% with .1% overfitting</a:t>
-            </a:r>
-          </a:p>
-          <a:p>
-            <a:endParaRPr lang="en-US" dirty="0"/>
-          </a:p>
-        </p:txBody>
-      </p:sp>
+      </p:pic>
     </p:spTree>
     <p:extLst>
       <p:ext uri="{BB962C8B-B14F-4D97-AF65-F5344CB8AC3E}">
-        <p14:creationId xmlns:p14="http://schemas.microsoft.com/office/powerpoint/2010/main" val="3817331252"/>
+        <p14:creationId xmlns:p14="http://schemas.microsoft.com/office/powerpoint/2010/main" val="2920602852"/>
       </p:ext>
     </p:extLst>
   </p:cSld>
@@ -6049,7 +5997,7 @@
           <p:cNvPr id="2" name="Title 1">
             <a:extLst>
               <a:ext uri="{FF2B5EF4-FFF2-40B4-BE49-F238E27FC236}">
-                <a16:creationId xmlns:a16="http://schemas.microsoft.com/office/drawing/2014/main" id="{92FEC159-0050-4C81-8FF3-F432A8F09E97}"/>
+                <a16:creationId xmlns:a16="http://schemas.microsoft.com/office/drawing/2014/main" id="{45DC9A53-E436-4EE2-8FCE-AE7078AE71EE}"/>
               </a:ext>
             </a:extLst>
           </p:cNvPr>
@@ -6062,8 +6010,8 @@
         </p:nvSpPr>
         <p:spPr>
           <a:xfrm>
-            <a:off x="3590698" y="685800"/>
-            <a:ext cx="4617130" cy="762000"/>
+            <a:off x="5605446" y="466667"/>
+            <a:ext cx="1028008" cy="793865"/>
           </a:xfrm>
         </p:spPr>
         <p:txBody>
@@ -6072,81 +6020,282 @@
           <a:p>
             <a:r>
               <a:rPr lang="en-US" dirty="0"/>
-              <a:t>Logistic Regression</a:t>
-            </a:r>
-          </a:p>
-        </p:txBody>
-      </p:sp>
-      <p:sp>
-        <p:nvSpPr>
-          <p:cNvPr id="3" name="Text Placeholder 2">
+              <a:t>KNN</a:t>
+            </a:r>
+          </a:p>
+        </p:txBody>
+      </p:sp>
+      <p:graphicFrame>
+        <p:nvGraphicFramePr>
+          <p:cNvPr id="6" name="Table 5">
             <a:extLst>
               <a:ext uri="{FF2B5EF4-FFF2-40B4-BE49-F238E27FC236}">
-                <a16:creationId xmlns:a16="http://schemas.microsoft.com/office/drawing/2014/main" id="{C216CAAD-B106-45E8-86A2-EB6023A41507}"/>
+                <a16:creationId xmlns:a16="http://schemas.microsoft.com/office/drawing/2014/main" id="{56C524F5-68C6-4AE7-BD98-C17AA047764D}"/>
               </a:ext>
             </a:extLst>
           </p:cNvPr>
-          <p:cNvSpPr>
-            <a:spLocks noGrp="1"/>
-          </p:cNvSpPr>
-          <p:nvPr>
-            <p:ph type="body" idx="1"/>
-          </p:nvPr>
-        </p:nvSpPr>
-        <p:spPr>
-          <a:xfrm>
-            <a:off x="684212" y="2188029"/>
-            <a:ext cx="10832874" cy="3806371"/>
-          </a:xfrm>
-        </p:spPr>
-        <p:txBody>
-          <a:bodyPr/>
-          <a:lstStyle/>
-          <a:p>
-            <a:r>
-              <a:rPr lang="en-US" dirty="0"/>
-              <a:t>Logistic Regression is a classification algorithm that is designed to find the relationship between features and probability of particular outcome</a:t>
-            </a:r>
-          </a:p>
-          <a:p>
-            <a:pPr marL="342900" indent="-342900">
-              <a:buFont typeface="Arial" panose="020B0604020202020204" pitchFamily="34" charset="0"/>
-              <a:buChar char="•"/>
-            </a:pPr>
-            <a:r>
-              <a:rPr lang="en-US" dirty="0"/>
-              <a:t>Simple and efficient</a:t>
-            </a:r>
-          </a:p>
-          <a:p>
-            <a:pPr marL="342900" indent="-342900">
-              <a:buFont typeface="Arial" panose="020B0604020202020204" pitchFamily="34" charset="0"/>
-              <a:buChar char="•"/>
-            </a:pPr>
-            <a:r>
-              <a:rPr lang="en-US" dirty="0"/>
-              <a:t>Low variance</a:t>
-            </a:r>
-          </a:p>
-          <a:p>
-            <a:pPr marL="342900" indent="-342900">
-              <a:buFont typeface="Arial" panose="020B0604020202020204" pitchFamily="34" charset="0"/>
-              <a:buChar char="•"/>
-            </a:pPr>
-            <a:r>
-              <a:rPr lang="en-US" dirty="0"/>
-              <a:t>Does not  work well with larger number s of categorical features</a:t>
-            </a:r>
-          </a:p>
-          <a:p>
-            <a:endParaRPr lang="en-US" dirty="0"/>
-          </a:p>
-        </p:txBody>
-      </p:sp>
+          <p:cNvGraphicFramePr>
+            <a:graphicFrameLocks noGrp="1"/>
+          </p:cNvGraphicFramePr>
+          <p:nvPr>
+            <p:extLst>
+              <p:ext uri="{D42A27DB-BD31-4B8C-83A1-F6EECF244321}">
+                <p14:modId xmlns:p14="http://schemas.microsoft.com/office/powerpoint/2010/main" val="4116841761"/>
+              </p:ext>
+            </p:extLst>
+          </p:nvPr>
+        </p:nvGraphicFramePr>
+        <p:xfrm>
+          <a:off x="1515562" y="1795244"/>
+          <a:ext cx="9160876" cy="3806719"/>
+        </p:xfrm>
+        <a:graphic>
+          <a:graphicData uri="http://schemas.openxmlformats.org/drawingml/2006/table">
+            <a:tbl>
+              <a:tblPr firstRow="1" bandRow="1">
+                <a:tableStyleId>{5C22544A-7EE6-4342-B048-85BDC9FD1C3A}</a:tableStyleId>
+              </a:tblPr>
+              <a:tblGrid>
+                <a:gridCol w="1815467">
+                  <a:extLst>
+                    <a:ext uri="{9D8B030D-6E8A-4147-A177-3AD203B41FA5}">
+                      <a16:colId xmlns:a16="http://schemas.microsoft.com/office/drawing/2014/main" val="3036596017"/>
+                    </a:ext>
+                  </a:extLst>
+                </a:gridCol>
+                <a:gridCol w="2764971">
+                  <a:extLst>
+                    <a:ext uri="{9D8B030D-6E8A-4147-A177-3AD203B41FA5}">
+                      <a16:colId xmlns:a16="http://schemas.microsoft.com/office/drawing/2014/main" val="4058830033"/>
+                    </a:ext>
+                  </a:extLst>
+                </a:gridCol>
+                <a:gridCol w="2290219">
+                  <a:extLst>
+                    <a:ext uri="{9D8B030D-6E8A-4147-A177-3AD203B41FA5}">
+                      <a16:colId xmlns:a16="http://schemas.microsoft.com/office/drawing/2014/main" val="1905774814"/>
+                    </a:ext>
+                  </a:extLst>
+                </a:gridCol>
+                <a:gridCol w="2290219">
+                  <a:extLst>
+                    <a:ext uri="{9D8B030D-6E8A-4147-A177-3AD203B41FA5}">
+                      <a16:colId xmlns:a16="http://schemas.microsoft.com/office/drawing/2014/main" val="3554563227"/>
+                    </a:ext>
+                  </a:extLst>
+                </a:gridCol>
+              </a:tblGrid>
+              <a:tr h="986927">
+                <a:tc>
+                  <a:txBody>
+                    <a:bodyPr/>
+                    <a:lstStyle/>
+                    <a:p>
+                      <a:pPr algn="ctr"/>
+                      <a:r>
+                        <a:rPr lang="en-US" dirty="0"/>
+                        <a:t>Test Subject</a:t>
+                      </a:r>
+                    </a:p>
+                  </a:txBody>
+                  <a:tcPr/>
+                </a:tc>
+                <a:tc>
+                  <a:txBody>
+                    <a:bodyPr/>
+                    <a:lstStyle/>
+                    <a:p>
+                      <a:pPr algn="ctr"/>
+                      <a:r>
+                        <a:rPr lang="en-US" dirty="0"/>
+                        <a:t>Parameters</a:t>
+                      </a:r>
+                    </a:p>
+                  </a:txBody>
+                  <a:tcPr/>
+                </a:tc>
+                <a:tc>
+                  <a:txBody>
+                    <a:bodyPr/>
+                    <a:lstStyle/>
+                    <a:p>
+                      <a:pPr algn="ctr"/>
+                      <a:r>
+                        <a:rPr lang="en-US" dirty="0"/>
+                        <a:t>Accuracy</a:t>
+                      </a:r>
+                    </a:p>
+                    <a:p>
+                      <a:pPr algn="ctr"/>
+                      <a:r>
+                        <a:rPr lang="en-US" dirty="0"/>
+                        <a:t>(Math)</a:t>
+                      </a:r>
+                    </a:p>
+                  </a:txBody>
+                  <a:tcPr/>
+                </a:tc>
+                <a:tc>
+                  <a:txBody>
+                    <a:bodyPr/>
+                    <a:lstStyle/>
+                    <a:p>
+                      <a:pPr algn="ctr"/>
+                      <a:r>
+                        <a:rPr lang="en-US" dirty="0"/>
+                        <a:t>Overfitting</a:t>
+                      </a:r>
+                    </a:p>
+                    <a:p>
+                      <a:pPr algn="ctr"/>
+                      <a:r>
+                        <a:rPr lang="en-US" dirty="0"/>
+                        <a:t>(Math</a:t>
+                      </a:r>
+                    </a:p>
+                  </a:txBody>
+                  <a:tcPr/>
+                </a:tc>
+                <a:extLst>
+                  <a:ext uri="{0D108BD9-81ED-4DB2-BD59-A6C34878D82A}">
+                    <a16:rowId xmlns:a16="http://schemas.microsoft.com/office/drawing/2014/main" val="1035141803"/>
+                  </a:ext>
+                </a:extLst>
+              </a:tr>
+              <a:tr h="1409896">
+                <a:tc>
+                  <a:txBody>
+                    <a:bodyPr/>
+                    <a:lstStyle/>
+                    <a:p>
+                      <a:r>
+                        <a:rPr lang="en-US" dirty="0"/>
+                        <a:t>Math</a:t>
+                      </a:r>
+                    </a:p>
+                  </a:txBody>
+                  <a:tcPr/>
+                </a:tc>
+                <a:tc>
+                  <a:txBody>
+                    <a:bodyPr/>
+                    <a:lstStyle/>
+                    <a:p>
+                      <a:r>
+                        <a:rPr lang="en-US" dirty="0" err="1"/>
+                        <a:t>n_neighbors</a:t>
+                      </a:r>
+                      <a:r>
+                        <a:rPr lang="en-US" dirty="0"/>
+                        <a:t> = 330, weights ='distance’ </a:t>
+                      </a:r>
+                    </a:p>
+                  </a:txBody>
+                  <a:tcPr/>
+                </a:tc>
+                <a:tc>
+                  <a:txBody>
+                    <a:bodyPr/>
+                    <a:lstStyle/>
+                    <a:p>
+                      <a:r>
+                        <a:rPr lang="en-US" dirty="0"/>
+                        <a:t>73</a:t>
+                      </a:r>
+                    </a:p>
+                  </a:txBody>
+                  <a:tcPr/>
+                </a:tc>
+                <a:tc>
+                  <a:txBody>
+                    <a:bodyPr/>
+                    <a:lstStyle/>
+                    <a:p>
+                      <a:r>
+                        <a:rPr lang="en-US" dirty="0"/>
+                        <a:t>+/-.3%</a:t>
+                      </a:r>
+                    </a:p>
+                  </a:txBody>
+                  <a:tcPr/>
+                </a:tc>
+                <a:extLst>
+                  <a:ext uri="{0D108BD9-81ED-4DB2-BD59-A6C34878D82A}">
+                    <a16:rowId xmlns:a16="http://schemas.microsoft.com/office/drawing/2014/main" val="4193883256"/>
+                  </a:ext>
+                </a:extLst>
+              </a:tr>
+              <a:tr h="1409896">
+                <a:tc>
+                  <a:txBody>
+                    <a:bodyPr/>
+                    <a:lstStyle/>
+                    <a:p>
+                      <a:r>
+                        <a:rPr lang="en-US" dirty="0"/>
+                        <a:t>ELA</a:t>
+                      </a:r>
+                    </a:p>
+                  </a:txBody>
+                  <a:tcPr/>
+                </a:tc>
+                <a:tc>
+                  <a:txBody>
+                    <a:bodyPr/>
+                    <a:lstStyle/>
+                    <a:p>
+                      <a:r>
+                        <a:rPr lang="en-US" dirty="0" err="1"/>
+                        <a:t>n_neighbors</a:t>
+                      </a:r>
+                      <a:r>
+                        <a:rPr lang="en-US" dirty="0"/>
+                        <a:t> = 30, weights ='distance' </a:t>
+                      </a:r>
+                    </a:p>
+                  </a:txBody>
+                  <a:tcPr/>
+                </a:tc>
+                <a:tc>
+                  <a:txBody>
+                    <a:bodyPr/>
+                    <a:lstStyle/>
+                    <a:p>
+                      <a:r>
+                        <a:rPr lang="en-US" dirty="0"/>
+                        <a:t>88.62%</a:t>
+                      </a:r>
+                    </a:p>
+                  </a:txBody>
+                  <a:tcPr/>
+                </a:tc>
+                <a:tc>
+                  <a:txBody>
+                    <a:bodyPr/>
+                    <a:lstStyle/>
+                    <a:p>
+                      <a:r>
+                        <a:rPr lang="en-US" dirty="0"/>
+                        <a:t>+/-2%</a:t>
+                      </a:r>
+                    </a:p>
+                  </a:txBody>
+                  <a:tcPr/>
+                </a:tc>
+                <a:extLst>
+                  <a:ext uri="{0D108BD9-81ED-4DB2-BD59-A6C34878D82A}">
+                    <a16:rowId xmlns:a16="http://schemas.microsoft.com/office/drawing/2014/main" val="1130904937"/>
+                  </a:ext>
+                </a:extLst>
+              </a:tr>
+            </a:tbl>
+          </a:graphicData>
+        </a:graphic>
+      </p:graphicFrame>
     </p:spTree>
     <p:extLst>
       <p:ext uri="{BB962C8B-B14F-4D97-AF65-F5344CB8AC3E}">
-        <p14:creationId xmlns:p14="http://schemas.microsoft.com/office/powerpoint/2010/main" val="796023930"/>
+        <p14:creationId xmlns:p14="http://schemas.microsoft.com/office/powerpoint/2010/main" val="3817331252"/>
       </p:ext>
     </p:extLst>
   </p:cSld>
@@ -6178,7 +6327,7 @@
           <p:cNvPr id="2" name="Title 1">
             <a:extLst>
               <a:ext uri="{FF2B5EF4-FFF2-40B4-BE49-F238E27FC236}">
-                <a16:creationId xmlns:a16="http://schemas.microsoft.com/office/drawing/2014/main" id="{EA680453-186E-4F65-8024-A6B5191B09BB}"/>
+                <a16:creationId xmlns:a16="http://schemas.microsoft.com/office/drawing/2014/main" id="{92FEC159-0050-4C81-8FF3-F432A8F09E97}"/>
               </a:ext>
             </a:extLst>
           </p:cNvPr>
@@ -6191,8 +6340,8 @@
         </p:nvSpPr>
         <p:spPr>
           <a:xfrm>
-            <a:off x="3825535" y="555171"/>
-            <a:ext cx="4540930" cy="1121229"/>
+            <a:off x="3590698" y="685800"/>
+            <a:ext cx="4617130" cy="762000"/>
           </a:xfrm>
         </p:spPr>
         <p:txBody>
@@ -6211,7 +6360,7 @@
           <p:cNvPr id="3" name="Text Placeholder 2">
             <a:extLst>
               <a:ext uri="{FF2B5EF4-FFF2-40B4-BE49-F238E27FC236}">
-                <a16:creationId xmlns:a16="http://schemas.microsoft.com/office/drawing/2014/main" id="{F7364304-4F6A-4683-AA56-3197FA651E57}"/>
+                <a16:creationId xmlns:a16="http://schemas.microsoft.com/office/drawing/2014/main" id="{C216CAAD-B106-45E8-86A2-EB6023A41507}"/>
               </a:ext>
             </a:extLst>
           </p:cNvPr>
@@ -6224,19 +6373,21 @@
         </p:nvSpPr>
         <p:spPr>
           <a:xfrm>
-            <a:off x="684212" y="2438400"/>
-            <a:ext cx="10517188" cy="3556000"/>
+            <a:off x="684212" y="2188029"/>
+            <a:ext cx="10832874" cy="3806371"/>
           </a:xfrm>
         </p:spPr>
         <p:txBody>
-          <a:bodyPr>
-            <a:normAutofit/>
-          </a:bodyPr>
+          <a:bodyPr/>
           <a:lstStyle/>
           <a:p>
             <a:r>
-              <a:rPr lang="en-US" dirty="0"/>
-              <a:t>My best parameters for Math was C= 1.7000000000000006 using my manual feature set.</a:t>
+              <a:rPr lang="en-US" dirty="0">
+                <a:solidFill>
+                  <a:srgbClr val="002060"/>
+                </a:solidFill>
+              </a:rPr>
+              <a:t>Logistic Regression transforms the regression model to become a classifier </a:t>
             </a:r>
           </a:p>
           <a:p>
@@ -6245,8 +6396,12 @@
               <a:buChar char="•"/>
             </a:pPr>
             <a:r>
-              <a:rPr lang="en-US" dirty="0"/>
-              <a:t>Average accuracy was 84% and overfitting was much higher at +/- 8%</a:t>
+              <a:rPr lang="en-US" dirty="0">
+                <a:solidFill>
+                  <a:srgbClr val="002060"/>
+                </a:solidFill>
+              </a:rPr>
+              <a:t>Simple and efficient</a:t>
             </a:r>
           </a:p>
           <a:p>
@@ -6255,14 +6410,12 @@
               <a:buChar char="•"/>
             </a:pPr>
             <a:r>
-              <a:rPr lang="en-US" dirty="0"/>
-              <a:t>PCA feature had had a much lower accuracy at 72.8 but with only .5% overfit</a:t>
-            </a:r>
-          </a:p>
-          <a:p>
-            <a:r>
-              <a:rPr lang="en-US" dirty="0"/>
-              <a:t>My best parameters for ELA was C = 0.002 using my manual feature set.</a:t>
+              <a:rPr lang="en-US" dirty="0">
+                <a:solidFill>
+                  <a:srgbClr val="002060"/>
+                </a:solidFill>
+              </a:rPr>
+              <a:t>Low variance</a:t>
             </a:r>
           </a:p>
           <a:p>
@@ -6271,18 +6424,12 @@
               <a:buChar char="•"/>
             </a:pPr>
             <a:r>
-              <a:rPr lang="en-US" dirty="0"/>
-              <a:t>I found ELA had much better accuracy 91.4% accuracy with overfitting  +/-3%</a:t>
-            </a:r>
-          </a:p>
-          <a:p>
-            <a:pPr marL="342900" indent="-342900">
-              <a:buFont typeface="Arial" panose="020B0604020202020204" pitchFamily="34" charset="0"/>
-              <a:buChar char="•"/>
-            </a:pPr>
-            <a:r>
-              <a:rPr lang="en-US" dirty="0"/>
-              <a:t>PCA feature set performed slightly lower at 72.8% with .4% overfitting</a:t>
+              <a:rPr lang="en-US" dirty="0">
+                <a:solidFill>
+                  <a:srgbClr val="002060"/>
+                </a:solidFill>
+              </a:rPr>
+              <a:t>Does not work well with larger numbers of categorical features</a:t>
             </a:r>
           </a:p>
           <a:p>
@@ -6293,7 +6440,7 @@
     </p:spTree>
     <p:extLst>
       <p:ext uri="{BB962C8B-B14F-4D97-AF65-F5344CB8AC3E}">
-        <p14:creationId xmlns:p14="http://schemas.microsoft.com/office/powerpoint/2010/main" val="1263587909"/>
+        <p14:creationId xmlns:p14="http://schemas.microsoft.com/office/powerpoint/2010/main" val="796023930"/>
       </p:ext>
     </p:extLst>
   </p:cSld>
@@ -6325,7 +6472,7 @@
           <p:cNvPr id="2" name="Title 1">
             <a:extLst>
               <a:ext uri="{FF2B5EF4-FFF2-40B4-BE49-F238E27FC236}">
-                <a16:creationId xmlns:a16="http://schemas.microsoft.com/office/drawing/2014/main" id="{6D7A8FBB-2038-4521-9B52-BD1CE59880CF}"/>
+                <a16:creationId xmlns:a16="http://schemas.microsoft.com/office/drawing/2014/main" id="{EA680453-186E-4F65-8024-A6B5191B09BB}"/>
               </a:ext>
             </a:extLst>
           </p:cNvPr>
@@ -6338,8 +6485,8 @@
         </p:nvSpPr>
         <p:spPr>
           <a:xfrm>
-            <a:off x="4086792" y="620485"/>
-            <a:ext cx="4018416" cy="827314"/>
+            <a:off x="3825535" y="555171"/>
+            <a:ext cx="4540930" cy="1121229"/>
           </a:xfrm>
         </p:spPr>
         <p:txBody>
@@ -6348,91 +6495,274 @@
           <a:p>
             <a:r>
               <a:rPr lang="en-US" dirty="0"/>
-              <a:t>Ridge regression</a:t>
-            </a:r>
-          </a:p>
-        </p:txBody>
-      </p:sp>
-      <p:sp>
-        <p:nvSpPr>
-          <p:cNvPr id="3" name="Text Placeholder 2">
+              <a:t>Logistic Regression</a:t>
+            </a:r>
+          </a:p>
+        </p:txBody>
+      </p:sp>
+      <p:graphicFrame>
+        <p:nvGraphicFramePr>
+          <p:cNvPr id="4" name="Table 3">
             <a:extLst>
               <a:ext uri="{FF2B5EF4-FFF2-40B4-BE49-F238E27FC236}">
-                <a16:creationId xmlns:a16="http://schemas.microsoft.com/office/drawing/2014/main" id="{002E51F3-8000-46E0-B624-CE588D928F7C}"/>
+                <a16:creationId xmlns:a16="http://schemas.microsoft.com/office/drawing/2014/main" id="{5D7C93D6-E8DC-4D45-BBF1-EE69DBAE9F17}"/>
               </a:ext>
             </a:extLst>
           </p:cNvPr>
-          <p:cNvSpPr>
-            <a:spLocks noGrp="1"/>
-          </p:cNvSpPr>
-          <p:nvPr>
-            <p:ph type="body" idx="1"/>
-          </p:nvPr>
-        </p:nvSpPr>
-        <p:spPr>
-          <a:xfrm>
-            <a:off x="684212" y="2264229"/>
-            <a:ext cx="10821988" cy="3730171"/>
-          </a:xfrm>
-        </p:spPr>
-        <p:txBody>
-          <a:bodyPr/>
-          <a:lstStyle/>
-          <a:p>
-            <a:endParaRPr lang="en-US" dirty="0"/>
-          </a:p>
-          <a:p>
-            <a:endParaRPr lang="en-US" dirty="0"/>
-          </a:p>
-          <a:p>
-            <a:r>
-              <a:rPr lang="en-US" dirty="0"/>
-              <a:t>Ridge regression shrinks the coefficients so the variables with minor contributions have coefficients close to zero</a:t>
-            </a:r>
-          </a:p>
-          <a:p>
-            <a:pPr marL="342900" indent="-342900">
-              <a:buFont typeface="Arial" panose="020B0604020202020204" pitchFamily="34" charset="0"/>
-              <a:buChar char="•"/>
-            </a:pPr>
-            <a:r>
-              <a:rPr lang="en-US" dirty="0"/>
-              <a:t>Can be used to prevent overfitting</a:t>
-            </a:r>
-          </a:p>
-          <a:p>
-            <a:pPr marL="342900" indent="-342900">
-              <a:buFont typeface="Arial" panose="020B0604020202020204" pitchFamily="34" charset="0"/>
-              <a:buChar char="•"/>
-            </a:pPr>
-            <a:r>
-              <a:rPr lang="en-US" dirty="0"/>
-              <a:t>By reducing the coefficient of features with little relevance, it minimizes those feature’s impact on the trained model </a:t>
-            </a:r>
-          </a:p>
-          <a:p>
-            <a:endParaRPr lang="en-US" dirty="0"/>
-          </a:p>
-          <a:p>
-            <a:pPr marL="342900" indent="-342900">
-              <a:buFont typeface="Arial" panose="020B0604020202020204" pitchFamily="34" charset="0"/>
-              <a:buChar char="•"/>
-            </a:pPr>
-            <a:endParaRPr lang="en-US" dirty="0"/>
-          </a:p>
-          <a:p>
-            <a:pPr marL="342900" indent="-342900">
-              <a:buFont typeface="Arial" panose="020B0604020202020204" pitchFamily="34" charset="0"/>
-              <a:buChar char="•"/>
-            </a:pPr>
-            <a:endParaRPr lang="en-US" dirty="0"/>
-          </a:p>
-        </p:txBody>
-      </p:sp>
+          <p:cNvGraphicFramePr>
+            <a:graphicFrameLocks noGrp="1"/>
+          </p:cNvGraphicFramePr>
+          <p:nvPr>
+            <p:extLst>
+              <p:ext uri="{D42A27DB-BD31-4B8C-83A1-F6EECF244321}">
+                <p14:modId xmlns:p14="http://schemas.microsoft.com/office/powerpoint/2010/main" val="4098910094"/>
+              </p:ext>
+            </p:extLst>
+          </p:nvPr>
+        </p:nvGraphicFramePr>
+        <p:xfrm>
+          <a:off x="1515562" y="1979802"/>
+          <a:ext cx="9160876" cy="3806719"/>
+        </p:xfrm>
+        <a:graphic>
+          <a:graphicData uri="http://schemas.openxmlformats.org/drawingml/2006/table">
+            <a:tbl>
+              <a:tblPr firstRow="1" bandRow="1">
+                <a:tableStyleId>{5C22544A-7EE6-4342-B048-85BDC9FD1C3A}</a:tableStyleId>
+              </a:tblPr>
+              <a:tblGrid>
+                <a:gridCol w="2290219">
+                  <a:extLst>
+                    <a:ext uri="{9D8B030D-6E8A-4147-A177-3AD203B41FA5}">
+                      <a16:colId xmlns:a16="http://schemas.microsoft.com/office/drawing/2014/main" val="3036596017"/>
+                    </a:ext>
+                  </a:extLst>
+                </a:gridCol>
+                <a:gridCol w="2888933">
+                  <a:extLst>
+                    <a:ext uri="{9D8B030D-6E8A-4147-A177-3AD203B41FA5}">
+                      <a16:colId xmlns:a16="http://schemas.microsoft.com/office/drawing/2014/main" val="4058830033"/>
+                    </a:ext>
+                  </a:extLst>
+                </a:gridCol>
+                <a:gridCol w="1691505">
+                  <a:extLst>
+                    <a:ext uri="{9D8B030D-6E8A-4147-A177-3AD203B41FA5}">
+                      <a16:colId xmlns:a16="http://schemas.microsoft.com/office/drawing/2014/main" val="1905774814"/>
+                    </a:ext>
+                  </a:extLst>
+                </a:gridCol>
+                <a:gridCol w="2290219">
+                  <a:extLst>
+                    <a:ext uri="{9D8B030D-6E8A-4147-A177-3AD203B41FA5}">
+                      <a16:colId xmlns:a16="http://schemas.microsoft.com/office/drawing/2014/main" val="3554563227"/>
+                    </a:ext>
+                  </a:extLst>
+                </a:gridCol>
+              </a:tblGrid>
+              <a:tr h="986927">
+                <a:tc>
+                  <a:txBody>
+                    <a:bodyPr/>
+                    <a:lstStyle/>
+                    <a:p>
+                      <a:pPr algn="ctr"/>
+                      <a:r>
+                        <a:rPr lang="en-US" dirty="0"/>
+                        <a:t>Test Subject</a:t>
+                      </a:r>
+                    </a:p>
+                  </a:txBody>
+                  <a:tcPr/>
+                </a:tc>
+                <a:tc>
+                  <a:txBody>
+                    <a:bodyPr/>
+                    <a:lstStyle/>
+                    <a:p>
+                      <a:pPr algn="ctr"/>
+                      <a:r>
+                        <a:rPr lang="en-US" dirty="0"/>
+                        <a:t>Parameters</a:t>
+                      </a:r>
+                    </a:p>
+                  </a:txBody>
+                  <a:tcPr/>
+                </a:tc>
+                <a:tc>
+                  <a:txBody>
+                    <a:bodyPr/>
+                    <a:lstStyle/>
+                    <a:p>
+                      <a:pPr algn="ctr"/>
+                      <a:r>
+                        <a:rPr lang="en-US" dirty="0"/>
+                        <a:t>Accuracy</a:t>
+                      </a:r>
+                    </a:p>
+                    <a:p>
+                      <a:pPr algn="ctr"/>
+                      <a:r>
+                        <a:rPr lang="en-US" dirty="0"/>
+                        <a:t>(Math)</a:t>
+                      </a:r>
+                    </a:p>
+                  </a:txBody>
+                  <a:tcPr/>
+                </a:tc>
+                <a:tc>
+                  <a:txBody>
+                    <a:bodyPr/>
+                    <a:lstStyle/>
+                    <a:p>
+                      <a:pPr algn="ctr"/>
+                      <a:r>
+                        <a:rPr lang="en-US" dirty="0"/>
+                        <a:t>Overfitting</a:t>
+                      </a:r>
+                    </a:p>
+                    <a:p>
+                      <a:pPr algn="ctr"/>
+                      <a:r>
+                        <a:rPr lang="en-US" dirty="0"/>
+                        <a:t>(Math</a:t>
+                      </a:r>
+                    </a:p>
+                  </a:txBody>
+                  <a:tcPr/>
+                </a:tc>
+                <a:extLst>
+                  <a:ext uri="{0D108BD9-81ED-4DB2-BD59-A6C34878D82A}">
+                    <a16:rowId xmlns:a16="http://schemas.microsoft.com/office/drawing/2014/main" val="1035141803"/>
+                  </a:ext>
+                </a:extLst>
+              </a:tr>
+              <a:tr h="1409896">
+                <a:tc>
+                  <a:txBody>
+                    <a:bodyPr/>
+                    <a:lstStyle/>
+                    <a:p>
+                      <a:r>
+                        <a:rPr lang="en-US" dirty="0"/>
+                        <a:t>Math</a:t>
+                      </a:r>
+                    </a:p>
+                  </a:txBody>
+                  <a:tcPr/>
+                </a:tc>
+                <a:tc>
+                  <a:txBody>
+                    <a:bodyPr/>
+                    <a:lstStyle/>
+                    <a:p>
+                      <a:r>
+                        <a:rPr lang="en-US" dirty="0"/>
+                        <a:t>C= 1.7000000000000006 </a:t>
+                      </a:r>
+                    </a:p>
+                  </a:txBody>
+                  <a:tcPr/>
+                </a:tc>
+                <a:tc>
+                  <a:txBody>
+                    <a:bodyPr/>
+                    <a:lstStyle/>
+                    <a:p>
+                      <a:r>
+                        <a:rPr lang="en-US" dirty="0"/>
+                        <a:t>84%</a:t>
+                      </a:r>
+                    </a:p>
+                  </a:txBody>
+                  <a:tcPr/>
+                </a:tc>
+                <a:tc>
+                  <a:txBody>
+                    <a:bodyPr/>
+                    <a:lstStyle/>
+                    <a:p>
+                      <a:r>
+                        <a:rPr lang="en-US" dirty="0"/>
+                        <a:t>+/-8%</a:t>
+                      </a:r>
+                    </a:p>
+                  </a:txBody>
+                  <a:tcPr/>
+                </a:tc>
+                <a:extLst>
+                  <a:ext uri="{0D108BD9-81ED-4DB2-BD59-A6C34878D82A}">
+                    <a16:rowId xmlns:a16="http://schemas.microsoft.com/office/drawing/2014/main" val="4193883256"/>
+                  </a:ext>
+                </a:extLst>
+              </a:tr>
+              <a:tr h="1409896">
+                <a:tc>
+                  <a:txBody>
+                    <a:bodyPr/>
+                    <a:lstStyle/>
+                    <a:p>
+                      <a:r>
+                        <a:rPr lang="en-US" dirty="0"/>
+                        <a:t>ELA</a:t>
+                      </a:r>
+                    </a:p>
+                  </a:txBody>
+                  <a:tcPr/>
+                </a:tc>
+                <a:tc>
+                  <a:txBody>
+                    <a:bodyPr/>
+                    <a:lstStyle/>
+                    <a:p>
+                      <a:r>
+                        <a:rPr lang="en-US" dirty="0"/>
+                        <a:t>C = 0.002 </a:t>
+                      </a:r>
+                    </a:p>
+                  </a:txBody>
+                  <a:tcPr/>
+                </a:tc>
+                <a:tc>
+                  <a:txBody>
+                    <a:bodyPr/>
+                    <a:lstStyle/>
+                    <a:p>
+                      <a:r>
+                        <a:rPr lang="en-US" dirty="0"/>
+                        <a:t>91.4%</a:t>
+                      </a:r>
+                    </a:p>
+                  </a:txBody>
+                  <a:tcPr/>
+                </a:tc>
+                <a:tc>
+                  <a:txBody>
+                    <a:bodyPr/>
+                    <a:lstStyle/>
+                    <a:p>
+                      <a:r>
+                        <a:rPr lang="en-US" dirty="0"/>
+                        <a:t>+/-3%</a:t>
+                      </a:r>
+                    </a:p>
+                  </a:txBody>
+                  <a:tcPr/>
+                </a:tc>
+                <a:extLst>
+                  <a:ext uri="{0D108BD9-81ED-4DB2-BD59-A6C34878D82A}">
+                    <a16:rowId xmlns:a16="http://schemas.microsoft.com/office/drawing/2014/main" val="1130904937"/>
+                  </a:ext>
+                </a:extLst>
+              </a:tr>
+            </a:tbl>
+          </a:graphicData>
+        </a:graphic>
+      </p:graphicFrame>
     </p:spTree>
     <p:extLst>
       <p:ext uri="{BB962C8B-B14F-4D97-AF65-F5344CB8AC3E}">
-        <p14:creationId xmlns:p14="http://schemas.microsoft.com/office/powerpoint/2010/main" val="3660606252"/>
+        <p14:creationId xmlns:p14="http://schemas.microsoft.com/office/powerpoint/2010/main" val="1263587909"/>
       </p:ext>
     </p:extLst>
   </p:cSld>
@@ -6464,7 +6794,7 @@
           <p:cNvPr id="2" name="Title 1">
             <a:extLst>
               <a:ext uri="{FF2B5EF4-FFF2-40B4-BE49-F238E27FC236}">
-                <a16:creationId xmlns:a16="http://schemas.microsoft.com/office/drawing/2014/main" id="{7F6D47DF-BB96-49C6-B688-A7AB1521D645}"/>
+                <a16:creationId xmlns:a16="http://schemas.microsoft.com/office/drawing/2014/main" id="{6D7A8FBB-2038-4521-9B52-BD1CE59880CF}"/>
               </a:ext>
             </a:extLst>
           </p:cNvPr>
@@ -6477,18 +6807,17 @@
         </p:nvSpPr>
         <p:spPr>
           <a:xfrm>
-            <a:off x="3276600" y="620486"/>
-            <a:ext cx="5638800" cy="838200"/>
+            <a:off x="4086792" y="620485"/>
+            <a:ext cx="4018416" cy="827314"/>
           </a:xfrm>
         </p:spPr>
         <p:txBody>
           <a:bodyPr/>
           <a:lstStyle/>
           <a:p>
-            <a:pPr algn="ctr"/>
             <a:r>
               <a:rPr lang="en-US" dirty="0"/>
-              <a:t>Ridge Regression scores</a:t>
+              <a:t>Ridge regression</a:t>
             </a:r>
           </a:p>
         </p:txBody>
@@ -6498,7 +6827,7 @@
           <p:cNvPr id="3" name="Text Placeholder 2">
             <a:extLst>
               <a:ext uri="{FF2B5EF4-FFF2-40B4-BE49-F238E27FC236}">
-                <a16:creationId xmlns:a16="http://schemas.microsoft.com/office/drawing/2014/main" id="{4E2C3D86-8925-4F2C-91F9-78623A14CE4B}"/>
+                <a16:creationId xmlns:a16="http://schemas.microsoft.com/office/drawing/2014/main" id="{002E51F3-8000-46E0-B624-CE588D928F7C}"/>
               </a:ext>
             </a:extLst>
           </p:cNvPr>
@@ -6511,19 +6840,31 @@
         </p:nvSpPr>
         <p:spPr>
           <a:xfrm>
-            <a:off x="625929" y="2033432"/>
-            <a:ext cx="10940142" cy="3675743"/>
+            <a:off x="684212" y="2264229"/>
+            <a:ext cx="10821988" cy="3730171"/>
           </a:xfrm>
         </p:spPr>
         <p:txBody>
-          <a:bodyPr>
-            <a:normAutofit/>
-          </a:bodyPr>
+          <a:bodyPr/>
           <a:lstStyle/>
           <a:p>
-            <a:r>
-              <a:rPr lang="en-US" dirty="0"/>
-              <a:t>My best parameters for Math was C= 0.019000000000000003 using my manual features.</a:t>
+            <a:endParaRPr lang="en-US" dirty="0"/>
+          </a:p>
+          <a:p>
+            <a:endParaRPr lang="en-US" dirty="0">
+              <a:solidFill>
+                <a:srgbClr val="002060"/>
+              </a:solidFill>
+            </a:endParaRPr>
+          </a:p>
+          <a:p>
+            <a:r>
+              <a:rPr lang="en-US" dirty="0">
+                <a:solidFill>
+                  <a:srgbClr val="002060"/>
+                </a:solidFill>
+              </a:rPr>
+              <a:t>Ridge regression shrinks the coefficients with minor contributions to be close to zero</a:t>
             </a:r>
           </a:p>
           <a:p>
@@ -6532,8 +6873,12 @@
               <a:buChar char="•"/>
             </a:pPr>
             <a:r>
-              <a:rPr lang="en-US" dirty="0"/>
-              <a:t>Average accuracy was 84.67% and overfitting was similar higher at +/- 8%</a:t>
+              <a:rPr lang="en-US" dirty="0">
+                <a:solidFill>
+                  <a:srgbClr val="002060"/>
+                </a:solidFill>
+              </a:rPr>
+              <a:t>Can be used to prevent overfitting</a:t>
             </a:r>
           </a:p>
           <a:p>
@@ -6542,14 +6887,12 @@
               <a:buChar char="•"/>
             </a:pPr>
             <a:r>
-              <a:rPr lang="en-US" dirty="0"/>
-              <a:t>PCA feature had had a much lower accuracy at 72.8 but with only +/-.5% overfit</a:t>
-            </a:r>
-          </a:p>
-          <a:p>
-            <a:r>
-              <a:rPr lang="en-US" dirty="0"/>
-              <a:t>My best parameters for ELA was C= 0.089999999999999927 using my manual feature.</a:t>
+              <a:rPr lang="en-US" dirty="0">
+                <a:solidFill>
+                  <a:srgbClr val="002060"/>
+                </a:solidFill>
+              </a:rPr>
+              <a:t>reduces the coefficient of features with little relevance</a:t>
             </a:r>
           </a:p>
           <a:p>
@@ -6558,21 +6901,29 @@
               <a:buChar char="•"/>
             </a:pPr>
             <a:r>
-              <a:rPr lang="en-US" dirty="0"/>
-              <a:t>I found ELA had much better accuracy 90.76% accuracy with overfitting  +/-3%</a:t>
-            </a:r>
+              <a:rPr lang="en-US" dirty="0">
+                <a:solidFill>
+                  <a:srgbClr val="002060"/>
+                </a:solidFill>
+              </a:rPr>
+              <a:t>minimizes less important feature’s impact on the trained model </a:t>
+            </a:r>
+          </a:p>
+          <a:p>
+            <a:endParaRPr lang="en-US" dirty="0"/>
           </a:p>
           <a:p>
             <a:pPr marL="342900" indent="-342900">
               <a:buFont typeface="Arial" panose="020B0604020202020204" pitchFamily="34" charset="0"/>
               <a:buChar char="•"/>
             </a:pPr>
-            <a:r>
-              <a:rPr lang="en-US" dirty="0"/>
-              <a:t>PCA feature set performed slightly lower at 72.8% with +/-4% overfitting</a:t>
-            </a:r>
-          </a:p>
-          <a:p>
+            <a:endParaRPr lang="en-US" dirty="0"/>
+          </a:p>
+          <a:p>
+            <a:pPr marL="342900" indent="-342900">
+              <a:buFont typeface="Arial" panose="020B0604020202020204" pitchFamily="34" charset="0"/>
+              <a:buChar char="•"/>
+            </a:pPr>
             <a:endParaRPr lang="en-US" dirty="0"/>
           </a:p>
         </p:txBody>
@@ -6580,7 +6931,7 @@
     </p:spTree>
     <p:extLst>
       <p:ext uri="{BB962C8B-B14F-4D97-AF65-F5344CB8AC3E}">
-        <p14:creationId xmlns:p14="http://schemas.microsoft.com/office/powerpoint/2010/main" val="1375981454"/>
+        <p14:creationId xmlns:p14="http://schemas.microsoft.com/office/powerpoint/2010/main" val="3660606252"/>
       </p:ext>
     </p:extLst>
   </p:cSld>
@@ -6612,7 +6963,7 @@
           <p:cNvPr id="2" name="Title 1">
             <a:extLst>
               <a:ext uri="{FF2B5EF4-FFF2-40B4-BE49-F238E27FC236}">
-                <a16:creationId xmlns:a16="http://schemas.microsoft.com/office/drawing/2014/main" id="{47FF1805-DFF8-4784-B538-C4A5AD30A20E}"/>
+                <a16:creationId xmlns:a16="http://schemas.microsoft.com/office/drawing/2014/main" id="{7F6D47DF-BB96-49C6-B688-A7AB1521D645}"/>
               </a:ext>
             </a:extLst>
           </p:cNvPr>
@@ -6625,105 +6976,285 @@
         </p:nvSpPr>
         <p:spPr>
           <a:xfrm>
-            <a:off x="684212" y="685800"/>
-            <a:ext cx="10528073" cy="783771"/>
+            <a:off x="3276600" y="620486"/>
+            <a:ext cx="5638800" cy="838200"/>
           </a:xfrm>
         </p:spPr>
         <p:txBody>
-          <a:bodyPr>
-            <a:normAutofit fontScale="90000"/>
-          </a:bodyPr>
+          <a:bodyPr/>
           <a:lstStyle/>
           <a:p>
             <a:pPr algn="ctr"/>
             <a:r>
               <a:rPr lang="en-US" dirty="0"/>
-              <a:t>Lasso Regression</a:t>
-            </a:r>
-            <a:br>
-              <a:rPr lang="en-US" dirty="0"/>
-            </a:br>
-            <a:r>
-              <a:rPr lang="en-US" dirty="0"/>
-              <a:t>(Least absolute shrinkage and selection operator)</a:t>
-            </a:r>
-          </a:p>
-        </p:txBody>
-      </p:sp>
-      <p:sp>
-        <p:nvSpPr>
-          <p:cNvPr id="3" name="Text Placeholder 2">
+              <a:t>Ridge Regression scores</a:t>
+            </a:r>
+          </a:p>
+        </p:txBody>
+      </p:sp>
+      <p:graphicFrame>
+        <p:nvGraphicFramePr>
+          <p:cNvPr id="4" name="Table 3">
             <a:extLst>
               <a:ext uri="{FF2B5EF4-FFF2-40B4-BE49-F238E27FC236}">
-                <a16:creationId xmlns:a16="http://schemas.microsoft.com/office/drawing/2014/main" id="{6C36E44F-AC9F-4781-B695-F6E20593EC2D}"/>
+                <a16:creationId xmlns:a16="http://schemas.microsoft.com/office/drawing/2014/main" id="{AFFC89F4-EE09-4A4D-8BD7-9FEED67F97B9}"/>
               </a:ext>
             </a:extLst>
           </p:cNvPr>
-          <p:cNvSpPr>
-            <a:spLocks noGrp="1"/>
-          </p:cNvSpPr>
-          <p:nvPr>
-            <p:ph type="body" idx="1"/>
-          </p:nvPr>
-        </p:nvSpPr>
-        <p:spPr>
-          <a:xfrm>
-            <a:off x="684212" y="2405743"/>
-            <a:ext cx="10528074" cy="3588657"/>
-          </a:xfrm>
-        </p:spPr>
-        <p:txBody>
-          <a:bodyPr/>
-          <a:lstStyle/>
-          <a:p>
-            <a:r>
-              <a:rPr lang="en-US" dirty="0"/>
-              <a:t>Lasso regression is similar to ridge regression, however it reduces the coefficient to 0</a:t>
-            </a:r>
-          </a:p>
-          <a:p>
-            <a:pPr marL="342900" indent="-342900">
-              <a:buFont typeface="Arial" panose="020B0604020202020204" pitchFamily="34" charset="0"/>
-              <a:buChar char="•"/>
-            </a:pPr>
-            <a:r>
-              <a:rPr lang="en-US" dirty="0"/>
-              <a:t>Setting the coefficients to 0 will remove the unwanted features</a:t>
-            </a:r>
-          </a:p>
-          <a:p>
-            <a:pPr marL="342900" indent="-342900">
-              <a:buFont typeface="Arial" panose="020B0604020202020204" pitchFamily="34" charset="0"/>
-              <a:buChar char="•"/>
-            </a:pPr>
-            <a:r>
-              <a:rPr lang="en-US" dirty="0"/>
-              <a:t>Can be used to prevent overfitting</a:t>
-            </a:r>
-          </a:p>
-          <a:p>
-            <a:pPr marL="342900" indent="-342900">
-              <a:buFont typeface="Arial" panose="020B0604020202020204" pitchFamily="34" charset="0"/>
-              <a:buChar char="•"/>
-            </a:pPr>
-            <a:r>
-              <a:rPr lang="en-US" dirty="0"/>
-              <a:t>Lasso works by fitting a model while excluding one of the features if the fit is still good enough that feature gets excluded, it continues to cycle through all features</a:t>
-            </a:r>
-          </a:p>
-          <a:p>
-            <a:pPr marL="342900" indent="-342900">
-              <a:buFont typeface="Arial" panose="020B0604020202020204" pitchFamily="34" charset="0"/>
-              <a:buChar char="•"/>
-            </a:pPr>
-            <a:endParaRPr lang="en-US" dirty="0"/>
-          </a:p>
-        </p:txBody>
-      </p:sp>
+          <p:cNvGraphicFramePr>
+            <a:graphicFrameLocks noGrp="1"/>
+          </p:cNvGraphicFramePr>
+          <p:nvPr>
+            <p:extLst>
+              <p:ext uri="{D42A27DB-BD31-4B8C-83A1-F6EECF244321}">
+                <p14:modId xmlns:p14="http://schemas.microsoft.com/office/powerpoint/2010/main" val="1409827534"/>
+              </p:ext>
+            </p:extLst>
+          </p:nvPr>
+        </p:nvGraphicFramePr>
+        <p:xfrm>
+          <a:off x="1515562" y="1967943"/>
+          <a:ext cx="9160876" cy="3806719"/>
+        </p:xfrm>
+        <a:graphic>
+          <a:graphicData uri="http://schemas.openxmlformats.org/drawingml/2006/table">
+            <a:tbl>
+              <a:tblPr firstRow="1" bandRow="1">
+                <a:tableStyleId>{5C22544A-7EE6-4342-B048-85BDC9FD1C3A}</a:tableStyleId>
+              </a:tblPr>
+              <a:tblGrid>
+                <a:gridCol w="1655477">
+                  <a:extLst>
+                    <a:ext uri="{9D8B030D-6E8A-4147-A177-3AD203B41FA5}">
+                      <a16:colId xmlns:a16="http://schemas.microsoft.com/office/drawing/2014/main" val="3036596017"/>
+                    </a:ext>
+                  </a:extLst>
+                </a:gridCol>
+                <a:gridCol w="3070371">
+                  <a:extLst>
+                    <a:ext uri="{9D8B030D-6E8A-4147-A177-3AD203B41FA5}">
+                      <a16:colId xmlns:a16="http://schemas.microsoft.com/office/drawing/2014/main" val="4058830033"/>
+                    </a:ext>
+                  </a:extLst>
+                </a:gridCol>
+                <a:gridCol w="2144809">
+                  <a:extLst>
+                    <a:ext uri="{9D8B030D-6E8A-4147-A177-3AD203B41FA5}">
+                      <a16:colId xmlns:a16="http://schemas.microsoft.com/office/drawing/2014/main" val="1905774814"/>
+                    </a:ext>
+                  </a:extLst>
+                </a:gridCol>
+                <a:gridCol w="2290219">
+                  <a:extLst>
+                    <a:ext uri="{9D8B030D-6E8A-4147-A177-3AD203B41FA5}">
+                      <a16:colId xmlns:a16="http://schemas.microsoft.com/office/drawing/2014/main" val="3554563227"/>
+                    </a:ext>
+                  </a:extLst>
+                </a:gridCol>
+              </a:tblGrid>
+              <a:tr h="986927">
+                <a:tc>
+                  <a:txBody>
+                    <a:bodyPr/>
+                    <a:lstStyle/>
+                    <a:p>
+                      <a:pPr algn="ctr"/>
+                      <a:r>
+                        <a:rPr lang="en-US" dirty="0"/>
+                        <a:t>Test Subject</a:t>
+                      </a:r>
+                    </a:p>
+                  </a:txBody>
+                  <a:tcPr/>
+                </a:tc>
+                <a:tc>
+                  <a:txBody>
+                    <a:bodyPr/>
+                    <a:lstStyle/>
+                    <a:p>
+                      <a:pPr algn="ctr"/>
+                      <a:r>
+                        <a:rPr lang="en-US" dirty="0"/>
+                        <a:t>Parameters</a:t>
+                      </a:r>
+                    </a:p>
+                  </a:txBody>
+                  <a:tcPr/>
+                </a:tc>
+                <a:tc>
+                  <a:txBody>
+                    <a:bodyPr/>
+                    <a:lstStyle/>
+                    <a:p>
+                      <a:pPr algn="ctr"/>
+                      <a:r>
+                        <a:rPr lang="en-US" dirty="0"/>
+                        <a:t>Accuracy</a:t>
+                      </a:r>
+                    </a:p>
+                    <a:p>
+                      <a:pPr algn="ctr"/>
+                      <a:r>
+                        <a:rPr lang="en-US" dirty="0"/>
+                        <a:t>(Math)</a:t>
+                      </a:r>
+                    </a:p>
+                  </a:txBody>
+                  <a:tcPr/>
+                </a:tc>
+                <a:tc>
+                  <a:txBody>
+                    <a:bodyPr/>
+                    <a:lstStyle/>
+                    <a:p>
+                      <a:pPr algn="ctr"/>
+                      <a:r>
+                        <a:rPr lang="en-US" dirty="0"/>
+                        <a:t>Overfitting</a:t>
+                      </a:r>
+                    </a:p>
+                    <a:p>
+                      <a:pPr algn="ctr"/>
+                      <a:r>
+                        <a:rPr lang="en-US" dirty="0"/>
+                        <a:t>(Math</a:t>
+                      </a:r>
+                    </a:p>
+                  </a:txBody>
+                  <a:tcPr/>
+                </a:tc>
+                <a:extLst>
+                  <a:ext uri="{0D108BD9-81ED-4DB2-BD59-A6C34878D82A}">
+                    <a16:rowId xmlns:a16="http://schemas.microsoft.com/office/drawing/2014/main" val="1035141803"/>
+                  </a:ext>
+                </a:extLst>
+              </a:tr>
+              <a:tr h="1409896">
+                <a:tc>
+                  <a:txBody>
+                    <a:bodyPr/>
+                    <a:lstStyle/>
+                    <a:p>
+                      <a:r>
+                        <a:rPr lang="en-US" dirty="0"/>
+                        <a:t>Math</a:t>
+                      </a:r>
+                    </a:p>
+                  </a:txBody>
+                  <a:tcPr/>
+                </a:tc>
+                <a:tc>
+                  <a:txBody>
+                    <a:bodyPr/>
+                    <a:lstStyle/>
+                    <a:p>
+                      <a:r>
+                        <a:rPr lang="en-US" dirty="0"/>
+                        <a:t>C= 0.019000000000000003</a:t>
+                      </a:r>
+                    </a:p>
+                  </a:txBody>
+                  <a:tcPr/>
+                </a:tc>
+                <a:tc>
+                  <a:txBody>
+                    <a:bodyPr/>
+                    <a:lstStyle/>
+                    <a:p>
+                      <a:r>
+                        <a:rPr lang="en-US" dirty="0"/>
+                        <a:t>84.67%</a:t>
+                      </a:r>
+                    </a:p>
+                  </a:txBody>
+                  <a:tcPr/>
+                </a:tc>
+                <a:tc>
+                  <a:txBody>
+                    <a:bodyPr/>
+                    <a:lstStyle/>
+                    <a:p>
+                      <a:r>
+                        <a:rPr lang="en-US" dirty="0"/>
+                        <a:t>+/-8%</a:t>
+                      </a:r>
+                    </a:p>
+                  </a:txBody>
+                  <a:tcPr/>
+                </a:tc>
+                <a:extLst>
+                  <a:ext uri="{0D108BD9-81ED-4DB2-BD59-A6C34878D82A}">
+                    <a16:rowId xmlns:a16="http://schemas.microsoft.com/office/drawing/2014/main" val="4193883256"/>
+                  </a:ext>
+                </a:extLst>
+              </a:tr>
+              <a:tr h="1409896">
+                <a:tc>
+                  <a:txBody>
+                    <a:bodyPr/>
+                    <a:lstStyle/>
+                    <a:p>
+                      <a:r>
+                        <a:rPr lang="en-US" dirty="0"/>
+                        <a:t>ELA</a:t>
+                      </a:r>
+                    </a:p>
+                  </a:txBody>
+                  <a:tcPr/>
+                </a:tc>
+                <a:tc>
+                  <a:txBody>
+                    <a:bodyPr/>
+                    <a:lstStyle/>
+                    <a:p>
+                      <a:r>
+                        <a:rPr lang="en-US" dirty="0"/>
+                        <a:t>C= 0.089999999999999927</a:t>
+                      </a:r>
+                    </a:p>
+                  </a:txBody>
+                  <a:tcPr/>
+                </a:tc>
+                <a:tc>
+                  <a:txBody>
+                    <a:bodyPr/>
+                    <a:lstStyle/>
+                    <a:p>
+                      <a:r>
+                        <a:rPr lang="en-US" dirty="0"/>
+                        <a:t>90.76%</a:t>
+                      </a:r>
+                    </a:p>
+                  </a:txBody>
+                  <a:tcPr/>
+                </a:tc>
+                <a:tc>
+                  <a:txBody>
+                    <a:bodyPr/>
+                    <a:lstStyle/>
+                    <a:p>
+                      <a:r>
+                        <a:rPr lang="en-US" dirty="0"/>
+                        <a:t>+/-3%</a:t>
+                      </a:r>
+                    </a:p>
+                  </a:txBody>
+                  <a:tcPr/>
+                </a:tc>
+                <a:extLst>
+                  <a:ext uri="{0D108BD9-81ED-4DB2-BD59-A6C34878D82A}">
+                    <a16:rowId xmlns:a16="http://schemas.microsoft.com/office/drawing/2014/main" val="1130904937"/>
+                  </a:ext>
+                </a:extLst>
+              </a:tr>
+            </a:tbl>
+          </a:graphicData>
+        </a:graphic>
+      </p:graphicFrame>
     </p:spTree>
     <p:extLst>
       <p:ext uri="{BB962C8B-B14F-4D97-AF65-F5344CB8AC3E}">
-        <p14:creationId xmlns:p14="http://schemas.microsoft.com/office/powerpoint/2010/main" val="3884424611"/>
+        <p14:creationId xmlns:p14="http://schemas.microsoft.com/office/powerpoint/2010/main" val="1375981454"/>
       </p:ext>
     </p:extLst>
   </p:cSld>
@@ -6755,7 +7286,7 @@
           <p:cNvPr id="2" name="Title 1">
             <a:extLst>
               <a:ext uri="{FF2B5EF4-FFF2-40B4-BE49-F238E27FC236}">
-                <a16:creationId xmlns:a16="http://schemas.microsoft.com/office/drawing/2014/main" id="{08B6295C-59D2-4C0F-AF10-06DB8E8CB486}"/>
+                <a16:creationId xmlns:a16="http://schemas.microsoft.com/office/drawing/2014/main" id="{47FF1805-DFF8-4784-B538-C4A5AD30A20E}"/>
               </a:ext>
             </a:extLst>
           </p:cNvPr>
@@ -6768,17 +7299,27 @@
         </p:nvSpPr>
         <p:spPr>
           <a:xfrm>
-            <a:off x="3918857" y="685800"/>
-            <a:ext cx="3211286" cy="1393371"/>
+            <a:off x="684212" y="685800"/>
+            <a:ext cx="10528073" cy="783771"/>
           </a:xfrm>
         </p:spPr>
         <p:txBody>
-          <a:bodyPr/>
+          <a:bodyPr>
+            <a:normAutofit fontScale="90000"/>
+          </a:bodyPr>
           <a:lstStyle/>
           <a:p>
+            <a:pPr algn="ctr"/>
             <a:r>
               <a:rPr lang="en-US" dirty="0"/>
-              <a:t>LASSO Scores</a:t>
+              <a:t>Lasso Regression</a:t>
+            </a:r>
+            <a:br>
+              <a:rPr lang="en-US" dirty="0"/>
+            </a:br>
+            <a:r>
+              <a:rPr lang="en-US" dirty="0"/>
+              <a:t>(Least absolute shrinkage and selection operator)</a:t>
             </a:r>
           </a:p>
         </p:txBody>
@@ -6788,7 +7329,7 @@
           <p:cNvPr id="3" name="Text Placeholder 2">
             <a:extLst>
               <a:ext uri="{FF2B5EF4-FFF2-40B4-BE49-F238E27FC236}">
-                <a16:creationId xmlns:a16="http://schemas.microsoft.com/office/drawing/2014/main" id="{2B2A4D70-1F6C-4C16-8A30-09D3325A4B88}"/>
+                <a16:creationId xmlns:a16="http://schemas.microsoft.com/office/drawing/2014/main" id="{6C36E44F-AC9F-4781-B695-F6E20593EC2D}"/>
               </a:ext>
             </a:extLst>
           </p:cNvPr>
@@ -6801,8 +7342,8 @@
         </p:nvSpPr>
         <p:spPr>
           <a:xfrm>
-            <a:off x="684212" y="1817914"/>
-            <a:ext cx="9983788" cy="4354285"/>
+            <a:off x="684212" y="2405743"/>
+            <a:ext cx="10528074" cy="3588657"/>
           </a:xfrm>
         </p:spPr>
         <p:txBody>
@@ -6810,8 +7351,12 @@
           <a:lstStyle/>
           <a:p>
             <a:r>
-              <a:rPr lang="en-US" dirty="0"/>
-              <a:t>My best parameters for Math was C= 3.8700000000000028 using my manual features.</a:t>
+              <a:rPr lang="en-US" dirty="0">
+                <a:solidFill>
+                  <a:srgbClr val="002060"/>
+                </a:solidFill>
+              </a:rPr>
+              <a:t>Lasso regression is similar to ridge regression, however it reduces the coefficient to 0</a:t>
             </a:r>
           </a:p>
           <a:p>
@@ -6820,8 +7365,12 @@
               <a:buChar char="•"/>
             </a:pPr>
             <a:r>
-              <a:rPr lang="en-US" dirty="0"/>
-              <a:t>Average accuracy was 84.6% and overfitting was similar higher at +/- 7%</a:t>
+              <a:rPr lang="en-US" dirty="0">
+                <a:solidFill>
+                  <a:srgbClr val="002060"/>
+                </a:solidFill>
+              </a:rPr>
+              <a:t>Setting the coefficients to 0 will remove the unwanted features</a:t>
             </a:r>
           </a:p>
           <a:p>
@@ -6830,34 +7379,12 @@
               <a:buChar char="•"/>
             </a:pPr>
             <a:r>
-              <a:rPr lang="en-US" dirty="0"/>
-              <a:t>PCA feature had had a much lower accuracy at 72.8 but with only +/-.3% overfit</a:t>
-            </a:r>
-          </a:p>
-          <a:p>
-            <a:r>
-              <a:rPr lang="en-US" dirty="0"/>
-              <a:t>My best parameters for ELA was C= 6.3199999999999967 using my manual feature.</a:t>
-            </a:r>
-          </a:p>
-          <a:p>
-            <a:pPr marL="342900" indent="-342900">
-              <a:buFont typeface="Arial" panose="020B0604020202020204" pitchFamily="34" charset="0"/>
-              <a:buChar char="•"/>
-            </a:pPr>
-            <a:r>
-              <a:rPr lang="en-US" dirty="0"/>
-              <a:t>I found ELA had much better accuracy 90.6% accuracy with overfitting  +/-3%</a:t>
-            </a:r>
-          </a:p>
-          <a:p>
-            <a:pPr marL="342900" indent="-342900">
-              <a:buFont typeface="Arial" panose="020B0604020202020204" pitchFamily="34" charset="0"/>
-              <a:buChar char="•"/>
-            </a:pPr>
-            <a:r>
-              <a:rPr lang="en-US" dirty="0"/>
-              <a:t>PCA feature set performed slightly lower at 72.8% with +/-3% overfitting</a:t>
+              <a:rPr lang="en-US" dirty="0">
+                <a:solidFill>
+                  <a:srgbClr val="002060"/>
+                </a:solidFill>
+              </a:rPr>
+              <a:t>Can be used to prevent overfitting</a:t>
             </a:r>
           </a:p>
           <a:p>
@@ -6868,7 +7395,7 @@
     </p:spTree>
     <p:extLst>
       <p:ext uri="{BB962C8B-B14F-4D97-AF65-F5344CB8AC3E}">
-        <p14:creationId xmlns:p14="http://schemas.microsoft.com/office/powerpoint/2010/main" val="705367272"/>
+        <p14:creationId xmlns:p14="http://schemas.microsoft.com/office/powerpoint/2010/main" val="3884424611"/>
       </p:ext>
     </p:extLst>
   </p:cSld>
@@ -6962,35 +7489,58 @@
           <a:lstStyle/>
           <a:p>
             <a:r>
-              <a:rPr lang="en-US" dirty="0"/>
+              <a:rPr lang="en-US" dirty="0">
+                <a:solidFill>
+                  <a:srgbClr val="002060"/>
+                </a:solidFill>
+              </a:rPr>
               <a:t>The dataset can be found on Kaggle </a:t>
             </a:r>
             <a:r>
               <a:rPr lang="en-US" u="sng" dirty="0">
+                <a:solidFill>
+                  <a:srgbClr val="002060"/>
+                </a:solidFill>
                 <a:hlinkClick r:id="rId2"/>
               </a:rPr>
               <a:t>https://www.kaggle.com/passnyc/data-science-for-good#2016%20School%20Explorer.csv</a:t>
             </a:r>
             <a:r>
-              <a:rPr lang="en-US" dirty="0"/>
+              <a:rPr lang="en-US" dirty="0">
+                <a:solidFill>
+                  <a:srgbClr val="002060"/>
+                </a:solidFill>
+              </a:rPr>
               <a:t> and was provided by PASSNYC. </a:t>
             </a:r>
           </a:p>
           <a:p>
             <a:r>
-              <a:rPr lang="en-US" dirty="0"/>
+              <a:rPr lang="en-US" dirty="0">
+                <a:solidFill>
+                  <a:srgbClr val="002060"/>
+                </a:solidFill>
+              </a:rPr>
               <a:t>The dataset included 1272 schools in the New York City area. </a:t>
             </a:r>
           </a:p>
           <a:p>
             <a:r>
-              <a:rPr lang="en-US" dirty="0"/>
+              <a:rPr lang="en-US" dirty="0">
+                <a:solidFill>
+                  <a:srgbClr val="002060"/>
+                </a:solidFill>
+              </a:rPr>
               <a:t>The test scores are from a test called SHSAT</a:t>
             </a:r>
           </a:p>
           <a:p>
             <a:r>
-              <a:rPr lang="en-US" dirty="0"/>
+              <a:rPr lang="en-US" dirty="0">
+                <a:solidFill>
+                  <a:srgbClr val="002060"/>
+                </a:solidFill>
+              </a:rPr>
               <a:t>The school dataset provider's definition for rigorous instruction is how well the students were engaged during the curriculum.</a:t>
             </a:r>
           </a:p>
@@ -7031,7 +7581,7 @@
           <p:cNvPr id="2" name="Title 1">
             <a:extLst>
               <a:ext uri="{FF2B5EF4-FFF2-40B4-BE49-F238E27FC236}">
-                <a16:creationId xmlns:a16="http://schemas.microsoft.com/office/drawing/2014/main" id="{5C70EBA0-7EA6-4C11-B843-5A5000FDB980}"/>
+                <a16:creationId xmlns:a16="http://schemas.microsoft.com/office/drawing/2014/main" id="{08B6295C-59D2-4C0F-AF10-06DB8E8CB486}"/>
               </a:ext>
             </a:extLst>
           </p:cNvPr>
@@ -7044,118 +7594,284 @@
         </p:nvSpPr>
         <p:spPr>
           <a:xfrm>
-            <a:off x="3510742" y="604455"/>
-            <a:ext cx="5170516" cy="762000"/>
+            <a:off x="4490357" y="425741"/>
+            <a:ext cx="3211286" cy="1393371"/>
           </a:xfrm>
         </p:spPr>
         <p:txBody>
-          <a:bodyPr>
-            <a:normAutofit fontScale="90000"/>
-          </a:bodyPr>
+          <a:bodyPr/>
           <a:lstStyle/>
           <a:p>
-            <a:pPr algn="ctr"/>
             <a:r>
               <a:rPr lang="en-US" dirty="0"/>
-              <a:t>SVC</a:t>
-            </a:r>
-            <a:br>
-              <a:rPr lang="en-US" dirty="0"/>
-            </a:br>
-            <a:r>
-              <a:rPr lang="en-US" dirty="0"/>
-              <a:t>Support Vector Cluster</a:t>
-            </a:r>
-          </a:p>
-        </p:txBody>
-      </p:sp>
-      <p:sp>
-        <p:nvSpPr>
-          <p:cNvPr id="3" name="Text Placeholder 2">
+              <a:t>LASSO Scores</a:t>
+            </a:r>
+          </a:p>
+        </p:txBody>
+      </p:sp>
+      <p:graphicFrame>
+        <p:nvGraphicFramePr>
+          <p:cNvPr id="5" name="Table 4">
             <a:extLst>
               <a:ext uri="{FF2B5EF4-FFF2-40B4-BE49-F238E27FC236}">
-                <a16:creationId xmlns:a16="http://schemas.microsoft.com/office/drawing/2014/main" id="{84DDB760-FF7D-48DA-9B06-3677551C0865}"/>
+                <a16:creationId xmlns:a16="http://schemas.microsoft.com/office/drawing/2014/main" id="{81E92B5C-A996-4892-8997-FAEDC5BCC5EF}"/>
               </a:ext>
             </a:extLst>
           </p:cNvPr>
-          <p:cNvSpPr>
-            <a:spLocks noGrp="1"/>
-          </p:cNvSpPr>
-          <p:nvPr>
-            <p:ph type="body" idx="1"/>
-          </p:nvPr>
-        </p:nvSpPr>
-        <p:spPr>
-          <a:xfrm>
-            <a:off x="684211" y="1978429"/>
-            <a:ext cx="10876417" cy="4015971"/>
-          </a:xfrm>
-        </p:spPr>
-        <p:txBody>
-          <a:bodyPr/>
-          <a:lstStyle/>
-          <a:p>
-            <a:endParaRPr lang="en-US" dirty="0"/>
-          </a:p>
-          <a:p>
-            <a:r>
-              <a:rPr lang="en-US" dirty="0"/>
-              <a:t>SVC is a supervised machine learning algorithm outputs an optimal hyperplane to categorizes new examples.</a:t>
-            </a:r>
-          </a:p>
-          <a:p>
-            <a:pPr marL="342900" indent="-342900">
-              <a:buFont typeface="Arial" panose="020B0604020202020204" pitchFamily="34" charset="0"/>
-              <a:buChar char="•"/>
-            </a:pPr>
-            <a:r>
-              <a:rPr lang="en-US" dirty="0"/>
-              <a:t>SVM uses the dot product to find the optimal hyperplane and then finds the best-fit boundaries with the hyperplane, this is called the kernel trick</a:t>
-            </a:r>
-          </a:p>
-          <a:p>
-            <a:pPr marL="342900" indent="-342900">
-              <a:buFont typeface="Arial" panose="020B0604020202020204" pitchFamily="34" charset="0"/>
-              <a:buChar char="•"/>
-            </a:pPr>
-            <a:r>
-              <a:rPr lang="en-US" dirty="0"/>
-              <a:t>SVM is resistant to over fitting</a:t>
-            </a:r>
-          </a:p>
-          <a:p>
-            <a:pPr marL="342900" indent="-342900">
-              <a:buFont typeface="Arial" panose="020B0604020202020204" pitchFamily="34" charset="0"/>
-              <a:buChar char="•"/>
-            </a:pPr>
-            <a:r>
-              <a:rPr lang="en-US" dirty="0"/>
-              <a:t>Can work with infinite-dimensional feature space</a:t>
-            </a:r>
-          </a:p>
-          <a:p>
-            <a:pPr marL="342900" indent="-342900">
-              <a:buFont typeface="Arial" panose="020B0604020202020204" pitchFamily="34" charset="0"/>
-              <a:buChar char="•"/>
-            </a:pPr>
-            <a:endParaRPr lang="en-US" dirty="0"/>
-          </a:p>
-          <a:p>
-            <a:pPr marL="342900" indent="-342900">
-              <a:buFont typeface="Arial" panose="020B0604020202020204" pitchFamily="34" charset="0"/>
-              <a:buChar char="•"/>
-            </a:pPr>
-            <a:endParaRPr lang="en-US" dirty="0"/>
-          </a:p>
-          <a:p>
-            <a:endParaRPr lang="en-US" dirty="0"/>
-          </a:p>
-        </p:txBody>
-      </p:sp>
+          <p:cNvGraphicFramePr>
+            <a:graphicFrameLocks noGrp="1"/>
+          </p:cNvGraphicFramePr>
+          <p:nvPr>
+            <p:extLst>
+              <p:ext uri="{D42A27DB-BD31-4B8C-83A1-F6EECF244321}">
+                <p14:modId xmlns:p14="http://schemas.microsoft.com/office/powerpoint/2010/main" val="1804759235"/>
+              </p:ext>
+            </p:extLst>
+          </p:nvPr>
+        </p:nvGraphicFramePr>
+        <p:xfrm>
+          <a:off x="1515562" y="2122201"/>
+          <a:ext cx="9160876" cy="3806719"/>
+        </p:xfrm>
+        <a:graphic>
+          <a:graphicData uri="http://schemas.openxmlformats.org/drawingml/2006/table">
+            <a:tbl>
+              <a:tblPr firstRow="1" bandRow="1">
+                <a:tableStyleId>{5C22544A-7EE6-4342-B048-85BDC9FD1C3A}</a:tableStyleId>
+              </a:tblPr>
+              <a:tblGrid>
+                <a:gridCol w="1655477">
+                  <a:extLst>
+                    <a:ext uri="{9D8B030D-6E8A-4147-A177-3AD203B41FA5}">
+                      <a16:colId xmlns:a16="http://schemas.microsoft.com/office/drawing/2014/main" val="3036596017"/>
+                    </a:ext>
+                  </a:extLst>
+                </a:gridCol>
+                <a:gridCol w="3070371">
+                  <a:extLst>
+                    <a:ext uri="{9D8B030D-6E8A-4147-A177-3AD203B41FA5}">
+                      <a16:colId xmlns:a16="http://schemas.microsoft.com/office/drawing/2014/main" val="4058830033"/>
+                    </a:ext>
+                  </a:extLst>
+                </a:gridCol>
+                <a:gridCol w="2144809">
+                  <a:extLst>
+                    <a:ext uri="{9D8B030D-6E8A-4147-A177-3AD203B41FA5}">
+                      <a16:colId xmlns:a16="http://schemas.microsoft.com/office/drawing/2014/main" val="1905774814"/>
+                    </a:ext>
+                  </a:extLst>
+                </a:gridCol>
+                <a:gridCol w="2290219">
+                  <a:extLst>
+                    <a:ext uri="{9D8B030D-6E8A-4147-A177-3AD203B41FA5}">
+                      <a16:colId xmlns:a16="http://schemas.microsoft.com/office/drawing/2014/main" val="3554563227"/>
+                    </a:ext>
+                  </a:extLst>
+                </a:gridCol>
+              </a:tblGrid>
+              <a:tr h="986927">
+                <a:tc>
+                  <a:txBody>
+                    <a:bodyPr/>
+                    <a:lstStyle/>
+                    <a:p>
+                      <a:pPr algn="ctr"/>
+                      <a:r>
+                        <a:rPr lang="en-US" dirty="0"/>
+                        <a:t>Test Subject</a:t>
+                      </a:r>
+                    </a:p>
+                  </a:txBody>
+                  <a:tcPr/>
+                </a:tc>
+                <a:tc>
+                  <a:txBody>
+                    <a:bodyPr/>
+                    <a:lstStyle/>
+                    <a:p>
+                      <a:pPr algn="ctr"/>
+                      <a:r>
+                        <a:rPr lang="en-US" dirty="0"/>
+                        <a:t>Parameters</a:t>
+                      </a:r>
+                    </a:p>
+                  </a:txBody>
+                  <a:tcPr/>
+                </a:tc>
+                <a:tc>
+                  <a:txBody>
+                    <a:bodyPr/>
+                    <a:lstStyle/>
+                    <a:p>
+                      <a:pPr algn="ctr"/>
+                      <a:r>
+                        <a:rPr lang="en-US" dirty="0"/>
+                        <a:t>Accuracy</a:t>
+                      </a:r>
+                    </a:p>
+                    <a:p>
+                      <a:pPr algn="ctr"/>
+                      <a:r>
+                        <a:rPr lang="en-US" dirty="0"/>
+                        <a:t>(Math)</a:t>
+                      </a:r>
+                    </a:p>
+                  </a:txBody>
+                  <a:tcPr/>
+                </a:tc>
+                <a:tc>
+                  <a:txBody>
+                    <a:bodyPr/>
+                    <a:lstStyle/>
+                    <a:p>
+                      <a:pPr algn="ctr"/>
+                      <a:r>
+                        <a:rPr lang="en-US" dirty="0"/>
+                        <a:t>Overfitting</a:t>
+                      </a:r>
+                    </a:p>
+                    <a:p>
+                      <a:pPr algn="ctr"/>
+                      <a:r>
+                        <a:rPr lang="en-US" dirty="0"/>
+                        <a:t>(Math</a:t>
+                      </a:r>
+                    </a:p>
+                  </a:txBody>
+                  <a:tcPr/>
+                </a:tc>
+                <a:extLst>
+                  <a:ext uri="{0D108BD9-81ED-4DB2-BD59-A6C34878D82A}">
+                    <a16:rowId xmlns:a16="http://schemas.microsoft.com/office/drawing/2014/main" val="1035141803"/>
+                  </a:ext>
+                </a:extLst>
+              </a:tr>
+              <a:tr h="1409896">
+                <a:tc>
+                  <a:txBody>
+                    <a:bodyPr/>
+                    <a:lstStyle/>
+                    <a:p>
+                      <a:r>
+                        <a:rPr lang="en-US" dirty="0"/>
+                        <a:t>Math</a:t>
+                      </a:r>
+                    </a:p>
+                  </a:txBody>
+                  <a:tcPr/>
+                </a:tc>
+                <a:tc>
+                  <a:txBody>
+                    <a:bodyPr/>
+                    <a:lstStyle/>
+                    <a:p>
+                      <a:r>
+                        <a:rPr lang="en-US" dirty="0"/>
+                        <a:t>C= 3.8700000000000028</a:t>
+                      </a:r>
+                    </a:p>
+                  </a:txBody>
+                  <a:tcPr/>
+                </a:tc>
+                <a:tc>
+                  <a:txBody>
+                    <a:bodyPr/>
+                    <a:lstStyle/>
+                    <a:p>
+                      <a:r>
+                        <a:rPr lang="en-US" dirty="0"/>
+                        <a:t>84.6%</a:t>
+                      </a:r>
+                    </a:p>
+                  </a:txBody>
+                  <a:tcPr/>
+                </a:tc>
+                <a:tc>
+                  <a:txBody>
+                    <a:bodyPr/>
+                    <a:lstStyle/>
+                    <a:p>
+                      <a:r>
+                        <a:rPr lang="en-US" dirty="0"/>
+                        <a:t>+/-7%</a:t>
+                      </a:r>
+                    </a:p>
+                  </a:txBody>
+                  <a:tcPr/>
+                </a:tc>
+                <a:extLst>
+                  <a:ext uri="{0D108BD9-81ED-4DB2-BD59-A6C34878D82A}">
+                    <a16:rowId xmlns:a16="http://schemas.microsoft.com/office/drawing/2014/main" val="4193883256"/>
+                  </a:ext>
+                </a:extLst>
+              </a:tr>
+              <a:tr h="1409896">
+                <a:tc>
+                  <a:txBody>
+                    <a:bodyPr/>
+                    <a:lstStyle/>
+                    <a:p>
+                      <a:r>
+                        <a:rPr lang="en-US" dirty="0"/>
+                        <a:t>ELA</a:t>
+                      </a:r>
+                    </a:p>
+                  </a:txBody>
+                  <a:tcPr/>
+                </a:tc>
+                <a:tc>
+                  <a:txBody>
+                    <a:bodyPr/>
+                    <a:lstStyle/>
+                    <a:p>
+                      <a:r>
+                        <a:rPr lang="en-US" dirty="0"/>
+                        <a:t>C= 6.3199999999999967</a:t>
+                      </a:r>
+                    </a:p>
+                  </a:txBody>
+                  <a:tcPr/>
+                </a:tc>
+                <a:tc>
+                  <a:txBody>
+                    <a:bodyPr/>
+                    <a:lstStyle/>
+                    <a:p>
+                      <a:r>
+                        <a:rPr lang="en-US" dirty="0"/>
+                        <a:t>90.6%</a:t>
+                      </a:r>
+                    </a:p>
+                  </a:txBody>
+                  <a:tcPr/>
+                </a:tc>
+                <a:tc>
+                  <a:txBody>
+                    <a:bodyPr/>
+                    <a:lstStyle/>
+                    <a:p>
+                      <a:r>
+                        <a:rPr lang="en-US" dirty="0"/>
+                        <a:t>+/-3%</a:t>
+                      </a:r>
+                    </a:p>
+                  </a:txBody>
+                  <a:tcPr/>
+                </a:tc>
+                <a:extLst>
+                  <a:ext uri="{0D108BD9-81ED-4DB2-BD59-A6C34878D82A}">
+                    <a16:rowId xmlns:a16="http://schemas.microsoft.com/office/drawing/2014/main" val="1130904937"/>
+                  </a:ext>
+                </a:extLst>
+              </a:tr>
+            </a:tbl>
+          </a:graphicData>
+        </a:graphic>
+      </p:graphicFrame>
     </p:spTree>
     <p:extLst>
       <p:ext uri="{BB962C8B-B14F-4D97-AF65-F5344CB8AC3E}">
-        <p14:creationId xmlns:p14="http://schemas.microsoft.com/office/powerpoint/2010/main" val="1992817446"/>
+        <p14:creationId xmlns:p14="http://schemas.microsoft.com/office/powerpoint/2010/main" val="705367272"/>
       </p:ext>
     </p:extLst>
   </p:cSld>
@@ -7187,7 +7903,7 @@
           <p:cNvPr id="2" name="Title 1">
             <a:extLst>
               <a:ext uri="{FF2B5EF4-FFF2-40B4-BE49-F238E27FC236}">
-                <a16:creationId xmlns:a16="http://schemas.microsoft.com/office/drawing/2014/main" id="{79BE3E3F-A723-43AE-BA79-B8D91A0502AF}"/>
+                <a16:creationId xmlns:a16="http://schemas.microsoft.com/office/drawing/2014/main" id="{5C70EBA0-7EA6-4C11-B843-5A5000FDB980}"/>
               </a:ext>
             </a:extLst>
           </p:cNvPr>
@@ -7200,18 +7916,27 @@
         </p:nvSpPr>
         <p:spPr>
           <a:xfrm>
-            <a:off x="1066800" y="631371"/>
-            <a:ext cx="10058400" cy="957943"/>
+            <a:off x="3510742" y="604455"/>
+            <a:ext cx="5170516" cy="762000"/>
           </a:xfrm>
         </p:spPr>
         <p:txBody>
-          <a:bodyPr/>
+          <a:bodyPr>
+            <a:normAutofit fontScale="90000"/>
+          </a:bodyPr>
           <a:lstStyle/>
           <a:p>
             <a:pPr algn="ctr"/>
             <a:r>
               <a:rPr lang="en-US" dirty="0"/>
-              <a:t>SVC Scores</a:t>
+              <a:t>SVC</a:t>
+            </a:r>
+            <a:br>
+              <a:rPr lang="en-US" dirty="0"/>
+            </a:br>
+            <a:r>
+              <a:rPr lang="en-US" dirty="0"/>
+              <a:t>Support Vector Cluster</a:t>
             </a:r>
           </a:p>
         </p:txBody>
@@ -7221,7 +7946,7 @@
           <p:cNvPr id="3" name="Text Placeholder 2">
             <a:extLst>
               <a:ext uri="{FF2B5EF4-FFF2-40B4-BE49-F238E27FC236}">
-                <a16:creationId xmlns:a16="http://schemas.microsoft.com/office/drawing/2014/main" id="{DA36D63C-A215-46C4-AAB4-17C696DD6866}"/>
+                <a16:creationId xmlns:a16="http://schemas.microsoft.com/office/drawing/2014/main" id="{84DDB760-FF7D-48DA-9B06-3677551C0865}"/>
               </a:ext>
             </a:extLst>
           </p:cNvPr>
@@ -7234,33 +7959,28 @@
         </p:nvSpPr>
         <p:spPr>
           <a:xfrm>
-            <a:off x="684211" y="2024743"/>
-            <a:ext cx="10767559" cy="3969657"/>
+            <a:off x="684211" y="1978429"/>
+            <a:ext cx="10876417" cy="4015971"/>
           </a:xfrm>
         </p:spPr>
         <p:txBody>
           <a:bodyPr/>
           <a:lstStyle/>
           <a:p>
-            <a:r>
-              <a:rPr lang="en-US" dirty="0"/>
-              <a:t>My best parameters for Math was kernel= '</a:t>
-            </a:r>
-            <a:r>
-              <a:rPr lang="en-US" dirty="0" err="1"/>
-              <a:t>rbf</a:t>
-            </a:r>
-            <a:r>
-              <a:rPr lang="en-US" dirty="0"/>
-              <a:t>', </a:t>
-            </a:r>
-            <a:r>
-              <a:rPr lang="en-US" dirty="0" err="1"/>
-              <a:t>max_iter</a:t>
-            </a:r>
-            <a:r>
-              <a:rPr lang="en-US" dirty="0"/>
-              <a:t> =130 using my manual features.</a:t>
+            <a:endParaRPr lang="en-US" dirty="0">
+              <a:solidFill>
+                <a:srgbClr val="002060"/>
+              </a:solidFill>
+            </a:endParaRPr>
+          </a:p>
+          <a:p>
+            <a:r>
+              <a:rPr lang="en-US" dirty="0">
+                <a:solidFill>
+                  <a:srgbClr val="002060"/>
+                </a:solidFill>
+              </a:rPr>
+              <a:t>SVC outputs an optimal hyperplane to categorizes new examples.</a:t>
             </a:r>
           </a:p>
           <a:p>
@@ -7269,8 +7989,30 @@
               <a:buChar char="•"/>
             </a:pPr>
             <a:r>
-              <a:rPr lang="en-US" dirty="0"/>
-              <a:t>Average accuracy was bad at 62.4% and overfitting was similar higher at +/- 15%</a:t>
+              <a:rPr lang="en-US" dirty="0">
+                <a:solidFill>
+                  <a:srgbClr val="002060"/>
+                </a:solidFill>
+              </a:rPr>
+              <a:t>SVM uses the </a:t>
+            </a:r>
+            <a:r>
+              <a:rPr lang="en-US" i="1" dirty="0">
+                <a:solidFill>
+                  <a:srgbClr val="002060"/>
+                </a:solidFill>
+              </a:rPr>
+              <a:t>kernel trick</a:t>
+            </a:r>
+          </a:p>
+          <a:p>
+            <a:r>
+              <a:rPr lang="en-US" dirty="0">
+                <a:solidFill>
+                  <a:srgbClr val="002060"/>
+                </a:solidFill>
+              </a:rPr>
+              <a:t>		dot product to find the optimal hyperplane and then finds the best-fit 					boundaries with the hyperplane</a:t>
             </a:r>
           </a:p>
           <a:p>
@@ -7279,30 +8021,12 @@
               <a:buChar char="•"/>
             </a:pPr>
             <a:r>
-              <a:rPr lang="en-US" dirty="0"/>
-              <a:t>PCA feature had had a much lower accuracy at 72.8 but with only +/-.3% overfit</a:t>
-            </a:r>
-          </a:p>
-          <a:p>
-            <a:r>
-              <a:rPr lang="en-US" dirty="0"/>
-              <a:t>My best parameters for ELA was kernel= '</a:t>
-            </a:r>
-            <a:r>
-              <a:rPr lang="en-US" dirty="0" err="1"/>
-              <a:t>rbf</a:t>
-            </a:r>
-            <a:r>
-              <a:rPr lang="en-US" dirty="0"/>
-              <a:t>', </a:t>
-            </a:r>
-            <a:r>
-              <a:rPr lang="en-US" dirty="0" err="1"/>
-              <a:t>max_iter</a:t>
-            </a:r>
-            <a:r>
-              <a:rPr lang="en-US" dirty="0"/>
-              <a:t> =106 using my manual feature.</a:t>
+              <a:rPr lang="en-US" dirty="0">
+                <a:solidFill>
+                  <a:srgbClr val="002060"/>
+                </a:solidFill>
+              </a:rPr>
+              <a:t>SVM is resistant to over fitting</a:t>
             </a:r>
           </a:p>
           <a:p>
@@ -7311,8 +8035,12 @@
               <a:buChar char="•"/>
             </a:pPr>
             <a:r>
-              <a:rPr lang="en-US" dirty="0"/>
-              <a:t>I found ELA  model performed better at 87.2% accuracy with overfitting  +/- 2.5 %</a:t>
+              <a:rPr lang="en-US" dirty="0">
+                <a:solidFill>
+                  <a:srgbClr val="002060"/>
+                </a:solidFill>
+              </a:rPr>
+              <a:t>Can work with infinite-dimensional feature space</a:t>
             </a:r>
           </a:p>
           <a:p>
@@ -7320,10 +8048,14 @@
               <a:buFont typeface="Arial" panose="020B0604020202020204" pitchFamily="34" charset="0"/>
               <a:buChar char="•"/>
             </a:pPr>
-            <a:r>
-              <a:rPr lang="en-US" dirty="0"/>
-              <a:t>PCA feature set performed lower at 85.52% with +/- 3% overfitting</a:t>
-            </a:r>
+            <a:endParaRPr lang="en-US" dirty="0"/>
+          </a:p>
+          <a:p>
+            <a:pPr marL="342900" indent="-342900">
+              <a:buFont typeface="Arial" panose="020B0604020202020204" pitchFamily="34" charset="0"/>
+              <a:buChar char="•"/>
+            </a:pPr>
+            <a:endParaRPr lang="en-US" dirty="0"/>
           </a:p>
           <a:p>
             <a:endParaRPr lang="en-US" dirty="0"/>
@@ -7333,7 +8065,7 @@
     </p:spTree>
     <p:extLst>
       <p:ext uri="{BB962C8B-B14F-4D97-AF65-F5344CB8AC3E}">
-        <p14:creationId xmlns:p14="http://schemas.microsoft.com/office/powerpoint/2010/main" val="3993497439"/>
+        <p14:creationId xmlns:p14="http://schemas.microsoft.com/office/powerpoint/2010/main" val="1992817446"/>
       </p:ext>
     </p:extLst>
   </p:cSld>
@@ -7365,6 +8097,365 @@
           <p:cNvPr id="2" name="Title 1">
             <a:extLst>
               <a:ext uri="{FF2B5EF4-FFF2-40B4-BE49-F238E27FC236}">
+                <a16:creationId xmlns:a16="http://schemas.microsoft.com/office/drawing/2014/main" id="{79BE3E3F-A723-43AE-BA79-B8D91A0502AF}"/>
+              </a:ext>
+            </a:extLst>
+          </p:cNvPr>
+          <p:cNvSpPr>
+            <a:spLocks noGrp="1"/>
+          </p:cNvSpPr>
+          <p:nvPr>
+            <p:ph type="title"/>
+          </p:nvPr>
+        </p:nvSpPr>
+        <p:spPr>
+          <a:xfrm>
+            <a:off x="1066800" y="631371"/>
+            <a:ext cx="10058400" cy="957943"/>
+          </a:xfrm>
+        </p:spPr>
+        <p:txBody>
+          <a:bodyPr/>
+          <a:lstStyle/>
+          <a:p>
+            <a:pPr algn="ctr"/>
+            <a:r>
+              <a:rPr lang="en-US" dirty="0"/>
+              <a:t>SVC Scores</a:t>
+            </a:r>
+          </a:p>
+        </p:txBody>
+      </p:sp>
+      <p:graphicFrame>
+        <p:nvGraphicFramePr>
+          <p:cNvPr id="4" name="Table 3">
+            <a:extLst>
+              <a:ext uri="{FF2B5EF4-FFF2-40B4-BE49-F238E27FC236}">
+                <a16:creationId xmlns:a16="http://schemas.microsoft.com/office/drawing/2014/main" id="{E9B02D5B-54CE-41F8-B8F9-AAB3FCC75563}"/>
+              </a:ext>
+            </a:extLst>
+          </p:cNvPr>
+          <p:cNvGraphicFramePr>
+            <a:graphicFrameLocks noGrp="1"/>
+          </p:cNvGraphicFramePr>
+          <p:nvPr>
+            <p:extLst>
+              <p:ext uri="{D42A27DB-BD31-4B8C-83A1-F6EECF244321}">
+                <p14:modId xmlns:p14="http://schemas.microsoft.com/office/powerpoint/2010/main" val="4141804683"/>
+              </p:ext>
+            </p:extLst>
+          </p:nvPr>
+        </p:nvGraphicFramePr>
+        <p:xfrm>
+          <a:off x="1515562" y="1774414"/>
+          <a:ext cx="9160876" cy="3806719"/>
+        </p:xfrm>
+        <a:graphic>
+          <a:graphicData uri="http://schemas.openxmlformats.org/drawingml/2006/table">
+            <a:tbl>
+              <a:tblPr firstRow="1" bandRow="1">
+                <a:tableStyleId>{5C22544A-7EE6-4342-B048-85BDC9FD1C3A}</a:tableStyleId>
+              </a:tblPr>
+              <a:tblGrid>
+                <a:gridCol w="1655477">
+                  <a:extLst>
+                    <a:ext uri="{9D8B030D-6E8A-4147-A177-3AD203B41FA5}">
+                      <a16:colId xmlns:a16="http://schemas.microsoft.com/office/drawing/2014/main" val="3036596017"/>
+                    </a:ext>
+                  </a:extLst>
+                </a:gridCol>
+                <a:gridCol w="3070371">
+                  <a:extLst>
+                    <a:ext uri="{9D8B030D-6E8A-4147-A177-3AD203B41FA5}">
+                      <a16:colId xmlns:a16="http://schemas.microsoft.com/office/drawing/2014/main" val="4058830033"/>
+                    </a:ext>
+                  </a:extLst>
+                </a:gridCol>
+                <a:gridCol w="2144809">
+                  <a:extLst>
+                    <a:ext uri="{9D8B030D-6E8A-4147-A177-3AD203B41FA5}">
+                      <a16:colId xmlns:a16="http://schemas.microsoft.com/office/drawing/2014/main" val="1905774814"/>
+                    </a:ext>
+                  </a:extLst>
+                </a:gridCol>
+                <a:gridCol w="2290219">
+                  <a:extLst>
+                    <a:ext uri="{9D8B030D-6E8A-4147-A177-3AD203B41FA5}">
+                      <a16:colId xmlns:a16="http://schemas.microsoft.com/office/drawing/2014/main" val="3554563227"/>
+                    </a:ext>
+                  </a:extLst>
+                </a:gridCol>
+              </a:tblGrid>
+              <a:tr h="986927">
+                <a:tc>
+                  <a:txBody>
+                    <a:bodyPr/>
+                    <a:lstStyle/>
+                    <a:p>
+                      <a:pPr algn="ctr"/>
+                      <a:r>
+                        <a:rPr lang="en-US" dirty="0"/>
+                        <a:t>Test Subject</a:t>
+                      </a:r>
+                    </a:p>
+                  </a:txBody>
+                  <a:tcPr/>
+                </a:tc>
+                <a:tc>
+                  <a:txBody>
+                    <a:bodyPr/>
+                    <a:lstStyle/>
+                    <a:p>
+                      <a:pPr algn="ctr"/>
+                      <a:r>
+                        <a:rPr lang="en-US" dirty="0"/>
+                        <a:t>Parameters</a:t>
+                      </a:r>
+                    </a:p>
+                  </a:txBody>
+                  <a:tcPr/>
+                </a:tc>
+                <a:tc>
+                  <a:txBody>
+                    <a:bodyPr/>
+                    <a:lstStyle/>
+                    <a:p>
+                      <a:pPr algn="ctr"/>
+                      <a:r>
+                        <a:rPr lang="en-US" dirty="0"/>
+                        <a:t>Accuracy</a:t>
+                      </a:r>
+                    </a:p>
+                    <a:p>
+                      <a:pPr algn="ctr"/>
+                      <a:r>
+                        <a:rPr lang="en-US" dirty="0"/>
+                        <a:t>(Math)</a:t>
+                      </a:r>
+                    </a:p>
+                  </a:txBody>
+                  <a:tcPr/>
+                </a:tc>
+                <a:tc>
+                  <a:txBody>
+                    <a:bodyPr/>
+                    <a:lstStyle/>
+                    <a:p>
+                      <a:pPr algn="ctr"/>
+                      <a:r>
+                        <a:rPr lang="en-US" dirty="0"/>
+                        <a:t>Overfitting</a:t>
+                      </a:r>
+                    </a:p>
+                    <a:p>
+                      <a:pPr algn="ctr"/>
+                      <a:r>
+                        <a:rPr lang="en-US" dirty="0"/>
+                        <a:t>(Math</a:t>
+                      </a:r>
+                    </a:p>
+                  </a:txBody>
+                  <a:tcPr/>
+                </a:tc>
+                <a:extLst>
+                  <a:ext uri="{0D108BD9-81ED-4DB2-BD59-A6C34878D82A}">
+                    <a16:rowId xmlns:a16="http://schemas.microsoft.com/office/drawing/2014/main" val="1035141803"/>
+                  </a:ext>
+                </a:extLst>
+              </a:tr>
+              <a:tr h="1409896">
+                <a:tc>
+                  <a:txBody>
+                    <a:bodyPr/>
+                    <a:lstStyle/>
+                    <a:p>
+                      <a:r>
+                        <a:rPr lang="en-US" dirty="0"/>
+                        <a:t>Math</a:t>
+                      </a:r>
+                    </a:p>
+                  </a:txBody>
+                  <a:tcPr/>
+                </a:tc>
+                <a:tc>
+                  <a:txBody>
+                    <a:bodyPr/>
+                    <a:lstStyle/>
+                    <a:p>
+                      <a:r>
+                        <a:rPr lang="en-US" dirty="0"/>
+                        <a:t>kernel= '</a:t>
+                      </a:r>
+                      <a:r>
+                        <a:rPr lang="en-US" dirty="0" err="1"/>
+                        <a:t>rbf</a:t>
+                      </a:r>
+                      <a:r>
+                        <a:rPr lang="en-US" dirty="0"/>
+                        <a:t>’</a:t>
+                      </a:r>
+                    </a:p>
+                    <a:p>
+                      <a:r>
+                        <a:rPr lang="en-US" dirty="0" err="1"/>
+                        <a:t>max_iter</a:t>
+                      </a:r>
+                      <a:r>
+                        <a:rPr lang="en-US" dirty="0"/>
+                        <a:t> =130</a:t>
+                      </a:r>
+                    </a:p>
+                  </a:txBody>
+                  <a:tcPr/>
+                </a:tc>
+                <a:tc>
+                  <a:txBody>
+                    <a:bodyPr/>
+                    <a:lstStyle/>
+                    <a:p>
+                      <a:r>
+                        <a:rPr lang="en-US" dirty="0"/>
+                        <a:t>62.4%</a:t>
+                      </a:r>
+                    </a:p>
+                  </a:txBody>
+                  <a:tcPr/>
+                </a:tc>
+                <a:tc>
+                  <a:txBody>
+                    <a:bodyPr/>
+                    <a:lstStyle/>
+                    <a:p>
+                      <a:r>
+                        <a:rPr lang="en-US" dirty="0"/>
+                        <a:t>+/-15%</a:t>
+                      </a:r>
+                    </a:p>
+                  </a:txBody>
+                  <a:tcPr/>
+                </a:tc>
+                <a:extLst>
+                  <a:ext uri="{0D108BD9-81ED-4DB2-BD59-A6C34878D82A}">
+                    <a16:rowId xmlns:a16="http://schemas.microsoft.com/office/drawing/2014/main" val="4193883256"/>
+                  </a:ext>
+                </a:extLst>
+              </a:tr>
+              <a:tr h="1409896">
+                <a:tc>
+                  <a:txBody>
+                    <a:bodyPr/>
+                    <a:lstStyle/>
+                    <a:p>
+                      <a:r>
+                        <a:rPr lang="en-US" dirty="0"/>
+                        <a:t>ELA</a:t>
+                      </a:r>
+                    </a:p>
+                  </a:txBody>
+                  <a:tcPr/>
+                </a:tc>
+                <a:tc>
+                  <a:txBody>
+                    <a:bodyPr/>
+                    <a:lstStyle/>
+                    <a:p>
+                      <a:r>
+                        <a:rPr lang="en-US" dirty="0"/>
+                        <a:t>kernel= '</a:t>
+                      </a:r>
+                      <a:r>
+                        <a:rPr lang="en-US" dirty="0" err="1"/>
+                        <a:t>rbf</a:t>
+                      </a:r>
+                      <a:r>
+                        <a:rPr lang="en-US" dirty="0"/>
+                        <a:t>’</a:t>
+                      </a:r>
+                    </a:p>
+                    <a:p>
+                      <a:r>
+                        <a:rPr lang="en-US" dirty="0" err="1"/>
+                        <a:t>max_iter</a:t>
+                      </a:r>
+                      <a:r>
+                        <a:rPr lang="en-US" dirty="0"/>
+                        <a:t> =106</a:t>
+                      </a:r>
+                    </a:p>
+                  </a:txBody>
+                  <a:tcPr/>
+                </a:tc>
+                <a:tc>
+                  <a:txBody>
+                    <a:bodyPr/>
+                    <a:lstStyle/>
+                    <a:p>
+                      <a:r>
+                        <a:rPr lang="en-US" dirty="0"/>
+                        <a:t>87.2%</a:t>
+                      </a:r>
+                    </a:p>
+                  </a:txBody>
+                  <a:tcPr/>
+                </a:tc>
+                <a:tc>
+                  <a:txBody>
+                    <a:bodyPr/>
+                    <a:lstStyle/>
+                    <a:p>
+                      <a:r>
+                        <a:rPr lang="en-US" dirty="0"/>
+                        <a:t>+/-3%</a:t>
+                      </a:r>
+                    </a:p>
+                  </a:txBody>
+                  <a:tcPr/>
+                </a:tc>
+                <a:extLst>
+                  <a:ext uri="{0D108BD9-81ED-4DB2-BD59-A6C34878D82A}">
+                    <a16:rowId xmlns:a16="http://schemas.microsoft.com/office/drawing/2014/main" val="1130904937"/>
+                  </a:ext>
+                </a:extLst>
+              </a:tr>
+            </a:tbl>
+          </a:graphicData>
+        </a:graphic>
+      </p:graphicFrame>
+    </p:spTree>
+    <p:extLst>
+      <p:ext uri="{BB962C8B-B14F-4D97-AF65-F5344CB8AC3E}">
+        <p14:creationId xmlns:p14="http://schemas.microsoft.com/office/powerpoint/2010/main" val="3993497439"/>
+      </p:ext>
+    </p:extLst>
+  </p:cSld>
+  <p:clrMapOvr>
+    <a:masterClrMapping/>
+  </p:clrMapOvr>
+</p:sld>
+</file>
+
+<file path=ppt/slides/slide23.xml><?xml version="1.0" encoding="utf-8"?>
+<p:sld xmlns:a="http://schemas.openxmlformats.org/drawingml/2006/main" xmlns:r="http://schemas.openxmlformats.org/officeDocument/2006/relationships" xmlns:p="http://schemas.openxmlformats.org/presentationml/2006/main">
+  <p:cSld>
+    <p:spTree>
+      <p:nvGrpSpPr>
+        <p:cNvPr id="1" name=""/>
+        <p:cNvGrpSpPr/>
+        <p:nvPr/>
+      </p:nvGrpSpPr>
+      <p:grpSpPr>
+        <a:xfrm>
+          <a:off x="0" y="0"/>
+          <a:ext cx="0" cy="0"/>
+          <a:chOff x="0" y="0"/>
+          <a:chExt cx="0" cy="0"/>
+        </a:xfrm>
+      </p:grpSpPr>
+      <p:sp>
+        <p:nvSpPr>
+          <p:cNvPr id="2" name="Title 1">
+            <a:extLst>
+              <a:ext uri="{FF2B5EF4-FFF2-40B4-BE49-F238E27FC236}">
                 <a16:creationId xmlns:a16="http://schemas.microsoft.com/office/drawing/2014/main" id="{7E7D7F4F-6ECF-47F3-A7B1-4503C5EB3F06}"/>
               </a:ext>
             </a:extLst>
@@ -7413,8 +8504,8 @@
         </p:nvSpPr>
         <p:spPr>
           <a:xfrm>
-            <a:off x="735574" y="1895302"/>
-            <a:ext cx="10720850" cy="4249388"/>
+            <a:off x="228599" y="1895302"/>
+            <a:ext cx="11576957" cy="4249388"/>
           </a:xfrm>
         </p:spPr>
         <p:txBody>
@@ -7424,7 +8515,11 @@
           <a:lstStyle/>
           <a:p>
             <a:r>
-              <a:rPr lang="en-US" dirty="0"/>
+              <a:rPr lang="en-US" dirty="0">
+                <a:solidFill>
+                  <a:srgbClr val="002060"/>
+                </a:solidFill>
+              </a:rPr>
               <a:t>Random Forest is a supervised learning algorithm that is an ensemble of decision trees</a:t>
             </a:r>
           </a:p>
@@ -7434,7 +8529,11 @@
               <a:buChar char="•"/>
             </a:pPr>
             <a:r>
-              <a:rPr lang="en-US" dirty="0"/>
+              <a:rPr lang="en-US" dirty="0">
+                <a:solidFill>
+                  <a:srgbClr val="002060"/>
+                </a:solidFill>
+              </a:rPr>
               <a:t>often uses the “bagging” method </a:t>
             </a:r>
           </a:p>
@@ -7444,7 +8543,11 @@
               <a:buChar char="•"/>
             </a:pPr>
             <a:r>
-              <a:rPr lang="en-US" dirty="0"/>
+              <a:rPr lang="en-US" dirty="0">
+                <a:solidFill>
+                  <a:srgbClr val="002060"/>
+                </a:solidFill>
+              </a:rPr>
               <a:t>can also be used for classification and regression problems</a:t>
             </a:r>
           </a:p>
@@ -7454,8 +8557,12 @@
               <a:buChar char="•"/>
             </a:pPr>
             <a:r>
-              <a:rPr lang="en-US" dirty="0"/>
-              <a:t>can build from hundreds, even thousands of trees and merge them into an accurate and stable prediction</a:t>
+              <a:rPr lang="en-US" dirty="0">
+                <a:solidFill>
+                  <a:srgbClr val="002060"/>
+                </a:solidFill>
+              </a:rPr>
+              <a:t>can build from thousands of trees and merge them into an accurate prediction</a:t>
             </a:r>
           </a:p>
           <a:p>
@@ -7464,7 +8571,11 @@
               <a:buChar char="•"/>
             </a:pPr>
             <a:r>
-              <a:rPr lang="en-US" dirty="0"/>
+              <a:rPr lang="en-US" dirty="0">
+                <a:solidFill>
+                  <a:srgbClr val="002060"/>
+                </a:solidFill>
+              </a:rPr>
               <a:t>Runs in parallel and outputs are aggregated</a:t>
             </a:r>
           </a:p>
@@ -7474,8 +8585,12 @@
               <a:buChar char="•"/>
             </a:pPr>
             <a:r>
-              <a:rPr lang="en-US" dirty="0"/>
-              <a:t>can become slow and inefficient if the model has a large number  of trees</a:t>
+              <a:rPr lang="en-US" dirty="0">
+                <a:solidFill>
+                  <a:srgbClr val="002060"/>
+                </a:solidFill>
+              </a:rPr>
+              <a:t>can become slow and inefficient if the model has a large number of trees</a:t>
             </a:r>
           </a:p>
           <a:p>
@@ -7484,8 +8599,12 @@
               <a:buChar char="•"/>
             </a:pPr>
             <a:r>
-              <a:rPr lang="en-US" dirty="0"/>
-              <a:t>is referred to a “black box” model as the output gives little insight to how the model got its conclusion.</a:t>
+              <a:rPr lang="en-US" dirty="0">
+                <a:solidFill>
+                  <a:srgbClr val="002060"/>
+                </a:solidFill>
+              </a:rPr>
+              <a:t>referred to a “black box” model, output gives little insight to how the model got its result.</a:t>
             </a:r>
           </a:p>
           <a:p>
@@ -7510,7 +8629,7 @@
 </p:sld>
 </file>
 
-<file path=ppt/slides/slide23.xml><?xml version="1.0" encoding="utf-8"?>
+<file path=ppt/slides/slide24.xml><?xml version="1.0" encoding="utf-8"?>
 <p:sld xmlns:a="http://schemas.openxmlformats.org/drawingml/2006/main" xmlns:r="http://schemas.openxmlformats.org/officeDocument/2006/relationships" xmlns:p="http://schemas.openxmlformats.org/presentationml/2006/main">
   <p:cSld>
     <p:spTree>
@@ -7606,7 +8725,7 @@
 </p:sld>
 </file>
 
-<file path=ppt/slides/slide24.xml><?xml version="1.0" encoding="utf-8"?>
+<file path=ppt/slides/slide25.xml><?xml version="1.0" encoding="utf-8"?>
 <p:sld xmlns:a="http://schemas.openxmlformats.org/drawingml/2006/main" xmlns:r="http://schemas.openxmlformats.org/officeDocument/2006/relationships" xmlns:p="http://schemas.openxmlformats.org/presentationml/2006/main">
   <p:cSld>
     <p:spTree>
@@ -7699,172 +8818,6 @@
 </p:sld>
 </file>
 
-<file path=ppt/slides/slide25.xml><?xml version="1.0" encoding="utf-8"?>
-<p:sld xmlns:a="http://schemas.openxmlformats.org/drawingml/2006/main" xmlns:r="http://schemas.openxmlformats.org/officeDocument/2006/relationships" xmlns:p="http://schemas.openxmlformats.org/presentationml/2006/main">
-  <p:cSld>
-    <p:spTree>
-      <p:nvGrpSpPr>
-        <p:cNvPr id="1" name=""/>
-        <p:cNvGrpSpPr/>
-        <p:nvPr/>
-      </p:nvGrpSpPr>
-      <p:grpSpPr>
-        <a:xfrm>
-          <a:off x="0" y="0"/>
-          <a:ext cx="0" cy="0"/>
-          <a:chOff x="0" y="0"/>
-          <a:chExt cx="0" cy="0"/>
-        </a:xfrm>
-      </p:grpSpPr>
-      <p:sp>
-        <p:nvSpPr>
-          <p:cNvPr id="2" name="Title 1">
-            <a:extLst>
-              <a:ext uri="{FF2B5EF4-FFF2-40B4-BE49-F238E27FC236}">
-                <a16:creationId xmlns:a16="http://schemas.microsoft.com/office/drawing/2014/main" id="{56F99100-D3DC-483F-AF36-C712970E3661}"/>
-              </a:ext>
-            </a:extLst>
-          </p:cNvPr>
-          <p:cNvSpPr>
-            <a:spLocks noGrp="1"/>
-          </p:cNvSpPr>
-          <p:nvPr>
-            <p:ph type="title"/>
-          </p:nvPr>
-        </p:nvSpPr>
-        <p:spPr>
-          <a:xfrm>
-            <a:off x="684213" y="685800"/>
-            <a:ext cx="10058400" cy="762000"/>
-          </a:xfrm>
-        </p:spPr>
-        <p:txBody>
-          <a:bodyPr/>
-          <a:lstStyle/>
-          <a:p>
-            <a:pPr algn="ctr"/>
-            <a:r>
-              <a:rPr lang="en-US" dirty="0"/>
-              <a:t>Random forest scores</a:t>
-            </a:r>
-          </a:p>
-        </p:txBody>
-      </p:sp>
-      <p:sp>
-        <p:nvSpPr>
-          <p:cNvPr id="3" name="Text Placeholder 2">
-            <a:extLst>
-              <a:ext uri="{FF2B5EF4-FFF2-40B4-BE49-F238E27FC236}">
-                <a16:creationId xmlns:a16="http://schemas.microsoft.com/office/drawing/2014/main" id="{CDCE0368-C700-4F47-8927-FE66A3B91F4B}"/>
-              </a:ext>
-            </a:extLst>
-          </p:cNvPr>
-          <p:cNvSpPr>
-            <a:spLocks noGrp="1"/>
-          </p:cNvSpPr>
-          <p:nvPr>
-            <p:ph type="body" idx="1"/>
-          </p:nvPr>
-        </p:nvSpPr>
-        <p:spPr>
-          <a:xfrm>
-            <a:off x="684211" y="1992086"/>
-            <a:ext cx="10930845" cy="3265714"/>
-          </a:xfrm>
-        </p:spPr>
-        <p:txBody>
-          <a:bodyPr/>
-          <a:lstStyle/>
-          <a:p>
-            <a:r>
-              <a:rPr lang="en-US" dirty="0"/>
-              <a:t>My best parameters for Math criterion= 'entropy', </a:t>
-            </a:r>
-            <a:r>
-              <a:rPr lang="en-US" dirty="0" err="1"/>
-              <a:t>max_depth</a:t>
-            </a:r>
-            <a:r>
-              <a:rPr lang="en-US" dirty="0"/>
-              <a:t>= 38, </a:t>
-            </a:r>
-            <a:r>
-              <a:rPr lang="en-US" dirty="0" err="1"/>
-              <a:t>n_estimators</a:t>
-            </a:r>
-            <a:r>
-              <a:rPr lang="en-US" dirty="0"/>
-              <a:t>= 34, </a:t>
-            </a:r>
-            <a:r>
-              <a:rPr lang="en-US" dirty="0" err="1"/>
-              <a:t>max_features</a:t>
-            </a:r>
-            <a:r>
-              <a:rPr lang="en-US" dirty="0"/>
-              <a:t> = 'sqrt' using my manual features.</a:t>
-            </a:r>
-          </a:p>
-          <a:p>
-            <a:pPr marL="342900" indent="-342900">
-              <a:buFont typeface="Arial" panose="020B0604020202020204" pitchFamily="34" charset="0"/>
-              <a:buChar char="•"/>
-            </a:pPr>
-            <a:r>
-              <a:rPr lang="en-US" dirty="0"/>
-              <a:t>Average accuracy was 85.22% and overfitting was at +/- 6%</a:t>
-            </a:r>
-          </a:p>
-          <a:p>
-            <a:r>
-              <a:rPr lang="en-US" dirty="0"/>
-              <a:t>My best parameters for ELA was kernel= '</a:t>
-            </a:r>
-            <a:r>
-              <a:rPr lang="en-US" dirty="0" err="1"/>
-              <a:t>rbf</a:t>
-            </a:r>
-            <a:r>
-              <a:rPr lang="en-US" dirty="0"/>
-              <a:t>', </a:t>
-            </a:r>
-            <a:r>
-              <a:rPr lang="en-US" dirty="0" err="1"/>
-              <a:t>max_iter</a:t>
-            </a:r>
-            <a:r>
-              <a:rPr lang="en-US" dirty="0"/>
-              <a:t> =106 using my manual feature.</a:t>
-            </a:r>
-          </a:p>
-          <a:p>
-            <a:pPr marL="342900" indent="-342900">
-              <a:buFont typeface="Arial" panose="020B0604020202020204" pitchFamily="34" charset="0"/>
-              <a:buChar char="•"/>
-            </a:pPr>
-            <a:r>
-              <a:rPr lang="en-US" dirty="0"/>
-              <a:t>I found ELA  model performed better at 92% accuracy with overfitting  +/-3 %</a:t>
-            </a:r>
-          </a:p>
-          <a:p>
-            <a:endParaRPr lang="en-US" dirty="0"/>
-          </a:p>
-        </p:txBody>
-      </p:sp>
-    </p:spTree>
-    <p:extLst>
-      <p:ext uri="{BB962C8B-B14F-4D97-AF65-F5344CB8AC3E}">
-        <p14:creationId xmlns:p14="http://schemas.microsoft.com/office/powerpoint/2010/main" val="2830566829"/>
-      </p:ext>
-    </p:extLst>
-  </p:cSld>
-  <p:clrMapOvr>
-    <a:masterClrMapping/>
-  </p:clrMapOvr>
-</p:sld>
-</file>
-
 <file path=ppt/slides/slide26.xml><?xml version="1.0" encoding="utf-8"?>
 <p:sld xmlns:a="http://schemas.openxmlformats.org/drawingml/2006/main" xmlns:r="http://schemas.openxmlformats.org/officeDocument/2006/relationships" xmlns:p="http://schemas.openxmlformats.org/presentationml/2006/main">
   <p:cSld>
@@ -7887,7 +8840,7 @@
           <p:cNvPr id="2" name="Title 1">
             <a:extLst>
               <a:ext uri="{FF2B5EF4-FFF2-40B4-BE49-F238E27FC236}">
-                <a16:creationId xmlns:a16="http://schemas.microsoft.com/office/drawing/2014/main" id="{0C83E819-C723-4EB1-B6C9-0F08092B1429}"/>
+                <a16:creationId xmlns:a16="http://schemas.microsoft.com/office/drawing/2014/main" id="{56F99100-D3DC-483F-AF36-C712970E3661}"/>
               </a:ext>
             </a:extLst>
           </p:cNvPr>
@@ -7900,107 +8853,341 @@
         </p:nvSpPr>
         <p:spPr>
           <a:xfrm>
-            <a:off x="3913414" y="620486"/>
-            <a:ext cx="4365171" cy="772885"/>
+            <a:off x="1066800" y="762000"/>
+            <a:ext cx="10058400" cy="762000"/>
           </a:xfrm>
         </p:spPr>
         <p:txBody>
           <a:bodyPr/>
           <a:lstStyle/>
           <a:p>
+            <a:pPr algn="ctr"/>
             <a:r>
               <a:rPr lang="en-US" dirty="0"/>
-              <a:t>Gradient Boosting</a:t>
-            </a:r>
-          </a:p>
-        </p:txBody>
-      </p:sp>
-      <p:sp>
-        <p:nvSpPr>
-          <p:cNvPr id="3" name="Text Placeholder 2">
+              <a:t>Random forest scores</a:t>
+            </a:r>
+          </a:p>
+        </p:txBody>
+      </p:sp>
+      <p:graphicFrame>
+        <p:nvGraphicFramePr>
+          <p:cNvPr id="4" name="Table 3">
             <a:extLst>
               <a:ext uri="{FF2B5EF4-FFF2-40B4-BE49-F238E27FC236}">
-                <a16:creationId xmlns:a16="http://schemas.microsoft.com/office/drawing/2014/main" id="{CEB2EC7C-A80D-48EC-B96F-2E14E8CCEFEC}"/>
+                <a16:creationId xmlns:a16="http://schemas.microsoft.com/office/drawing/2014/main" id="{0292B0CC-742E-4931-BA48-23DB323AE320}"/>
               </a:ext>
             </a:extLst>
           </p:cNvPr>
-          <p:cNvSpPr>
-            <a:spLocks noGrp="1"/>
-          </p:cNvSpPr>
-          <p:nvPr>
-            <p:ph type="body" idx="1"/>
-          </p:nvPr>
-        </p:nvSpPr>
-        <p:spPr>
-          <a:xfrm>
-            <a:off x="793764" y="2275112"/>
-            <a:ext cx="10604472" cy="3484792"/>
-          </a:xfrm>
-        </p:spPr>
-        <p:txBody>
-          <a:bodyPr>
-            <a:normAutofit/>
-          </a:bodyPr>
-          <a:lstStyle/>
-          <a:p>
-            <a:r>
-              <a:rPr lang="en-US" dirty="0"/>
-              <a:t>Gradient boosting is a supervised learning algorithm uses decision trees and  will perform a multitude of times while adjusting the model based on what was learned.</a:t>
-            </a:r>
-          </a:p>
-          <a:p>
-            <a:pPr marL="342900" indent="-342900">
-              <a:buFont typeface="Arial" panose="020B0604020202020204" pitchFamily="34" charset="0"/>
-              <a:buChar char="•"/>
-            </a:pPr>
-            <a:r>
-              <a:rPr lang="en-US" dirty="0"/>
-              <a:t>Builds one tree at a tree rather than in parallel</a:t>
-            </a:r>
-          </a:p>
-          <a:p>
-            <a:pPr marL="342900" indent="-342900">
-              <a:buFont typeface="Arial" panose="020B0604020202020204" pitchFamily="34" charset="0"/>
-              <a:buChar char="•"/>
-            </a:pPr>
-            <a:r>
-              <a:rPr lang="en-US" dirty="0"/>
-              <a:t>Is commonly a great performer, even when compared with random forest</a:t>
-            </a:r>
-          </a:p>
-          <a:p>
-            <a:pPr marL="342900" indent="-342900">
-              <a:buFont typeface="Arial" panose="020B0604020202020204" pitchFamily="34" charset="0"/>
-              <a:buChar char="•"/>
-            </a:pPr>
-            <a:r>
-              <a:rPr lang="en-US" dirty="0"/>
-              <a:t>The training is slow compared to some of the other supervised models</a:t>
-            </a:r>
-          </a:p>
-          <a:p>
-            <a:pPr marL="342900" indent="-342900">
-              <a:buFont typeface="Arial" panose="020B0604020202020204" pitchFamily="34" charset="0"/>
-              <a:buChar char="•"/>
-            </a:pPr>
-            <a:r>
-              <a:rPr lang="en-US" dirty="0"/>
-              <a:t>Is prone to overfitting</a:t>
-            </a:r>
-          </a:p>
-          <a:p>
-            <a:pPr marL="342900" indent="-342900">
-              <a:buFont typeface="Arial" panose="020B0604020202020204" pitchFamily="34" charset="0"/>
-              <a:buChar char="•"/>
-            </a:pPr>
-            <a:endParaRPr lang="en-US" dirty="0"/>
-          </a:p>
-        </p:txBody>
-      </p:sp>
+          <p:cNvGraphicFramePr>
+            <a:graphicFrameLocks noGrp="1"/>
+          </p:cNvGraphicFramePr>
+          <p:nvPr>
+            <p:extLst>
+              <p:ext uri="{D42A27DB-BD31-4B8C-83A1-F6EECF244321}">
+                <p14:modId xmlns:p14="http://schemas.microsoft.com/office/powerpoint/2010/main" val="574070054"/>
+              </p:ext>
+            </p:extLst>
+          </p:nvPr>
+        </p:nvGraphicFramePr>
+        <p:xfrm>
+          <a:off x="1515562" y="2112870"/>
+          <a:ext cx="9160876" cy="3760169"/>
+        </p:xfrm>
+        <a:graphic>
+          <a:graphicData uri="http://schemas.openxmlformats.org/drawingml/2006/table">
+            <a:tbl>
+              <a:tblPr firstRow="1" bandRow="1">
+                <a:tableStyleId>{5C22544A-7EE6-4342-B048-85BDC9FD1C3A}</a:tableStyleId>
+              </a:tblPr>
+              <a:tblGrid>
+                <a:gridCol w="1655477">
+                  <a:extLst>
+                    <a:ext uri="{9D8B030D-6E8A-4147-A177-3AD203B41FA5}">
+                      <a16:colId xmlns:a16="http://schemas.microsoft.com/office/drawing/2014/main" val="3036596017"/>
+                    </a:ext>
+                  </a:extLst>
+                </a:gridCol>
+                <a:gridCol w="3070371">
+                  <a:extLst>
+                    <a:ext uri="{9D8B030D-6E8A-4147-A177-3AD203B41FA5}">
+                      <a16:colId xmlns:a16="http://schemas.microsoft.com/office/drawing/2014/main" val="4058830033"/>
+                    </a:ext>
+                  </a:extLst>
+                </a:gridCol>
+                <a:gridCol w="2144809">
+                  <a:extLst>
+                    <a:ext uri="{9D8B030D-6E8A-4147-A177-3AD203B41FA5}">
+                      <a16:colId xmlns:a16="http://schemas.microsoft.com/office/drawing/2014/main" val="1905774814"/>
+                    </a:ext>
+                  </a:extLst>
+                </a:gridCol>
+                <a:gridCol w="2290219">
+                  <a:extLst>
+                    <a:ext uri="{9D8B030D-6E8A-4147-A177-3AD203B41FA5}">
+                      <a16:colId xmlns:a16="http://schemas.microsoft.com/office/drawing/2014/main" val="3554563227"/>
+                    </a:ext>
+                  </a:extLst>
+                </a:gridCol>
+              </a:tblGrid>
+              <a:tr h="986927">
+                <a:tc>
+                  <a:txBody>
+                    <a:bodyPr/>
+                    <a:lstStyle/>
+                    <a:p>
+                      <a:pPr algn="ctr"/>
+                      <a:r>
+                        <a:rPr lang="en-US" dirty="0"/>
+                        <a:t>Test Subject</a:t>
+                      </a:r>
+                    </a:p>
+                  </a:txBody>
+                  <a:tcPr/>
+                </a:tc>
+                <a:tc>
+                  <a:txBody>
+                    <a:bodyPr/>
+                    <a:lstStyle/>
+                    <a:p>
+                      <a:pPr algn="ctr"/>
+                      <a:r>
+                        <a:rPr lang="en-US" dirty="0"/>
+                        <a:t>Parameters</a:t>
+                      </a:r>
+                    </a:p>
+                  </a:txBody>
+                  <a:tcPr/>
+                </a:tc>
+                <a:tc>
+                  <a:txBody>
+                    <a:bodyPr/>
+                    <a:lstStyle/>
+                    <a:p>
+                      <a:pPr algn="ctr"/>
+                      <a:r>
+                        <a:rPr lang="en-US" dirty="0"/>
+                        <a:t>Accuracy</a:t>
+                      </a:r>
+                    </a:p>
+                    <a:p>
+                      <a:pPr algn="ctr"/>
+                      <a:r>
+                        <a:rPr lang="en-US" dirty="0"/>
+                        <a:t>(Math)</a:t>
+                      </a:r>
+                    </a:p>
+                  </a:txBody>
+                  <a:tcPr/>
+                </a:tc>
+                <a:tc>
+                  <a:txBody>
+                    <a:bodyPr/>
+                    <a:lstStyle/>
+                    <a:p>
+                      <a:pPr algn="ctr"/>
+                      <a:r>
+                        <a:rPr lang="en-US" dirty="0"/>
+                        <a:t>Overfitting</a:t>
+                      </a:r>
+                    </a:p>
+                    <a:p>
+                      <a:pPr algn="ctr"/>
+                      <a:r>
+                        <a:rPr lang="en-US" dirty="0"/>
+                        <a:t>(Math</a:t>
+                      </a:r>
+                    </a:p>
+                  </a:txBody>
+                  <a:tcPr/>
+                </a:tc>
+                <a:extLst>
+                  <a:ext uri="{0D108BD9-81ED-4DB2-BD59-A6C34878D82A}">
+                    <a16:rowId xmlns:a16="http://schemas.microsoft.com/office/drawing/2014/main" val="1035141803"/>
+                  </a:ext>
+                </a:extLst>
+              </a:tr>
+              <a:tr h="1363346">
+                <a:tc>
+                  <a:txBody>
+                    <a:bodyPr/>
+                    <a:lstStyle/>
+                    <a:p>
+                      <a:r>
+                        <a:rPr lang="en-US" dirty="0"/>
+                        <a:t>Math</a:t>
+                      </a:r>
+                    </a:p>
+                  </a:txBody>
+                  <a:tcPr/>
+                </a:tc>
+                <a:tc>
+                  <a:txBody>
+                    <a:bodyPr/>
+                    <a:lstStyle/>
+                    <a:p>
+                      <a:r>
+                        <a:rPr lang="en-US" dirty="0"/>
+                        <a:t>criterion= 'entropy', </a:t>
+                      </a:r>
+                      <a:r>
+                        <a:rPr lang="en-US" dirty="0" err="1"/>
+                        <a:t>max_depth</a:t>
+                      </a:r>
+                      <a:r>
+                        <a:rPr lang="en-US" dirty="0"/>
+                        <a:t>= 38, </a:t>
+                      </a:r>
+                      <a:r>
+                        <a:rPr lang="en-US" dirty="0" err="1"/>
+                        <a:t>n_estimators</a:t>
+                      </a:r>
+                      <a:r>
+                        <a:rPr lang="en-US" dirty="0"/>
+                        <a:t>= 34, </a:t>
+                      </a:r>
+                      <a:r>
+                        <a:rPr lang="en-US" dirty="0" err="1"/>
+                        <a:t>max_features</a:t>
+                      </a:r>
+                      <a:r>
+                        <a:rPr lang="en-US" dirty="0"/>
+                        <a:t> = 'sqrt'</a:t>
+                      </a:r>
+                    </a:p>
+                  </a:txBody>
+                  <a:tcPr/>
+                </a:tc>
+                <a:tc>
+                  <a:txBody>
+                    <a:bodyPr/>
+                    <a:lstStyle/>
+                    <a:p>
+                      <a:r>
+                        <a:rPr lang="en-US" dirty="0"/>
+                        <a:t>85.22%</a:t>
+                      </a:r>
+                    </a:p>
+                  </a:txBody>
+                  <a:tcPr/>
+                </a:tc>
+                <a:tc>
+                  <a:txBody>
+                    <a:bodyPr/>
+                    <a:lstStyle/>
+                    <a:p>
+                      <a:r>
+                        <a:rPr lang="en-US" dirty="0"/>
+                        <a:t>+/-6%</a:t>
+                      </a:r>
+                    </a:p>
+                  </a:txBody>
+                  <a:tcPr/>
+                </a:tc>
+                <a:extLst>
+                  <a:ext uri="{0D108BD9-81ED-4DB2-BD59-A6C34878D82A}">
+                    <a16:rowId xmlns:a16="http://schemas.microsoft.com/office/drawing/2014/main" val="4193883256"/>
+                  </a:ext>
+                </a:extLst>
+              </a:tr>
+              <a:tr h="1409896">
+                <a:tc>
+                  <a:txBody>
+                    <a:bodyPr/>
+                    <a:lstStyle/>
+                    <a:p>
+                      <a:r>
+                        <a:rPr lang="en-US" dirty="0"/>
+                        <a:t>ELA</a:t>
+                      </a:r>
+                    </a:p>
+                  </a:txBody>
+                  <a:tcPr/>
+                </a:tc>
+                <a:tc>
+                  <a:txBody>
+                    <a:bodyPr/>
+                    <a:lstStyle/>
+                    <a:p>
+                      <a:r>
+                        <a:rPr lang="en-US" dirty="0"/>
+                        <a:t>criterion= '</a:t>
+                      </a:r>
+                      <a:r>
+                        <a:rPr lang="en-US" dirty="0" err="1"/>
+                        <a:t>gini</a:t>
+                      </a:r>
+                      <a:r>
+                        <a:rPr lang="en-US" dirty="0"/>
+                        <a:t>', </a:t>
+                      </a:r>
+                      <a:r>
+                        <a:rPr lang="en-US" dirty="0" err="1"/>
+                        <a:t>max_depth</a:t>
+                      </a:r>
+                      <a:r>
+                        <a:rPr lang="en-US" dirty="0"/>
+                        <a:t>= 17, </a:t>
+                      </a:r>
+                      <a:r>
+                        <a:rPr lang="en-US" dirty="0" err="1"/>
+                        <a:t>n_estimators</a:t>
+                      </a:r>
+                      <a:r>
+                        <a:rPr lang="en-US" dirty="0"/>
+                        <a:t>= 44, </a:t>
+                      </a:r>
+                      <a:r>
+                        <a:rPr lang="en-US" dirty="0" err="1"/>
+                        <a:t>max_features</a:t>
+                      </a:r>
+                      <a:r>
+                        <a:rPr lang="en-US" dirty="0"/>
+                        <a:t> = 'log2'</a:t>
+                      </a:r>
+                    </a:p>
+                  </a:txBody>
+                  <a:tcPr/>
+                </a:tc>
+                <a:tc>
+                  <a:txBody>
+                    <a:bodyPr/>
+                    <a:lstStyle/>
+                    <a:p>
+                      <a:r>
+                        <a:rPr lang="en-US" dirty="0"/>
+                        <a:t>92.06%</a:t>
+                      </a:r>
+                    </a:p>
+                  </a:txBody>
+                  <a:tcPr/>
+                </a:tc>
+                <a:tc>
+                  <a:txBody>
+                    <a:bodyPr/>
+                    <a:lstStyle/>
+                    <a:p>
+                      <a:r>
+                        <a:rPr lang="en-US" dirty="0"/>
+                        <a:t>+/-3%</a:t>
+                      </a:r>
+                    </a:p>
+                  </a:txBody>
+                  <a:tcPr/>
+                </a:tc>
+                <a:extLst>
+                  <a:ext uri="{0D108BD9-81ED-4DB2-BD59-A6C34878D82A}">
+                    <a16:rowId xmlns:a16="http://schemas.microsoft.com/office/drawing/2014/main" val="1130904937"/>
+                  </a:ext>
+                </a:extLst>
+              </a:tr>
+            </a:tbl>
+          </a:graphicData>
+        </a:graphic>
+      </p:graphicFrame>
     </p:spTree>
     <p:extLst>
       <p:ext uri="{BB962C8B-B14F-4D97-AF65-F5344CB8AC3E}">
-        <p14:creationId xmlns:p14="http://schemas.microsoft.com/office/powerpoint/2010/main" val="1032198637"/>
+        <p14:creationId xmlns:p14="http://schemas.microsoft.com/office/powerpoint/2010/main" val="2830566829"/>
       </p:ext>
     </p:extLst>
   </p:cSld>
@@ -8032,7 +9219,7 @@
           <p:cNvPr id="2" name="Title 1">
             <a:extLst>
               <a:ext uri="{FF2B5EF4-FFF2-40B4-BE49-F238E27FC236}">
-                <a16:creationId xmlns:a16="http://schemas.microsoft.com/office/drawing/2014/main" id="{8CB73BF8-6DC5-4B29-9232-9A927AA1EC56}"/>
+                <a16:creationId xmlns:a16="http://schemas.microsoft.com/office/drawing/2014/main" id="{0C83E819-C723-4EB1-B6C9-0F08092B1429}"/>
               </a:ext>
             </a:extLst>
           </p:cNvPr>
@@ -8045,18 +9232,17 @@
         </p:nvSpPr>
         <p:spPr>
           <a:xfrm>
-            <a:off x="684213" y="685800"/>
-            <a:ext cx="10058400" cy="805543"/>
+            <a:off x="3913414" y="620486"/>
+            <a:ext cx="4365171" cy="772885"/>
           </a:xfrm>
         </p:spPr>
         <p:txBody>
           <a:bodyPr/>
           <a:lstStyle/>
           <a:p>
-            <a:pPr algn="ctr"/>
             <a:r>
               <a:rPr lang="en-US" dirty="0"/>
-              <a:t>Gradient boosting score</a:t>
+              <a:t>Gradient Boosting</a:t>
             </a:r>
           </a:p>
         </p:txBody>
@@ -8066,7 +9252,7 @@
           <p:cNvPr id="3" name="Text Placeholder 2">
             <a:extLst>
               <a:ext uri="{FF2B5EF4-FFF2-40B4-BE49-F238E27FC236}">
-                <a16:creationId xmlns:a16="http://schemas.microsoft.com/office/drawing/2014/main" id="{E648B84D-6BC6-4979-A398-3E265EA90C0B}"/>
+                <a16:creationId xmlns:a16="http://schemas.microsoft.com/office/drawing/2014/main" id="{CEB2EC7C-A80D-48EC-B96F-2E14E8CCEFEC}"/>
               </a:ext>
             </a:extLst>
           </p:cNvPr>
@@ -8079,41 +9265,23 @@
         </p:nvSpPr>
         <p:spPr>
           <a:xfrm>
-            <a:off x="684211" y="1763486"/>
-            <a:ext cx="10724017" cy="4230914"/>
+            <a:off x="793764" y="2275112"/>
+            <a:ext cx="10604472" cy="3484792"/>
           </a:xfrm>
         </p:spPr>
         <p:txBody>
-          <a:bodyPr/>
+          <a:bodyPr>
+            <a:normAutofit/>
+          </a:bodyPr>
           <a:lstStyle/>
           <a:p>
             <a:r>
-              <a:rPr lang="en-US" dirty="0"/>
-              <a:t>My best parameters for Math was </a:t>
-            </a:r>
-            <a:r>
-              <a:rPr lang="en-US" dirty="0" err="1"/>
-              <a:t>max_depth</a:t>
-            </a:r>
-            <a:r>
-              <a:rPr lang="en-US" dirty="0"/>
-              <a:t>= 3, </a:t>
-            </a:r>
-            <a:r>
-              <a:rPr lang="en-US" dirty="0" err="1"/>
-              <a:t>n_estimators</a:t>
-            </a:r>
-            <a:r>
-              <a:rPr lang="en-US" dirty="0"/>
-              <a:t>= 31, </a:t>
-            </a:r>
-            <a:r>
-              <a:rPr lang="en-US" dirty="0" err="1"/>
-              <a:t>max_features</a:t>
-            </a:r>
-            <a:r>
-              <a:rPr lang="en-US" dirty="0"/>
-              <a:t> = 'log2’ using my manual features.</a:t>
+              <a:rPr lang="en-US" dirty="0">
+                <a:solidFill>
+                  <a:srgbClr val="002060"/>
+                </a:solidFill>
+              </a:rPr>
+              <a:t>Gradient boosting is a supervised learning algorithm uses decision trees. </a:t>
             </a:r>
           </a:p>
           <a:p>
@@ -8122,8 +9290,12 @@
               <a:buChar char="•"/>
             </a:pPr>
             <a:r>
-              <a:rPr lang="en-US" dirty="0"/>
-              <a:t>Average accuracy was 85.03% and overfitting was at =/- 7%</a:t>
+              <a:rPr lang="en-US" dirty="0">
+                <a:solidFill>
+                  <a:srgbClr val="002060"/>
+                </a:solidFill>
+              </a:rPr>
+              <a:t>will perform many times while adjusting the model based on what was learned.</a:t>
             </a:r>
           </a:p>
           <a:p>
@@ -8132,38 +9304,12 @@
               <a:buChar char="•"/>
             </a:pPr>
             <a:r>
-              <a:rPr lang="en-US" dirty="0"/>
-              <a:t>PCA feature had had a much lower accuracy with +/- 4% overfitting</a:t>
-            </a:r>
-          </a:p>
-          <a:p>
-            <a:r>
-              <a:rPr lang="en-US" dirty="0"/>
-              <a:t>My best parameters for ELA was </a:t>
-            </a:r>
-            <a:r>
-              <a:rPr lang="en-US" dirty="0" err="1"/>
-              <a:t>max_depth</a:t>
-            </a:r>
-            <a:r>
-              <a:rPr lang="en-US" dirty="0"/>
-              <a:t>= 3, </a:t>
-            </a:r>
-            <a:r>
-              <a:rPr lang="en-US" dirty="0" err="1"/>
-              <a:t>n_estimators</a:t>
-            </a:r>
-            <a:r>
-              <a:rPr lang="en-US" dirty="0"/>
-              <a:t>=37, </a:t>
-            </a:r>
-            <a:r>
-              <a:rPr lang="en-US" dirty="0" err="1"/>
-              <a:t>max_features</a:t>
-            </a:r>
-            <a:r>
-              <a:rPr lang="en-US" dirty="0"/>
-              <a:t> = 'log2' using my manual feature.</a:t>
+              <a:rPr lang="en-US" dirty="0">
+                <a:solidFill>
+                  <a:srgbClr val="002060"/>
+                </a:solidFill>
+              </a:rPr>
+              <a:t>Builds one tree at a tree rather than in parallel</a:t>
             </a:r>
           </a:p>
           <a:p>
@@ -8172,8 +9318,12 @@
               <a:buChar char="•"/>
             </a:pPr>
             <a:r>
-              <a:rPr lang="en-US" dirty="0"/>
-              <a:t>I found ELA  model performed really well at 93.2% accuracy with overfitting +/-2.5%</a:t>
+              <a:rPr lang="en-US" dirty="0">
+                <a:solidFill>
+                  <a:srgbClr val="002060"/>
+                </a:solidFill>
+              </a:rPr>
+              <a:t>Is commonly a great performer, even when compared with random forest</a:t>
             </a:r>
           </a:p>
           <a:p>
@@ -8182,11 +9332,33 @@
               <a:buChar char="•"/>
             </a:pPr>
             <a:r>
-              <a:rPr lang="en-US" dirty="0"/>
-              <a:t>PCA feature set performed lower at 75% with +/- 3% overfitting</a:t>
-            </a:r>
-          </a:p>
-          <a:p>
+              <a:rPr lang="en-US" dirty="0">
+                <a:solidFill>
+                  <a:srgbClr val="002060"/>
+                </a:solidFill>
+              </a:rPr>
+              <a:t>The training is slow compared to some of the other supervised models</a:t>
+            </a:r>
+          </a:p>
+          <a:p>
+            <a:pPr marL="342900" indent="-342900">
+              <a:buFont typeface="Arial" panose="020B0604020202020204" pitchFamily="34" charset="0"/>
+              <a:buChar char="•"/>
+            </a:pPr>
+            <a:r>
+              <a:rPr lang="en-US" dirty="0">
+                <a:solidFill>
+                  <a:srgbClr val="002060"/>
+                </a:solidFill>
+              </a:rPr>
+              <a:t>Is prone to overfitting</a:t>
+            </a:r>
+          </a:p>
+          <a:p>
+            <a:pPr marL="342900" indent="-342900">
+              <a:buFont typeface="Arial" panose="020B0604020202020204" pitchFamily="34" charset="0"/>
+              <a:buChar char="•"/>
+            </a:pPr>
             <a:endParaRPr lang="en-US" dirty="0"/>
           </a:p>
         </p:txBody>
@@ -8194,7 +9366,7 @@
     </p:spTree>
     <p:extLst>
       <p:ext uri="{BB962C8B-B14F-4D97-AF65-F5344CB8AC3E}">
-        <p14:creationId xmlns:p14="http://schemas.microsoft.com/office/powerpoint/2010/main" val="2787421100"/>
+        <p14:creationId xmlns:p14="http://schemas.microsoft.com/office/powerpoint/2010/main" val="1032198637"/>
       </p:ext>
     </p:extLst>
   </p:cSld>
@@ -8226,6 +9398,369 @@
           <p:cNvPr id="2" name="Title 1">
             <a:extLst>
               <a:ext uri="{FF2B5EF4-FFF2-40B4-BE49-F238E27FC236}">
+                <a16:creationId xmlns:a16="http://schemas.microsoft.com/office/drawing/2014/main" id="{8CB73BF8-6DC5-4B29-9232-9A927AA1EC56}"/>
+              </a:ext>
+            </a:extLst>
+          </p:cNvPr>
+          <p:cNvSpPr>
+            <a:spLocks noGrp="1"/>
+          </p:cNvSpPr>
+          <p:nvPr>
+            <p:ph type="title"/>
+          </p:nvPr>
+        </p:nvSpPr>
+        <p:spPr>
+          <a:xfrm>
+            <a:off x="1066800" y="767443"/>
+            <a:ext cx="10058400" cy="805543"/>
+          </a:xfrm>
+        </p:spPr>
+        <p:txBody>
+          <a:bodyPr/>
+          <a:lstStyle/>
+          <a:p>
+            <a:pPr algn="ctr"/>
+            <a:r>
+              <a:rPr lang="en-US" dirty="0"/>
+              <a:t>Gradient boosting score</a:t>
+            </a:r>
+          </a:p>
+        </p:txBody>
+      </p:sp>
+      <p:graphicFrame>
+        <p:nvGraphicFramePr>
+          <p:cNvPr id="4" name="Table 3">
+            <a:extLst>
+              <a:ext uri="{FF2B5EF4-FFF2-40B4-BE49-F238E27FC236}">
+                <a16:creationId xmlns:a16="http://schemas.microsoft.com/office/drawing/2014/main" id="{C75ADBD1-82C4-445B-8528-7531F63C7186}"/>
+              </a:ext>
+            </a:extLst>
+          </p:cNvPr>
+          <p:cNvGraphicFramePr>
+            <a:graphicFrameLocks noGrp="1"/>
+          </p:cNvGraphicFramePr>
+          <p:nvPr>
+            <p:extLst>
+              <p:ext uri="{D42A27DB-BD31-4B8C-83A1-F6EECF244321}">
+                <p14:modId xmlns:p14="http://schemas.microsoft.com/office/powerpoint/2010/main" val="702443426"/>
+              </p:ext>
+            </p:extLst>
+          </p:nvPr>
+        </p:nvGraphicFramePr>
+        <p:xfrm>
+          <a:off x="1515562" y="2330388"/>
+          <a:ext cx="9160876" cy="3760169"/>
+        </p:xfrm>
+        <a:graphic>
+          <a:graphicData uri="http://schemas.openxmlformats.org/drawingml/2006/table">
+            <a:tbl>
+              <a:tblPr firstRow="1" bandRow="1">
+                <a:tableStyleId>{5C22544A-7EE6-4342-B048-85BDC9FD1C3A}</a:tableStyleId>
+              </a:tblPr>
+              <a:tblGrid>
+                <a:gridCol w="1655477">
+                  <a:extLst>
+                    <a:ext uri="{9D8B030D-6E8A-4147-A177-3AD203B41FA5}">
+                      <a16:colId xmlns:a16="http://schemas.microsoft.com/office/drawing/2014/main" val="3036596017"/>
+                    </a:ext>
+                  </a:extLst>
+                </a:gridCol>
+                <a:gridCol w="3070371">
+                  <a:extLst>
+                    <a:ext uri="{9D8B030D-6E8A-4147-A177-3AD203B41FA5}">
+                      <a16:colId xmlns:a16="http://schemas.microsoft.com/office/drawing/2014/main" val="4058830033"/>
+                    </a:ext>
+                  </a:extLst>
+                </a:gridCol>
+                <a:gridCol w="2144809">
+                  <a:extLst>
+                    <a:ext uri="{9D8B030D-6E8A-4147-A177-3AD203B41FA5}">
+                      <a16:colId xmlns:a16="http://schemas.microsoft.com/office/drawing/2014/main" val="1905774814"/>
+                    </a:ext>
+                  </a:extLst>
+                </a:gridCol>
+                <a:gridCol w="2290219">
+                  <a:extLst>
+                    <a:ext uri="{9D8B030D-6E8A-4147-A177-3AD203B41FA5}">
+                      <a16:colId xmlns:a16="http://schemas.microsoft.com/office/drawing/2014/main" val="3554563227"/>
+                    </a:ext>
+                  </a:extLst>
+                </a:gridCol>
+              </a:tblGrid>
+              <a:tr h="986927">
+                <a:tc>
+                  <a:txBody>
+                    <a:bodyPr/>
+                    <a:lstStyle/>
+                    <a:p>
+                      <a:pPr algn="ctr"/>
+                      <a:r>
+                        <a:rPr lang="en-US" dirty="0"/>
+                        <a:t>Test Subject</a:t>
+                      </a:r>
+                    </a:p>
+                  </a:txBody>
+                  <a:tcPr/>
+                </a:tc>
+                <a:tc>
+                  <a:txBody>
+                    <a:bodyPr/>
+                    <a:lstStyle/>
+                    <a:p>
+                      <a:pPr algn="ctr"/>
+                      <a:r>
+                        <a:rPr lang="en-US" dirty="0"/>
+                        <a:t>Parameters</a:t>
+                      </a:r>
+                    </a:p>
+                  </a:txBody>
+                  <a:tcPr/>
+                </a:tc>
+                <a:tc>
+                  <a:txBody>
+                    <a:bodyPr/>
+                    <a:lstStyle/>
+                    <a:p>
+                      <a:pPr algn="ctr"/>
+                      <a:r>
+                        <a:rPr lang="en-US" dirty="0"/>
+                        <a:t>Accuracy</a:t>
+                      </a:r>
+                    </a:p>
+                    <a:p>
+                      <a:pPr algn="ctr"/>
+                      <a:r>
+                        <a:rPr lang="en-US" dirty="0"/>
+                        <a:t>(Math)</a:t>
+                      </a:r>
+                    </a:p>
+                  </a:txBody>
+                  <a:tcPr/>
+                </a:tc>
+                <a:tc>
+                  <a:txBody>
+                    <a:bodyPr/>
+                    <a:lstStyle/>
+                    <a:p>
+                      <a:pPr algn="ctr"/>
+                      <a:r>
+                        <a:rPr lang="en-US" dirty="0"/>
+                        <a:t>Overfitting</a:t>
+                      </a:r>
+                    </a:p>
+                    <a:p>
+                      <a:pPr algn="ctr"/>
+                      <a:r>
+                        <a:rPr lang="en-US" dirty="0"/>
+                        <a:t>(Math</a:t>
+                      </a:r>
+                    </a:p>
+                  </a:txBody>
+                  <a:tcPr/>
+                </a:tc>
+                <a:extLst>
+                  <a:ext uri="{0D108BD9-81ED-4DB2-BD59-A6C34878D82A}">
+                    <a16:rowId xmlns:a16="http://schemas.microsoft.com/office/drawing/2014/main" val="1035141803"/>
+                  </a:ext>
+                </a:extLst>
+              </a:tr>
+              <a:tr h="1363346">
+                <a:tc>
+                  <a:txBody>
+                    <a:bodyPr/>
+                    <a:lstStyle/>
+                    <a:p>
+                      <a:r>
+                        <a:rPr lang="en-US" dirty="0"/>
+                        <a:t>Math</a:t>
+                      </a:r>
+                    </a:p>
+                  </a:txBody>
+                  <a:tcPr/>
+                </a:tc>
+                <a:tc>
+                  <a:txBody>
+                    <a:bodyPr/>
+                    <a:lstStyle/>
+                    <a:p>
+                      <a:r>
+                        <a:rPr lang="en-US" dirty="0" err="1"/>
+                        <a:t>max_depth</a:t>
+                      </a:r>
+                      <a:r>
+                        <a:rPr lang="en-US" dirty="0"/>
+                        <a:t>= 3, </a:t>
+                      </a:r>
+                      <a:r>
+                        <a:rPr lang="en-US" dirty="0" err="1"/>
+                        <a:t>n_estimators</a:t>
+                      </a:r>
+                      <a:r>
+                        <a:rPr lang="en-US" dirty="0"/>
+                        <a:t>= 31, </a:t>
+                      </a:r>
+                      <a:r>
+                        <a:rPr lang="en-US" dirty="0" err="1"/>
+                        <a:t>max_features</a:t>
+                      </a:r>
+                      <a:r>
+                        <a:rPr lang="en-US" dirty="0"/>
+                        <a:t> = 'log2’</a:t>
+                      </a:r>
+                    </a:p>
+                  </a:txBody>
+                  <a:tcPr/>
+                </a:tc>
+                <a:tc>
+                  <a:txBody>
+                    <a:bodyPr/>
+                    <a:lstStyle/>
+                    <a:p>
+                      <a:r>
+                        <a:rPr lang="en-US" dirty="0"/>
+                        <a:t>85.03%</a:t>
+                      </a:r>
+                    </a:p>
+                  </a:txBody>
+                  <a:tcPr/>
+                </a:tc>
+                <a:tc>
+                  <a:txBody>
+                    <a:bodyPr/>
+                    <a:lstStyle/>
+                    <a:p>
+                      <a:r>
+                        <a:rPr lang="en-US" dirty="0"/>
+                        <a:t>+/-7%</a:t>
+                      </a:r>
+                    </a:p>
+                  </a:txBody>
+                  <a:tcPr/>
+                </a:tc>
+                <a:extLst>
+                  <a:ext uri="{0D108BD9-81ED-4DB2-BD59-A6C34878D82A}">
+                    <a16:rowId xmlns:a16="http://schemas.microsoft.com/office/drawing/2014/main" val="4193883256"/>
+                  </a:ext>
+                </a:extLst>
+              </a:tr>
+              <a:tr h="1409896">
+                <a:tc>
+                  <a:txBody>
+                    <a:bodyPr/>
+                    <a:lstStyle/>
+                    <a:p>
+                      <a:r>
+                        <a:rPr lang="en-US" dirty="0"/>
+                        <a:t>ELA</a:t>
+                      </a:r>
+                    </a:p>
+                  </a:txBody>
+                  <a:tcPr/>
+                </a:tc>
+                <a:tc>
+                  <a:txBody>
+                    <a:bodyPr/>
+                    <a:lstStyle/>
+                    <a:p>
+                      <a:r>
+                        <a:rPr lang="en-US" dirty="0" err="1"/>
+                        <a:t>max_depth</a:t>
+                      </a:r>
+                      <a:r>
+                        <a:rPr lang="en-US" dirty="0"/>
+                        <a:t>= 3, </a:t>
+                      </a:r>
+                      <a:r>
+                        <a:rPr lang="en-US" dirty="0" err="1"/>
+                        <a:t>n_estimators</a:t>
+                      </a:r>
+                      <a:r>
+                        <a:rPr lang="en-US" dirty="0"/>
+                        <a:t>=37, </a:t>
+                      </a:r>
+                      <a:r>
+                        <a:rPr lang="en-US" dirty="0" err="1"/>
+                        <a:t>max_features</a:t>
+                      </a:r>
+                      <a:r>
+                        <a:rPr lang="en-US" dirty="0"/>
+                        <a:t> = 'log2' </a:t>
+                      </a:r>
+                    </a:p>
+                  </a:txBody>
+                  <a:tcPr/>
+                </a:tc>
+                <a:tc>
+                  <a:txBody>
+                    <a:bodyPr/>
+                    <a:lstStyle/>
+                    <a:p>
+                      <a:r>
+                        <a:rPr lang="en-US" dirty="0"/>
+                        <a:t>93.2%</a:t>
+                      </a:r>
+                    </a:p>
+                  </a:txBody>
+                  <a:tcPr/>
+                </a:tc>
+                <a:tc>
+                  <a:txBody>
+                    <a:bodyPr/>
+                    <a:lstStyle/>
+                    <a:p>
+                      <a:r>
+                        <a:rPr lang="en-US" dirty="0"/>
+                        <a:t>+/-2.5%</a:t>
+                      </a:r>
+                    </a:p>
+                  </a:txBody>
+                  <a:tcPr/>
+                </a:tc>
+                <a:extLst>
+                  <a:ext uri="{0D108BD9-81ED-4DB2-BD59-A6C34878D82A}">
+                    <a16:rowId xmlns:a16="http://schemas.microsoft.com/office/drawing/2014/main" val="1130904937"/>
+                  </a:ext>
+                </a:extLst>
+              </a:tr>
+            </a:tbl>
+          </a:graphicData>
+        </a:graphic>
+      </p:graphicFrame>
+    </p:spTree>
+    <p:extLst>
+      <p:ext uri="{BB962C8B-B14F-4D97-AF65-F5344CB8AC3E}">
+        <p14:creationId xmlns:p14="http://schemas.microsoft.com/office/powerpoint/2010/main" val="2787421100"/>
+      </p:ext>
+    </p:extLst>
+  </p:cSld>
+  <p:clrMapOvr>
+    <a:masterClrMapping/>
+  </p:clrMapOvr>
+</p:sld>
+</file>
+
+<file path=ppt/slides/slide29.xml><?xml version="1.0" encoding="utf-8"?>
+<p:sld xmlns:a="http://schemas.openxmlformats.org/drawingml/2006/main" xmlns:r="http://schemas.openxmlformats.org/officeDocument/2006/relationships" xmlns:p="http://schemas.openxmlformats.org/presentationml/2006/main">
+  <p:cSld>
+    <p:spTree>
+      <p:nvGrpSpPr>
+        <p:cNvPr id="1" name=""/>
+        <p:cNvGrpSpPr/>
+        <p:nvPr/>
+      </p:nvGrpSpPr>
+      <p:grpSpPr>
+        <a:xfrm>
+          <a:off x="0" y="0"/>
+          <a:ext cx="0" cy="0"/>
+          <a:chOff x="0" y="0"/>
+          <a:chExt cx="0" cy="0"/>
+        </a:xfrm>
+      </p:grpSpPr>
+      <p:sp>
+        <p:nvSpPr>
+          <p:cNvPr id="2" name="Title 1">
+            <a:extLst>
+              <a:ext uri="{FF2B5EF4-FFF2-40B4-BE49-F238E27FC236}">
                 <a16:creationId xmlns:a16="http://schemas.microsoft.com/office/drawing/2014/main" id="{9A07B1BE-0AEA-44CA-932C-1EDDBE45BF5B}"/>
               </a:ext>
             </a:extLst>
@@ -8269,7 +9804,7 @@
           <p:nvPr>
             <p:extLst>
               <p:ext uri="{D42A27DB-BD31-4B8C-83A1-F6EECF244321}">
-                <p14:modId xmlns:p14="http://schemas.microsoft.com/office/powerpoint/2010/main" val="1724470811"/>
+                <p14:modId xmlns:p14="http://schemas.microsoft.com/office/powerpoint/2010/main" val="1510940195"/>
               </p:ext>
             </p:extLst>
           </p:nvPr>
@@ -8529,7 +10064,7 @@
                       </a:pPr>
                       <a:r>
                         <a:rPr lang="en-US" dirty="0"/>
-                        <a:t>92%</a:t>
+                        <a:t>92.06%</a:t>
                       </a:r>
                     </a:p>
                   </a:txBody>
@@ -8903,7 +10438,7 @@
                       <a:pPr algn="ctr"/>
                       <a:r>
                         <a:rPr lang="en-US" dirty="0"/>
-                        <a:t>+/-3</a:t>
+                        <a:t>+/-3%</a:t>
                       </a:r>
                     </a:p>
                   </a:txBody>
@@ -9055,7 +10590,7 @@
                       <a:pPr algn="ctr"/>
                       <a:r>
                         <a:rPr lang="en-US" dirty="0"/>
-                        <a:t>+/- 2.5 %</a:t>
+                        <a:t>+/- 2.5%</a:t>
                       </a:r>
                     </a:p>
                   </a:txBody>
@@ -9125,7 +10660,7 @@
                       </a:pPr>
                       <a:r>
                         <a:rPr lang="en-US" dirty="0"/>
-                        <a:t>85.03</a:t>
+                        <a:t>85.03%</a:t>
                       </a:r>
                     </a:p>
                   </a:txBody>
@@ -9343,187 +10878,6 @@
 </p:sld>
 </file>
 
-<file path=ppt/slides/slide29.xml><?xml version="1.0" encoding="utf-8"?>
-<p:sld xmlns:a="http://schemas.openxmlformats.org/drawingml/2006/main" xmlns:r="http://schemas.openxmlformats.org/officeDocument/2006/relationships" xmlns:p="http://schemas.openxmlformats.org/presentationml/2006/main">
-  <p:cSld>
-    <p:spTree>
-      <p:nvGrpSpPr>
-        <p:cNvPr id="1" name=""/>
-        <p:cNvGrpSpPr/>
-        <p:nvPr/>
-      </p:nvGrpSpPr>
-      <p:grpSpPr>
-        <a:xfrm>
-          <a:off x="0" y="0"/>
-          <a:ext cx="0" cy="0"/>
-          <a:chOff x="0" y="0"/>
-          <a:chExt cx="0" cy="0"/>
-        </a:xfrm>
-      </p:grpSpPr>
-      <p:sp>
-        <p:nvSpPr>
-          <p:cNvPr id="2" name="Title 1">
-            <a:extLst>
-              <a:ext uri="{FF2B5EF4-FFF2-40B4-BE49-F238E27FC236}">
-                <a16:creationId xmlns:a16="http://schemas.microsoft.com/office/drawing/2014/main" id="{125B0CF7-1E88-4D8F-A80A-15E8FCCE63B8}"/>
-              </a:ext>
-            </a:extLst>
-          </p:cNvPr>
-          <p:cNvSpPr>
-            <a:spLocks noGrp="1"/>
-          </p:cNvSpPr>
-          <p:nvPr>
-            <p:ph type="title"/>
-          </p:nvPr>
-        </p:nvSpPr>
-        <p:spPr>
-          <a:xfrm>
-            <a:off x="4582886" y="685800"/>
-            <a:ext cx="3004458" cy="685800"/>
-          </a:xfrm>
-        </p:spPr>
-        <p:txBody>
-          <a:bodyPr/>
-          <a:lstStyle/>
-          <a:p>
-            <a:r>
-              <a:rPr lang="en-US" dirty="0"/>
-              <a:t>Conclusion</a:t>
-            </a:r>
-          </a:p>
-        </p:txBody>
-      </p:sp>
-      <p:sp>
-        <p:nvSpPr>
-          <p:cNvPr id="3" name="Text Placeholder 2">
-            <a:extLst>
-              <a:ext uri="{FF2B5EF4-FFF2-40B4-BE49-F238E27FC236}">
-                <a16:creationId xmlns:a16="http://schemas.microsoft.com/office/drawing/2014/main" id="{8B6963D9-3580-40DD-AD67-862CD1FA7F9F}"/>
-              </a:ext>
-            </a:extLst>
-          </p:cNvPr>
-          <p:cNvSpPr>
-            <a:spLocks noGrp="1"/>
-          </p:cNvSpPr>
-          <p:nvPr>
-            <p:ph type="body" idx="1"/>
-          </p:nvPr>
-        </p:nvSpPr>
-        <p:spPr>
-          <a:xfrm>
-            <a:off x="566057" y="1709058"/>
-            <a:ext cx="10994571" cy="3810000"/>
-          </a:xfrm>
-        </p:spPr>
-        <p:txBody>
-          <a:bodyPr>
-            <a:normAutofit fontScale="92500" lnSpcReduction="20000"/>
-          </a:bodyPr>
-          <a:lstStyle/>
-          <a:p>
-            <a:endParaRPr lang="en-US" dirty="0"/>
-          </a:p>
-          <a:p>
-            <a:endParaRPr lang="en-US" dirty="0"/>
-          </a:p>
-          <a:p>
-            <a:endParaRPr lang="en-US" dirty="0"/>
-          </a:p>
-          <a:p>
-            <a:r>
-              <a:rPr lang="en-US" dirty="0"/>
-              <a:t>I had several key takeaways from this project:</a:t>
-            </a:r>
-          </a:p>
-          <a:p>
-            <a:pPr marL="342900" indent="-342900">
-              <a:buFont typeface="Arial" panose="020B0604020202020204" pitchFamily="34" charset="0"/>
-              <a:buChar char="•"/>
-            </a:pPr>
-            <a:r>
-              <a:rPr lang="en-US" dirty="0"/>
-              <a:t>The only bad performer came from SVC, the rest of the models did pretty well</a:t>
-            </a:r>
-          </a:p>
-          <a:p>
-            <a:pPr marL="342900" indent="-342900">
-              <a:buFont typeface="Arial" panose="020B0604020202020204" pitchFamily="34" charset="0"/>
-              <a:buChar char="•"/>
-            </a:pPr>
-            <a:r>
-              <a:rPr lang="en-US" dirty="0"/>
-              <a:t>I was impressed by how close the simpler models came close the more complex models</a:t>
-            </a:r>
-          </a:p>
-          <a:p>
-            <a:pPr marL="342900" indent="-342900">
-              <a:buFont typeface="Arial" panose="020B0604020202020204" pitchFamily="34" charset="0"/>
-              <a:buChar char="•"/>
-            </a:pPr>
-            <a:r>
-              <a:rPr lang="en-US" dirty="0"/>
-              <a:t>PCA did not improve performance, I left in my PCA results to remind me that I need to test alternatives also</a:t>
-            </a:r>
-          </a:p>
-          <a:p>
-            <a:pPr marL="342900" indent="-342900">
-              <a:buFont typeface="Arial" panose="020B0604020202020204" pitchFamily="34" charset="0"/>
-              <a:buChar char="•"/>
-            </a:pPr>
-            <a:r>
-              <a:rPr lang="en-US" dirty="0"/>
-              <a:t>Random Forest performed the best but not by a lot</a:t>
-            </a:r>
-          </a:p>
-          <a:p>
-            <a:pPr marL="342900" indent="-342900">
-              <a:buFont typeface="Arial" panose="020B0604020202020204" pitchFamily="34" charset="0"/>
-              <a:buChar char="•"/>
-            </a:pPr>
-            <a:r>
-              <a:rPr lang="en-US" dirty="0"/>
-              <a:t>The other simpler models could be used to reduce complexity if needed.</a:t>
-            </a:r>
-          </a:p>
-          <a:p>
-            <a:endParaRPr lang="en-US" dirty="0"/>
-          </a:p>
-          <a:p>
-            <a:pPr marL="342900" indent="-342900">
-              <a:buFont typeface="Arial" panose="020B0604020202020204" pitchFamily="34" charset="0"/>
-              <a:buChar char="•"/>
-            </a:pPr>
-            <a:endParaRPr lang="en-US" dirty="0"/>
-          </a:p>
-          <a:p>
-            <a:pPr marL="342900" indent="-342900">
-              <a:buFont typeface="Arial" panose="020B0604020202020204" pitchFamily="34" charset="0"/>
-              <a:buChar char="•"/>
-            </a:pPr>
-            <a:endParaRPr lang="en-US" dirty="0"/>
-          </a:p>
-          <a:p>
-            <a:pPr marL="342900" indent="-342900">
-              <a:buFont typeface="Arial" panose="020B0604020202020204" pitchFamily="34" charset="0"/>
-              <a:buChar char="•"/>
-            </a:pPr>
-            <a:endParaRPr lang="en-US" dirty="0"/>
-          </a:p>
-        </p:txBody>
-      </p:sp>
-    </p:spTree>
-    <p:extLst>
-      <p:ext uri="{BB962C8B-B14F-4D97-AF65-F5344CB8AC3E}">
-        <p14:creationId xmlns:p14="http://schemas.microsoft.com/office/powerpoint/2010/main" val="2907348418"/>
-      </p:ext>
-    </p:extLst>
-  </p:cSld>
-  <p:clrMapOvr>
-    <a:masterClrMapping/>
-  </p:clrMapOvr>
-</p:sld>
-</file>
-
 <file path=ppt/slides/slide3.xml><?xml version="1.0" encoding="utf-8"?>
 <p:sld xmlns:a="http://schemas.openxmlformats.org/drawingml/2006/main" xmlns:r="http://schemas.openxmlformats.org/officeDocument/2006/relationships" xmlns:p="http://schemas.openxmlformats.org/presentationml/2006/main">
   <p:cSld>
@@ -9601,19 +10955,31 @@
           <a:lstStyle/>
           <a:p>
             <a:r>
-              <a:rPr lang="en-US" dirty="0"/>
+              <a:rPr lang="en-US" dirty="0">
+                <a:solidFill>
+                  <a:srgbClr val="002060"/>
+                </a:solidFill>
+              </a:rPr>
               <a:t>The shape is 1272 rows (schools) and 161 columns</a:t>
             </a:r>
           </a:p>
           <a:p>
             <a:r>
-              <a:rPr lang="en-US" dirty="0"/>
-              <a:t>The dataset intended use is to assist the school system discriminate between which schools needed the most help</a:t>
-            </a:r>
-          </a:p>
-          <a:p>
-            <a:r>
-              <a:rPr lang="en-US" dirty="0"/>
+              <a:rPr lang="en-US" dirty="0">
+                <a:solidFill>
+                  <a:srgbClr val="002060"/>
+                </a:solidFill>
+              </a:rPr>
+              <a:t>dataset is to determine between which schools were better</a:t>
+            </a:r>
+          </a:p>
+          <a:p>
+            <a:r>
+              <a:rPr lang="en-US" dirty="0">
+                <a:solidFill>
+                  <a:srgbClr val="002060"/>
+                </a:solidFill>
+              </a:rPr>
               <a:t>There were 3 features that had nearly no data in the columns</a:t>
             </a:r>
           </a:p>
@@ -9623,7 +10989,11 @@
               <a:buAutoNum type="arabicPeriod"/>
             </a:pPr>
             <a:r>
-              <a:rPr lang="en-US" dirty="0"/>
+              <a:rPr lang="en-US" dirty="0">
+                <a:solidFill>
+                  <a:srgbClr val="002060"/>
+                </a:solidFill>
+              </a:rPr>
               <a:t>Adjusted Grade – 1270/1272</a:t>
             </a:r>
           </a:p>
@@ -9633,7 +11003,11 @@
               <a:buAutoNum type="arabicPeriod"/>
             </a:pPr>
             <a:r>
-              <a:rPr lang="en-US" dirty="0"/>
+              <a:rPr lang="en-US" dirty="0">
+                <a:solidFill>
+                  <a:srgbClr val="002060"/>
+                </a:solidFill>
+              </a:rPr>
               <a:t>New? – 1243/1272</a:t>
             </a:r>
           </a:p>
@@ -9643,7 +11017,11 @@
               <a:buAutoNum type="arabicPeriod"/>
             </a:pPr>
             <a:r>
-              <a:rPr lang="en-US" dirty="0"/>
+              <a:rPr lang="en-US" dirty="0">
+                <a:solidFill>
+                  <a:srgbClr val="002060"/>
+                </a:solidFill>
+              </a:rPr>
               <a:t>Other Location in LCGMS – 1271/1272</a:t>
             </a:r>
           </a:p>
@@ -9666,6 +11044,215 @@
     <p:extLst>
       <p:ext uri="{BB962C8B-B14F-4D97-AF65-F5344CB8AC3E}">
         <p14:creationId xmlns:p14="http://schemas.microsoft.com/office/powerpoint/2010/main" val="2098620241"/>
+      </p:ext>
+    </p:extLst>
+  </p:cSld>
+  <p:clrMapOvr>
+    <a:masterClrMapping/>
+  </p:clrMapOvr>
+</p:sld>
+</file>
+
+<file path=ppt/slides/slide30.xml><?xml version="1.0" encoding="utf-8"?>
+<p:sld xmlns:a="http://schemas.openxmlformats.org/drawingml/2006/main" xmlns:r="http://schemas.openxmlformats.org/officeDocument/2006/relationships" xmlns:p="http://schemas.openxmlformats.org/presentationml/2006/main">
+  <p:cSld>
+    <p:spTree>
+      <p:nvGrpSpPr>
+        <p:cNvPr id="1" name=""/>
+        <p:cNvGrpSpPr/>
+        <p:nvPr/>
+      </p:nvGrpSpPr>
+      <p:grpSpPr>
+        <a:xfrm>
+          <a:off x="0" y="0"/>
+          <a:ext cx="0" cy="0"/>
+          <a:chOff x="0" y="0"/>
+          <a:chExt cx="0" cy="0"/>
+        </a:xfrm>
+      </p:grpSpPr>
+      <p:sp>
+        <p:nvSpPr>
+          <p:cNvPr id="2" name="Title 1">
+            <a:extLst>
+              <a:ext uri="{FF2B5EF4-FFF2-40B4-BE49-F238E27FC236}">
+                <a16:creationId xmlns:a16="http://schemas.microsoft.com/office/drawing/2014/main" id="{125B0CF7-1E88-4D8F-A80A-15E8FCCE63B8}"/>
+              </a:ext>
+            </a:extLst>
+          </p:cNvPr>
+          <p:cNvSpPr>
+            <a:spLocks noGrp="1"/>
+          </p:cNvSpPr>
+          <p:nvPr>
+            <p:ph type="title"/>
+          </p:nvPr>
+        </p:nvSpPr>
+        <p:spPr>
+          <a:xfrm>
+            <a:off x="4582886" y="685800"/>
+            <a:ext cx="3004458" cy="685800"/>
+          </a:xfrm>
+        </p:spPr>
+        <p:txBody>
+          <a:bodyPr/>
+          <a:lstStyle/>
+          <a:p>
+            <a:r>
+              <a:rPr lang="en-US" dirty="0"/>
+              <a:t>Conclusion</a:t>
+            </a:r>
+          </a:p>
+        </p:txBody>
+      </p:sp>
+      <p:sp>
+        <p:nvSpPr>
+          <p:cNvPr id="3" name="Text Placeholder 2">
+            <a:extLst>
+              <a:ext uri="{FF2B5EF4-FFF2-40B4-BE49-F238E27FC236}">
+                <a16:creationId xmlns:a16="http://schemas.microsoft.com/office/drawing/2014/main" id="{8B6963D9-3580-40DD-AD67-862CD1FA7F9F}"/>
+              </a:ext>
+            </a:extLst>
+          </p:cNvPr>
+          <p:cNvSpPr>
+            <a:spLocks noGrp="1"/>
+          </p:cNvSpPr>
+          <p:nvPr>
+            <p:ph type="body" idx="1"/>
+          </p:nvPr>
+        </p:nvSpPr>
+        <p:spPr>
+          <a:xfrm>
+            <a:off x="566057" y="1709058"/>
+            <a:ext cx="10994571" cy="3810000"/>
+          </a:xfrm>
+        </p:spPr>
+        <p:txBody>
+          <a:bodyPr>
+            <a:normAutofit fontScale="92500" lnSpcReduction="10000"/>
+          </a:bodyPr>
+          <a:lstStyle/>
+          <a:p>
+            <a:endParaRPr lang="en-US" dirty="0"/>
+          </a:p>
+          <a:p>
+            <a:endParaRPr lang="en-US" dirty="0"/>
+          </a:p>
+          <a:p>
+            <a:endParaRPr lang="en-US" dirty="0">
+              <a:solidFill>
+                <a:srgbClr val="002060"/>
+              </a:solidFill>
+            </a:endParaRPr>
+          </a:p>
+          <a:p>
+            <a:r>
+              <a:rPr lang="en-US" dirty="0">
+                <a:solidFill>
+                  <a:srgbClr val="002060"/>
+                </a:solidFill>
+              </a:rPr>
+              <a:t>I had several key takeaways from this project:</a:t>
+            </a:r>
+          </a:p>
+          <a:p>
+            <a:pPr marL="342900" indent="-342900">
+              <a:buFont typeface="Arial" panose="020B0604020202020204" pitchFamily="34" charset="0"/>
+              <a:buChar char="•"/>
+            </a:pPr>
+            <a:r>
+              <a:rPr lang="en-US" dirty="0">
+                <a:solidFill>
+                  <a:srgbClr val="002060"/>
+                </a:solidFill>
+              </a:rPr>
+              <a:t>The only bad performer came from SVC for math, KNN math was not great</a:t>
+            </a:r>
+          </a:p>
+          <a:p>
+            <a:pPr marL="342900" indent="-342900">
+              <a:buFont typeface="Arial" panose="020B0604020202020204" pitchFamily="34" charset="0"/>
+              <a:buChar char="•"/>
+            </a:pPr>
+            <a:r>
+              <a:rPr lang="en-US" dirty="0">
+                <a:solidFill>
+                  <a:srgbClr val="002060"/>
+                </a:solidFill>
+              </a:rPr>
+              <a:t>the simpler models had close accuracy to the more complex models</a:t>
+            </a:r>
+          </a:p>
+          <a:p>
+            <a:pPr marL="342900" indent="-342900">
+              <a:buFont typeface="Arial" panose="020B0604020202020204" pitchFamily="34" charset="0"/>
+              <a:buChar char="•"/>
+            </a:pPr>
+            <a:r>
+              <a:rPr lang="en-US" dirty="0">
+                <a:solidFill>
+                  <a:srgbClr val="002060"/>
+                </a:solidFill>
+              </a:rPr>
+              <a:t>PCA did not have the better accuracy for any of the models</a:t>
+            </a:r>
+          </a:p>
+          <a:p>
+            <a:pPr marL="342900" indent="-342900">
+              <a:buFont typeface="Arial" panose="020B0604020202020204" pitchFamily="34" charset="0"/>
+              <a:buChar char="•"/>
+            </a:pPr>
+            <a:r>
+              <a:rPr lang="en-US" dirty="0">
+                <a:solidFill>
+                  <a:srgbClr val="002060"/>
+                </a:solidFill>
+              </a:rPr>
+              <a:t>Random Forest performed for the math test but Gradient boosting was the best for ELA</a:t>
+            </a:r>
+          </a:p>
+          <a:p>
+            <a:pPr marL="342900" indent="-342900">
+              <a:buFont typeface="Arial" panose="020B0604020202020204" pitchFamily="34" charset="0"/>
+              <a:buChar char="•"/>
+            </a:pPr>
+            <a:r>
+              <a:rPr lang="en-US" dirty="0">
+                <a:solidFill>
+                  <a:srgbClr val="002060"/>
+                </a:solidFill>
+              </a:rPr>
+              <a:t>The other simpler models could be used to reduce complexity if needed.</a:t>
+            </a:r>
+          </a:p>
+          <a:p>
+            <a:endParaRPr lang="en-US" dirty="0"/>
+          </a:p>
+          <a:p>
+            <a:pPr marL="342900" indent="-342900">
+              <a:buFont typeface="Arial" panose="020B0604020202020204" pitchFamily="34" charset="0"/>
+              <a:buChar char="•"/>
+            </a:pPr>
+            <a:endParaRPr lang="en-US" dirty="0"/>
+          </a:p>
+          <a:p>
+            <a:pPr marL="342900" indent="-342900">
+              <a:buFont typeface="Arial" panose="020B0604020202020204" pitchFamily="34" charset="0"/>
+              <a:buChar char="•"/>
+            </a:pPr>
+            <a:endParaRPr lang="en-US" dirty="0"/>
+          </a:p>
+          <a:p>
+            <a:pPr marL="342900" indent="-342900">
+              <a:buFont typeface="Arial" panose="020B0604020202020204" pitchFamily="34" charset="0"/>
+              <a:buChar char="•"/>
+            </a:pPr>
+            <a:endParaRPr lang="en-US" dirty="0"/>
+          </a:p>
+        </p:txBody>
+      </p:sp>
+    </p:spTree>
+    <p:extLst>
+      <p:ext uri="{BB962C8B-B14F-4D97-AF65-F5344CB8AC3E}">
+        <p14:creationId xmlns:p14="http://schemas.microsoft.com/office/powerpoint/2010/main" val="2907348418"/>
       </p:ext>
     </p:extLst>
   </p:cSld>
@@ -9758,8 +11345,8 @@
         </p:nvSpPr>
         <p:spPr>
           <a:xfrm>
-            <a:off x="1465489" y="2535010"/>
-            <a:ext cx="8893629" cy="2963636"/>
+            <a:off x="1512433" y="2388053"/>
+            <a:ext cx="9167132" cy="2963636"/>
           </a:xfrm>
         </p:spPr>
         <p:txBody>
@@ -9773,7 +11360,11 @@
               <a:buChar char="•"/>
             </a:pPr>
             <a:r>
-              <a:rPr lang="en-US" sz="2000" dirty="0"/>
+              <a:rPr lang="en-US" sz="2000" dirty="0">
+                <a:solidFill>
+                  <a:srgbClr val="002060"/>
+                </a:solidFill>
+              </a:rPr>
               <a:t>8 New York specialized schools require this test for entrance</a:t>
             </a:r>
           </a:p>
@@ -9783,7 +11374,11 @@
               <a:buChar char="•"/>
             </a:pPr>
             <a:r>
-              <a:rPr lang="en-US" sz="2000" dirty="0"/>
+              <a:rPr lang="en-US" sz="2000" dirty="0">
+                <a:solidFill>
+                  <a:srgbClr val="002060"/>
+                </a:solidFill>
+              </a:rPr>
               <a:t>This test is given to students in the eighth and ninth grades</a:t>
             </a:r>
           </a:p>
@@ -9793,7 +11388,11 @@
               <a:buChar char="•"/>
             </a:pPr>
             <a:r>
-              <a:rPr lang="en-US" sz="2000" dirty="0"/>
+              <a:rPr lang="en-US" sz="2000" dirty="0">
+                <a:solidFill>
+                  <a:srgbClr val="002060"/>
+                </a:solidFill>
+              </a:rPr>
               <a:t>The test assesses English and math skills of the student</a:t>
             </a:r>
           </a:p>
@@ -9803,8 +11402,12 @@
               <a:buChar char="•"/>
             </a:pPr>
             <a:r>
-              <a:rPr lang="en-US" sz="2000" dirty="0"/>
-              <a:t>Students are ranked based on their test scores and assigned to a school based on ranking.</a:t>
+              <a:rPr lang="en-US" sz="2000" dirty="0">
+                <a:solidFill>
+                  <a:srgbClr val="002060"/>
+                </a:solidFill>
+              </a:rPr>
+              <a:t>Students are ranked and assigned to a school based on test ranking</a:t>
             </a:r>
           </a:p>
           <a:p>
@@ -10195,7 +11798,11 @@
               <a:buAutoNum type="arabicPeriod"/>
             </a:pPr>
             <a:r>
-              <a:rPr lang="en-US" dirty="0"/>
+              <a:rPr lang="en-US" dirty="0">
+                <a:solidFill>
+                  <a:srgbClr val="002060"/>
+                </a:solidFill>
+              </a:rPr>
               <a:t>Dropped irrelevant features to lower the number of features to 56 from 161</a:t>
             </a:r>
           </a:p>
@@ -10205,7 +11812,11 @@
               <a:buAutoNum type="arabicPeriod"/>
             </a:pPr>
             <a:r>
-              <a:rPr lang="en-US" dirty="0"/>
+              <a:rPr lang="en-US" dirty="0">
+                <a:solidFill>
+                  <a:srgbClr val="002060"/>
+                </a:solidFill>
+              </a:rPr>
               <a:t>Tried out two forms of feature selection: PCA and manually removal </a:t>
             </a:r>
           </a:p>
@@ -10215,7 +11826,11 @@
               <a:buAutoNum type="arabicPeriod"/>
             </a:pPr>
             <a:r>
-              <a:rPr lang="en-US" dirty="0"/>
+              <a:rPr lang="en-US" dirty="0">
+                <a:solidFill>
+                  <a:srgbClr val="002060"/>
+                </a:solidFill>
+              </a:rPr>
               <a:t>Dropped poor performers based on Random Forest feature importance to 34</a:t>
             </a:r>
           </a:p>
@@ -10345,7 +11960,11 @@
           </a:p>
           <a:p>
             <a:r>
-              <a:rPr lang="en-US" dirty="0"/>
+              <a:rPr lang="en-US" dirty="0">
+                <a:solidFill>
+                  <a:srgbClr val="002060"/>
+                </a:solidFill>
+              </a:rPr>
               <a:t>Reduces the complexity by reducing the number of variables to a smaller set of components</a:t>
             </a:r>
           </a:p>
@@ -10355,7 +11974,11 @@
               <a:buChar char="•"/>
             </a:pPr>
             <a:r>
-              <a:rPr lang="en-US" dirty="0"/>
+              <a:rPr lang="en-US" dirty="0">
+                <a:solidFill>
+                  <a:srgbClr val="002060"/>
+                </a:solidFill>
+              </a:rPr>
               <a:t>Reduces the dimensionality</a:t>
             </a:r>
           </a:p>
@@ -10365,7 +11988,11 @@
               <a:buChar char="•"/>
             </a:pPr>
             <a:r>
-              <a:rPr lang="en-US" dirty="0"/>
+              <a:rPr lang="en-US" dirty="0">
+                <a:solidFill>
+                  <a:srgbClr val="002060"/>
+                </a:solidFill>
+              </a:rPr>
               <a:t>Extracts information while removing the noise</a:t>
             </a:r>
           </a:p>
@@ -10375,7 +12002,11 @@
               <a:buChar char="•"/>
             </a:pPr>
             <a:r>
-              <a:rPr lang="en-US" dirty="0"/>
+              <a:rPr lang="en-US" dirty="0">
+                <a:solidFill>
+                  <a:srgbClr val="002060"/>
+                </a:solidFill>
+              </a:rPr>
               <a:t>Simplifies the dataset</a:t>
             </a:r>
           </a:p>
